--- a/ppts/555-ch01.pptx
+++ b/ppts/555-ch01.pptx
@@ -181,6 +181,36 @@
       </a:defRPr>
     </a:lvl9pPr>
   </p:defaultTextStyle>
+  <p:extLst>
+    <p:ext uri="{EFAFB233-063F-42B5-8137-9DF3F51BA10A}">
+      <p15:sldGuideLst xmlns:p15="http://schemas.microsoft.com/office/powerpoint/2012/main">
+        <p15:guide id="1" orient="horz" pos="2160">
+          <p15:clr>
+            <a:srgbClr val="A4A3A4"/>
+          </p15:clr>
+        </p15:guide>
+        <p15:guide id="2" pos="2880">
+          <p15:clr>
+            <a:srgbClr val="A4A3A4"/>
+          </p15:clr>
+        </p15:guide>
+      </p15:sldGuideLst>
+    </p:ext>
+    <p:ext uri="{2D200454-40CA-4A62-9FC3-DE9A4176ACB9}">
+      <p15:notesGuideLst xmlns:p15="http://schemas.microsoft.com/office/powerpoint/2012/main">
+        <p15:guide id="1" orient="horz" pos="2880">
+          <p15:clr>
+            <a:srgbClr val="A4A3A4"/>
+          </p15:clr>
+        </p15:guide>
+        <p15:guide id="2" pos="2160">
+          <p15:clr>
+            <a:srgbClr val="A4A3A4"/>
+          </p15:clr>
+        </p15:guide>
+      </p15:notesGuideLst>
+    </p:ext>
+  </p:extLst>
 </p:presentation>
 </file>
 
@@ -586,7 +616,7 @@
           </a:ln>
           <a:extLst>
             <a:ext uri="{909E8E84-426E-40dd-AFC4-6F175D3DCCD1}">
-              <a14:hiddenFill xmlns:a14="http://schemas.microsoft.com/office/drawing/2010/main">
+              <a14:hiddenFill xmlns="" xmlns:a14="http://schemas.microsoft.com/office/drawing/2010/main">
                 <a:solidFill>
                   <a:srgbClr val="FFFFFF"/>
                 </a:solidFill>
@@ -632,35 +662,35 @@
           <a:p>
             <a:pPr lvl="0"/>
             <a:r>
-              <a:rPr lang="en-US" noProof="0" smtClean="0"/>
+              <a:rPr lang="en-US" noProof="0"/>
               <a:t>Click to edit Master text styles</a:t>
             </a:r>
           </a:p>
           <a:p>
             <a:pPr lvl="1"/>
             <a:r>
-              <a:rPr lang="en-US" noProof="0" smtClean="0"/>
+              <a:rPr lang="en-US" noProof="0"/>
               <a:t>Second level</a:t>
             </a:r>
           </a:p>
           <a:p>
             <a:pPr lvl="2"/>
             <a:r>
-              <a:rPr lang="en-US" noProof="0" smtClean="0"/>
+              <a:rPr lang="en-US" noProof="0"/>
               <a:t>Third level</a:t>
             </a:r>
           </a:p>
           <a:p>
             <a:pPr lvl="3"/>
             <a:r>
-              <a:rPr lang="en-US" noProof="0" smtClean="0"/>
+              <a:rPr lang="en-US" noProof="0"/>
               <a:t>Fourth level</a:t>
             </a:r>
           </a:p>
           <a:p>
             <a:pPr lvl="4"/>
             <a:r>
-              <a:rPr lang="en-US" noProof="0" smtClean="0"/>
+              <a:rPr lang="en-US" noProof="0"/>
               <a:t>Fifth level</a:t>
             </a:r>
           </a:p>
@@ -935,14 +965,14 @@
           <a:ln/>
           <a:extLst>
             <a:ext uri="{909E8E84-426E-40dd-AFC4-6F175D3DCCD1}">
-              <a14:hiddenFill xmlns:a14="http://schemas.microsoft.com/office/drawing/2010/main">
+              <a14:hiddenFill xmlns="" xmlns:a14="http://schemas.microsoft.com/office/drawing/2010/main">
                 <a:solidFill>
                   <a:srgbClr val="FFFFFF"/>
                 </a:solidFill>
               </a14:hiddenFill>
             </a:ext>
             <a:ext uri="{91240B29-F687-4f45-9708-019B960494DF}">
-              <a14:hiddenLine xmlns:a14="http://schemas.microsoft.com/office/drawing/2010/main" w="9525">
+              <a14:hiddenLine xmlns="" xmlns:a14="http://schemas.microsoft.com/office/drawing/2010/main" w="9525">
                 <a:solidFill>
                   <a:srgbClr val="000000"/>
                 </a:solidFill>
@@ -1109,14 +1139,14 @@
           <a:ln/>
           <a:extLst>
             <a:ext uri="{909E8E84-426E-40dd-AFC4-6F175D3DCCD1}">
-              <a14:hiddenFill xmlns:a14="http://schemas.microsoft.com/office/drawing/2010/main">
+              <a14:hiddenFill xmlns="" xmlns:a14="http://schemas.microsoft.com/office/drawing/2010/main">
                 <a:solidFill>
                   <a:srgbClr val="FFFFFF"/>
                 </a:solidFill>
               </a14:hiddenFill>
             </a:ext>
             <a:ext uri="{91240B29-F687-4f45-9708-019B960494DF}">
-              <a14:hiddenLine xmlns:a14="http://schemas.microsoft.com/office/drawing/2010/main" w="9525">
+              <a14:hiddenLine xmlns="" xmlns:a14="http://schemas.microsoft.com/office/drawing/2010/main" w="9525">
                 <a:solidFill>
                   <a:srgbClr val="000000"/>
                 </a:solidFill>
@@ -1132,7 +1162,7 @@
           <a:lstStyle/>
           <a:p>
             <a:r>
-              <a:rPr lang="en-US" altLang="en-US" smtClean="0"/>
+              <a:rPr lang="en-US" altLang="en-US"/>
               <a:t>Challenges of Securing information</a:t>
             </a:r>
           </a:p>
@@ -1142,7 +1172,7 @@
               <a:buChar char="•"/>
             </a:pPr>
             <a:r>
-              <a:rPr lang="en-US" altLang="en-US" smtClean="0"/>
+              <a:rPr lang="en-US" altLang="en-US"/>
               <a:t>No simple solution</a:t>
             </a:r>
           </a:p>
@@ -1152,7 +1182,7 @@
               <a:buChar char="•"/>
             </a:pPr>
             <a:r>
-              <a:rPr lang="en-US" altLang="en-US" smtClean="0"/>
+              <a:rPr lang="en-US" altLang="en-US"/>
               <a:t>Many different types of attacks</a:t>
             </a:r>
           </a:p>
@@ -1162,7 +1192,7 @@
               <a:buChar char="•"/>
             </a:pPr>
             <a:r>
-              <a:rPr lang="en-US" altLang="en-US" smtClean="0"/>
+              <a:rPr lang="en-US" altLang="en-US"/>
               <a:t>Defending against attacks is often difficult</a:t>
             </a:r>
           </a:p>
@@ -1208,14 +1238,14 @@
           <a:ln/>
           <a:extLst>
             <a:ext uri="{909E8E84-426E-40dd-AFC4-6F175D3DCCD1}">
-              <a14:hiddenFill xmlns:a14="http://schemas.microsoft.com/office/drawing/2010/main">
+              <a14:hiddenFill xmlns="" xmlns:a14="http://schemas.microsoft.com/office/drawing/2010/main">
                 <a:solidFill>
                   <a:srgbClr val="FFFFFF"/>
                 </a:solidFill>
               </a14:hiddenFill>
             </a:ext>
             <a:ext uri="{91240B29-F687-4f45-9708-019B960494DF}">
-              <a14:hiddenLine xmlns:a14="http://schemas.microsoft.com/office/drawing/2010/main" w="9525">
+              <a14:hiddenLine xmlns="" xmlns:a14="http://schemas.microsoft.com/office/drawing/2010/main" w="9525">
                 <a:solidFill>
                   <a:srgbClr val="000000"/>
                 </a:solidFill>
@@ -1389,7 +1419,7 @@
               <a:defRPr/>
             </a:pPr>
             <a:r>
-              <a:rPr lang="en-US" altLang="en-US" dirty="0" smtClean="0">
+              <a:rPr lang="en-US" altLang="en-US" dirty="0">
                 <a:ea typeface="+mn-ea"/>
               </a:rPr>
               <a:t>Defining Information Security</a:t>
@@ -1401,7 +1431,7 @@
               <a:buChar char="•"/>
               <a:defRPr/>
             </a:pPr>
-            <a:endParaRPr lang="en-US" altLang="en-US" dirty="0" smtClean="0">
+            <a:endParaRPr lang="en-US" altLang="en-US" dirty="0">
               <a:ea typeface="+mn-ea"/>
             </a:endParaRPr>
           </a:p>
@@ -1412,7 +1442,7 @@
               <a:defRPr/>
             </a:pPr>
             <a:r>
-              <a:rPr lang="en-US" altLang="en-US" dirty="0" smtClean="0">
+              <a:rPr lang="en-US" altLang="en-US" dirty="0">
                 <a:ea typeface="+mn-ea"/>
               </a:rPr>
               <a:t>Protections implemented to secure information</a:t>
@@ -1425,7 +1455,7 @@
               <a:defRPr/>
             </a:pPr>
             <a:r>
-              <a:rPr lang="en-US" altLang="en-US" dirty="0" smtClean="0">
+              <a:rPr lang="en-US" altLang="en-US" dirty="0">
                 <a:ea typeface="+mn-ea"/>
               </a:rPr>
               <a:t>Authentication</a:t>
@@ -1438,7 +1468,7 @@
               <a:defRPr/>
             </a:pPr>
             <a:r>
-              <a:rPr lang="en-US" altLang="en-US" dirty="0" smtClean="0">
+              <a:rPr lang="en-US" altLang="en-US" dirty="0">
                 <a:ea typeface="+mn-ea"/>
               </a:rPr>
               <a:t>Ensures the individual is who they claim to be</a:t>
@@ -1451,7 +1481,7 @@
               <a:defRPr/>
             </a:pPr>
             <a:r>
-              <a:rPr lang="en-US" altLang="en-US" dirty="0" smtClean="0">
+              <a:rPr lang="en-US" altLang="en-US" dirty="0">
                 <a:ea typeface="+mn-ea"/>
               </a:rPr>
               <a:t>Authorization</a:t>
@@ -1464,7 +1494,7 @@
               <a:defRPr/>
             </a:pPr>
             <a:r>
-              <a:rPr lang="en-US" altLang="en-US" dirty="0" smtClean="0">
+              <a:rPr lang="en-US" altLang="en-US" dirty="0">
                 <a:ea typeface="+mn-ea"/>
               </a:rPr>
               <a:t>Provides permission or approval to specific technology resources</a:t>
@@ -1477,7 +1507,7 @@
               <a:defRPr/>
             </a:pPr>
             <a:r>
-              <a:rPr lang="en-US" altLang="en-US" dirty="0" smtClean="0">
+              <a:rPr lang="en-US" altLang="en-US" dirty="0">
                 <a:ea typeface="+mn-ea"/>
               </a:rPr>
               <a:t>Accounting</a:t>
@@ -1490,7 +1520,7 @@
               <a:defRPr/>
             </a:pPr>
             <a:r>
-              <a:rPr lang="en-US" altLang="en-US" dirty="0" smtClean="0">
+              <a:rPr lang="en-US" altLang="en-US" dirty="0">
                 <a:ea typeface="+mn-ea"/>
               </a:rPr>
               <a:t>Provides tracking of events</a:t>
@@ -1500,7 +1530,7 @@
             <a:pPr eaLnBrk="1" hangingPunct="1">
               <a:defRPr/>
             </a:pPr>
-            <a:endParaRPr lang="en-CA" altLang="en-US" dirty="0" smtClean="0">
+            <a:endParaRPr lang="en-CA" altLang="en-US" dirty="0">
               <a:ea typeface="+mn-ea"/>
             </a:endParaRPr>
           </a:p>
@@ -1546,14 +1576,14 @@
           <a:ln/>
           <a:extLst>
             <a:ext uri="{909E8E84-426E-40dd-AFC4-6F175D3DCCD1}">
-              <a14:hiddenFill xmlns:a14="http://schemas.microsoft.com/office/drawing/2010/main">
+              <a14:hiddenFill xmlns="" xmlns:a14="http://schemas.microsoft.com/office/drawing/2010/main">
                 <a:solidFill>
                   <a:srgbClr val="FFFFFF"/>
                 </a:solidFill>
               </a14:hiddenFill>
             </a:ext>
             <a:ext uri="{91240B29-F687-4f45-9708-019B960494DF}">
-              <a14:hiddenLine xmlns:a14="http://schemas.microsoft.com/office/drawing/2010/main" w="9525">
+              <a14:hiddenLine xmlns="" xmlns:a14="http://schemas.microsoft.com/office/drawing/2010/main" w="9525">
                 <a:solidFill>
                   <a:srgbClr val="000000"/>
                 </a:solidFill>
@@ -1727,7 +1757,7 @@
               <a:defRPr/>
             </a:pPr>
             <a:r>
-              <a:rPr lang="en-US" altLang="en-US" dirty="0" smtClean="0">
+              <a:rPr lang="en-US" altLang="en-US" dirty="0">
                 <a:ea typeface="+mn-ea"/>
               </a:rPr>
               <a:t>Defining Information Security</a:t>
@@ -1739,7 +1769,7 @@
               <a:buChar char="•"/>
               <a:defRPr/>
             </a:pPr>
-            <a:endParaRPr lang="en-US" altLang="en-US" dirty="0" smtClean="0">
+            <a:endParaRPr lang="en-US" altLang="en-US" dirty="0">
               <a:ea typeface="+mn-ea"/>
             </a:endParaRPr>
           </a:p>
@@ -1750,7 +1780,7 @@
               <a:defRPr/>
             </a:pPr>
             <a:r>
-              <a:rPr lang="en-US" altLang="en-US" dirty="0" smtClean="0">
+              <a:rPr lang="en-US" altLang="en-US" dirty="0">
                 <a:ea typeface="+mn-ea"/>
               </a:rPr>
               <a:t>Information security is achieved through a process that is a combination of three entities:</a:t>
@@ -1763,7 +1793,7 @@
               <a:defRPr/>
             </a:pPr>
             <a:r>
-              <a:rPr lang="en-US" altLang="en-US" dirty="0" smtClean="0">
+              <a:rPr lang="en-US" altLang="en-US" dirty="0">
                 <a:ea typeface="+mn-ea"/>
               </a:rPr>
               <a:t>Information and the hardware</a:t>
@@ -1776,7 +1806,7 @@
               <a:defRPr/>
             </a:pPr>
             <a:r>
-              <a:rPr lang="en-US" altLang="en-US" dirty="0" smtClean="0">
+              <a:rPr lang="en-US" altLang="en-US" dirty="0">
                 <a:ea typeface="+mn-ea"/>
               </a:rPr>
               <a:t>Software</a:t>
@@ -1789,7 +1819,7 @@
               <a:defRPr/>
             </a:pPr>
             <a:r>
-              <a:rPr lang="en-US" altLang="en-US" dirty="0" smtClean="0">
+              <a:rPr lang="en-US" altLang="en-US" dirty="0">
                 <a:ea typeface="+mn-ea"/>
               </a:rPr>
               <a:t>Communications</a:t>
@@ -1802,7 +1832,7 @@
               <a:defRPr/>
             </a:pPr>
             <a:r>
-              <a:rPr lang="en-US" altLang="en-US" dirty="0" smtClean="0">
+              <a:rPr lang="en-US" altLang="en-US" dirty="0">
                 <a:ea typeface="+mn-ea"/>
               </a:rPr>
               <a:t>These entities are protected in three layers:</a:t>
@@ -1815,7 +1845,7 @@
               <a:defRPr/>
             </a:pPr>
             <a:r>
-              <a:rPr lang="en-US" altLang="en-US" dirty="0" smtClean="0">
+              <a:rPr lang="en-US" altLang="en-US" dirty="0">
                 <a:ea typeface="+mn-ea"/>
               </a:rPr>
               <a:t>Products</a:t>
@@ -1828,7 +1858,7 @@
               <a:defRPr/>
             </a:pPr>
             <a:r>
-              <a:rPr lang="en-US" altLang="en-US" dirty="0" smtClean="0">
+              <a:rPr lang="en-US" altLang="en-US" dirty="0">
                 <a:ea typeface="+mn-ea"/>
               </a:rPr>
               <a:t>People</a:t>
@@ -1841,7 +1871,7 @@
               <a:defRPr/>
             </a:pPr>
             <a:r>
-              <a:rPr lang="en-US" altLang="en-US" dirty="0" smtClean="0">
+              <a:rPr lang="en-US" altLang="en-US" dirty="0">
                 <a:ea typeface="+mn-ea"/>
               </a:rPr>
               <a:t>Policies and procedures</a:t>
@@ -1851,7 +1881,7 @@
             <a:pPr eaLnBrk="1" hangingPunct="1">
               <a:defRPr/>
             </a:pPr>
-            <a:endParaRPr lang="en-CA" altLang="en-US" dirty="0" smtClean="0">
+            <a:endParaRPr lang="en-CA" altLang="en-US" dirty="0">
               <a:ea typeface="+mn-ea"/>
             </a:endParaRPr>
           </a:p>
@@ -1897,14 +1927,14 @@
           <a:ln/>
           <a:extLst>
             <a:ext uri="{909E8E84-426E-40dd-AFC4-6F175D3DCCD1}">
-              <a14:hiddenFill xmlns:a14="http://schemas.microsoft.com/office/drawing/2010/main">
+              <a14:hiddenFill xmlns="" xmlns:a14="http://schemas.microsoft.com/office/drawing/2010/main">
                 <a:solidFill>
                   <a:srgbClr val="FFFFFF"/>
                 </a:solidFill>
               </a14:hiddenFill>
             </a:ext>
             <a:ext uri="{91240B29-F687-4f45-9708-019B960494DF}">
-              <a14:hiddenLine xmlns:a14="http://schemas.microsoft.com/office/drawing/2010/main" w="9525">
+              <a14:hiddenLine xmlns="" xmlns:a14="http://schemas.microsoft.com/office/drawing/2010/main" w="9525">
                 <a:solidFill>
                   <a:srgbClr val="000000"/>
                 </a:solidFill>
@@ -2071,14 +2101,14 @@
           <a:ln/>
           <a:extLst>
             <a:ext uri="{909E8E84-426E-40dd-AFC4-6F175D3DCCD1}">
-              <a14:hiddenFill xmlns:a14="http://schemas.microsoft.com/office/drawing/2010/main">
+              <a14:hiddenFill xmlns="" xmlns:a14="http://schemas.microsoft.com/office/drawing/2010/main">
                 <a:solidFill>
                   <a:srgbClr val="FFFFFF"/>
                 </a:solidFill>
               </a14:hiddenFill>
             </a:ext>
             <a:ext uri="{91240B29-F687-4f45-9708-019B960494DF}">
-              <a14:hiddenLine xmlns:a14="http://schemas.microsoft.com/office/drawing/2010/main" w="9525">
+              <a14:hiddenLine xmlns="" xmlns:a14="http://schemas.microsoft.com/office/drawing/2010/main" w="9525">
                 <a:solidFill>
                   <a:srgbClr val="000000"/>
                 </a:solidFill>
@@ -2095,21 +2125,21 @@
           <a:p>
             <a:pPr eaLnBrk="1" hangingPunct="1"/>
             <a:r>
-              <a:rPr lang="en-US" altLang="en-US" smtClean="0"/>
+              <a:rPr lang="en-US" altLang="en-US"/>
               <a:t>Defining Information Security</a:t>
             </a:r>
           </a:p>
           <a:p>
             <a:pPr eaLnBrk="1" hangingPunct="1"/>
-            <a:endParaRPr lang="en-US" altLang="en-US" smtClean="0"/>
+            <a:endParaRPr lang="en-US" altLang="en-US"/>
           </a:p>
           <a:p>
             <a:pPr eaLnBrk="1" hangingPunct="1"/>
             <a:r>
-              <a:rPr lang="en-US" altLang="en-US" smtClean="0"/>
+              <a:rPr lang="en-US" altLang="en-US"/>
               <a:t>Figure 1-3  Information security layers</a:t>
             </a:r>
-            <a:endParaRPr lang="en-CA" altLang="en-US" smtClean="0"/>
+            <a:endParaRPr lang="en-CA" altLang="en-US"/>
           </a:p>
         </p:txBody>
       </p:sp>
@@ -2153,14 +2183,14 @@
           <a:ln/>
           <a:extLst>
             <a:ext uri="{909E8E84-426E-40dd-AFC4-6F175D3DCCD1}">
-              <a14:hiddenFill xmlns:a14="http://schemas.microsoft.com/office/drawing/2010/main">
+              <a14:hiddenFill xmlns="" xmlns:a14="http://schemas.microsoft.com/office/drawing/2010/main">
                 <a:solidFill>
                   <a:srgbClr val="FFFFFF"/>
                 </a:solidFill>
               </a14:hiddenFill>
             </a:ext>
             <a:ext uri="{91240B29-F687-4f45-9708-019B960494DF}">
-              <a14:hiddenLine xmlns:a14="http://schemas.microsoft.com/office/drawing/2010/main" w="9525">
+              <a14:hiddenLine xmlns="" xmlns:a14="http://schemas.microsoft.com/office/drawing/2010/main" w="9525">
                 <a:solidFill>
                   <a:srgbClr val="000000"/>
                 </a:solidFill>
@@ -2327,14 +2357,14 @@
           <a:ln/>
           <a:extLst>
             <a:ext uri="{909E8E84-426E-40dd-AFC4-6F175D3DCCD1}">
-              <a14:hiddenFill xmlns:a14="http://schemas.microsoft.com/office/drawing/2010/main">
+              <a14:hiddenFill xmlns="" xmlns:a14="http://schemas.microsoft.com/office/drawing/2010/main">
                 <a:solidFill>
                   <a:srgbClr val="FFFFFF"/>
                 </a:solidFill>
               </a14:hiddenFill>
             </a:ext>
             <a:ext uri="{91240B29-F687-4f45-9708-019B960494DF}">
-              <a14:hiddenLine xmlns:a14="http://schemas.microsoft.com/office/drawing/2010/main" w="9525">
+              <a14:hiddenLine xmlns="" xmlns:a14="http://schemas.microsoft.com/office/drawing/2010/main" w="9525">
                 <a:solidFill>
                   <a:srgbClr val="000000"/>
                 </a:solidFill>
@@ -2351,21 +2381,21 @@
           <a:p>
             <a:pPr eaLnBrk="1" hangingPunct="1"/>
             <a:r>
-              <a:rPr lang="en-US" altLang="en-US" smtClean="0"/>
+              <a:rPr lang="en-US" altLang="en-US"/>
               <a:t>Defining Information Security</a:t>
             </a:r>
           </a:p>
           <a:p>
             <a:pPr eaLnBrk="1" hangingPunct="1"/>
-            <a:endParaRPr lang="en-US" altLang="en-US" smtClean="0"/>
+            <a:endParaRPr lang="en-US" altLang="en-US"/>
           </a:p>
           <a:p>
             <a:pPr eaLnBrk="1" hangingPunct="1"/>
             <a:r>
-              <a:rPr lang="en-US" altLang="en-US" smtClean="0"/>
+              <a:rPr lang="en-US" altLang="en-US"/>
               <a:t>Table 1-3  Information security layers</a:t>
             </a:r>
-            <a:endParaRPr lang="en-CA" altLang="en-US" smtClean="0"/>
+            <a:endParaRPr lang="en-CA" altLang="en-US"/>
           </a:p>
         </p:txBody>
       </p:sp>
@@ -2409,14 +2439,14 @@
           <a:ln/>
           <a:extLst>
             <a:ext uri="{909E8E84-426E-40dd-AFC4-6F175D3DCCD1}">
-              <a14:hiddenFill xmlns:a14="http://schemas.microsoft.com/office/drawing/2010/main">
+              <a14:hiddenFill xmlns="" xmlns:a14="http://schemas.microsoft.com/office/drawing/2010/main">
                 <a:solidFill>
                   <a:srgbClr val="FFFFFF"/>
                 </a:solidFill>
               </a14:hiddenFill>
             </a:ext>
             <a:ext uri="{91240B29-F687-4f45-9708-019B960494DF}">
-              <a14:hiddenLine xmlns:a14="http://schemas.microsoft.com/office/drawing/2010/main" w="9525">
+              <a14:hiddenLine xmlns="" xmlns:a14="http://schemas.microsoft.com/office/drawing/2010/main" w="9525">
                 <a:solidFill>
                   <a:srgbClr val="000000"/>
                 </a:solidFill>
@@ -2590,7 +2620,7 @@
               <a:defRPr/>
             </a:pPr>
             <a:r>
-              <a:rPr lang="en-US" altLang="en-US" dirty="0" smtClean="0">
+              <a:rPr lang="en-US" altLang="en-US" dirty="0">
                 <a:ea typeface="+mn-ea"/>
               </a:rPr>
               <a:t>Information Security Terminology</a:t>
@@ -2600,7 +2630,7 @@
             <a:pPr eaLnBrk="1" hangingPunct="1">
               <a:defRPr/>
             </a:pPr>
-            <a:endParaRPr lang="en-US" altLang="en-US" dirty="0" smtClean="0">
+            <a:endParaRPr lang="en-US" altLang="en-US" dirty="0">
               <a:ea typeface="+mn-ea"/>
             </a:endParaRPr>
           </a:p>
@@ -2611,7 +2641,7 @@
               <a:defRPr/>
             </a:pPr>
             <a:r>
-              <a:rPr lang="en-US" altLang="en-US" b="1" dirty="0" smtClean="0">
+              <a:rPr lang="en-US" altLang="en-US" b="1" dirty="0">
                 <a:ea typeface="+mn-ea"/>
               </a:rPr>
               <a:t>Asset</a:t>
@@ -2624,7 +2654,7 @@
               <a:defRPr/>
             </a:pPr>
             <a:r>
-              <a:rPr lang="en-US" altLang="en-US" dirty="0" smtClean="0">
+              <a:rPr lang="en-US" altLang="en-US" dirty="0">
                 <a:ea typeface="+mn-ea"/>
               </a:rPr>
               <a:t>Item that has  value</a:t>
@@ -2637,7 +2667,7 @@
               <a:defRPr/>
             </a:pPr>
             <a:r>
-              <a:rPr lang="en-US" altLang="en-US" b="1" dirty="0" smtClean="0">
+              <a:rPr lang="en-US" altLang="en-US" b="1" dirty="0">
                 <a:ea typeface="+mn-ea"/>
               </a:rPr>
               <a:t>Threat</a:t>
@@ -2650,7 +2680,7 @@
               <a:defRPr/>
             </a:pPr>
             <a:r>
-              <a:rPr lang="en-US" altLang="en-US" dirty="0" smtClean="0">
+              <a:rPr lang="en-US" altLang="en-US" dirty="0">
                 <a:ea typeface="+mn-ea"/>
               </a:rPr>
               <a:t>Type of action that has the potential to cause harm</a:t>
@@ -2663,7 +2693,7 @@
               <a:defRPr/>
             </a:pPr>
             <a:r>
-              <a:rPr lang="en-US" altLang="en-US" b="1" dirty="0" smtClean="0">
+              <a:rPr lang="en-US" altLang="en-US" b="1" dirty="0">
                 <a:ea typeface="+mn-ea"/>
               </a:rPr>
               <a:t>Threat agent</a:t>
@@ -2676,7 +2706,7 @@
               <a:defRPr/>
             </a:pPr>
             <a:r>
-              <a:rPr lang="en-US" altLang="en-US" dirty="0" smtClean="0">
+              <a:rPr lang="en-US" altLang="en-US" dirty="0">
                 <a:ea typeface="+mn-ea"/>
               </a:rPr>
               <a:t>A person or element with power to carry out a threat</a:t>
@@ -2686,7 +2716,7 @@
             <a:pPr eaLnBrk="1" hangingPunct="1">
               <a:defRPr/>
             </a:pPr>
-            <a:endParaRPr lang="en-CA" altLang="en-US" dirty="0" smtClean="0">
+            <a:endParaRPr lang="en-CA" altLang="en-US" dirty="0">
               <a:ea typeface="+mn-ea"/>
             </a:endParaRPr>
           </a:p>
@@ -2732,14 +2762,14 @@
           <a:ln/>
           <a:extLst>
             <a:ext uri="{909E8E84-426E-40dd-AFC4-6F175D3DCCD1}">
-              <a14:hiddenFill xmlns:a14="http://schemas.microsoft.com/office/drawing/2010/main">
+              <a14:hiddenFill xmlns="" xmlns:a14="http://schemas.microsoft.com/office/drawing/2010/main">
                 <a:solidFill>
                   <a:srgbClr val="FFFFFF"/>
                 </a:solidFill>
               </a14:hiddenFill>
             </a:ext>
             <a:ext uri="{91240B29-F687-4f45-9708-019B960494DF}">
-              <a14:hiddenLine xmlns:a14="http://schemas.microsoft.com/office/drawing/2010/main" w="9525">
+              <a14:hiddenLine xmlns="" xmlns:a14="http://schemas.microsoft.com/office/drawing/2010/main" w="9525">
                 <a:solidFill>
                   <a:srgbClr val="000000"/>
                 </a:solidFill>
@@ -2906,14 +2936,14 @@
           <a:ln/>
           <a:extLst>
             <a:ext uri="{909E8E84-426E-40dd-AFC4-6F175D3DCCD1}">
-              <a14:hiddenFill xmlns:a14="http://schemas.microsoft.com/office/drawing/2010/main">
+              <a14:hiddenFill xmlns="" xmlns:a14="http://schemas.microsoft.com/office/drawing/2010/main">
                 <a:solidFill>
                   <a:srgbClr val="FFFFFF"/>
                 </a:solidFill>
               </a14:hiddenFill>
             </a:ext>
             <a:ext uri="{91240B29-F687-4f45-9708-019B960494DF}">
-              <a14:hiddenLine xmlns:a14="http://schemas.microsoft.com/office/drawing/2010/main" w="9525">
+              <a14:hiddenLine xmlns="" xmlns:a14="http://schemas.microsoft.com/office/drawing/2010/main" w="9525">
                 <a:solidFill>
                   <a:srgbClr val="000000"/>
                 </a:solidFill>
@@ -2930,21 +2960,21 @@
           <a:p>
             <a:pPr eaLnBrk="1" hangingPunct="1"/>
             <a:r>
-              <a:rPr lang="en-US" altLang="en-US" smtClean="0"/>
+              <a:rPr lang="en-US" altLang="en-US"/>
               <a:t>Information Security Terminology</a:t>
             </a:r>
           </a:p>
           <a:p>
             <a:pPr eaLnBrk="1" hangingPunct="1"/>
-            <a:endParaRPr lang="en-US" altLang="en-US" smtClean="0"/>
+            <a:endParaRPr lang="en-US" altLang="en-US"/>
           </a:p>
           <a:p>
             <a:pPr eaLnBrk="1" hangingPunct="1"/>
             <a:r>
-              <a:rPr lang="en-US" altLang="en-US" smtClean="0"/>
+              <a:rPr lang="en-US" altLang="en-US"/>
               <a:t>Table 1-4  Information technology assets</a:t>
             </a:r>
-            <a:endParaRPr lang="en-CA" altLang="en-US" smtClean="0"/>
+            <a:endParaRPr lang="en-CA" altLang="en-US"/>
           </a:p>
         </p:txBody>
       </p:sp>
@@ -2988,14 +3018,14 @@
           <a:ln/>
           <a:extLst>
             <a:ext uri="{909E8E84-426E-40dd-AFC4-6F175D3DCCD1}">
-              <a14:hiddenFill xmlns:a14="http://schemas.microsoft.com/office/drawing/2010/main">
+              <a14:hiddenFill xmlns="" xmlns:a14="http://schemas.microsoft.com/office/drawing/2010/main">
                 <a:solidFill>
                   <a:srgbClr val="FFFFFF"/>
                 </a:solidFill>
               </a14:hiddenFill>
             </a:ext>
             <a:ext uri="{91240B29-F687-4f45-9708-019B960494DF}">
-              <a14:hiddenLine xmlns:a14="http://schemas.microsoft.com/office/drawing/2010/main" w="9525">
+              <a14:hiddenLine xmlns="" xmlns:a14="http://schemas.microsoft.com/office/drawing/2010/main" w="9525">
                 <a:solidFill>
                   <a:srgbClr val="000000"/>
                 </a:solidFill>
@@ -3169,7 +3199,7 @@
               <a:defRPr/>
             </a:pPr>
             <a:r>
-              <a:rPr lang="en-US" altLang="en-US" dirty="0" smtClean="0">
+              <a:rPr lang="en-US" altLang="en-US" dirty="0">
                 <a:ea typeface="+mn-ea"/>
               </a:rPr>
               <a:t>Information Security Terminology</a:t>
@@ -3181,7 +3211,7 @@
               <a:buChar char="•"/>
               <a:defRPr/>
             </a:pPr>
-            <a:endParaRPr lang="en-US" altLang="en-US" dirty="0" smtClean="0">
+            <a:endParaRPr lang="en-US" altLang="en-US" dirty="0">
               <a:ea typeface="+mn-ea"/>
             </a:endParaRPr>
           </a:p>
@@ -3192,7 +3222,7 @@
               <a:defRPr/>
             </a:pPr>
             <a:r>
-              <a:rPr lang="en-US" altLang="en-US" b="1" dirty="0" smtClean="0">
+              <a:rPr lang="en-US" altLang="en-US" b="1" dirty="0">
                 <a:ea typeface="+mn-ea"/>
               </a:rPr>
               <a:t>Vulnerability</a:t>
@@ -3205,7 +3235,7 @@
               <a:defRPr/>
             </a:pPr>
             <a:r>
-              <a:rPr lang="en-US" altLang="en-US" dirty="0" smtClean="0">
+              <a:rPr lang="en-US" altLang="en-US" dirty="0">
                 <a:ea typeface="+mn-ea"/>
               </a:rPr>
               <a:t>Flaw or weakness that allows a threat agent to bypass security</a:t>
@@ -3218,7 +3248,7 @@
               <a:defRPr/>
             </a:pPr>
             <a:r>
-              <a:rPr lang="en-US" altLang="en-US" b="1" dirty="0" smtClean="0">
+              <a:rPr lang="en-US" altLang="en-US" b="1" dirty="0">
                 <a:ea typeface="+mn-ea"/>
               </a:rPr>
               <a:t>Threat vector</a:t>
@@ -3231,7 +3261,7 @@
               <a:defRPr/>
             </a:pPr>
             <a:r>
-              <a:rPr lang="en-US" altLang="en-US" dirty="0" smtClean="0">
+              <a:rPr lang="en-US" altLang="en-US" dirty="0">
                 <a:ea typeface="+mn-ea"/>
               </a:rPr>
               <a:t>The means by which an attack can occur</a:t>
@@ -3244,7 +3274,7 @@
               <a:defRPr/>
             </a:pPr>
             <a:r>
-              <a:rPr lang="en-US" altLang="en-US" b="1" dirty="0" smtClean="0">
+              <a:rPr lang="en-US" altLang="en-US" b="1" dirty="0">
                 <a:ea typeface="+mn-ea"/>
               </a:rPr>
               <a:t>Threat likelihood</a:t>
@@ -3257,7 +3287,7 @@
               <a:defRPr/>
             </a:pPr>
             <a:r>
-              <a:rPr lang="en-US" altLang="en-US" dirty="0" smtClean="0">
+              <a:rPr lang="en-US" altLang="en-US" dirty="0">
                 <a:ea typeface="+mn-ea"/>
               </a:rPr>
               <a:t>Likelihood that threat agent will exploit vulnerability</a:t>
@@ -3270,7 +3300,7 @@
               <a:defRPr/>
             </a:pPr>
             <a:r>
-              <a:rPr lang="en-US" altLang="en-US" b="1" dirty="0" smtClean="0">
+              <a:rPr lang="en-US" altLang="en-US" b="1" dirty="0">
                 <a:ea typeface="+mn-ea"/>
               </a:rPr>
               <a:t>Risk</a:t>
@@ -3283,7 +3313,7 @@
               <a:defRPr/>
             </a:pPr>
             <a:r>
-              <a:rPr lang="en-US" altLang="en-US" dirty="0" smtClean="0">
+              <a:rPr lang="en-US" altLang="en-US" dirty="0">
                 <a:ea typeface="+mn-ea"/>
               </a:rPr>
               <a:t>A situation that involves exposure to some type of danger</a:t>
@@ -3295,7 +3325,7 @@
               <a:buChar char="•"/>
               <a:defRPr/>
             </a:pPr>
-            <a:endParaRPr lang="en-US" altLang="en-US" dirty="0" smtClean="0">
+            <a:endParaRPr lang="en-US" altLang="en-US" dirty="0">
               <a:ea typeface="+mn-ea"/>
             </a:endParaRPr>
           </a:p>
@@ -3303,7 +3333,7 @@
             <a:pPr eaLnBrk="1" hangingPunct="1">
               <a:defRPr/>
             </a:pPr>
-            <a:endParaRPr lang="en-CA" altLang="en-US" dirty="0" smtClean="0">
+            <a:endParaRPr lang="en-CA" altLang="en-US" dirty="0">
               <a:ea typeface="+mn-ea"/>
             </a:endParaRPr>
           </a:p>
@@ -3349,14 +3379,14 @@
           <a:ln/>
           <a:extLst>
             <a:ext uri="{909E8E84-426E-40dd-AFC4-6F175D3DCCD1}">
-              <a14:hiddenFill xmlns:a14="http://schemas.microsoft.com/office/drawing/2010/main">
+              <a14:hiddenFill xmlns="" xmlns:a14="http://schemas.microsoft.com/office/drawing/2010/main">
                 <a:solidFill>
                   <a:srgbClr val="FFFFFF"/>
                 </a:solidFill>
               </a14:hiddenFill>
             </a:ext>
             <a:ext uri="{91240B29-F687-4f45-9708-019B960494DF}">
-              <a14:hiddenLine xmlns:a14="http://schemas.microsoft.com/office/drawing/2010/main" w="9525">
+              <a14:hiddenLine xmlns="" xmlns:a14="http://schemas.microsoft.com/office/drawing/2010/main" w="9525">
                 <a:solidFill>
                   <a:srgbClr val="000000"/>
                 </a:solidFill>
@@ -3530,7 +3560,7 @@
               <a:defRPr/>
             </a:pPr>
             <a:r>
-              <a:rPr lang="en-US" altLang="en-US" dirty="0" smtClean="0">
+              <a:rPr lang="en-US" altLang="en-US" dirty="0">
                 <a:ea typeface="+mn-ea"/>
               </a:rPr>
               <a:t>Information Security Terminology</a:t>
@@ -3542,7 +3572,7 @@
               <a:buChar char="•"/>
               <a:defRPr/>
             </a:pPr>
-            <a:endParaRPr lang="en-US" altLang="en-US" dirty="0" smtClean="0">
+            <a:endParaRPr lang="en-US" altLang="en-US" dirty="0">
               <a:ea typeface="+mn-ea"/>
             </a:endParaRPr>
           </a:p>
@@ -3553,7 +3583,7 @@
               <a:defRPr/>
             </a:pPr>
             <a:r>
-              <a:rPr lang="en-US" altLang="en-US" dirty="0" smtClean="0">
+              <a:rPr lang="en-US" altLang="en-US" dirty="0">
                 <a:ea typeface="+mn-ea"/>
               </a:rPr>
               <a:t>Options to deal with risk:</a:t>
@@ -3566,13 +3596,13 @@
               <a:defRPr/>
             </a:pPr>
             <a:r>
-              <a:rPr lang="en-US" altLang="en-US" b="1" dirty="0" smtClean="0">
+              <a:rPr lang="en-US" altLang="en-US" b="1" dirty="0">
                 <a:ea typeface="+mn-ea"/>
               </a:rPr>
               <a:t>Risk avoidance </a:t>
             </a:r>
             <a:r>
-              <a:rPr lang="en-US" altLang="en-US" dirty="0" smtClean="0">
+              <a:rPr lang="en-US" altLang="en-US" dirty="0">
                 <a:ea typeface="+mn-ea"/>
               </a:rPr>
               <a:t>- involves identifying the risk but not engaging in the activity</a:t>
@@ -3585,13 +3615,13 @@
               <a:defRPr/>
             </a:pPr>
             <a:r>
-              <a:rPr lang="en-US" altLang="en-US" b="1" dirty="0" smtClean="0">
+              <a:rPr lang="en-US" altLang="en-US" b="1" dirty="0">
                 <a:ea typeface="+mn-ea"/>
               </a:rPr>
               <a:t>Acceptance</a:t>
             </a:r>
             <a:r>
-              <a:rPr lang="en-US" altLang="en-US" dirty="0" smtClean="0">
+              <a:rPr lang="en-US" altLang="en-US" dirty="0">
                 <a:ea typeface="+mn-ea"/>
               </a:rPr>
               <a:t> - risk is acknowledged but no steps are taken to address it</a:t>
@@ -3604,13 +3634,13 @@
               <a:defRPr/>
             </a:pPr>
             <a:r>
-              <a:rPr lang="en-US" altLang="en-US" b="1" dirty="0" smtClean="0">
+              <a:rPr lang="en-US" altLang="en-US" b="1" dirty="0">
                 <a:ea typeface="+mn-ea"/>
               </a:rPr>
               <a:t>Risk mitigation </a:t>
             </a:r>
             <a:r>
-              <a:rPr lang="en-US" altLang="en-US" dirty="0" smtClean="0">
+              <a:rPr lang="en-US" altLang="en-US" dirty="0">
                 <a:ea typeface="+mn-ea"/>
               </a:rPr>
               <a:t>- the attempt to address the risks by making risk less serious</a:t>
@@ -3623,13 +3653,13 @@
               <a:defRPr/>
             </a:pPr>
             <a:r>
-              <a:rPr lang="en-US" altLang="en-US" b="1" dirty="0" smtClean="0">
+              <a:rPr lang="en-US" altLang="en-US" b="1" dirty="0">
                 <a:ea typeface="+mn-ea"/>
               </a:rPr>
               <a:t>Deterrence</a:t>
             </a:r>
             <a:r>
-              <a:rPr lang="en-US" altLang="en-US" dirty="0" smtClean="0">
+              <a:rPr lang="en-US" altLang="en-US" dirty="0">
                 <a:ea typeface="+mn-ea"/>
               </a:rPr>
               <a:t> - understanding the attacker and then informing him of the consequences of his actions</a:t>
@@ -3642,13 +3672,13 @@
               <a:defRPr/>
             </a:pPr>
             <a:r>
-              <a:rPr lang="en-US" altLang="en-US" b="1" dirty="0" smtClean="0">
+              <a:rPr lang="en-US" altLang="en-US" b="1" dirty="0">
                 <a:ea typeface="+mn-ea"/>
               </a:rPr>
               <a:t>Transference</a:t>
             </a:r>
             <a:r>
-              <a:rPr lang="en-US" altLang="en-US" dirty="0" smtClean="0">
+              <a:rPr lang="en-US" altLang="en-US" dirty="0">
                 <a:ea typeface="+mn-ea"/>
               </a:rPr>
               <a:t> - transferring the risk to a third party</a:t>
@@ -3660,7 +3690,7 @@
               <a:buChar char="•"/>
               <a:defRPr/>
             </a:pPr>
-            <a:endParaRPr lang="en-US" altLang="en-US" dirty="0" smtClean="0">
+            <a:endParaRPr lang="en-US" altLang="en-US" dirty="0">
               <a:ea typeface="+mn-ea"/>
             </a:endParaRPr>
           </a:p>
@@ -3668,7 +3698,7 @@
             <a:pPr lvl="2">
               <a:defRPr/>
             </a:pPr>
-            <a:endParaRPr lang="en-US" altLang="en-US" dirty="0" smtClean="0">
+            <a:endParaRPr lang="en-US" altLang="en-US" dirty="0">
               <a:ea typeface="+mn-ea"/>
             </a:endParaRPr>
           </a:p>
@@ -3676,7 +3706,7 @@
             <a:pPr eaLnBrk="1" hangingPunct="1">
               <a:defRPr/>
             </a:pPr>
-            <a:endParaRPr lang="en-CA" altLang="en-US" dirty="0" smtClean="0">
+            <a:endParaRPr lang="en-CA" altLang="en-US" dirty="0">
               <a:ea typeface="+mn-ea"/>
             </a:endParaRPr>
           </a:p>
@@ -3722,14 +3752,14 @@
           <a:ln/>
           <a:extLst>
             <a:ext uri="{909E8E84-426E-40dd-AFC4-6F175D3DCCD1}">
-              <a14:hiddenFill xmlns:a14="http://schemas.microsoft.com/office/drawing/2010/main">
+              <a14:hiddenFill xmlns="" xmlns:a14="http://schemas.microsoft.com/office/drawing/2010/main">
                 <a:solidFill>
                   <a:srgbClr val="FFFFFF"/>
                 </a:solidFill>
               </a14:hiddenFill>
             </a:ext>
             <a:ext uri="{91240B29-F687-4f45-9708-019B960494DF}">
-              <a14:hiddenLine xmlns:a14="http://schemas.microsoft.com/office/drawing/2010/main" w="9525">
+              <a14:hiddenLine xmlns="" xmlns:a14="http://schemas.microsoft.com/office/drawing/2010/main" w="9525">
                 <a:solidFill>
                   <a:srgbClr val="000000"/>
                 </a:solidFill>
@@ -3896,14 +3926,14 @@
           <a:ln/>
           <a:extLst>
             <a:ext uri="{909E8E84-426E-40dd-AFC4-6F175D3DCCD1}">
-              <a14:hiddenFill xmlns:a14="http://schemas.microsoft.com/office/drawing/2010/main">
+              <a14:hiddenFill xmlns="" xmlns:a14="http://schemas.microsoft.com/office/drawing/2010/main">
                 <a:solidFill>
                   <a:srgbClr val="FFFFFF"/>
                 </a:solidFill>
               </a14:hiddenFill>
             </a:ext>
             <a:ext uri="{91240B29-F687-4f45-9708-019B960494DF}">
-              <a14:hiddenLine xmlns:a14="http://schemas.microsoft.com/office/drawing/2010/main" w="9525">
+              <a14:hiddenLine xmlns="" xmlns:a14="http://schemas.microsoft.com/office/drawing/2010/main" w="9525">
                 <a:solidFill>
                   <a:srgbClr val="000000"/>
                 </a:solidFill>
@@ -3920,21 +3950,21 @@
           <a:p>
             <a:pPr eaLnBrk="1" hangingPunct="1"/>
             <a:r>
-              <a:rPr lang="en-US" altLang="en-US" smtClean="0"/>
+              <a:rPr lang="en-US" altLang="en-US"/>
               <a:t>Information Security Terminology</a:t>
             </a:r>
           </a:p>
           <a:p>
             <a:pPr eaLnBrk="1" hangingPunct="1"/>
-            <a:endParaRPr lang="en-US" altLang="en-US" smtClean="0"/>
+            <a:endParaRPr lang="en-US" altLang="en-US"/>
           </a:p>
           <a:p>
             <a:pPr eaLnBrk="1" hangingPunct="1"/>
             <a:r>
-              <a:rPr lang="en-US" altLang="en-US" smtClean="0"/>
+              <a:rPr lang="en-US" altLang="en-US"/>
               <a:t>Table 1-5  Information security terminology</a:t>
             </a:r>
-            <a:endParaRPr lang="en-CA" altLang="en-US" smtClean="0"/>
+            <a:endParaRPr lang="en-CA" altLang="en-US"/>
           </a:p>
         </p:txBody>
       </p:sp>
@@ -3978,14 +4008,14 @@
           <a:ln/>
           <a:extLst>
             <a:ext uri="{909E8E84-426E-40dd-AFC4-6F175D3DCCD1}">
-              <a14:hiddenFill xmlns:a14="http://schemas.microsoft.com/office/drawing/2010/main">
+              <a14:hiddenFill xmlns="" xmlns:a14="http://schemas.microsoft.com/office/drawing/2010/main">
                 <a:solidFill>
                   <a:srgbClr val="FFFFFF"/>
                 </a:solidFill>
               </a14:hiddenFill>
             </a:ext>
             <a:ext uri="{91240B29-F687-4f45-9708-019B960494DF}">
-              <a14:hiddenLine xmlns:a14="http://schemas.microsoft.com/office/drawing/2010/main" w="9525">
+              <a14:hiddenLine xmlns="" xmlns:a14="http://schemas.microsoft.com/office/drawing/2010/main" w="9525">
                 <a:solidFill>
                   <a:srgbClr val="000000"/>
                 </a:solidFill>
@@ -4158,7 +4188,7 @@
             <a:pPr eaLnBrk="1" hangingPunct="1">
               <a:defRPr/>
             </a:pPr>
-            <a:endParaRPr lang="en-US" altLang="en-US" dirty="0" smtClean="0">
+            <a:endParaRPr lang="en-US" altLang="en-US" dirty="0">
               <a:ea typeface="+mn-ea"/>
             </a:endParaRPr>
           </a:p>
@@ -4167,7 +4197,7 @@
               <a:defRPr/>
             </a:pPr>
             <a:r>
-              <a:rPr lang="en-US" altLang="en-US" dirty="0" smtClean="0">
+              <a:rPr lang="en-US" altLang="en-US" dirty="0">
                 <a:ea typeface="+mn-ea"/>
               </a:rPr>
               <a:t>10 AM ended here 8/31</a:t>
@@ -4177,7 +4207,7 @@
             <a:pPr eaLnBrk="1" hangingPunct="1">
               <a:defRPr/>
             </a:pPr>
-            <a:endParaRPr lang="en-US" altLang="en-US" dirty="0" smtClean="0">
+            <a:endParaRPr lang="en-US" altLang="en-US" dirty="0">
               <a:ea typeface="+mn-ea"/>
             </a:endParaRPr>
           </a:p>
@@ -4186,7 +4216,7 @@
               <a:defRPr/>
             </a:pPr>
             <a:r>
-              <a:rPr lang="en-US" altLang="en-US" dirty="0" smtClean="0">
+              <a:rPr lang="en-US" altLang="en-US" dirty="0">
                 <a:ea typeface="+mn-ea"/>
               </a:rPr>
               <a:t>Understanding the Importance of Information Security</a:t>
@@ -4198,7 +4228,7 @@
               <a:buChar char="•"/>
               <a:defRPr/>
             </a:pPr>
-            <a:endParaRPr lang="en-US" altLang="en-US" dirty="0" smtClean="0">
+            <a:endParaRPr lang="en-US" altLang="en-US" dirty="0">
               <a:ea typeface="+mn-ea"/>
             </a:endParaRPr>
           </a:p>
@@ -4209,7 +4239,7 @@
               <a:defRPr/>
             </a:pPr>
             <a:r>
-              <a:rPr lang="en-US" altLang="en-US" dirty="0" smtClean="0">
+              <a:rPr lang="en-US" altLang="en-US" dirty="0">
                 <a:ea typeface="+mn-ea"/>
               </a:rPr>
               <a:t>Information security can be helpful in:</a:t>
@@ -4222,7 +4252,7 @@
               <a:defRPr/>
             </a:pPr>
             <a:r>
-              <a:rPr lang="en-US" altLang="en-US" dirty="0" smtClean="0">
+              <a:rPr lang="en-US" altLang="en-US" dirty="0">
                 <a:ea typeface="+mn-ea"/>
               </a:rPr>
               <a:t>Preventing data theft</a:t>
@@ -4235,7 +4265,7 @@
               <a:defRPr/>
             </a:pPr>
             <a:r>
-              <a:rPr lang="en-US" altLang="en-US" dirty="0" smtClean="0">
+              <a:rPr lang="en-US" altLang="en-US" dirty="0">
                 <a:ea typeface="+mn-ea"/>
               </a:rPr>
               <a:t>Thwarting identity theft</a:t>
@@ -4248,7 +4278,7 @@
               <a:defRPr/>
             </a:pPr>
             <a:r>
-              <a:rPr lang="en-US" altLang="en-US" dirty="0" smtClean="0">
+              <a:rPr lang="en-US" altLang="en-US" dirty="0">
                 <a:ea typeface="+mn-ea"/>
               </a:rPr>
               <a:t>Avoiding the legal consequences of not securing information</a:t>
@@ -4261,7 +4291,7 @@
               <a:defRPr/>
             </a:pPr>
             <a:r>
-              <a:rPr lang="en-US" altLang="en-US" dirty="0" smtClean="0">
+              <a:rPr lang="en-US" altLang="en-US" dirty="0">
                 <a:ea typeface="+mn-ea"/>
               </a:rPr>
               <a:t>Maintaining productivity</a:t>
@@ -4274,7 +4304,7 @@
               <a:defRPr/>
             </a:pPr>
             <a:r>
-              <a:rPr lang="en-US" altLang="en-US" dirty="0" smtClean="0">
+              <a:rPr lang="en-US" altLang="en-US" dirty="0">
                 <a:ea typeface="+mn-ea"/>
               </a:rPr>
               <a:t>Foiling cyberterrorism </a:t>
@@ -4284,7 +4314,7 @@
             <a:pPr eaLnBrk="1" hangingPunct="1">
               <a:defRPr/>
             </a:pPr>
-            <a:endParaRPr lang="en-CA" altLang="en-US" dirty="0" smtClean="0">
+            <a:endParaRPr lang="en-CA" altLang="en-US" dirty="0">
               <a:ea typeface="+mn-ea"/>
             </a:endParaRPr>
           </a:p>
@@ -4330,14 +4360,14 @@
           <a:ln/>
           <a:extLst>
             <a:ext uri="{909E8E84-426E-40dd-AFC4-6F175D3DCCD1}">
-              <a14:hiddenFill xmlns:a14="http://schemas.microsoft.com/office/drawing/2010/main">
+              <a14:hiddenFill xmlns="" xmlns:a14="http://schemas.microsoft.com/office/drawing/2010/main">
                 <a:solidFill>
                   <a:srgbClr val="FFFFFF"/>
                 </a:solidFill>
               </a14:hiddenFill>
             </a:ext>
             <a:ext uri="{91240B29-F687-4f45-9708-019B960494DF}">
-              <a14:hiddenLine xmlns:a14="http://schemas.microsoft.com/office/drawing/2010/main" w="9525">
+              <a14:hiddenLine xmlns="" xmlns:a14="http://schemas.microsoft.com/office/drawing/2010/main" w="9525">
                 <a:solidFill>
                   <a:srgbClr val="000000"/>
                 </a:solidFill>
@@ -4504,14 +4534,14 @@
           <a:ln/>
           <a:extLst>
             <a:ext uri="{909E8E84-426E-40dd-AFC4-6F175D3DCCD1}">
-              <a14:hiddenFill xmlns:a14="http://schemas.microsoft.com/office/drawing/2010/main">
+              <a14:hiddenFill xmlns="" xmlns:a14="http://schemas.microsoft.com/office/drawing/2010/main">
                 <a:solidFill>
                   <a:srgbClr val="FFFFFF"/>
                 </a:solidFill>
               </a14:hiddenFill>
             </a:ext>
             <a:ext uri="{91240B29-F687-4f45-9708-019B960494DF}">
-              <a14:hiddenLine xmlns:a14="http://schemas.microsoft.com/office/drawing/2010/main" w="9525">
+              <a14:hiddenLine xmlns="" xmlns:a14="http://schemas.microsoft.com/office/drawing/2010/main" w="9525">
                 <a:solidFill>
                   <a:srgbClr val="000000"/>
                 </a:solidFill>
@@ -4528,7 +4558,7 @@
           <a:p>
             <a:pPr eaLnBrk="1" hangingPunct="1"/>
             <a:r>
-              <a:rPr lang="en-US" altLang="en-US" smtClean="0"/>
+              <a:rPr lang="en-US" altLang="en-US"/>
               <a:t>Today’s Security Attacks</a:t>
             </a:r>
           </a:p>
@@ -4537,7 +4567,7 @@
               <a:buFontTx/>
               <a:buChar char="•"/>
             </a:pPr>
-            <a:endParaRPr lang="en-US" altLang="en-US" smtClean="0"/>
+            <a:endParaRPr lang="en-US" altLang="en-US"/>
           </a:p>
           <a:p>
             <a:pPr>
@@ -4545,7 +4575,7 @@
               <a:buChar char="•"/>
             </a:pPr>
             <a:r>
-              <a:rPr lang="en-US" altLang="en-US" smtClean="0"/>
+              <a:rPr lang="en-US" altLang="en-US"/>
               <a:t>Examples of recent attacks </a:t>
             </a:r>
           </a:p>
@@ -4555,7 +4585,7 @@
               <a:buChar char="•"/>
             </a:pPr>
             <a:r>
-              <a:rPr lang="en-US" altLang="en-US" smtClean="0"/>
+              <a:rPr lang="en-US" altLang="en-US"/>
               <a:t>Attack on a credit card processing company that handles prepaid debit cards</a:t>
             </a:r>
           </a:p>
@@ -4565,7 +4595,7 @@
               <a:buChar char="•"/>
             </a:pPr>
             <a:r>
-              <a:rPr lang="en-US" altLang="en-US" smtClean="0"/>
+              <a:rPr lang="en-US" altLang="en-US"/>
               <a:t>Taking control of wireless cameras</a:t>
             </a:r>
           </a:p>
@@ -4575,7 +4605,7 @@
               <a:buChar char="•"/>
             </a:pPr>
             <a:r>
-              <a:rPr lang="en-US" altLang="en-US" smtClean="0"/>
+              <a:rPr lang="en-US" altLang="en-US"/>
               <a:t>ATM machine attacks</a:t>
             </a:r>
           </a:p>
@@ -4585,7 +4615,7 @@
               <a:buChar char="•"/>
             </a:pPr>
             <a:r>
-              <a:rPr lang="en-US" altLang="en-US" smtClean="0"/>
+              <a:rPr lang="en-US" altLang="en-US"/>
               <a:t>Taking over Twitter accounts</a:t>
             </a:r>
           </a:p>
@@ -4595,7 +4625,7 @@
               <a:buChar char="•"/>
             </a:pPr>
             <a:r>
-              <a:rPr lang="en-US" altLang="en-US" smtClean="0"/>
+              <a:rPr lang="en-US" altLang="en-US"/>
               <a:t>Serial server attacks</a:t>
             </a:r>
           </a:p>
@@ -4605,7 +4635,7 @@
               <a:buChar char="•"/>
             </a:pPr>
             <a:r>
-              <a:rPr lang="en-US" altLang="en-US" smtClean="0"/>
+              <a:rPr lang="en-US" altLang="en-US"/>
               <a:t>Attackers using online sites such as Craigslist and eBay to lure victims to download malware</a:t>
             </a:r>
           </a:p>
@@ -4615,13 +4645,13 @@
               <a:buChar char="•"/>
             </a:pPr>
             <a:r>
-              <a:rPr lang="en-US" altLang="en-US" smtClean="0"/>
+              <a:rPr lang="en-US" altLang="en-US"/>
               <a:t>Penetration of Apple’s very own network</a:t>
             </a:r>
           </a:p>
           <a:p>
             <a:pPr eaLnBrk="1" hangingPunct="1"/>
-            <a:endParaRPr lang="en-CA" altLang="en-US" smtClean="0"/>
+            <a:endParaRPr lang="en-CA" altLang="en-US"/>
           </a:p>
         </p:txBody>
       </p:sp>
@@ -4665,14 +4695,14 @@
           <a:ln/>
           <a:extLst>
             <a:ext uri="{909E8E84-426E-40dd-AFC4-6F175D3DCCD1}">
-              <a14:hiddenFill xmlns:a14="http://schemas.microsoft.com/office/drawing/2010/main">
+              <a14:hiddenFill xmlns="" xmlns:a14="http://schemas.microsoft.com/office/drawing/2010/main">
                 <a:solidFill>
                   <a:srgbClr val="FFFFFF"/>
                 </a:solidFill>
               </a14:hiddenFill>
             </a:ext>
             <a:ext uri="{91240B29-F687-4f45-9708-019B960494DF}">
-              <a14:hiddenLine xmlns:a14="http://schemas.microsoft.com/office/drawing/2010/main" w="9525">
+              <a14:hiddenLine xmlns="" xmlns:a14="http://schemas.microsoft.com/office/drawing/2010/main" w="9525">
                 <a:solidFill>
                   <a:srgbClr val="000000"/>
                 </a:solidFill>
@@ -4839,14 +4869,14 @@
           <a:ln/>
           <a:extLst>
             <a:ext uri="{909E8E84-426E-40dd-AFC4-6F175D3DCCD1}">
-              <a14:hiddenFill xmlns:a14="http://schemas.microsoft.com/office/drawing/2010/main">
+              <a14:hiddenFill xmlns="" xmlns:a14="http://schemas.microsoft.com/office/drawing/2010/main">
                 <a:solidFill>
                   <a:srgbClr val="FFFFFF"/>
                 </a:solidFill>
               </a14:hiddenFill>
             </a:ext>
             <a:ext uri="{91240B29-F687-4f45-9708-019B960494DF}">
-              <a14:hiddenLine xmlns:a14="http://schemas.microsoft.com/office/drawing/2010/main" w="9525">
+              <a14:hiddenLine xmlns="" xmlns:a14="http://schemas.microsoft.com/office/drawing/2010/main" w="9525">
                 <a:solidFill>
                   <a:srgbClr val="000000"/>
                 </a:solidFill>
@@ -4863,7 +4893,7 @@
           <a:p>
             <a:pPr eaLnBrk="1" hangingPunct="1"/>
             <a:r>
-              <a:rPr lang="en-US" altLang="en-US" smtClean="0"/>
+              <a:rPr lang="en-US" altLang="en-US"/>
               <a:t>Thwarting Identity Theft</a:t>
             </a:r>
           </a:p>
@@ -4872,7 +4902,7 @@
               <a:buFontTx/>
               <a:buChar char="•"/>
             </a:pPr>
-            <a:endParaRPr lang="en-CA" altLang="en-US" smtClean="0"/>
+            <a:endParaRPr lang="en-CA" altLang="en-US"/>
           </a:p>
           <a:p>
             <a:pPr>
@@ -4880,7 +4910,7 @@
               <a:buChar char="•"/>
             </a:pPr>
             <a:r>
-              <a:rPr lang="en-US" altLang="en-US" smtClean="0"/>
+              <a:rPr lang="en-US" altLang="en-US"/>
               <a:t>Identity theft</a:t>
             </a:r>
           </a:p>
@@ -4890,7 +4920,7 @@
               <a:buChar char="•"/>
             </a:pPr>
             <a:r>
-              <a:rPr lang="en-US" altLang="en-US" smtClean="0"/>
+              <a:rPr lang="en-US" altLang="en-US"/>
               <a:t>Stealing another person’s personal information</a:t>
             </a:r>
           </a:p>
@@ -4900,7 +4930,7 @@
               <a:buChar char="•"/>
             </a:pPr>
             <a:r>
-              <a:rPr lang="en-US" altLang="en-US" smtClean="0"/>
+              <a:rPr lang="en-US" altLang="en-US"/>
               <a:t>Usually using it for financial gain</a:t>
             </a:r>
           </a:p>
@@ -4910,7 +4940,7 @@
               <a:buChar char="•"/>
             </a:pPr>
             <a:r>
-              <a:rPr lang="en-US" altLang="en-US" smtClean="0"/>
+              <a:rPr lang="en-US" altLang="en-US"/>
               <a:t>Example: </a:t>
             </a:r>
           </a:p>
@@ -4920,7 +4950,7 @@
               <a:buChar char="•"/>
             </a:pPr>
             <a:r>
-              <a:rPr lang="en-US" altLang="en-US" smtClean="0"/>
+              <a:rPr lang="en-US" altLang="en-US"/>
               <a:t>Steal person’s SSN</a:t>
             </a:r>
           </a:p>
@@ -4930,7 +4960,7 @@
               <a:buChar char="•"/>
             </a:pPr>
             <a:r>
-              <a:rPr lang="en-US" altLang="en-US" smtClean="0"/>
+              <a:rPr lang="en-US" altLang="en-US"/>
               <a:t>Create new credit card account to charge purchases and leave them unpaid</a:t>
             </a:r>
           </a:p>
@@ -4940,7 +4970,7 @@
               <a:buChar char="•"/>
             </a:pPr>
             <a:r>
-              <a:rPr lang="en-US" altLang="en-US" smtClean="0"/>
+              <a:rPr lang="en-US" altLang="en-US"/>
               <a:t>File fraudulent tax returns</a:t>
             </a:r>
           </a:p>
@@ -4949,11 +4979,11 @@
               <a:buFontTx/>
               <a:buChar char="•"/>
             </a:pPr>
-            <a:endParaRPr lang="en-US" altLang="en-US" smtClean="0"/>
+            <a:endParaRPr lang="en-US" altLang="en-US"/>
           </a:p>
           <a:p>
             <a:pPr eaLnBrk="1" hangingPunct="1"/>
-            <a:endParaRPr lang="en-CA" altLang="en-US" smtClean="0"/>
+            <a:endParaRPr lang="en-CA" altLang="en-US"/>
           </a:p>
         </p:txBody>
       </p:sp>
@@ -4997,14 +5027,14 @@
           <a:ln/>
           <a:extLst>
             <a:ext uri="{909E8E84-426E-40dd-AFC4-6F175D3DCCD1}">
-              <a14:hiddenFill xmlns:a14="http://schemas.microsoft.com/office/drawing/2010/main">
+              <a14:hiddenFill xmlns="" xmlns:a14="http://schemas.microsoft.com/office/drawing/2010/main">
                 <a:solidFill>
                   <a:srgbClr val="FFFFFF"/>
                 </a:solidFill>
               </a14:hiddenFill>
             </a:ext>
             <a:ext uri="{91240B29-F687-4f45-9708-019B960494DF}">
-              <a14:hiddenLine xmlns:a14="http://schemas.microsoft.com/office/drawing/2010/main" w="9525">
+              <a14:hiddenLine xmlns="" xmlns:a14="http://schemas.microsoft.com/office/drawing/2010/main" w="9525">
                 <a:solidFill>
                   <a:srgbClr val="000000"/>
                 </a:solidFill>
@@ -5171,14 +5201,14 @@
           <a:ln/>
           <a:extLst>
             <a:ext uri="{909E8E84-426E-40dd-AFC4-6F175D3DCCD1}">
-              <a14:hiddenFill xmlns:a14="http://schemas.microsoft.com/office/drawing/2010/main">
+              <a14:hiddenFill xmlns="" xmlns:a14="http://schemas.microsoft.com/office/drawing/2010/main">
                 <a:solidFill>
                   <a:srgbClr val="FFFFFF"/>
                 </a:solidFill>
               </a14:hiddenFill>
             </a:ext>
             <a:ext uri="{91240B29-F687-4f45-9708-019B960494DF}">
-              <a14:hiddenLine xmlns:a14="http://schemas.microsoft.com/office/drawing/2010/main" w="9525">
+              <a14:hiddenLine xmlns="" xmlns:a14="http://schemas.microsoft.com/office/drawing/2010/main" w="9525">
                 <a:solidFill>
                   <a:srgbClr val="000000"/>
                 </a:solidFill>
@@ -5195,7 +5225,7 @@
           <a:p>
             <a:pPr eaLnBrk="1" hangingPunct="1"/>
             <a:r>
-              <a:rPr lang="en-US" altLang="en-US" smtClean="0"/>
+              <a:rPr lang="en-US" altLang="en-US" dirty="0"/>
               <a:t>Avoiding Legal Consequences</a:t>
             </a:r>
           </a:p>
@@ -5204,7 +5234,7 @@
               <a:buFontTx/>
               <a:buChar char="•"/>
             </a:pPr>
-            <a:endParaRPr lang="en-US" altLang="en-US" smtClean="0"/>
+            <a:endParaRPr lang="en-US" altLang="en-US" dirty="0"/>
           </a:p>
           <a:p>
             <a:pPr>
@@ -5212,7 +5242,7 @@
               <a:buChar char="•"/>
             </a:pPr>
             <a:r>
-              <a:rPr lang="en-US" altLang="en-US" smtClean="0"/>
+              <a:rPr lang="en-US" altLang="en-US" dirty="0"/>
               <a:t>Laws protecting electronic data privacy:</a:t>
             </a:r>
           </a:p>
@@ -5222,7 +5252,7 @@
               <a:buChar char="•"/>
             </a:pPr>
             <a:r>
-              <a:rPr lang="en-US" altLang="en-US" i="1" smtClean="0"/>
+              <a:rPr lang="en-US" altLang="en-US" i="1" dirty="0"/>
               <a:t>The Health Insurance Portability and Accountability Act of 1996 (HIPAA)</a:t>
             </a:r>
           </a:p>
@@ -5232,8 +5262,16 @@
               <a:buChar char="•"/>
             </a:pPr>
             <a:r>
-              <a:rPr lang="en-US" altLang="en-US" i="1" smtClean="0"/>
-              <a:t>The Sarbanes-Oxley Act of 2002 (Sarbox)</a:t>
+              <a:rPr lang="en-US" altLang="en-US" i="1" dirty="0"/>
+              <a:t>The Sarbanes-Oxley Act of 2002 (</a:t>
+            </a:r>
+            <a:r>
+              <a:rPr lang="en-US" altLang="en-US" i="1" dirty="0" err="1"/>
+              <a:t>Sarbox</a:t>
+            </a:r>
+            <a:r>
+              <a:rPr lang="en-US" altLang="en-US" i="1" dirty="0"/>
+              <a:t>)</a:t>
             </a:r>
           </a:p>
           <a:p>
@@ -5242,7 +5280,7 @@
               <a:buChar char="•"/>
             </a:pPr>
             <a:r>
-              <a:rPr lang="en-US" altLang="en-US" i="1" smtClean="0"/>
+              <a:rPr lang="en-US" altLang="en-US" i="1" dirty="0"/>
               <a:t>The Gramm-Leach-Bliley Act (GLBA)</a:t>
             </a:r>
           </a:p>
@@ -5252,7 +5290,7 @@
               <a:buChar char="•"/>
             </a:pPr>
             <a:r>
-              <a:rPr lang="en-US" altLang="en-US" i="1" smtClean="0"/>
+              <a:rPr lang="en-US" altLang="en-US" i="1" dirty="0"/>
               <a:t>Payment Card Industry Data Security Standard (PCI DSS)</a:t>
             </a:r>
           </a:p>
@@ -5262,13 +5300,13 @@
               <a:buChar char="•"/>
             </a:pPr>
             <a:r>
-              <a:rPr lang="en-US" altLang="en-US" i="1" smtClean="0"/>
+              <a:rPr lang="en-US" altLang="en-US" i="1" dirty="0"/>
               <a:t>California’s Database Security Breach Notification Act (2003)</a:t>
             </a:r>
           </a:p>
           <a:p>
             <a:pPr eaLnBrk="1" hangingPunct="1"/>
-            <a:endParaRPr lang="en-CA" altLang="en-US" smtClean="0"/>
+            <a:endParaRPr lang="en-CA" altLang="en-US" dirty="0"/>
           </a:p>
         </p:txBody>
       </p:sp>
@@ -5312,14 +5350,14 @@
           <a:ln/>
           <a:extLst>
             <a:ext uri="{909E8E84-426E-40dd-AFC4-6F175D3DCCD1}">
-              <a14:hiddenFill xmlns:a14="http://schemas.microsoft.com/office/drawing/2010/main">
+              <a14:hiddenFill xmlns="" xmlns:a14="http://schemas.microsoft.com/office/drawing/2010/main">
                 <a:solidFill>
                   <a:srgbClr val="FFFFFF"/>
                 </a:solidFill>
               </a14:hiddenFill>
             </a:ext>
             <a:ext uri="{91240B29-F687-4f45-9708-019B960494DF}">
-              <a14:hiddenLine xmlns:a14="http://schemas.microsoft.com/office/drawing/2010/main" w="9525">
+              <a14:hiddenLine xmlns="" xmlns:a14="http://schemas.microsoft.com/office/drawing/2010/main" w="9525">
                 <a:solidFill>
                   <a:srgbClr val="000000"/>
                 </a:solidFill>
@@ -5493,7 +5531,7 @@
               <a:defRPr/>
             </a:pPr>
             <a:r>
-              <a:rPr lang="en-US" altLang="en-US" dirty="0" smtClean="0">
+              <a:rPr lang="en-US" altLang="en-US" dirty="0">
                 <a:ea typeface="+mn-ea"/>
               </a:rPr>
               <a:t>Foiling Cyberterrorism</a:t>
@@ -5505,7 +5543,7 @@
               <a:buChar char="•"/>
               <a:defRPr/>
             </a:pPr>
-            <a:endParaRPr lang="en-US" altLang="en-US" dirty="0" smtClean="0">
+            <a:endParaRPr lang="en-US" altLang="en-US" dirty="0">
               <a:ea typeface="+mn-ea"/>
             </a:endParaRPr>
           </a:p>
@@ -5516,7 +5554,7 @@
               <a:defRPr/>
             </a:pPr>
             <a:r>
-              <a:rPr lang="en-US" altLang="en-US" dirty="0" smtClean="0">
+              <a:rPr lang="en-US" altLang="en-US" dirty="0">
                 <a:ea typeface="+mn-ea"/>
               </a:rPr>
               <a:t>Cyberterrorism </a:t>
@@ -5529,7 +5567,7 @@
               <a:defRPr/>
             </a:pPr>
             <a:r>
-              <a:rPr lang="en-US" altLang="en-US" dirty="0" smtClean="0">
+              <a:rPr lang="en-US" altLang="en-US" dirty="0">
                 <a:ea typeface="+mn-ea"/>
               </a:rPr>
               <a:t>Any premeditated, politically motivated attack against information, computer systems, computer programs, and data</a:t>
@@ -5542,7 +5580,7 @@
               <a:defRPr/>
             </a:pPr>
             <a:r>
-              <a:rPr lang="en-US" altLang="en-US" dirty="0" smtClean="0">
+              <a:rPr lang="en-US" altLang="en-US" dirty="0">
                 <a:ea typeface="+mn-ea"/>
               </a:rPr>
               <a:t>Designed to:</a:t>
@@ -5555,7 +5593,7 @@
               <a:defRPr/>
             </a:pPr>
             <a:r>
-              <a:rPr lang="en-US" altLang="en-US" dirty="0" smtClean="0">
+              <a:rPr lang="en-US" altLang="en-US" dirty="0">
                 <a:ea typeface="+mn-ea"/>
               </a:rPr>
               <a:t>Cause panic</a:t>
@@ -5568,7 +5606,7 @@
               <a:defRPr/>
             </a:pPr>
             <a:r>
-              <a:rPr lang="en-US" altLang="en-US" dirty="0" smtClean="0">
+              <a:rPr lang="en-US" altLang="en-US" dirty="0">
                 <a:ea typeface="+mn-ea"/>
               </a:rPr>
               <a:t>Provoke violence</a:t>
@@ -5581,7 +5619,7 @@
               <a:defRPr/>
             </a:pPr>
             <a:r>
-              <a:rPr lang="en-US" altLang="en-US" dirty="0" smtClean="0">
+              <a:rPr lang="en-US" altLang="en-US" dirty="0">
                 <a:ea typeface="+mn-ea"/>
               </a:rPr>
               <a:t>Result in financial catastrophe</a:t>
@@ -5594,7 +5632,7 @@
               <a:defRPr/>
             </a:pPr>
             <a:r>
-              <a:rPr lang="en-US" altLang="en-US" dirty="0" smtClean="0">
+              <a:rPr lang="en-US" altLang="en-US" dirty="0">
                 <a:ea typeface="+mn-ea"/>
               </a:rPr>
               <a:t>May be directed at targets such as the banking industry, power plants, air traffic control centers, and water systems</a:t>
@@ -5606,7 +5644,7 @@
               <a:buChar char="•"/>
               <a:defRPr/>
             </a:pPr>
-            <a:endParaRPr lang="en-US" altLang="en-US" dirty="0" smtClean="0">
+            <a:endParaRPr lang="en-US" altLang="en-US" dirty="0">
               <a:ea typeface="+mn-ea"/>
             </a:endParaRPr>
           </a:p>
@@ -5614,7 +5652,7 @@
             <a:pPr eaLnBrk="1" hangingPunct="1">
               <a:defRPr/>
             </a:pPr>
-            <a:endParaRPr lang="en-CA" altLang="en-US" dirty="0" smtClean="0">
+            <a:endParaRPr lang="en-CA" altLang="en-US" dirty="0">
               <a:ea typeface="+mn-ea"/>
             </a:endParaRPr>
           </a:p>
@@ -5660,14 +5698,14 @@
           <a:ln/>
           <a:extLst>
             <a:ext uri="{909E8E84-426E-40dd-AFC4-6F175D3DCCD1}">
-              <a14:hiddenFill xmlns:a14="http://schemas.microsoft.com/office/drawing/2010/main">
+              <a14:hiddenFill xmlns="" xmlns:a14="http://schemas.microsoft.com/office/drawing/2010/main">
                 <a:solidFill>
                   <a:srgbClr val="FFFFFF"/>
                 </a:solidFill>
               </a14:hiddenFill>
             </a:ext>
             <a:ext uri="{91240B29-F687-4f45-9708-019B960494DF}">
-              <a14:hiddenLine xmlns:a14="http://schemas.microsoft.com/office/drawing/2010/main" w="9525">
+              <a14:hiddenLine xmlns="" xmlns:a14="http://schemas.microsoft.com/office/drawing/2010/main" w="9525">
                 <a:solidFill>
                   <a:srgbClr val="000000"/>
                 </a:solidFill>
@@ -5834,14 +5872,14 @@
           <a:ln/>
           <a:extLst>
             <a:ext uri="{909E8E84-426E-40dd-AFC4-6F175D3DCCD1}">
-              <a14:hiddenFill xmlns:a14="http://schemas.microsoft.com/office/drawing/2010/main">
+              <a14:hiddenFill xmlns="" xmlns:a14="http://schemas.microsoft.com/office/drawing/2010/main">
                 <a:solidFill>
                   <a:srgbClr val="FFFFFF"/>
                 </a:solidFill>
               </a14:hiddenFill>
             </a:ext>
             <a:ext uri="{91240B29-F687-4f45-9708-019B960494DF}">
-              <a14:hiddenLine xmlns:a14="http://schemas.microsoft.com/office/drawing/2010/main" w="9525">
+              <a14:hiddenLine xmlns="" xmlns:a14="http://schemas.microsoft.com/office/drawing/2010/main" w="9525">
                 <a:solidFill>
                   <a:srgbClr val="000000"/>
                 </a:solidFill>
@@ -5858,7 +5896,7 @@
           <a:p>
             <a:pPr eaLnBrk="1" hangingPunct="1"/>
             <a:r>
-              <a:rPr lang="en-US" altLang="en-US" smtClean="0"/>
+              <a:rPr lang="en-US" altLang="en-US"/>
               <a:t>Who Are the Attackers?</a:t>
             </a:r>
           </a:p>
@@ -5867,7 +5905,7 @@
               <a:buFontTx/>
               <a:buChar char="•"/>
             </a:pPr>
-            <a:endParaRPr lang="en-US" altLang="en-US" smtClean="0"/>
+            <a:endParaRPr lang="en-US" altLang="en-US"/>
           </a:p>
           <a:p>
             <a:pPr>
@@ -5875,11 +5913,11 @@
               <a:buChar char="•"/>
             </a:pPr>
             <a:r>
-              <a:rPr lang="en-US" altLang="en-US" i="1" smtClean="0"/>
+              <a:rPr lang="en-US" altLang="en-US" i="1"/>
               <a:t>Hacker</a:t>
             </a:r>
             <a:r>
-              <a:rPr lang="en-US" altLang="en-US" smtClean="0"/>
+              <a:rPr lang="en-US" altLang="en-US"/>
               <a:t> - person who uses computer skills to attack computers</a:t>
             </a:r>
           </a:p>
@@ -5889,7 +5927,7 @@
               <a:buChar char="•"/>
             </a:pPr>
             <a:r>
-              <a:rPr lang="en-US" altLang="en-US" i="1" smtClean="0"/>
+              <a:rPr lang="en-US" altLang="en-US" i="1"/>
               <a:t>Black hat hackers</a:t>
             </a:r>
           </a:p>
@@ -5899,7 +5937,7 @@
               <a:buChar char="•"/>
             </a:pPr>
             <a:r>
-              <a:rPr lang="en-US" altLang="en-US" smtClean="0"/>
+              <a:rPr lang="en-US" altLang="en-US"/>
               <a:t>Violate computer security for personal gain and the goal is to inflict malicious damage</a:t>
             </a:r>
           </a:p>
@@ -5909,7 +5947,7 @@
               <a:buChar char="•"/>
             </a:pPr>
             <a:r>
-              <a:rPr lang="en-US" altLang="en-US" i="1" smtClean="0"/>
+              <a:rPr lang="en-US" altLang="en-US" i="1"/>
               <a:t>White hat hackers</a:t>
             </a:r>
           </a:p>
@@ -5919,7 +5957,7 @@
               <a:buChar char="•"/>
             </a:pPr>
             <a:r>
-              <a:rPr lang="en-US" altLang="en-US" smtClean="0"/>
+              <a:rPr lang="en-US" altLang="en-US"/>
               <a:t>Goal to expose security flaws, not to steal or corrupt data</a:t>
             </a:r>
           </a:p>
@@ -5929,7 +5967,7 @@
               <a:buChar char="•"/>
             </a:pPr>
             <a:r>
-              <a:rPr lang="en-US" altLang="en-US" i="1" smtClean="0"/>
+              <a:rPr lang="en-US" altLang="en-US" i="1"/>
               <a:t>Gray hat hackers</a:t>
             </a:r>
           </a:p>
@@ -5939,13 +5977,13 @@
               <a:buChar char="•"/>
             </a:pPr>
             <a:r>
-              <a:rPr lang="en-US" altLang="en-US" smtClean="0"/>
+              <a:rPr lang="en-US" altLang="en-US"/>
               <a:t>Goal is to break into a system without owner’s permission, but not for their own advantage</a:t>
             </a:r>
           </a:p>
           <a:p>
             <a:pPr eaLnBrk="1" hangingPunct="1"/>
-            <a:endParaRPr lang="en-CA" altLang="en-US" smtClean="0"/>
+            <a:endParaRPr lang="en-CA" altLang="en-US"/>
           </a:p>
         </p:txBody>
       </p:sp>
@@ -5989,14 +6027,14 @@
           <a:ln/>
           <a:extLst>
             <a:ext uri="{909E8E84-426E-40dd-AFC4-6F175D3DCCD1}">
-              <a14:hiddenFill xmlns:a14="http://schemas.microsoft.com/office/drawing/2010/main">
+              <a14:hiddenFill xmlns="" xmlns:a14="http://schemas.microsoft.com/office/drawing/2010/main">
                 <a:solidFill>
                   <a:srgbClr val="FFFFFF"/>
                 </a:solidFill>
               </a14:hiddenFill>
             </a:ext>
             <a:ext uri="{91240B29-F687-4f45-9708-019B960494DF}">
-              <a14:hiddenLine xmlns:a14="http://schemas.microsoft.com/office/drawing/2010/main" w="9525">
+              <a14:hiddenLine xmlns="" xmlns:a14="http://schemas.microsoft.com/office/drawing/2010/main" w="9525">
                 <a:solidFill>
                   <a:srgbClr val="000000"/>
                 </a:solidFill>
@@ -6170,19 +6208,19 @@
               <a:defRPr/>
             </a:pPr>
             <a:r>
-              <a:rPr lang="en-US" altLang="en-US" dirty="0" smtClean="0">
+              <a:rPr lang="en-US" altLang="en-US" dirty="0">
                 <a:ea typeface="+mn-ea"/>
               </a:rPr>
               <a:t>Start here 11 AM and </a:t>
             </a:r>
             <a:r>
-              <a:rPr lang="en-US" altLang="en-US" smtClean="0">
+              <a:rPr lang="en-US" altLang="en-US">
                 <a:ea typeface="+mn-ea"/>
               </a:rPr>
               <a:t>10 AM on </a:t>
             </a:r>
             <a:r>
-              <a:rPr lang="en-US" altLang="en-US" dirty="0" smtClean="0">
+              <a:rPr lang="en-US" altLang="en-US" dirty="0">
                 <a:ea typeface="+mn-ea"/>
               </a:rPr>
               <a:t>1/11</a:t>
@@ -6193,16 +6231,10 @@
               <a:defRPr/>
             </a:pPr>
             <a:r>
-              <a:rPr lang="en-US" altLang="en-US" dirty="0" smtClean="0">
+              <a:rPr lang="en-US" altLang="en-US" dirty="0">
                 <a:ea typeface="+mn-ea"/>
               </a:rPr>
-              <a:t>Who </a:t>
-            </a:r>
-            <a:r>
-              <a:rPr lang="en-US" altLang="en-US" dirty="0" smtClean="0">
-                <a:ea typeface="+mn-ea"/>
-              </a:rPr>
-              <a:t>Are the Attackers?</a:t>
+              <a:t>Who Are the Attackers?</a:t>
             </a:r>
           </a:p>
           <a:p>
@@ -6211,7 +6243,7 @@
               <a:buChar char="•"/>
               <a:defRPr/>
             </a:pPr>
-            <a:endParaRPr lang="en-US" altLang="en-US" dirty="0" smtClean="0">
+            <a:endParaRPr lang="en-US" altLang="en-US" dirty="0">
               <a:ea typeface="+mn-ea"/>
             </a:endParaRPr>
           </a:p>
@@ -6222,7 +6254,7 @@
               <a:defRPr/>
             </a:pPr>
             <a:r>
-              <a:rPr lang="en-US" altLang="en-US" dirty="0" smtClean="0">
+              <a:rPr lang="en-US" altLang="en-US" dirty="0">
                 <a:ea typeface="+mn-ea"/>
               </a:rPr>
               <a:t>Categories of attackers</a:t>
@@ -6235,7 +6267,7 @@
               <a:defRPr/>
             </a:pPr>
             <a:r>
-              <a:rPr lang="en-US" altLang="en-US" dirty="0" smtClean="0">
+              <a:rPr lang="en-US" altLang="en-US" dirty="0">
                 <a:ea typeface="+mn-ea"/>
               </a:rPr>
               <a:t>Cybercriminals</a:t>
@@ -6248,7 +6280,7 @@
               <a:defRPr/>
             </a:pPr>
             <a:r>
-              <a:rPr lang="en-US" altLang="en-US" dirty="0" smtClean="0">
+              <a:rPr lang="en-US" altLang="en-US" dirty="0">
                 <a:ea typeface="+mn-ea"/>
               </a:rPr>
               <a:t>Script kiddies</a:t>
@@ -6261,7 +6293,7 @@
               <a:defRPr/>
             </a:pPr>
             <a:r>
-              <a:rPr lang="en-US" altLang="en-US" dirty="0" smtClean="0">
+              <a:rPr lang="en-US" altLang="en-US" dirty="0">
                 <a:ea typeface="+mn-ea"/>
               </a:rPr>
               <a:t>Brokers</a:t>
@@ -6274,7 +6306,7 @@
               <a:defRPr/>
             </a:pPr>
             <a:r>
-              <a:rPr lang="en-US" altLang="en-US" dirty="0" smtClean="0">
+              <a:rPr lang="en-US" altLang="en-US" dirty="0">
                 <a:ea typeface="+mn-ea"/>
               </a:rPr>
               <a:t>Insiders</a:t>
@@ -6287,7 +6319,7 @@
               <a:defRPr/>
             </a:pPr>
             <a:r>
-              <a:rPr lang="en-US" altLang="en-US" dirty="0" smtClean="0">
+              <a:rPr lang="en-US" altLang="en-US" dirty="0">
                 <a:ea typeface="+mn-ea"/>
               </a:rPr>
               <a:t>Cyberterrorists</a:t>
@@ -6300,7 +6332,7 @@
               <a:defRPr/>
             </a:pPr>
             <a:r>
-              <a:rPr lang="en-US" altLang="en-US" dirty="0" smtClean="0">
+              <a:rPr lang="en-US" altLang="en-US" dirty="0">
                 <a:ea typeface="+mn-ea"/>
               </a:rPr>
               <a:t>Hactivists </a:t>
@@ -6313,7 +6345,7 @@
               <a:defRPr/>
             </a:pPr>
             <a:r>
-              <a:rPr lang="en-US" altLang="en-US" dirty="0" smtClean="0">
+              <a:rPr lang="en-US" altLang="en-US" dirty="0">
                 <a:ea typeface="+mn-ea"/>
               </a:rPr>
               <a:t>State-sponsored attackers</a:t>
@@ -6323,7 +6355,7 @@
             <a:pPr eaLnBrk="1" hangingPunct="1">
               <a:defRPr/>
             </a:pPr>
-            <a:endParaRPr lang="en-CA" altLang="en-US" dirty="0" smtClean="0">
+            <a:endParaRPr lang="en-CA" altLang="en-US" dirty="0">
               <a:ea typeface="+mn-ea"/>
             </a:endParaRPr>
           </a:p>
@@ -6369,14 +6401,14 @@
           <a:ln/>
           <a:extLst>
             <a:ext uri="{909E8E84-426E-40dd-AFC4-6F175D3DCCD1}">
-              <a14:hiddenFill xmlns:a14="http://schemas.microsoft.com/office/drawing/2010/main">
+              <a14:hiddenFill xmlns="" xmlns:a14="http://schemas.microsoft.com/office/drawing/2010/main">
                 <a:solidFill>
                   <a:srgbClr val="FFFFFF"/>
                 </a:solidFill>
               </a14:hiddenFill>
             </a:ext>
             <a:ext uri="{91240B29-F687-4f45-9708-019B960494DF}">
-              <a14:hiddenLine xmlns:a14="http://schemas.microsoft.com/office/drawing/2010/main" w="9525">
+              <a14:hiddenLine xmlns="" xmlns:a14="http://schemas.microsoft.com/office/drawing/2010/main" w="9525">
                 <a:solidFill>
                   <a:srgbClr val="000000"/>
                 </a:solidFill>
@@ -6550,7 +6582,7 @@
               <a:defRPr/>
             </a:pPr>
             <a:r>
-              <a:rPr lang="en-US" altLang="en-US" dirty="0" smtClean="0">
+              <a:rPr lang="en-US" altLang="en-US" dirty="0">
                 <a:ea typeface="+mn-ea"/>
               </a:rPr>
               <a:t>Cybercriminals</a:t>
@@ -6562,7 +6594,7 @@
               <a:buChar char="•"/>
               <a:defRPr/>
             </a:pPr>
-            <a:endParaRPr lang="en-US" altLang="en-US" dirty="0" smtClean="0">
+            <a:endParaRPr lang="en-US" altLang="en-US" dirty="0">
               <a:ea typeface="+mn-ea"/>
             </a:endParaRPr>
           </a:p>
@@ -6573,7 +6605,7 @@
               <a:defRPr/>
             </a:pPr>
             <a:r>
-              <a:rPr lang="en-US" altLang="en-US" dirty="0" smtClean="0">
+              <a:rPr lang="en-US" altLang="en-US" dirty="0">
                 <a:ea typeface="+mn-ea"/>
               </a:rPr>
               <a:t>A network of attackers, identity thieves, spammers, financial fraudsters</a:t>
@@ -6586,7 +6618,7 @@
               <a:defRPr/>
             </a:pPr>
             <a:r>
-              <a:rPr lang="en-US" altLang="en-US" dirty="0" smtClean="0">
+              <a:rPr lang="en-US" altLang="en-US" dirty="0">
                 <a:ea typeface="+mn-ea"/>
               </a:rPr>
               <a:t>More highly motivated</a:t>
@@ -6599,7 +6631,7 @@
               <a:defRPr/>
             </a:pPr>
             <a:r>
-              <a:rPr lang="en-US" altLang="en-US" dirty="0" smtClean="0">
+              <a:rPr lang="en-US" altLang="en-US" dirty="0">
                 <a:ea typeface="+mn-ea"/>
               </a:rPr>
               <a:t>Willing to take more risk</a:t>
@@ -6612,7 +6644,7 @@
               <a:defRPr/>
             </a:pPr>
             <a:r>
-              <a:rPr lang="en-US" altLang="en-US" dirty="0" smtClean="0">
+              <a:rPr lang="en-US" altLang="en-US" dirty="0">
                 <a:ea typeface="+mn-ea"/>
               </a:rPr>
               <a:t>Well-funded</a:t>
@@ -6625,7 +6657,7 @@
               <a:defRPr/>
             </a:pPr>
             <a:r>
-              <a:rPr lang="en-US" altLang="en-US" dirty="0" smtClean="0">
+              <a:rPr lang="en-US" altLang="en-US" dirty="0">
                 <a:ea typeface="+mn-ea"/>
               </a:rPr>
               <a:t>More tenacious</a:t>
@@ -6638,7 +6670,7 @@
               <a:defRPr/>
             </a:pPr>
             <a:r>
-              <a:rPr lang="en-US" altLang="en-US" dirty="0" smtClean="0">
+              <a:rPr lang="en-US" altLang="en-US" dirty="0">
                 <a:ea typeface="+mn-ea"/>
               </a:rPr>
               <a:t>The goal of a cybercriminal is financial gain</a:t>
@@ -6651,13 +6683,13 @@
               <a:defRPr/>
             </a:pPr>
             <a:r>
-              <a:rPr lang="en-US" altLang="en-US" b="1" dirty="0" smtClean="0">
+              <a:rPr lang="en-US" altLang="en-US" b="1" dirty="0">
                 <a:ea typeface="+mn-ea"/>
               </a:rPr>
               <a:t>Cybercrime</a:t>
             </a:r>
             <a:r>
-              <a:rPr lang="en-US" altLang="en-US" dirty="0" smtClean="0">
+              <a:rPr lang="en-US" altLang="en-US" dirty="0">
                 <a:ea typeface="+mn-ea"/>
               </a:rPr>
               <a:t> - targeted attacks against financial networks and the theft of personal information</a:t>
@@ -6667,7 +6699,7 @@
             <a:pPr eaLnBrk="1" hangingPunct="1">
               <a:defRPr/>
             </a:pPr>
-            <a:endParaRPr lang="en-CA" altLang="en-US" dirty="0" smtClean="0">
+            <a:endParaRPr lang="en-CA" altLang="en-US" dirty="0">
               <a:ea typeface="+mn-ea"/>
             </a:endParaRPr>
           </a:p>
@@ -6713,14 +6745,14 @@
           <a:ln/>
           <a:extLst>
             <a:ext uri="{909E8E84-426E-40dd-AFC4-6F175D3DCCD1}">
-              <a14:hiddenFill xmlns:a14="http://schemas.microsoft.com/office/drawing/2010/main">
+              <a14:hiddenFill xmlns="" xmlns:a14="http://schemas.microsoft.com/office/drawing/2010/main">
                 <a:solidFill>
                   <a:srgbClr val="FFFFFF"/>
                 </a:solidFill>
               </a14:hiddenFill>
             </a:ext>
             <a:ext uri="{91240B29-F687-4f45-9708-019B960494DF}">
-              <a14:hiddenLine xmlns:a14="http://schemas.microsoft.com/office/drawing/2010/main" w="9525">
+              <a14:hiddenLine xmlns="" xmlns:a14="http://schemas.microsoft.com/office/drawing/2010/main" w="9525">
                 <a:solidFill>
                   <a:srgbClr val="000000"/>
                 </a:solidFill>
@@ -6894,7 +6926,7 @@
               <a:defRPr/>
             </a:pPr>
             <a:r>
-              <a:rPr lang="en-US" altLang="en-US" dirty="0" smtClean="0">
+              <a:rPr lang="en-US" altLang="en-US" dirty="0">
                 <a:ea typeface="+mn-ea"/>
               </a:rPr>
               <a:t>Cybercriminals</a:t>
@@ -6906,7 +6938,7 @@
               <a:buChar char="•"/>
               <a:defRPr/>
             </a:pPr>
-            <a:endParaRPr lang="en-US" altLang="en-US" dirty="0" smtClean="0">
+            <a:endParaRPr lang="en-US" altLang="en-US" dirty="0">
               <a:ea typeface="+mn-ea"/>
             </a:endParaRPr>
           </a:p>
@@ -6917,7 +6949,7 @@
               <a:defRPr/>
             </a:pPr>
             <a:r>
-              <a:rPr lang="en-US" altLang="en-US" dirty="0" smtClean="0">
+              <a:rPr lang="en-US" altLang="en-US" dirty="0">
                 <a:ea typeface="+mn-ea"/>
               </a:rPr>
               <a:t>Financial cybercrime is divided into two categories:</a:t>
@@ -6930,7 +6962,7 @@
               <a:defRPr/>
             </a:pPr>
             <a:r>
-              <a:rPr lang="en-US" altLang="en-US" dirty="0" smtClean="0">
+              <a:rPr lang="en-US" altLang="en-US" dirty="0">
                 <a:ea typeface="+mn-ea"/>
               </a:rPr>
               <a:t>Individuals and businesses</a:t>
@@ -6943,7 +6975,7 @@
               <a:defRPr/>
             </a:pPr>
             <a:r>
-              <a:rPr lang="en-US" altLang="en-US" dirty="0" smtClean="0">
+              <a:rPr lang="en-US" altLang="en-US" dirty="0">
                 <a:ea typeface="+mn-ea"/>
               </a:rPr>
               <a:t>Use stolen data, credit card numbers, online financial account information, or Social Security numbers to profit from victims</a:t>
@@ -6956,7 +6988,7 @@
               <a:defRPr/>
             </a:pPr>
             <a:r>
-              <a:rPr lang="en-US" altLang="en-US" dirty="0" smtClean="0">
+              <a:rPr lang="en-US" altLang="en-US" dirty="0">
                 <a:ea typeface="+mn-ea"/>
               </a:rPr>
               <a:t>Businesses and governments</a:t>
@@ -6969,7 +7001,7 @@
               <a:defRPr/>
             </a:pPr>
             <a:r>
-              <a:rPr lang="en-US" altLang="en-US" dirty="0" smtClean="0">
+              <a:rPr lang="en-US" altLang="en-US" dirty="0">
                 <a:ea typeface="+mn-ea"/>
               </a:rPr>
               <a:t>Attempt to steal research on a new product so they can sell it to an unscrupulous foreign supplier</a:t>
@@ -6982,13 +7014,13 @@
               <a:defRPr/>
             </a:pPr>
             <a:r>
-              <a:rPr lang="en-US" altLang="en-US" b="1" dirty="0" smtClean="0">
+              <a:rPr lang="en-US" altLang="en-US" b="1" dirty="0">
                 <a:ea typeface="+mn-ea"/>
               </a:rPr>
               <a:t>Advanced Persistent Threat (APT) </a:t>
             </a:r>
             <a:r>
-              <a:rPr lang="en-US" altLang="en-US" dirty="0" smtClean="0">
+              <a:rPr lang="en-US" altLang="en-US" dirty="0">
                 <a:ea typeface="+mn-ea"/>
               </a:rPr>
               <a:t>- multiyear intrusion campaign that targets highly sensitive economic, proprietary, or national security information</a:t>
@@ -6998,7 +7030,7 @@
             <a:pPr eaLnBrk="1" hangingPunct="1">
               <a:defRPr/>
             </a:pPr>
-            <a:endParaRPr lang="en-CA" altLang="en-US" dirty="0" smtClean="0">
+            <a:endParaRPr lang="en-CA" altLang="en-US" dirty="0">
               <a:ea typeface="+mn-ea"/>
             </a:endParaRPr>
           </a:p>
@@ -7044,14 +7076,14 @@
           <a:ln/>
           <a:extLst>
             <a:ext uri="{909E8E84-426E-40dd-AFC4-6F175D3DCCD1}">
-              <a14:hiddenFill xmlns:a14="http://schemas.microsoft.com/office/drawing/2010/main">
+              <a14:hiddenFill xmlns="" xmlns:a14="http://schemas.microsoft.com/office/drawing/2010/main">
                 <a:solidFill>
                   <a:srgbClr val="FFFFFF"/>
                 </a:solidFill>
               </a14:hiddenFill>
             </a:ext>
             <a:ext uri="{91240B29-F687-4f45-9708-019B960494DF}">
-              <a14:hiddenLine xmlns:a14="http://schemas.microsoft.com/office/drawing/2010/main" w="9525">
+              <a14:hiddenLine xmlns="" xmlns:a14="http://schemas.microsoft.com/office/drawing/2010/main" w="9525">
                 <a:solidFill>
                   <a:srgbClr val="000000"/>
                 </a:solidFill>
@@ -7225,7 +7257,7 @@
               <a:defRPr/>
             </a:pPr>
             <a:r>
-              <a:rPr lang="en-US" altLang="en-US" dirty="0" smtClean="0">
+              <a:rPr lang="en-US" altLang="en-US" dirty="0">
                 <a:ea typeface="+mn-ea"/>
               </a:rPr>
               <a:t>Script Kiddies</a:t>
@@ -7237,7 +7269,7 @@
               <a:buChar char="•"/>
               <a:defRPr/>
             </a:pPr>
-            <a:endParaRPr lang="en-US" altLang="en-US" dirty="0" smtClean="0">
+            <a:endParaRPr lang="en-US" altLang="en-US" dirty="0">
               <a:ea typeface="+mn-ea"/>
             </a:endParaRPr>
           </a:p>
@@ -7248,13 +7280,13 @@
               <a:defRPr/>
             </a:pPr>
             <a:r>
-              <a:rPr lang="en-US" altLang="en-US" b="1" dirty="0" smtClean="0">
+              <a:rPr lang="en-US" altLang="en-US" b="1" dirty="0">
                 <a:ea typeface="+mn-ea"/>
               </a:rPr>
               <a:t>Script kiddies </a:t>
             </a:r>
             <a:r>
-              <a:rPr lang="en-US" altLang="en-US" dirty="0" smtClean="0">
+              <a:rPr lang="en-US" altLang="en-US" dirty="0">
                 <a:ea typeface="+mn-ea"/>
               </a:rPr>
               <a:t>- individuals who want to attack computers yet they lack the knowledge of computers and network needed to do so</a:t>
@@ -7267,7 +7299,7 @@
               <a:defRPr/>
             </a:pPr>
             <a:r>
-              <a:rPr lang="en-US" altLang="en-US" dirty="0" smtClean="0">
+              <a:rPr lang="en-US" altLang="en-US" dirty="0">
                 <a:ea typeface="+mn-ea"/>
               </a:rPr>
               <a:t>They download automated hacking software (scripts) from websites</a:t>
@@ -7280,7 +7312,7 @@
               <a:defRPr/>
             </a:pPr>
             <a:r>
-              <a:rPr lang="en-US" altLang="en-US" dirty="0" smtClean="0">
+              <a:rPr lang="en-US" altLang="en-US" dirty="0">
                 <a:ea typeface="+mn-ea"/>
               </a:rPr>
               <a:t>Over 40 percent of attacks require low or no skills</a:t>
@@ -7293,13 +7325,13 @@
               <a:defRPr/>
             </a:pPr>
             <a:r>
-              <a:rPr lang="en-US" altLang="en-US" b="1" dirty="0" smtClean="0">
+              <a:rPr lang="en-US" altLang="en-US" b="1" dirty="0">
                 <a:ea typeface="+mn-ea"/>
               </a:rPr>
               <a:t>Exploit kits </a:t>
             </a:r>
             <a:r>
-              <a:rPr lang="en-US" altLang="en-US" dirty="0" smtClean="0">
+              <a:rPr lang="en-US" altLang="en-US" dirty="0">
                 <a:ea typeface="+mn-ea"/>
               </a:rPr>
               <a:t>- automated attack package that can be used without an advanced knowledge of computers</a:t>
@@ -7312,7 +7344,7 @@
               <a:defRPr/>
             </a:pPr>
             <a:r>
-              <a:rPr lang="en-US" altLang="en-US" dirty="0" smtClean="0">
+              <a:rPr lang="en-US" altLang="en-US" dirty="0">
                 <a:ea typeface="+mn-ea"/>
               </a:rPr>
               <a:t>Script kiddies either rent or purchase them</a:t>
@@ -7322,7 +7354,7 @@
             <a:pPr eaLnBrk="1" hangingPunct="1">
               <a:defRPr/>
             </a:pPr>
-            <a:endParaRPr lang="en-CA" altLang="en-US" dirty="0" smtClean="0">
+            <a:endParaRPr lang="en-CA" altLang="en-US" dirty="0">
               <a:ea typeface="+mn-ea"/>
             </a:endParaRPr>
           </a:p>
@@ -7368,14 +7400,14 @@
           <a:ln/>
           <a:extLst>
             <a:ext uri="{909E8E84-426E-40dd-AFC4-6F175D3DCCD1}">
-              <a14:hiddenFill xmlns:a14="http://schemas.microsoft.com/office/drawing/2010/main">
+              <a14:hiddenFill xmlns="" xmlns:a14="http://schemas.microsoft.com/office/drawing/2010/main">
                 <a:solidFill>
                   <a:srgbClr val="FFFFFF"/>
                 </a:solidFill>
               </a14:hiddenFill>
             </a:ext>
             <a:ext uri="{91240B29-F687-4f45-9708-019B960494DF}">
-              <a14:hiddenLine xmlns:a14="http://schemas.microsoft.com/office/drawing/2010/main" w="9525">
+              <a14:hiddenLine xmlns="" xmlns:a14="http://schemas.microsoft.com/office/drawing/2010/main" w="9525">
                 <a:solidFill>
                   <a:srgbClr val="000000"/>
                 </a:solidFill>
@@ -7549,7 +7581,7 @@
               <a:defRPr/>
             </a:pPr>
             <a:r>
-              <a:rPr lang="en-US" altLang="en-US" dirty="0" smtClean="0">
+              <a:rPr lang="en-US" altLang="en-US" dirty="0">
                 <a:ea typeface="+mn-ea"/>
               </a:rPr>
               <a:t>Brokers</a:t>
@@ -7561,7 +7593,7 @@
               <a:buChar char="•"/>
               <a:defRPr/>
             </a:pPr>
-            <a:endParaRPr lang="en-US" altLang="en-US" dirty="0" smtClean="0">
+            <a:endParaRPr lang="en-US" altLang="en-US" dirty="0">
               <a:ea typeface="+mn-ea"/>
             </a:endParaRPr>
           </a:p>
@@ -7572,13 +7604,13 @@
               <a:defRPr/>
             </a:pPr>
             <a:r>
-              <a:rPr lang="en-US" altLang="en-US" b="1" dirty="0" smtClean="0">
+              <a:rPr lang="en-US" altLang="en-US" b="1" dirty="0">
                 <a:ea typeface="+mn-ea"/>
               </a:rPr>
               <a:t>Brokers</a:t>
             </a:r>
             <a:r>
-              <a:rPr lang="en-US" altLang="en-US" dirty="0" smtClean="0">
+              <a:rPr lang="en-US" altLang="en-US" dirty="0">
                 <a:ea typeface="+mn-ea"/>
               </a:rPr>
               <a:t> - attackers who sell knowledge of a vulnerability to other attackers or governments</a:t>
@@ -7591,7 +7623,7 @@
               <a:defRPr/>
             </a:pPr>
             <a:r>
-              <a:rPr lang="en-US" altLang="en-US" dirty="0" smtClean="0">
+              <a:rPr lang="en-US" altLang="en-US" dirty="0">
                 <a:ea typeface="+mn-ea"/>
               </a:rPr>
               <a:t>Often hired by the vendor to uncover vulnerabilities</a:t>
@@ -7604,7 +7636,7 @@
               <a:defRPr/>
             </a:pPr>
             <a:r>
-              <a:rPr lang="en-US" altLang="en-US" dirty="0" smtClean="0">
+              <a:rPr lang="en-US" altLang="en-US" dirty="0">
                 <a:ea typeface="+mn-ea"/>
               </a:rPr>
               <a:t>Instead they do not report it to the vendor but sell the information about the vulnerabilities to the highest bidder</a:t>
@@ -7614,7 +7646,7 @@
             <a:pPr eaLnBrk="1" hangingPunct="1">
               <a:defRPr/>
             </a:pPr>
-            <a:endParaRPr lang="en-CA" altLang="en-US" dirty="0" smtClean="0">
+            <a:endParaRPr lang="en-CA" altLang="en-US" dirty="0">
               <a:ea typeface="+mn-ea"/>
             </a:endParaRPr>
           </a:p>
@@ -7660,14 +7692,14 @@
           <a:ln/>
           <a:extLst>
             <a:ext uri="{909E8E84-426E-40dd-AFC4-6F175D3DCCD1}">
-              <a14:hiddenFill xmlns:a14="http://schemas.microsoft.com/office/drawing/2010/main">
+              <a14:hiddenFill xmlns="" xmlns:a14="http://schemas.microsoft.com/office/drawing/2010/main">
                 <a:solidFill>
                   <a:srgbClr val="FFFFFF"/>
                 </a:solidFill>
               </a14:hiddenFill>
             </a:ext>
             <a:ext uri="{91240B29-F687-4f45-9708-019B960494DF}">
-              <a14:hiddenLine xmlns:a14="http://schemas.microsoft.com/office/drawing/2010/main" w="9525">
+              <a14:hiddenLine xmlns="" xmlns:a14="http://schemas.microsoft.com/office/drawing/2010/main" w="9525">
                 <a:solidFill>
                   <a:srgbClr val="000000"/>
                 </a:solidFill>
@@ -7834,14 +7866,14 @@
           <a:ln/>
           <a:extLst>
             <a:ext uri="{909E8E84-426E-40dd-AFC4-6F175D3DCCD1}">
-              <a14:hiddenFill xmlns:a14="http://schemas.microsoft.com/office/drawing/2010/main">
+              <a14:hiddenFill xmlns="" xmlns:a14="http://schemas.microsoft.com/office/drawing/2010/main">
                 <a:solidFill>
                   <a:srgbClr val="FFFFFF"/>
                 </a:solidFill>
               </a14:hiddenFill>
             </a:ext>
             <a:ext uri="{91240B29-F687-4f45-9708-019B960494DF}">
-              <a14:hiddenLine xmlns:a14="http://schemas.microsoft.com/office/drawing/2010/main" w="9525">
+              <a14:hiddenLine xmlns="" xmlns:a14="http://schemas.microsoft.com/office/drawing/2010/main" w="9525">
                 <a:solidFill>
                   <a:srgbClr val="000000"/>
                 </a:solidFill>
@@ -7858,13 +7890,13 @@
           <a:p>
             <a:pPr eaLnBrk="1" hangingPunct="1"/>
             <a:r>
-              <a:rPr lang="en-US" altLang="en-US" smtClean="0"/>
+              <a:rPr lang="en-US" altLang="en-US"/>
               <a:t>Insiders</a:t>
             </a:r>
           </a:p>
           <a:p>
             <a:pPr eaLnBrk="1" hangingPunct="1"/>
-            <a:endParaRPr lang="en-US" altLang="en-US" smtClean="0"/>
+            <a:endParaRPr lang="en-US" altLang="en-US"/>
           </a:p>
           <a:p>
             <a:pPr>
@@ -7872,7 +7904,7 @@
               <a:buChar char="•"/>
             </a:pPr>
             <a:r>
-              <a:rPr lang="en-US" altLang="en-US" smtClean="0"/>
+              <a:rPr lang="en-US" altLang="en-US"/>
               <a:t>Employees, contractors, and business partners</a:t>
             </a:r>
           </a:p>
@@ -7882,7 +7914,7 @@
               <a:buChar char="•"/>
             </a:pPr>
             <a:r>
-              <a:rPr lang="en-US" altLang="en-US" smtClean="0"/>
+              <a:rPr lang="en-US" altLang="en-US"/>
               <a:t>Over 48 percent of breaches attributed to insiders</a:t>
             </a:r>
           </a:p>
@@ -7892,7 +7924,7 @@
               <a:buChar char="•"/>
             </a:pPr>
             <a:r>
-              <a:rPr lang="en-US" altLang="en-US" smtClean="0"/>
+              <a:rPr lang="en-US" altLang="en-US"/>
               <a:t>Examples of insider attacks:</a:t>
             </a:r>
           </a:p>
@@ -7902,7 +7934,7 @@
               <a:buChar char="•"/>
             </a:pPr>
             <a:r>
-              <a:rPr lang="en-US" altLang="en-US" smtClean="0"/>
+              <a:rPr lang="en-US" altLang="en-US"/>
               <a:t>Health care worker may publicize celebrities’ health records</a:t>
             </a:r>
           </a:p>
@@ -7912,7 +7944,7 @@
               <a:buChar char="•"/>
             </a:pPr>
             <a:r>
-              <a:rPr lang="en-US" altLang="en-US" smtClean="0"/>
+              <a:rPr lang="en-US" altLang="en-US"/>
               <a:t>Disgruntled over upcoming job termination</a:t>
             </a:r>
           </a:p>
@@ -7922,7 +7954,7 @@
               <a:buChar char="•"/>
             </a:pPr>
             <a:r>
-              <a:rPr lang="en-US" altLang="en-US" smtClean="0"/>
+              <a:rPr lang="en-US" altLang="en-US"/>
               <a:t>Stock trader might conceal losses through fake transactions</a:t>
             </a:r>
           </a:p>
@@ -7932,13 +7964,13 @@
               <a:buChar char="•"/>
             </a:pPr>
             <a:r>
-              <a:rPr lang="en-US" altLang="en-US" smtClean="0"/>
+              <a:rPr lang="en-US" altLang="en-US"/>
               <a:t>Employees may be bribed or coerced into stealing data before moving to a new job</a:t>
             </a:r>
           </a:p>
           <a:p>
             <a:pPr eaLnBrk="1" hangingPunct="1"/>
-            <a:endParaRPr lang="en-CA" altLang="en-US" smtClean="0"/>
+            <a:endParaRPr lang="en-CA" altLang="en-US"/>
           </a:p>
         </p:txBody>
       </p:sp>
@@ -7982,14 +8014,14 @@
           <a:ln/>
           <a:extLst>
             <a:ext uri="{909E8E84-426E-40dd-AFC4-6F175D3DCCD1}">
-              <a14:hiddenFill xmlns:a14="http://schemas.microsoft.com/office/drawing/2010/main">
+              <a14:hiddenFill xmlns="" xmlns:a14="http://schemas.microsoft.com/office/drawing/2010/main">
                 <a:solidFill>
                   <a:srgbClr val="FFFFFF"/>
                 </a:solidFill>
               </a14:hiddenFill>
             </a:ext>
             <a:ext uri="{91240B29-F687-4f45-9708-019B960494DF}">
-              <a14:hiddenLine xmlns:a14="http://schemas.microsoft.com/office/drawing/2010/main" w="9525">
+              <a14:hiddenLine xmlns="" xmlns:a14="http://schemas.microsoft.com/office/drawing/2010/main" w="9525">
                 <a:solidFill>
                   <a:srgbClr val="000000"/>
                 </a:solidFill>
@@ -8156,14 +8188,14 @@
           <a:ln/>
           <a:extLst>
             <a:ext uri="{909E8E84-426E-40dd-AFC4-6F175D3DCCD1}">
-              <a14:hiddenFill xmlns:a14="http://schemas.microsoft.com/office/drawing/2010/main">
+              <a14:hiddenFill xmlns="" xmlns:a14="http://schemas.microsoft.com/office/drawing/2010/main">
                 <a:solidFill>
                   <a:srgbClr val="FFFFFF"/>
                 </a:solidFill>
               </a14:hiddenFill>
             </a:ext>
             <a:ext uri="{91240B29-F687-4f45-9708-019B960494DF}">
-              <a14:hiddenLine xmlns:a14="http://schemas.microsoft.com/office/drawing/2010/main" w="9525">
+              <a14:hiddenLine xmlns="" xmlns:a14="http://schemas.microsoft.com/office/drawing/2010/main" w="9525">
                 <a:solidFill>
                   <a:srgbClr val="000000"/>
                 </a:solidFill>
@@ -8180,21 +8212,21 @@
           <a:p>
             <a:pPr eaLnBrk="1" hangingPunct="1"/>
             <a:r>
-              <a:rPr lang="en-US" altLang="en-US" smtClean="0"/>
+              <a:rPr lang="en-US" altLang="en-US"/>
               <a:t>Today’s Security Attacks</a:t>
             </a:r>
           </a:p>
           <a:p>
             <a:pPr eaLnBrk="1" hangingPunct="1"/>
-            <a:endParaRPr lang="en-US" altLang="en-US" smtClean="0"/>
+            <a:endParaRPr lang="en-US" altLang="en-US"/>
           </a:p>
           <a:p>
             <a:pPr eaLnBrk="1" hangingPunct="1"/>
             <a:r>
-              <a:rPr lang="en-US" altLang="en-US" smtClean="0"/>
+              <a:rPr lang="en-US" altLang="en-US"/>
               <a:t>Table 1-1  Selected security breaches involving personal information in a one-month period</a:t>
             </a:r>
-            <a:endParaRPr lang="en-CA" altLang="en-US" smtClean="0"/>
+            <a:endParaRPr lang="en-CA" altLang="en-US"/>
           </a:p>
         </p:txBody>
       </p:sp>
@@ -8238,14 +8270,14 @@
           <a:ln/>
           <a:extLst>
             <a:ext uri="{909E8E84-426E-40dd-AFC4-6F175D3DCCD1}">
-              <a14:hiddenFill xmlns:a14="http://schemas.microsoft.com/office/drawing/2010/main">
+              <a14:hiddenFill xmlns="" xmlns:a14="http://schemas.microsoft.com/office/drawing/2010/main">
                 <a:solidFill>
                   <a:srgbClr val="FFFFFF"/>
                 </a:solidFill>
               </a14:hiddenFill>
             </a:ext>
             <a:ext uri="{91240B29-F687-4f45-9708-019B960494DF}">
-              <a14:hiddenLine xmlns:a14="http://schemas.microsoft.com/office/drawing/2010/main" w="9525">
+              <a14:hiddenLine xmlns="" xmlns:a14="http://schemas.microsoft.com/office/drawing/2010/main" w="9525">
                 <a:solidFill>
                   <a:srgbClr val="000000"/>
                 </a:solidFill>
@@ -8419,7 +8451,7 @@
               <a:defRPr/>
             </a:pPr>
             <a:r>
-              <a:rPr lang="en-US" altLang="en-US" dirty="0" smtClean="0">
+              <a:rPr lang="en-US" altLang="en-US" dirty="0">
                 <a:ea typeface="+mn-ea"/>
               </a:rPr>
               <a:t>Cyberterrorists</a:t>
@@ -8431,7 +8463,7 @@
               <a:buChar char="•"/>
               <a:defRPr/>
             </a:pPr>
-            <a:endParaRPr lang="en-US" altLang="en-US" dirty="0" smtClean="0">
+            <a:endParaRPr lang="en-US" altLang="en-US" dirty="0">
               <a:ea typeface="+mn-ea"/>
             </a:endParaRPr>
           </a:p>
@@ -8442,13 +8474,13 @@
               <a:defRPr/>
             </a:pPr>
             <a:r>
-              <a:rPr lang="en-US" altLang="en-US" b="1" dirty="0" smtClean="0">
+              <a:rPr lang="en-US" altLang="en-US" b="1" dirty="0">
                 <a:ea typeface="+mn-ea"/>
               </a:rPr>
               <a:t>Cyberterrorists </a:t>
             </a:r>
             <a:r>
-              <a:rPr lang="en-US" altLang="en-US" dirty="0" smtClean="0">
+              <a:rPr lang="en-US" altLang="en-US" dirty="0">
                 <a:ea typeface="+mn-ea"/>
               </a:rPr>
               <a:t>- an attacker whose motivation may be ideological or for the sake of principles or beliefs</a:t>
@@ -8461,7 +8493,7 @@
               <a:defRPr/>
             </a:pPr>
             <a:r>
-              <a:rPr lang="en-US" altLang="en-US" dirty="0" smtClean="0">
+              <a:rPr lang="en-US" altLang="en-US" dirty="0">
                 <a:ea typeface="+mn-ea"/>
               </a:rPr>
               <a:t>Almost impossible to predict when or where the attack may occur</a:t>
@@ -8474,7 +8506,7 @@
               <a:defRPr/>
             </a:pPr>
             <a:r>
-              <a:rPr lang="en-US" altLang="en-US" dirty="0" smtClean="0">
+              <a:rPr lang="en-US" altLang="en-US" dirty="0">
                 <a:ea typeface="+mn-ea"/>
               </a:rPr>
               <a:t>Targets may include:</a:t>
@@ -8487,7 +8519,7 @@
               <a:defRPr/>
             </a:pPr>
             <a:r>
-              <a:rPr lang="en-US" altLang="en-US" dirty="0" smtClean="0">
+              <a:rPr lang="en-US" altLang="en-US" dirty="0">
                 <a:ea typeface="+mn-ea"/>
               </a:rPr>
               <a:t>A small group of computers or networks that can affect the largest number of users </a:t>
@@ -8500,7 +8532,7 @@
               <a:defRPr/>
             </a:pPr>
             <a:r>
-              <a:rPr lang="en-US" altLang="en-US" dirty="0" smtClean="0">
+              <a:rPr lang="en-US" altLang="en-US" dirty="0">
                 <a:ea typeface="+mn-ea"/>
               </a:rPr>
               <a:t>Example: </a:t>
@@ -8513,7 +8545,7 @@
               <a:defRPr/>
             </a:pPr>
             <a:r>
-              <a:rPr lang="en-US" altLang="en-US" dirty="0" smtClean="0">
+              <a:rPr lang="en-US" altLang="en-US" dirty="0">
                 <a:ea typeface="+mn-ea"/>
               </a:rPr>
               <a:t>Computers that control the electrical power grid of a state or region</a:t>
@@ -8523,7 +8555,7 @@
             <a:pPr eaLnBrk="1" hangingPunct="1">
               <a:defRPr/>
             </a:pPr>
-            <a:endParaRPr lang="en-CA" altLang="en-US" dirty="0" smtClean="0">
+            <a:endParaRPr lang="en-CA" altLang="en-US" dirty="0">
               <a:ea typeface="+mn-ea"/>
             </a:endParaRPr>
           </a:p>
@@ -8583,14 +8615,14 @@
           <a:ln/>
           <a:extLst>
             <a:ext uri="{909E8E84-426E-40dd-AFC4-6F175D3DCCD1}">
-              <a14:hiddenFill xmlns:a14="http://schemas.microsoft.com/office/drawing/2010/main">
+              <a14:hiddenFill xmlns="" xmlns:a14="http://schemas.microsoft.com/office/drawing/2010/main">
                 <a:solidFill>
                   <a:srgbClr val="FFFFFF"/>
                 </a:solidFill>
               </a14:hiddenFill>
             </a:ext>
             <a:ext uri="{91240B29-F687-4f45-9708-019B960494DF}">
-              <a14:hiddenLine xmlns:a14="http://schemas.microsoft.com/office/drawing/2010/main" w="9525">
+              <a14:hiddenLine xmlns="" xmlns:a14="http://schemas.microsoft.com/office/drawing/2010/main" w="9525">
                 <a:solidFill>
                   <a:srgbClr val="000000"/>
                 </a:solidFill>
@@ -8606,7 +8638,7 @@
           <a:lstStyle/>
           <a:p>
             <a:r>
-              <a:rPr lang="en-US" altLang="en-US" smtClean="0"/>
+              <a:rPr lang="en-US" altLang="en-US"/>
               <a:t>Hactivists</a:t>
             </a:r>
           </a:p>
@@ -8615,7 +8647,7 @@
               <a:buFontTx/>
               <a:buChar char="•"/>
             </a:pPr>
-            <a:endParaRPr lang="en-US" altLang="en-US" smtClean="0"/>
+            <a:endParaRPr lang="en-US" altLang="en-US"/>
           </a:p>
           <a:p>
             <a:pPr>
@@ -8623,7 +8655,7 @@
               <a:buChar char="•"/>
             </a:pPr>
             <a:r>
-              <a:rPr lang="en-US" altLang="en-US" smtClean="0"/>
+              <a:rPr lang="en-US" altLang="en-US"/>
               <a:t>Hactivists - attackers who attack for ideological reasons that are generally not as well-defined as a cyberterrorist’s motivation</a:t>
             </a:r>
           </a:p>
@@ -8633,7 +8665,7 @@
               <a:buChar char="•"/>
             </a:pPr>
             <a:r>
-              <a:rPr lang="en-US" altLang="en-US" smtClean="0"/>
+              <a:rPr lang="en-US" altLang="en-US"/>
               <a:t>Examples of hactivist attacks:</a:t>
             </a:r>
           </a:p>
@@ -8643,7 +8675,7 @@
               <a:buChar char="•"/>
             </a:pPr>
             <a:r>
-              <a:rPr lang="en-US" altLang="en-US" smtClean="0"/>
+              <a:rPr lang="en-US" altLang="en-US"/>
               <a:t>Breaking into a website and changing the contents on the site to make a political statement</a:t>
             </a:r>
           </a:p>
@@ -8653,12 +8685,12 @@
               <a:buChar char="•"/>
             </a:pPr>
             <a:r>
-              <a:rPr lang="en-US" altLang="en-US" smtClean="0"/>
+              <a:rPr lang="en-US" altLang="en-US"/>
               <a:t>Disabling a website belonging to a bank because the bank stopped accepting payments that were deposited into accounts belonging to the hactivists</a:t>
             </a:r>
           </a:p>
           <a:p>
-            <a:endParaRPr lang="en-US" altLang="en-US" smtClean="0"/>
+            <a:endParaRPr lang="en-US" altLang="en-US"/>
           </a:p>
         </p:txBody>
       </p:sp>
@@ -8677,14 +8709,14 @@
           <a:ln/>
           <a:extLst>
             <a:ext uri="{909E8E84-426E-40dd-AFC4-6F175D3DCCD1}">
-              <a14:hiddenFill xmlns:a14="http://schemas.microsoft.com/office/drawing/2010/main">
+              <a14:hiddenFill xmlns="" xmlns:a14="http://schemas.microsoft.com/office/drawing/2010/main">
                 <a:solidFill>
                   <a:srgbClr val="FFFFFF"/>
                 </a:solidFill>
               </a14:hiddenFill>
             </a:ext>
             <a:ext uri="{91240B29-F687-4f45-9708-019B960494DF}">
-              <a14:hiddenLine xmlns:a14="http://schemas.microsoft.com/office/drawing/2010/main" w="9525">
+              <a14:hiddenLine xmlns="" xmlns:a14="http://schemas.microsoft.com/office/drawing/2010/main" w="9525">
                 <a:solidFill>
                   <a:srgbClr val="000000"/>
                 </a:solidFill>
@@ -8876,14 +8908,14 @@
           <a:ln/>
           <a:extLst>
             <a:ext uri="{909E8E84-426E-40dd-AFC4-6F175D3DCCD1}">
-              <a14:hiddenFill xmlns:a14="http://schemas.microsoft.com/office/drawing/2010/main">
+              <a14:hiddenFill xmlns="" xmlns:a14="http://schemas.microsoft.com/office/drawing/2010/main">
                 <a:solidFill>
                   <a:srgbClr val="FFFFFF"/>
                 </a:solidFill>
               </a14:hiddenFill>
             </a:ext>
             <a:ext uri="{91240B29-F687-4f45-9708-019B960494DF}">
-              <a14:hiddenLine xmlns:a14="http://schemas.microsoft.com/office/drawing/2010/main" w="9525">
+              <a14:hiddenLine xmlns="" xmlns:a14="http://schemas.microsoft.com/office/drawing/2010/main" w="9525">
                 <a:solidFill>
                   <a:srgbClr val="000000"/>
                 </a:solidFill>
@@ -8899,7 +8931,7 @@
           <a:lstStyle/>
           <a:p>
             <a:r>
-              <a:rPr lang="en-US" altLang="en-US" smtClean="0"/>
+              <a:rPr lang="en-US" altLang="en-US"/>
               <a:t>State-Sponsored Attackers</a:t>
             </a:r>
           </a:p>
@@ -8908,7 +8940,7 @@
               <a:buFontTx/>
               <a:buChar char="•"/>
             </a:pPr>
-            <a:endParaRPr lang="en-US" altLang="en-US" smtClean="0"/>
+            <a:endParaRPr lang="en-US" altLang="en-US"/>
           </a:p>
           <a:p>
             <a:pPr>
@@ -8916,11 +8948,11 @@
               <a:buChar char="•"/>
             </a:pPr>
             <a:r>
-              <a:rPr lang="en-US" altLang="en-US" b="1" smtClean="0"/>
+              <a:rPr lang="en-US" altLang="en-US" b="1"/>
               <a:t>State-sponsored attacker </a:t>
             </a:r>
             <a:r>
-              <a:rPr lang="en-US" altLang="en-US" smtClean="0"/>
+              <a:rPr lang="en-US" altLang="en-US"/>
               <a:t>- an attacker commissioned by the governments to attack enemies’ information systems</a:t>
             </a:r>
           </a:p>
@@ -8930,7 +8962,7 @@
               <a:buChar char="•"/>
             </a:pPr>
             <a:r>
-              <a:rPr lang="en-US" altLang="en-US" smtClean="0"/>
+              <a:rPr lang="en-US" altLang="en-US"/>
               <a:t>May target foreign governments or even citizens of the government who are considered hostile or threatening</a:t>
             </a:r>
           </a:p>
@@ -8940,7 +8972,7 @@
               <a:buChar char="•"/>
             </a:pPr>
             <a:r>
-              <a:rPr lang="en-US" altLang="en-US" smtClean="0"/>
+              <a:rPr lang="en-US" altLang="en-US"/>
               <a:t>Examples of attacks:</a:t>
             </a:r>
           </a:p>
@@ -8950,7 +8982,7 @@
               <a:buChar char="•"/>
             </a:pPr>
             <a:r>
-              <a:rPr lang="en-US" altLang="en-US" smtClean="0"/>
+              <a:rPr lang="en-US" altLang="en-US"/>
               <a:t>Malware targeting government or military computers</a:t>
             </a:r>
           </a:p>
@@ -8960,7 +8992,7 @@
               <a:buChar char="•"/>
             </a:pPr>
             <a:r>
-              <a:rPr lang="en-US" altLang="en-US" smtClean="0"/>
+              <a:rPr lang="en-US" altLang="en-US"/>
               <a:t>Citizens having their email messages read without their knowledge</a:t>
             </a:r>
           </a:p>
@@ -8969,13 +9001,13 @@
               <a:buFontTx/>
               <a:buChar char="•"/>
             </a:pPr>
-            <a:endParaRPr lang="en-US" altLang="en-US" smtClean="0"/>
-          </a:p>
-          <a:p>
-            <a:endParaRPr lang="en-US" altLang="en-US" smtClean="0"/>
-          </a:p>
-          <a:p>
-            <a:endParaRPr lang="en-US" altLang="en-US" smtClean="0"/>
+            <a:endParaRPr lang="en-US" altLang="en-US"/>
+          </a:p>
+          <a:p>
+            <a:endParaRPr lang="en-US" altLang="en-US"/>
+          </a:p>
+          <a:p>
+            <a:endParaRPr lang="en-US" altLang="en-US"/>
           </a:p>
         </p:txBody>
       </p:sp>
@@ -8994,14 +9026,14 @@
           <a:ln/>
           <a:extLst>
             <a:ext uri="{909E8E84-426E-40dd-AFC4-6F175D3DCCD1}">
-              <a14:hiddenFill xmlns:a14="http://schemas.microsoft.com/office/drawing/2010/main">
+              <a14:hiddenFill xmlns="" xmlns:a14="http://schemas.microsoft.com/office/drawing/2010/main">
                 <a:solidFill>
                   <a:srgbClr val="FFFFFF"/>
                 </a:solidFill>
               </a14:hiddenFill>
             </a:ext>
             <a:ext uri="{91240B29-F687-4f45-9708-019B960494DF}">
-              <a14:hiddenLine xmlns:a14="http://schemas.microsoft.com/office/drawing/2010/main" w="9525">
+              <a14:hiddenLine xmlns="" xmlns:a14="http://schemas.microsoft.com/office/drawing/2010/main" w="9525">
                 <a:solidFill>
                   <a:srgbClr val="000000"/>
                 </a:solidFill>
@@ -9179,14 +9211,14 @@
           <a:ln/>
           <a:extLst>
             <a:ext uri="{909E8E84-426E-40dd-AFC4-6F175D3DCCD1}">
-              <a14:hiddenFill xmlns:a14="http://schemas.microsoft.com/office/drawing/2010/main">
+              <a14:hiddenFill xmlns="" xmlns:a14="http://schemas.microsoft.com/office/drawing/2010/main">
                 <a:solidFill>
                   <a:srgbClr val="FFFFFF"/>
                 </a:solidFill>
               </a14:hiddenFill>
             </a:ext>
             <a:ext uri="{91240B29-F687-4f45-9708-019B960494DF}">
-              <a14:hiddenLine xmlns:a14="http://schemas.microsoft.com/office/drawing/2010/main" w="9525">
+              <a14:hiddenLine xmlns="" xmlns:a14="http://schemas.microsoft.com/office/drawing/2010/main" w="9525">
                 <a:solidFill>
                   <a:srgbClr val="000000"/>
                 </a:solidFill>
@@ -9360,7 +9392,7 @@
               <a:defRPr/>
             </a:pPr>
             <a:r>
-              <a:rPr lang="en-US" altLang="en-US" dirty="0" smtClean="0">
+              <a:rPr lang="en-US" altLang="en-US" dirty="0">
                 <a:ea typeface="+mn-ea"/>
               </a:rPr>
               <a:t>Attacks and Defenses</a:t>
@@ -9370,7 +9402,7 @@
             <a:pPr eaLnBrk="1" hangingPunct="1">
               <a:defRPr/>
             </a:pPr>
-            <a:endParaRPr lang="en-US" altLang="en-US" dirty="0" smtClean="0">
+            <a:endParaRPr lang="en-US" altLang="en-US" dirty="0">
               <a:ea typeface="+mn-ea"/>
             </a:endParaRPr>
           </a:p>
@@ -9381,7 +9413,7 @@
               <a:defRPr/>
             </a:pPr>
             <a:r>
-              <a:rPr lang="en-US" altLang="en-US" dirty="0" smtClean="0">
+              <a:rPr lang="en-US" altLang="en-US" dirty="0">
                 <a:ea typeface="+mn-ea"/>
               </a:rPr>
               <a:t>A wide variety of attacks can be launched</a:t>
@@ -9394,7 +9426,7 @@
               <a:defRPr/>
             </a:pPr>
             <a:r>
-              <a:rPr lang="en-US" altLang="en-US" dirty="0" smtClean="0">
+              <a:rPr lang="en-US" altLang="en-US" dirty="0">
                 <a:ea typeface="+mn-ea"/>
               </a:rPr>
               <a:t>The same basic steps are used in most attacks</a:t>
@@ -9407,7 +9439,7 @@
               <a:defRPr/>
             </a:pPr>
             <a:r>
-              <a:rPr lang="en-US" altLang="en-US" dirty="0" smtClean="0">
+              <a:rPr lang="en-US" altLang="en-US" dirty="0">
                 <a:ea typeface="+mn-ea"/>
               </a:rPr>
               <a:t>To protect computers against attacks follow five fundamental security principles</a:t>
@@ -9419,7 +9451,7 @@
               <a:buChar char="•"/>
               <a:defRPr/>
             </a:pPr>
-            <a:endParaRPr lang="en-CA" altLang="en-US" dirty="0" smtClean="0">
+            <a:endParaRPr lang="en-CA" altLang="en-US" dirty="0">
               <a:ea typeface="+mn-ea"/>
             </a:endParaRPr>
           </a:p>
@@ -9465,14 +9497,14 @@
           <a:ln/>
           <a:extLst>
             <a:ext uri="{909E8E84-426E-40dd-AFC4-6F175D3DCCD1}">
-              <a14:hiddenFill xmlns:a14="http://schemas.microsoft.com/office/drawing/2010/main">
+              <a14:hiddenFill xmlns="" xmlns:a14="http://schemas.microsoft.com/office/drawing/2010/main">
                 <a:solidFill>
                   <a:srgbClr val="FFFFFF"/>
                 </a:solidFill>
               </a14:hiddenFill>
             </a:ext>
             <a:ext uri="{91240B29-F687-4f45-9708-019B960494DF}">
-              <a14:hiddenLine xmlns:a14="http://schemas.microsoft.com/office/drawing/2010/main" w="9525">
+              <a14:hiddenLine xmlns="" xmlns:a14="http://schemas.microsoft.com/office/drawing/2010/main" w="9525">
                 <a:solidFill>
                   <a:srgbClr val="000000"/>
                 </a:solidFill>
@@ -9639,14 +9671,14 @@
           <a:ln/>
           <a:extLst>
             <a:ext uri="{909E8E84-426E-40dd-AFC4-6F175D3DCCD1}">
-              <a14:hiddenFill xmlns:a14="http://schemas.microsoft.com/office/drawing/2010/main">
+              <a14:hiddenFill xmlns="" xmlns:a14="http://schemas.microsoft.com/office/drawing/2010/main">
                 <a:solidFill>
                   <a:srgbClr val="FFFFFF"/>
                 </a:solidFill>
               </a14:hiddenFill>
             </a:ext>
             <a:ext uri="{91240B29-F687-4f45-9708-019B960494DF}">
-              <a14:hiddenLine xmlns:a14="http://schemas.microsoft.com/office/drawing/2010/main" w="9525">
+              <a14:hiddenLine xmlns="" xmlns:a14="http://schemas.microsoft.com/office/drawing/2010/main" w="9525">
                 <a:solidFill>
                   <a:srgbClr val="000000"/>
                 </a:solidFill>
@@ -9663,7 +9695,7 @@
           <a:p>
             <a:pPr eaLnBrk="1" hangingPunct="1"/>
             <a:r>
-              <a:rPr lang="en-US" altLang="en-US" smtClean="0"/>
+              <a:rPr lang="en-US" altLang="en-US"/>
               <a:t>Steps of an Attack</a:t>
             </a:r>
           </a:p>
@@ -9672,7 +9704,7 @@
               <a:buFontTx/>
               <a:buChar char="•"/>
             </a:pPr>
-            <a:endParaRPr lang="en-US" altLang="en-US" smtClean="0"/>
+            <a:endParaRPr lang="en-US" altLang="en-US"/>
           </a:p>
           <a:p>
             <a:pPr>
@@ -9680,11 +9712,11 @@
               <a:buChar char="•"/>
             </a:pPr>
             <a:r>
-              <a:rPr lang="en-US" altLang="en-US" b="1" smtClean="0"/>
+              <a:rPr lang="en-US" altLang="en-US" b="1"/>
               <a:t>Cyber Kill Chain </a:t>
             </a:r>
             <a:r>
-              <a:rPr lang="en-US" altLang="en-US" smtClean="0"/>
+              <a:rPr lang="en-US" altLang="en-US"/>
               <a:t>outlines the steps of an attack:</a:t>
             </a:r>
           </a:p>
@@ -9694,15 +9726,15 @@
               <a:buChar char="•"/>
             </a:pPr>
             <a:r>
-              <a:rPr lang="en-US" altLang="en-US" smtClean="0"/>
+              <a:rPr lang="en-US" altLang="en-US"/>
               <a:t>1. </a:t>
             </a:r>
             <a:r>
-              <a:rPr lang="en-US" altLang="en-US" i="1" smtClean="0"/>
+              <a:rPr lang="en-US" altLang="en-US" i="1"/>
               <a:t>Reconnaissance</a:t>
             </a:r>
             <a:r>
-              <a:rPr lang="en-US" altLang="en-US" smtClean="0"/>
+              <a:rPr lang="en-US" altLang="en-US"/>
               <a:t> - probe for information about the system: type of hardware or software used</a:t>
             </a:r>
           </a:p>
@@ -9712,15 +9744,15 @@
               <a:buChar char="•"/>
             </a:pPr>
             <a:r>
-              <a:rPr lang="en-US" altLang="en-US" smtClean="0"/>
+              <a:rPr lang="en-US" altLang="en-US"/>
               <a:t>2. </a:t>
             </a:r>
             <a:r>
-              <a:rPr lang="en-US" altLang="en-US" i="1" smtClean="0"/>
+              <a:rPr lang="en-US" altLang="en-US" i="1"/>
               <a:t>Weaponization</a:t>
             </a:r>
             <a:r>
-              <a:rPr lang="en-US" altLang="en-US" smtClean="0"/>
+              <a:rPr lang="en-US" altLang="en-US"/>
               <a:t> - attacker creates an exploit and packages it into a deliverable payload</a:t>
             </a:r>
           </a:p>
@@ -9730,15 +9762,15 @@
               <a:buChar char="•"/>
             </a:pPr>
             <a:r>
-              <a:rPr lang="en-US" altLang="en-US" smtClean="0"/>
+              <a:rPr lang="en-US" altLang="en-US"/>
               <a:t>3. </a:t>
             </a:r>
             <a:r>
-              <a:rPr lang="en-US" altLang="en-US" i="1" smtClean="0"/>
+              <a:rPr lang="en-US" altLang="en-US" i="1"/>
               <a:t>Delivery</a:t>
             </a:r>
             <a:r>
-              <a:rPr lang="en-US" altLang="en-US" smtClean="0"/>
+              <a:rPr lang="en-US" altLang="en-US"/>
               <a:t> - weapon is transmitted to the target</a:t>
             </a:r>
           </a:p>
@@ -9748,15 +9780,15 @@
               <a:buChar char="•"/>
             </a:pPr>
             <a:r>
-              <a:rPr lang="en-US" altLang="en-US" smtClean="0"/>
+              <a:rPr lang="en-US" altLang="en-US"/>
               <a:t>4. </a:t>
             </a:r>
             <a:r>
-              <a:rPr lang="en-US" altLang="en-US" i="1" smtClean="0"/>
+              <a:rPr lang="en-US" altLang="en-US" i="1"/>
               <a:t>Exploitation</a:t>
             </a:r>
             <a:r>
-              <a:rPr lang="en-US" altLang="en-US" smtClean="0"/>
+              <a:rPr lang="en-US" altLang="en-US"/>
               <a:t> - after weapon is delivered, the exploitation stage triggers the intruder’s exploit</a:t>
             </a:r>
           </a:p>
@@ -9766,21 +9798,21 @@
               <a:buChar char="•"/>
             </a:pPr>
             <a:r>
-              <a:rPr lang="en-US" altLang="en-US" smtClean="0"/>
+              <a:rPr lang="en-US" altLang="en-US"/>
               <a:t>5. </a:t>
             </a:r>
             <a:r>
-              <a:rPr lang="en-US" altLang="en-US" i="1" smtClean="0"/>
+              <a:rPr lang="en-US" altLang="en-US" i="1"/>
               <a:t>Installation</a:t>
             </a:r>
             <a:r>
-              <a:rPr lang="en-US" altLang="en-US" smtClean="0"/>
+              <a:rPr lang="en-US" altLang="en-US"/>
               <a:t> - the weapon is installed to either attack the computer or install a remote “backdoor”</a:t>
             </a:r>
           </a:p>
           <a:p>
             <a:pPr eaLnBrk="1" hangingPunct="1"/>
-            <a:endParaRPr lang="en-US" altLang="en-US" smtClean="0"/>
+            <a:endParaRPr lang="en-US" altLang="en-US"/>
           </a:p>
         </p:txBody>
       </p:sp>
@@ -9824,14 +9856,14 @@
           <a:ln/>
           <a:extLst>
             <a:ext uri="{909E8E84-426E-40dd-AFC4-6F175D3DCCD1}">
-              <a14:hiddenFill xmlns:a14="http://schemas.microsoft.com/office/drawing/2010/main">
+              <a14:hiddenFill xmlns="" xmlns:a14="http://schemas.microsoft.com/office/drawing/2010/main">
                 <a:solidFill>
                   <a:srgbClr val="FFFFFF"/>
                 </a:solidFill>
               </a14:hiddenFill>
             </a:ext>
             <a:ext uri="{91240B29-F687-4f45-9708-019B960494DF}">
-              <a14:hiddenLine xmlns:a14="http://schemas.microsoft.com/office/drawing/2010/main" w="9525">
+              <a14:hiddenLine xmlns="" xmlns:a14="http://schemas.microsoft.com/office/drawing/2010/main" w="9525">
                 <a:solidFill>
                   <a:srgbClr val="000000"/>
                 </a:solidFill>
@@ -9998,14 +10030,14 @@
           <a:ln/>
           <a:extLst>
             <a:ext uri="{909E8E84-426E-40dd-AFC4-6F175D3DCCD1}">
-              <a14:hiddenFill xmlns:a14="http://schemas.microsoft.com/office/drawing/2010/main">
+              <a14:hiddenFill xmlns="" xmlns:a14="http://schemas.microsoft.com/office/drawing/2010/main">
                 <a:solidFill>
                   <a:srgbClr val="FFFFFF"/>
                 </a:solidFill>
               </a14:hiddenFill>
             </a:ext>
             <a:ext uri="{91240B29-F687-4f45-9708-019B960494DF}">
-              <a14:hiddenLine xmlns:a14="http://schemas.microsoft.com/office/drawing/2010/main" w="9525">
+              <a14:hiddenLine xmlns="" xmlns:a14="http://schemas.microsoft.com/office/drawing/2010/main" w="9525">
                 <a:solidFill>
                   <a:srgbClr val="000000"/>
                 </a:solidFill>
@@ -10022,7 +10054,7 @@
           <a:p>
             <a:pPr eaLnBrk="1" hangingPunct="1"/>
             <a:r>
-              <a:rPr lang="en-US" altLang="en-US" smtClean="0"/>
+              <a:rPr lang="en-US" altLang="en-US"/>
               <a:t>Steps of an Attack</a:t>
             </a:r>
           </a:p>
@@ -10031,7 +10063,7 @@
               <a:buFontTx/>
               <a:buChar char="•"/>
             </a:pPr>
-            <a:endParaRPr lang="en-US" altLang="en-US" smtClean="0"/>
+            <a:endParaRPr lang="en-US" altLang="en-US"/>
           </a:p>
           <a:p>
             <a:pPr>
@@ -10039,11 +10071,11 @@
               <a:buChar char="•"/>
             </a:pPr>
             <a:r>
-              <a:rPr lang="en-US" altLang="en-US" b="1" smtClean="0"/>
+              <a:rPr lang="en-US" altLang="en-US" b="1"/>
               <a:t>Cyber Kill Chain </a:t>
             </a:r>
             <a:r>
-              <a:rPr lang="en-US" altLang="en-US" smtClean="0"/>
+              <a:rPr lang="en-US" altLang="en-US"/>
               <a:t>outlines the steps of an attack (cont’d):</a:t>
             </a:r>
           </a:p>
@@ -10053,15 +10085,15 @@
               <a:buChar char="•"/>
             </a:pPr>
             <a:r>
-              <a:rPr lang="en-US" altLang="en-US" smtClean="0"/>
+              <a:rPr lang="en-US" altLang="en-US"/>
               <a:t>6. </a:t>
             </a:r>
             <a:r>
-              <a:rPr lang="en-US" altLang="en-US" i="1" smtClean="0"/>
+              <a:rPr lang="en-US" altLang="en-US" i="1"/>
               <a:t>Command and Control </a:t>
             </a:r>
             <a:r>
-              <a:rPr lang="en-US" altLang="en-US" smtClean="0"/>
+              <a:rPr lang="en-US" altLang="en-US"/>
               <a:t>- the comprised system connects back to the attacker so that the system can be remotely controlled by the attacker</a:t>
             </a:r>
           </a:p>
@@ -10071,21 +10103,21 @@
               <a:buChar char="•"/>
             </a:pPr>
             <a:r>
-              <a:rPr lang="en-US" altLang="en-US" smtClean="0"/>
+              <a:rPr lang="en-US" altLang="en-US"/>
               <a:t>7. </a:t>
             </a:r>
             <a:r>
-              <a:rPr lang="en-US" altLang="en-US" i="1" smtClean="0"/>
+              <a:rPr lang="en-US" altLang="en-US" i="1"/>
               <a:t>Action on Objectives </a:t>
             </a:r>
             <a:r>
-              <a:rPr lang="en-US" altLang="en-US" smtClean="0"/>
+              <a:rPr lang="en-US" altLang="en-US"/>
               <a:t>- now the attackers can start to take actions to achieve their original objectives</a:t>
             </a:r>
           </a:p>
           <a:p>
             <a:pPr eaLnBrk="1" hangingPunct="1"/>
-            <a:endParaRPr lang="en-US" altLang="en-US" smtClean="0"/>
+            <a:endParaRPr lang="en-US" altLang="en-US"/>
           </a:p>
         </p:txBody>
       </p:sp>
@@ -10129,14 +10161,14 @@
           <a:ln/>
           <a:extLst>
             <a:ext uri="{909E8E84-426E-40dd-AFC4-6F175D3DCCD1}">
-              <a14:hiddenFill xmlns:a14="http://schemas.microsoft.com/office/drawing/2010/main">
+              <a14:hiddenFill xmlns="" xmlns:a14="http://schemas.microsoft.com/office/drawing/2010/main">
                 <a:solidFill>
                   <a:srgbClr val="FFFFFF"/>
                 </a:solidFill>
               </a14:hiddenFill>
             </a:ext>
             <a:ext uri="{91240B29-F687-4f45-9708-019B960494DF}">
-              <a14:hiddenLine xmlns:a14="http://schemas.microsoft.com/office/drawing/2010/main" w="9525">
+              <a14:hiddenLine xmlns="" xmlns:a14="http://schemas.microsoft.com/office/drawing/2010/main" w="9525">
                 <a:solidFill>
                   <a:srgbClr val="000000"/>
                 </a:solidFill>
@@ -10310,7 +10342,7 @@
               <a:defRPr/>
             </a:pPr>
             <a:r>
-              <a:rPr lang="en-US" altLang="en-US" dirty="0" smtClean="0">
+              <a:rPr lang="en-US" altLang="en-US" dirty="0">
                 <a:ea typeface="+mn-ea"/>
               </a:rPr>
               <a:t>Defenses Against Attacks</a:t>
@@ -10322,7 +10354,7 @@
               <a:buChar char="•"/>
               <a:defRPr/>
             </a:pPr>
-            <a:endParaRPr lang="en-US" altLang="en-US" dirty="0" smtClean="0">
+            <a:endParaRPr lang="en-US" altLang="en-US" dirty="0">
               <a:ea typeface="+mn-ea"/>
             </a:endParaRPr>
           </a:p>
@@ -10333,7 +10365,7 @@
               <a:defRPr/>
             </a:pPr>
             <a:r>
-              <a:rPr lang="en-US" altLang="en-US" dirty="0" smtClean="0">
+              <a:rPr lang="en-US" altLang="en-US" dirty="0">
                 <a:ea typeface="+mn-ea"/>
               </a:rPr>
               <a:t>Five fundamental security principles for defenses:</a:t>
@@ -10346,7 +10378,7 @@
               <a:defRPr/>
             </a:pPr>
             <a:r>
-              <a:rPr lang="en-US" altLang="en-US" dirty="0" smtClean="0">
+              <a:rPr lang="en-US" altLang="en-US" dirty="0">
                 <a:ea typeface="+mn-ea"/>
               </a:rPr>
               <a:t>Layering</a:t>
@@ -10359,7 +10391,7 @@
               <a:defRPr/>
             </a:pPr>
             <a:r>
-              <a:rPr lang="en-US" altLang="en-US" dirty="0" smtClean="0">
+              <a:rPr lang="en-US" altLang="en-US" dirty="0">
                 <a:ea typeface="+mn-ea"/>
               </a:rPr>
               <a:t>Limiting</a:t>
@@ -10372,7 +10404,7 @@
               <a:defRPr/>
             </a:pPr>
             <a:r>
-              <a:rPr lang="en-US" altLang="en-US" dirty="0" smtClean="0">
+              <a:rPr lang="en-US" altLang="en-US" dirty="0">
                 <a:ea typeface="+mn-ea"/>
               </a:rPr>
               <a:t>Diversity</a:t>
@@ -10385,7 +10417,7 @@
               <a:defRPr/>
             </a:pPr>
             <a:r>
-              <a:rPr lang="en-US" altLang="en-US" dirty="0" smtClean="0">
+              <a:rPr lang="en-US" altLang="en-US" dirty="0">
                 <a:ea typeface="+mn-ea"/>
               </a:rPr>
               <a:t>Obscurity</a:t>
@@ -10398,7 +10430,7 @@
               <a:defRPr/>
             </a:pPr>
             <a:r>
-              <a:rPr lang="en-US" altLang="en-US" dirty="0" smtClean="0">
+              <a:rPr lang="en-US" altLang="en-US" dirty="0">
                 <a:ea typeface="+mn-ea"/>
               </a:rPr>
               <a:t>Simplicity</a:t>
@@ -10408,7 +10440,7 @@
             <a:pPr eaLnBrk="1" hangingPunct="1">
               <a:defRPr/>
             </a:pPr>
-            <a:endParaRPr lang="en-US" altLang="en-US" dirty="0" smtClean="0">
+            <a:endParaRPr lang="en-US" altLang="en-US" dirty="0">
               <a:ea typeface="+mn-ea"/>
             </a:endParaRPr>
           </a:p>
@@ -10454,14 +10486,14 @@
           <a:ln/>
           <a:extLst>
             <a:ext uri="{909E8E84-426E-40dd-AFC4-6F175D3DCCD1}">
-              <a14:hiddenFill xmlns:a14="http://schemas.microsoft.com/office/drawing/2010/main">
+              <a14:hiddenFill xmlns="" xmlns:a14="http://schemas.microsoft.com/office/drawing/2010/main">
                 <a:solidFill>
                   <a:srgbClr val="FFFFFF"/>
                 </a:solidFill>
               </a14:hiddenFill>
             </a:ext>
             <a:ext uri="{91240B29-F687-4f45-9708-019B960494DF}">
-              <a14:hiddenLine xmlns:a14="http://schemas.microsoft.com/office/drawing/2010/main" w="9525">
+              <a14:hiddenLine xmlns="" xmlns:a14="http://schemas.microsoft.com/office/drawing/2010/main" w="9525">
                 <a:solidFill>
                   <a:srgbClr val="000000"/>
                 </a:solidFill>
@@ -10635,7 +10667,7 @@
               <a:defRPr/>
             </a:pPr>
             <a:r>
-              <a:rPr lang="en-US" altLang="en-US" dirty="0" smtClean="0">
+              <a:rPr lang="en-US" altLang="en-US" dirty="0">
                 <a:ea typeface="+mn-ea"/>
               </a:rPr>
               <a:t>Layering</a:t>
@@ -10647,7 +10679,7 @@
               <a:buChar char="•"/>
               <a:defRPr/>
             </a:pPr>
-            <a:endParaRPr lang="en-US" altLang="en-US" dirty="0" smtClean="0">
+            <a:endParaRPr lang="en-US" altLang="en-US" dirty="0">
               <a:ea typeface="+mn-ea"/>
             </a:endParaRPr>
           </a:p>
@@ -10658,7 +10690,7 @@
               <a:defRPr/>
             </a:pPr>
             <a:r>
-              <a:rPr lang="en-US" altLang="en-US" dirty="0" smtClean="0">
+              <a:rPr lang="en-US" altLang="en-US" dirty="0">
                 <a:ea typeface="+mn-ea"/>
               </a:rPr>
               <a:t>Information security must be created in layers</a:t>
@@ -10671,7 +10703,7 @@
               <a:defRPr/>
             </a:pPr>
             <a:r>
-              <a:rPr lang="en-US" altLang="en-US" dirty="0" smtClean="0">
+              <a:rPr lang="en-US" altLang="en-US" dirty="0">
                 <a:ea typeface="+mn-ea"/>
               </a:rPr>
               <a:t>A single defense mechanism may be easy to circumvent</a:t>
@@ -10684,7 +10716,7 @@
               <a:defRPr/>
             </a:pPr>
             <a:r>
-              <a:rPr lang="en-US" altLang="en-US" dirty="0" smtClean="0">
+              <a:rPr lang="en-US" altLang="en-US" dirty="0">
                 <a:ea typeface="+mn-ea"/>
               </a:rPr>
               <a:t>Making it unlikely that an attacker can break through all defense layers</a:t>
@@ -10697,7 +10729,7 @@
               <a:defRPr/>
             </a:pPr>
             <a:r>
-              <a:rPr lang="en-US" altLang="en-US" dirty="0" smtClean="0">
+              <a:rPr lang="en-US" altLang="en-US" dirty="0">
                 <a:ea typeface="+mn-ea"/>
               </a:rPr>
               <a:t>Layered security approach</a:t>
@@ -10710,7 +10742,7 @@
               <a:defRPr/>
             </a:pPr>
             <a:r>
-              <a:rPr lang="en-US" altLang="en-US" dirty="0" smtClean="0">
+              <a:rPr lang="en-US" altLang="en-US" dirty="0">
                 <a:ea typeface="+mn-ea"/>
               </a:rPr>
               <a:t>Can be useful in resisting a variety of attacks</a:t>
@@ -10723,7 +10755,7 @@
               <a:defRPr/>
             </a:pPr>
             <a:r>
-              <a:rPr lang="en-US" altLang="en-US" dirty="0" smtClean="0">
+              <a:rPr lang="en-US" altLang="en-US" dirty="0">
                 <a:ea typeface="+mn-ea"/>
               </a:rPr>
               <a:t>Provides the most comprehensive protection</a:t>
@@ -10733,7 +10765,7 @@
             <a:pPr eaLnBrk="1" hangingPunct="1">
               <a:defRPr/>
             </a:pPr>
-            <a:endParaRPr lang="en-US" altLang="en-US" dirty="0" smtClean="0">
+            <a:endParaRPr lang="en-US" altLang="en-US" dirty="0">
               <a:ea typeface="+mn-ea"/>
             </a:endParaRPr>
           </a:p>
@@ -10779,14 +10811,14 @@
           <a:ln/>
           <a:extLst>
             <a:ext uri="{909E8E84-426E-40dd-AFC4-6F175D3DCCD1}">
-              <a14:hiddenFill xmlns:a14="http://schemas.microsoft.com/office/drawing/2010/main">
+              <a14:hiddenFill xmlns="" xmlns:a14="http://schemas.microsoft.com/office/drawing/2010/main">
                 <a:solidFill>
                   <a:srgbClr val="FFFFFF"/>
                 </a:solidFill>
               </a14:hiddenFill>
             </a:ext>
             <a:ext uri="{91240B29-F687-4f45-9708-019B960494DF}">
-              <a14:hiddenLine xmlns:a14="http://schemas.microsoft.com/office/drawing/2010/main" w="9525">
+              <a14:hiddenLine xmlns="" xmlns:a14="http://schemas.microsoft.com/office/drawing/2010/main" w="9525">
                 <a:solidFill>
                   <a:srgbClr val="000000"/>
                 </a:solidFill>
@@ -10960,7 +10992,7 @@
               <a:defRPr/>
             </a:pPr>
             <a:r>
-              <a:rPr lang="en-US" altLang="en-US" dirty="0" smtClean="0">
+              <a:rPr lang="en-US" altLang="en-US" dirty="0">
                 <a:ea typeface="+mn-ea"/>
               </a:rPr>
               <a:t>Limiting</a:t>
@@ -10972,7 +11004,7 @@
               <a:buChar char="•"/>
               <a:defRPr/>
             </a:pPr>
-            <a:endParaRPr lang="en-US" altLang="en-US" dirty="0" smtClean="0">
+            <a:endParaRPr lang="en-US" altLang="en-US" dirty="0">
               <a:ea typeface="+mn-ea"/>
             </a:endParaRPr>
           </a:p>
@@ -10983,7 +11015,7 @@
               <a:defRPr/>
             </a:pPr>
             <a:r>
-              <a:rPr lang="en-US" altLang="en-US" dirty="0" smtClean="0">
+              <a:rPr lang="en-US" altLang="en-US" dirty="0">
                 <a:ea typeface="+mn-ea"/>
               </a:rPr>
               <a:t>Limiting access to information:</a:t>
@@ -10996,7 +11028,7 @@
               <a:defRPr/>
             </a:pPr>
             <a:r>
-              <a:rPr lang="en-US" altLang="en-US" dirty="0" smtClean="0">
+              <a:rPr lang="en-US" altLang="en-US" dirty="0">
                 <a:ea typeface="+mn-ea"/>
               </a:rPr>
               <a:t>Reduces the threat against it</a:t>
@@ -11009,7 +11041,7 @@
               <a:defRPr/>
             </a:pPr>
             <a:r>
-              <a:rPr lang="en-US" altLang="en-US" dirty="0" smtClean="0">
+              <a:rPr lang="en-US" altLang="en-US" dirty="0">
                 <a:ea typeface="+mn-ea"/>
               </a:rPr>
               <a:t>Only those who must use data should be granted access</a:t>
@@ -11022,7 +11054,7 @@
               <a:defRPr/>
             </a:pPr>
             <a:r>
-              <a:rPr lang="en-US" altLang="en-US" dirty="0" smtClean="0">
+              <a:rPr lang="en-US" altLang="en-US" dirty="0">
                 <a:ea typeface="+mn-ea"/>
               </a:rPr>
               <a:t>Should be limited to only what they need to do their job</a:t>
@@ -11035,7 +11067,7 @@
               <a:defRPr/>
             </a:pPr>
             <a:r>
-              <a:rPr lang="en-US" altLang="en-US" dirty="0" smtClean="0">
+              <a:rPr lang="en-US" altLang="en-US" dirty="0">
                 <a:ea typeface="+mn-ea"/>
               </a:rPr>
               <a:t>Methods of limiting access</a:t>
@@ -11048,7 +11080,7 @@
               <a:defRPr/>
             </a:pPr>
             <a:r>
-              <a:rPr lang="en-US" altLang="en-US" dirty="0" smtClean="0">
+              <a:rPr lang="en-US" altLang="en-US" dirty="0">
                 <a:ea typeface="+mn-ea"/>
               </a:rPr>
               <a:t>Technology-based - such as file permissions</a:t>
@@ -11061,7 +11093,7 @@
               <a:defRPr/>
             </a:pPr>
             <a:r>
-              <a:rPr lang="en-US" altLang="en-US" dirty="0" smtClean="0">
+              <a:rPr lang="en-US" altLang="en-US" dirty="0">
                 <a:ea typeface="+mn-ea"/>
               </a:rPr>
               <a:t>Procedural - such as prohibiting document removal from premises</a:t>
@@ -11071,7 +11103,7 @@
             <a:pPr eaLnBrk="1" hangingPunct="1">
               <a:defRPr/>
             </a:pPr>
-            <a:endParaRPr lang="en-US" altLang="en-US" dirty="0" smtClean="0">
+            <a:endParaRPr lang="en-US" altLang="en-US" dirty="0">
               <a:ea typeface="+mn-ea"/>
             </a:endParaRPr>
           </a:p>
@@ -11117,14 +11149,14 @@
           <a:ln/>
           <a:extLst>
             <a:ext uri="{909E8E84-426E-40dd-AFC4-6F175D3DCCD1}">
-              <a14:hiddenFill xmlns:a14="http://schemas.microsoft.com/office/drawing/2010/main">
+              <a14:hiddenFill xmlns="" xmlns:a14="http://schemas.microsoft.com/office/drawing/2010/main">
                 <a:solidFill>
                   <a:srgbClr val="FFFFFF"/>
                 </a:solidFill>
               </a14:hiddenFill>
             </a:ext>
             <a:ext uri="{91240B29-F687-4f45-9708-019B960494DF}">
-              <a14:hiddenLine xmlns:a14="http://schemas.microsoft.com/office/drawing/2010/main" w="9525">
+              <a14:hiddenLine xmlns="" xmlns:a14="http://schemas.microsoft.com/office/drawing/2010/main" w="9525">
                 <a:solidFill>
                   <a:srgbClr val="000000"/>
                 </a:solidFill>
@@ -11298,7 +11330,7 @@
               <a:defRPr/>
             </a:pPr>
             <a:r>
-              <a:rPr lang="en-US" altLang="en-US" dirty="0" smtClean="0">
+              <a:rPr lang="en-US" altLang="en-US" dirty="0">
                 <a:ea typeface="+mn-ea"/>
               </a:rPr>
               <a:t>Diversity</a:t>
@@ -11308,7 +11340,7 @@
             <a:pPr eaLnBrk="1" hangingPunct="1">
               <a:defRPr/>
             </a:pPr>
-            <a:endParaRPr lang="en-US" altLang="en-US" dirty="0" smtClean="0">
+            <a:endParaRPr lang="en-US" altLang="en-US" dirty="0">
               <a:ea typeface="+mn-ea"/>
             </a:endParaRPr>
           </a:p>
@@ -11319,7 +11351,7 @@
               <a:defRPr/>
             </a:pPr>
             <a:r>
-              <a:rPr lang="en-US" altLang="en-US" dirty="0" smtClean="0">
+              <a:rPr lang="en-US" altLang="en-US" dirty="0">
                 <a:ea typeface="+mn-ea"/>
               </a:rPr>
               <a:t>Closely related to layering</a:t>
@@ -11332,7 +11364,7 @@
               <a:defRPr/>
             </a:pPr>
             <a:r>
-              <a:rPr lang="en-US" altLang="en-US" dirty="0" smtClean="0">
+              <a:rPr lang="en-US" altLang="en-US" dirty="0">
                 <a:ea typeface="+mn-ea"/>
               </a:rPr>
               <a:t>Layers must be different (diverse)</a:t>
@@ -11345,7 +11377,7 @@
               <a:defRPr/>
             </a:pPr>
             <a:r>
-              <a:rPr lang="en-US" altLang="en-US" dirty="0" smtClean="0">
+              <a:rPr lang="en-US" altLang="en-US" dirty="0">
                 <a:ea typeface="+mn-ea"/>
               </a:rPr>
               <a:t>If attackers penetrate one layer:</a:t>
@@ -11358,7 +11390,7 @@
               <a:defRPr/>
             </a:pPr>
             <a:r>
-              <a:rPr lang="en-US" altLang="en-US" dirty="0" smtClean="0">
+              <a:rPr lang="en-US" altLang="en-US" dirty="0">
                 <a:ea typeface="+mn-ea"/>
               </a:rPr>
               <a:t>Same techniques will be unsuccessful in breaking through other layers</a:t>
@@ -11371,7 +11403,7 @@
               <a:defRPr/>
             </a:pPr>
             <a:r>
-              <a:rPr lang="en-US" altLang="en-US" dirty="0" smtClean="0">
+              <a:rPr lang="en-US" altLang="en-US" dirty="0">
                 <a:ea typeface="+mn-ea"/>
               </a:rPr>
               <a:t>Breaching one security layer does not compromise the whole system</a:t>
@@ -11384,7 +11416,7 @@
               <a:defRPr/>
             </a:pPr>
             <a:r>
-              <a:rPr lang="en-US" altLang="en-US" dirty="0" smtClean="0">
+              <a:rPr lang="en-US" altLang="en-US" dirty="0">
                 <a:ea typeface="+mn-ea"/>
               </a:rPr>
               <a:t>Example of diversity</a:t>
@@ -11397,7 +11429,7 @@
               <a:defRPr/>
             </a:pPr>
             <a:r>
-              <a:rPr lang="en-US" altLang="en-US" dirty="0" smtClean="0">
+              <a:rPr lang="en-US" altLang="en-US" dirty="0">
                 <a:ea typeface="+mn-ea"/>
               </a:rPr>
               <a:t>Using security products from different manufacturers</a:t>
@@ -11407,7 +11439,7 @@
             <a:pPr eaLnBrk="1" hangingPunct="1">
               <a:defRPr/>
             </a:pPr>
-            <a:endParaRPr lang="en-US" altLang="en-US" dirty="0" smtClean="0">
+            <a:endParaRPr lang="en-US" altLang="en-US" dirty="0">
               <a:ea typeface="+mn-ea"/>
             </a:endParaRPr>
           </a:p>
@@ -11453,14 +11485,14 @@
           <a:ln/>
           <a:extLst>
             <a:ext uri="{909E8E84-426E-40dd-AFC4-6F175D3DCCD1}">
-              <a14:hiddenFill xmlns:a14="http://schemas.microsoft.com/office/drawing/2010/main">
+              <a14:hiddenFill xmlns="" xmlns:a14="http://schemas.microsoft.com/office/drawing/2010/main">
                 <a:solidFill>
                   <a:srgbClr val="FFFFFF"/>
                 </a:solidFill>
               </a14:hiddenFill>
             </a:ext>
             <a:ext uri="{91240B29-F687-4f45-9708-019B960494DF}">
-              <a14:hiddenLine xmlns:a14="http://schemas.microsoft.com/office/drawing/2010/main" w="9525">
+              <a14:hiddenLine xmlns="" xmlns:a14="http://schemas.microsoft.com/office/drawing/2010/main" w="9525">
                 <a:solidFill>
                   <a:srgbClr val="000000"/>
                 </a:solidFill>
@@ -11634,7 +11666,7 @@
               <a:defRPr/>
             </a:pPr>
             <a:r>
-              <a:rPr lang="en-US" altLang="en-US" dirty="0" smtClean="0">
+              <a:rPr lang="en-US" altLang="en-US" dirty="0">
                 <a:ea typeface="+mn-ea"/>
               </a:rPr>
               <a:t>Difficulties in Defending Against Attacks</a:t>
@@ -11646,7 +11678,7 @@
               <a:buChar char="•"/>
               <a:defRPr/>
             </a:pPr>
-            <a:endParaRPr lang="en-US" altLang="en-US" dirty="0" smtClean="0">
+            <a:endParaRPr lang="en-US" altLang="en-US" dirty="0">
               <a:ea typeface="+mn-ea"/>
             </a:endParaRPr>
           </a:p>
@@ -11657,7 +11689,7 @@
               <a:defRPr/>
             </a:pPr>
             <a:r>
-              <a:rPr lang="en-US" altLang="en-US" i="1" dirty="0" smtClean="0">
+              <a:rPr lang="en-US" altLang="en-US" i="1" dirty="0">
                 <a:ea typeface="+mn-ea"/>
               </a:rPr>
               <a:t>Universally connected devices</a:t>
@@ -11670,7 +11702,7 @@
               <a:defRPr/>
             </a:pPr>
             <a:r>
-              <a:rPr lang="en-US" altLang="en-US" i="1" dirty="0" smtClean="0">
+              <a:rPr lang="en-US" altLang="en-US" i="1" dirty="0">
                 <a:ea typeface="+mn-ea"/>
               </a:rPr>
               <a:t>Increased speed of attacks</a:t>
@@ -11683,7 +11715,7 @@
               <a:defRPr/>
             </a:pPr>
             <a:r>
-              <a:rPr lang="en-US" altLang="en-US" i="1" dirty="0" smtClean="0">
+              <a:rPr lang="en-US" altLang="en-US" i="1" dirty="0">
                 <a:ea typeface="+mn-ea"/>
               </a:rPr>
               <a:t>Greater sophistication of attacks</a:t>
@@ -11696,7 +11728,7 @@
               <a:defRPr/>
             </a:pPr>
             <a:r>
-              <a:rPr lang="en-US" altLang="en-US" i="1" dirty="0" smtClean="0">
+              <a:rPr lang="en-US" altLang="en-US" i="1" dirty="0">
                 <a:ea typeface="+mn-ea"/>
               </a:rPr>
               <a:t>Availability and simplicity of attack tools</a:t>
@@ -11709,7 +11741,7 @@
               <a:defRPr/>
             </a:pPr>
             <a:r>
-              <a:rPr lang="en-US" altLang="en-US" i="1" dirty="0" smtClean="0">
+              <a:rPr lang="en-US" altLang="en-US" i="1" dirty="0">
                 <a:ea typeface="+mn-ea"/>
               </a:rPr>
               <a:t>Faster detection of vulnerabilities</a:t>
@@ -11719,7 +11751,7 @@
             <a:pPr eaLnBrk="1" hangingPunct="1">
               <a:defRPr/>
             </a:pPr>
-            <a:endParaRPr lang="en-CA" altLang="en-US" dirty="0" smtClean="0">
+            <a:endParaRPr lang="en-CA" altLang="en-US" dirty="0">
               <a:ea typeface="+mn-ea"/>
             </a:endParaRPr>
           </a:p>
@@ -11765,14 +11797,14 @@
           <a:ln/>
           <a:extLst>
             <a:ext uri="{909E8E84-426E-40dd-AFC4-6F175D3DCCD1}">
-              <a14:hiddenFill xmlns:a14="http://schemas.microsoft.com/office/drawing/2010/main">
+              <a14:hiddenFill xmlns="" xmlns:a14="http://schemas.microsoft.com/office/drawing/2010/main">
                 <a:solidFill>
                   <a:srgbClr val="FFFFFF"/>
                 </a:solidFill>
               </a14:hiddenFill>
             </a:ext>
             <a:ext uri="{91240B29-F687-4f45-9708-019B960494DF}">
-              <a14:hiddenLine xmlns:a14="http://schemas.microsoft.com/office/drawing/2010/main" w="9525">
+              <a14:hiddenLine xmlns="" xmlns:a14="http://schemas.microsoft.com/office/drawing/2010/main" w="9525">
                 <a:solidFill>
                   <a:srgbClr val="000000"/>
                 </a:solidFill>
@@ -11946,7 +11978,7 @@
               <a:defRPr/>
             </a:pPr>
             <a:r>
-              <a:rPr lang="en-US" altLang="en-US" dirty="0" smtClean="0">
+              <a:rPr lang="en-US" altLang="en-US" dirty="0">
                 <a:ea typeface="+mn-ea"/>
               </a:rPr>
               <a:t>Obscurity</a:t>
@@ -11958,7 +11990,7 @@
               <a:buChar char="•"/>
               <a:defRPr/>
             </a:pPr>
-            <a:endParaRPr lang="en-US" altLang="en-US" dirty="0" smtClean="0">
+            <a:endParaRPr lang="en-US" altLang="en-US" dirty="0">
               <a:ea typeface="+mn-ea"/>
             </a:endParaRPr>
           </a:p>
@@ -11969,7 +12001,7 @@
               <a:defRPr/>
             </a:pPr>
             <a:r>
-              <a:rPr lang="en-US" altLang="en-US" dirty="0" smtClean="0">
+              <a:rPr lang="en-US" altLang="en-US" dirty="0">
                 <a:ea typeface="+mn-ea"/>
               </a:rPr>
               <a:t>Obscuring inside details to outsiders</a:t>
@@ -11982,7 +12014,7 @@
               <a:defRPr/>
             </a:pPr>
             <a:r>
-              <a:rPr lang="en-US" altLang="en-US" dirty="0" smtClean="0">
+              <a:rPr lang="en-US" altLang="en-US" dirty="0">
                 <a:ea typeface="+mn-ea"/>
               </a:rPr>
               <a:t>Example: not revealing details</a:t>
@@ -11995,7 +12027,7 @@
               <a:defRPr/>
             </a:pPr>
             <a:r>
-              <a:rPr lang="en-US" altLang="en-US" dirty="0" smtClean="0">
+              <a:rPr lang="en-US" altLang="en-US" dirty="0">
                 <a:ea typeface="+mn-ea"/>
               </a:rPr>
               <a:t>Type of computer</a:t>
@@ -12008,7 +12040,7 @@
               <a:defRPr/>
             </a:pPr>
             <a:r>
-              <a:rPr lang="en-US" altLang="en-US" dirty="0" smtClean="0">
+              <a:rPr lang="en-US" altLang="en-US" dirty="0">
                 <a:ea typeface="+mn-ea"/>
               </a:rPr>
               <a:t>Operating system version</a:t>
@@ -12021,7 +12053,7 @@
               <a:defRPr/>
             </a:pPr>
             <a:r>
-              <a:rPr lang="en-US" altLang="en-US" dirty="0" smtClean="0">
+              <a:rPr lang="en-US" altLang="en-US" dirty="0">
                 <a:ea typeface="+mn-ea"/>
               </a:rPr>
               <a:t>Brand of software used</a:t>
@@ -12034,7 +12066,7 @@
               <a:defRPr/>
             </a:pPr>
             <a:r>
-              <a:rPr lang="en-US" altLang="en-US" dirty="0" smtClean="0">
+              <a:rPr lang="en-US" altLang="en-US" dirty="0">
                 <a:ea typeface="+mn-ea"/>
               </a:rPr>
               <a:t>Difficult for attacker to devise attack if system details are unknown</a:t>
@@ -12044,7 +12076,7 @@
             <a:pPr eaLnBrk="1" hangingPunct="1">
               <a:defRPr/>
             </a:pPr>
-            <a:endParaRPr lang="en-US" altLang="en-US" dirty="0" smtClean="0">
+            <a:endParaRPr lang="en-US" altLang="en-US" dirty="0">
               <a:ea typeface="+mn-ea"/>
             </a:endParaRPr>
           </a:p>
@@ -12090,14 +12122,14 @@
           <a:ln/>
           <a:extLst>
             <a:ext uri="{909E8E84-426E-40dd-AFC4-6F175D3DCCD1}">
-              <a14:hiddenFill xmlns:a14="http://schemas.microsoft.com/office/drawing/2010/main">
+              <a14:hiddenFill xmlns="" xmlns:a14="http://schemas.microsoft.com/office/drawing/2010/main">
                 <a:solidFill>
                   <a:srgbClr val="FFFFFF"/>
                 </a:solidFill>
               </a14:hiddenFill>
             </a:ext>
             <a:ext uri="{91240B29-F687-4f45-9708-019B960494DF}">
-              <a14:hiddenLine xmlns:a14="http://schemas.microsoft.com/office/drawing/2010/main" w="9525">
+              <a14:hiddenLine xmlns="" xmlns:a14="http://schemas.microsoft.com/office/drawing/2010/main" w="9525">
                 <a:solidFill>
                   <a:srgbClr val="000000"/>
                 </a:solidFill>
@@ -12271,7 +12303,7 @@
               <a:defRPr/>
             </a:pPr>
             <a:r>
-              <a:rPr lang="en-US" altLang="en-US" dirty="0" smtClean="0">
+              <a:rPr lang="en-US" altLang="en-US" dirty="0">
                 <a:ea typeface="+mn-ea"/>
               </a:rPr>
               <a:t>Simplicity</a:t>
@@ -12281,7 +12313,7 @@
             <a:pPr eaLnBrk="1" hangingPunct="1">
               <a:defRPr/>
             </a:pPr>
-            <a:endParaRPr lang="en-US" altLang="en-US" dirty="0" smtClean="0">
+            <a:endParaRPr lang="en-US" altLang="en-US" dirty="0">
               <a:ea typeface="+mn-ea"/>
             </a:endParaRPr>
           </a:p>
@@ -12292,7 +12324,7 @@
               <a:defRPr/>
             </a:pPr>
             <a:r>
-              <a:rPr lang="en-US" altLang="en-US" dirty="0" smtClean="0">
+              <a:rPr lang="en-US" altLang="en-US" dirty="0">
                 <a:ea typeface="+mn-ea"/>
               </a:rPr>
               <a:t>Nature of information security is complex</a:t>
@@ -12305,7 +12337,7 @@
               <a:defRPr/>
             </a:pPr>
             <a:r>
-              <a:rPr lang="en-US" altLang="en-US" dirty="0" smtClean="0">
+              <a:rPr lang="en-US" altLang="en-US" dirty="0">
                 <a:ea typeface="+mn-ea"/>
               </a:rPr>
               <a:t>Complex security systems:</a:t>
@@ -12318,7 +12350,7 @@
               <a:defRPr/>
             </a:pPr>
             <a:r>
-              <a:rPr lang="en-US" altLang="en-US" dirty="0" smtClean="0">
+              <a:rPr lang="en-US" altLang="en-US" dirty="0">
                 <a:ea typeface="+mn-ea"/>
               </a:rPr>
               <a:t>Can be difficult to understand and troubleshoot</a:t>
@@ -12331,7 +12363,7 @@
               <a:defRPr/>
             </a:pPr>
             <a:r>
-              <a:rPr lang="en-US" altLang="en-US" dirty="0" smtClean="0">
+              <a:rPr lang="en-US" altLang="en-US" dirty="0">
                 <a:ea typeface="+mn-ea"/>
               </a:rPr>
               <a:t>Are often compromised for ease of use by trusted users</a:t>
@@ -12344,7 +12376,7 @@
               <a:defRPr/>
             </a:pPr>
             <a:r>
-              <a:rPr lang="en-US" altLang="en-US" dirty="0" smtClean="0">
+              <a:rPr lang="en-US" altLang="en-US" dirty="0">
                 <a:ea typeface="+mn-ea"/>
               </a:rPr>
               <a:t>A secure system should be simple from the inside</a:t>
@@ -12357,7 +12389,7 @@
               <a:defRPr/>
             </a:pPr>
             <a:r>
-              <a:rPr lang="en-US" altLang="en-US" dirty="0" smtClean="0">
+              <a:rPr lang="en-US" altLang="en-US" dirty="0">
                 <a:ea typeface="+mn-ea"/>
               </a:rPr>
               <a:t>But complex from the outside</a:t>
@@ -12367,7 +12399,7 @@
             <a:pPr eaLnBrk="1" hangingPunct="1">
               <a:defRPr/>
             </a:pPr>
-            <a:endParaRPr lang="en-US" altLang="en-US" dirty="0" smtClean="0">
+            <a:endParaRPr lang="en-US" altLang="en-US" dirty="0">
               <a:ea typeface="+mn-ea"/>
             </a:endParaRPr>
           </a:p>
@@ -12413,14 +12445,14 @@
           <a:ln/>
           <a:extLst>
             <a:ext uri="{909E8E84-426E-40dd-AFC4-6F175D3DCCD1}">
-              <a14:hiddenFill xmlns:a14="http://schemas.microsoft.com/office/drawing/2010/main">
+              <a14:hiddenFill xmlns="" xmlns:a14="http://schemas.microsoft.com/office/drawing/2010/main">
                 <a:solidFill>
                   <a:srgbClr val="FFFFFF"/>
                 </a:solidFill>
               </a14:hiddenFill>
             </a:ext>
             <a:ext uri="{91240B29-F687-4f45-9708-019B960494DF}">
-              <a14:hiddenLine xmlns:a14="http://schemas.microsoft.com/office/drawing/2010/main" w="9525">
+              <a14:hiddenLine xmlns="" xmlns:a14="http://schemas.microsoft.com/office/drawing/2010/main" w="9525">
                 <a:solidFill>
                   <a:srgbClr val="000000"/>
                 </a:solidFill>
@@ -12594,7 +12626,7 @@
               <a:defRPr/>
             </a:pPr>
             <a:r>
-              <a:rPr lang="en-US" altLang="en-US" dirty="0" smtClean="0">
+              <a:rPr lang="en-US" altLang="en-US" dirty="0">
                 <a:ea typeface="+mn-ea"/>
               </a:rPr>
               <a:t>Difficulties in Defending Against Attacks</a:t>
@@ -12604,7 +12636,7 @@
             <a:pPr eaLnBrk="1" hangingPunct="1">
               <a:defRPr/>
             </a:pPr>
-            <a:endParaRPr lang="en-US" altLang="en-US" dirty="0" smtClean="0">
+            <a:endParaRPr lang="en-US" altLang="en-US" dirty="0">
               <a:ea typeface="+mn-ea"/>
             </a:endParaRPr>
           </a:p>
@@ -12615,7 +12647,7 @@
               <a:defRPr/>
             </a:pPr>
             <a:r>
-              <a:rPr lang="en-US" altLang="en-US" i="1" dirty="0" smtClean="0">
+              <a:rPr lang="en-US" altLang="en-US" i="1" dirty="0">
                 <a:ea typeface="+mn-ea"/>
               </a:rPr>
               <a:t>Delays in security updating</a:t>
@@ -12628,7 +12660,7 @@
               <a:defRPr/>
             </a:pPr>
             <a:r>
-              <a:rPr lang="en-US" altLang="en-US" i="1" dirty="0" smtClean="0">
+              <a:rPr lang="en-US" altLang="en-US" i="1" dirty="0">
                 <a:ea typeface="+mn-ea"/>
               </a:rPr>
               <a:t>Weak security update distribution </a:t>
@@ -12641,7 +12673,7 @@
               <a:defRPr/>
             </a:pPr>
             <a:r>
-              <a:rPr lang="en-US" altLang="en-US" i="1" dirty="0" smtClean="0">
+              <a:rPr lang="en-US" altLang="en-US" i="1" dirty="0">
                 <a:ea typeface="+mn-ea"/>
               </a:rPr>
               <a:t>Distributed attacks</a:t>
@@ -12654,7 +12686,7 @@
               <a:defRPr/>
             </a:pPr>
             <a:r>
-              <a:rPr lang="en-US" altLang="en-US" i="1" dirty="0" smtClean="0">
+              <a:rPr lang="en-US" altLang="en-US" i="1" dirty="0">
                 <a:ea typeface="+mn-ea"/>
               </a:rPr>
               <a:t>Introduction of BYOD</a:t>
@@ -12667,7 +12699,7 @@
               <a:defRPr/>
             </a:pPr>
             <a:r>
-              <a:rPr lang="en-US" altLang="en-US" i="1" dirty="0" smtClean="0">
+              <a:rPr lang="en-US" altLang="en-US" i="1" dirty="0">
                 <a:ea typeface="+mn-ea"/>
               </a:rPr>
               <a:t>User confusion</a:t>
@@ -12677,7 +12709,7 @@
             <a:pPr eaLnBrk="1" hangingPunct="1">
               <a:defRPr/>
             </a:pPr>
-            <a:endParaRPr lang="en-CA" altLang="en-US" dirty="0" smtClean="0">
+            <a:endParaRPr lang="en-CA" altLang="en-US" dirty="0">
               <a:ea typeface="+mn-ea"/>
             </a:endParaRPr>
           </a:p>
@@ -12741,7 +12773,7 @@
               <a:defRPr/>
             </a:pPr>
             <a:r>
-              <a:rPr lang="en-US" altLang="en-US" dirty="0" smtClean="0">
+              <a:rPr lang="en-US" altLang="en-US" dirty="0">
                 <a:ea typeface="+mn-ea"/>
               </a:rPr>
               <a:t>Understanding Security</a:t>
@@ -12753,7 +12785,7 @@
               <a:buChar char="•"/>
               <a:defRPr/>
             </a:pPr>
-            <a:endParaRPr lang="en-US" dirty="0" smtClean="0">
+            <a:endParaRPr lang="en-US" dirty="0">
               <a:ea typeface="+mn-ea"/>
             </a:endParaRPr>
           </a:p>
@@ -12764,7 +12796,7 @@
               <a:defRPr/>
             </a:pPr>
             <a:r>
-              <a:rPr lang="en-US" altLang="en-US" dirty="0" smtClean="0">
+              <a:rPr lang="en-US" altLang="en-US" dirty="0">
                 <a:ea typeface="+mn-ea"/>
               </a:rPr>
               <a:t>Security is:</a:t>
@@ -12777,7 +12809,7 @@
               <a:defRPr/>
             </a:pPr>
             <a:r>
-              <a:rPr lang="en-US" altLang="en-US" dirty="0" smtClean="0">
+              <a:rPr lang="en-US" altLang="en-US" dirty="0">
                 <a:ea typeface="+mn-ea"/>
               </a:rPr>
               <a:t>The goal to be free from danger</a:t>
@@ -12790,7 +12822,7 @@
               <a:defRPr/>
             </a:pPr>
             <a:r>
-              <a:rPr lang="en-US" altLang="en-US" dirty="0" smtClean="0">
+              <a:rPr lang="en-US" altLang="en-US" dirty="0">
                 <a:ea typeface="+mn-ea"/>
               </a:rPr>
               <a:t>The process that achieves that freedom</a:t>
@@ -12803,7 +12835,7 @@
               <a:defRPr/>
             </a:pPr>
             <a:r>
-              <a:rPr lang="en-US" altLang="en-US" dirty="0" smtClean="0">
+              <a:rPr lang="en-US" altLang="en-US" dirty="0">
                 <a:ea typeface="+mn-ea"/>
               </a:rPr>
               <a:t>Harm/danger may come from one of two sources:</a:t>
@@ -12816,7 +12848,7 @@
               <a:defRPr/>
             </a:pPr>
             <a:r>
-              <a:rPr lang="en-US" altLang="en-US" dirty="0" smtClean="0">
+              <a:rPr lang="en-US" altLang="en-US" dirty="0">
                 <a:ea typeface="+mn-ea"/>
               </a:rPr>
               <a:t>From a direct action that is intended to inflict damage</a:t>
@@ -12829,7 +12861,7 @@
               <a:defRPr/>
             </a:pPr>
             <a:r>
-              <a:rPr lang="en-US" altLang="en-US" dirty="0" smtClean="0">
+              <a:rPr lang="en-US" altLang="en-US" dirty="0">
                 <a:ea typeface="+mn-ea"/>
               </a:rPr>
               <a:t>From an indirect and unintentional action</a:t>
@@ -12842,7 +12874,7 @@
               <a:defRPr/>
             </a:pPr>
             <a:r>
-              <a:rPr lang="en-US" altLang="en-US" dirty="0" smtClean="0">
+              <a:rPr lang="en-US" altLang="en-US" dirty="0">
                 <a:ea typeface="+mn-ea"/>
               </a:rPr>
               <a:t>As security is increased, convenience is often decreased</a:t>
@@ -12855,7 +12887,7 @@
               <a:defRPr/>
             </a:pPr>
             <a:r>
-              <a:rPr lang="en-US" altLang="en-US" dirty="0" smtClean="0">
+              <a:rPr lang="en-US" altLang="en-US" dirty="0">
                 <a:ea typeface="+mn-ea"/>
               </a:rPr>
               <a:t>The more secure something is, the less convenient it may become to use</a:t>
@@ -12886,14 +12918,14 @@
           <a:ln/>
           <a:extLst>
             <a:ext uri="{909E8E84-426E-40dd-AFC4-6F175D3DCCD1}">
-              <a14:hiddenFill xmlns:a14="http://schemas.microsoft.com/office/drawing/2010/main">
+              <a14:hiddenFill xmlns="" xmlns:a14="http://schemas.microsoft.com/office/drawing/2010/main">
                 <a:solidFill>
                   <a:srgbClr val="FFFFFF"/>
                 </a:solidFill>
               </a14:hiddenFill>
             </a:ext>
             <a:ext uri="{91240B29-F687-4f45-9708-019B960494DF}">
-              <a14:hiddenLine xmlns:a14="http://schemas.microsoft.com/office/drawing/2010/main" w="9525">
+              <a14:hiddenLine xmlns="" xmlns:a14="http://schemas.microsoft.com/office/drawing/2010/main" w="9525">
                 <a:solidFill>
                   <a:srgbClr val="000000"/>
                 </a:solidFill>
@@ -13085,14 +13117,14 @@
           <a:ln/>
           <a:extLst>
             <a:ext uri="{909E8E84-426E-40dd-AFC4-6F175D3DCCD1}">
-              <a14:hiddenFill xmlns:a14="http://schemas.microsoft.com/office/drawing/2010/main">
+              <a14:hiddenFill xmlns="" xmlns:a14="http://schemas.microsoft.com/office/drawing/2010/main">
                 <a:solidFill>
                   <a:srgbClr val="FFFFFF"/>
                 </a:solidFill>
               </a14:hiddenFill>
             </a:ext>
             <a:ext uri="{91240B29-F687-4f45-9708-019B960494DF}">
-              <a14:hiddenLine xmlns:a14="http://schemas.microsoft.com/office/drawing/2010/main" w="9525">
+              <a14:hiddenLine xmlns="" xmlns:a14="http://schemas.microsoft.com/office/drawing/2010/main" w="9525">
                 <a:solidFill>
                   <a:srgbClr val="000000"/>
                 </a:solidFill>
@@ -13108,16 +13140,16 @@
           <a:lstStyle/>
           <a:p>
             <a:r>
-              <a:rPr lang="en-US" altLang="en-US" smtClean="0"/>
+              <a:rPr lang="en-US" altLang="en-US"/>
               <a:t>Understanding Security</a:t>
             </a:r>
           </a:p>
           <a:p>
-            <a:endParaRPr lang="en-US" altLang="en-US" smtClean="0"/>
-          </a:p>
-          <a:p>
-            <a:r>
-              <a:rPr lang="en-US" altLang="en-US" smtClean="0"/>
+            <a:endParaRPr lang="en-US" altLang="en-US"/>
+          </a:p>
+          <a:p>
+            <a:r>
+              <a:rPr lang="en-US" altLang="en-US"/>
               <a:t>Figure 1-2  Relationship of security to convenience</a:t>
             </a:r>
           </a:p>
@@ -13138,14 +13170,14 @@
           <a:ln/>
           <a:extLst>
             <a:ext uri="{909E8E84-426E-40dd-AFC4-6F175D3DCCD1}">
-              <a14:hiddenFill xmlns:a14="http://schemas.microsoft.com/office/drawing/2010/main">
+              <a14:hiddenFill xmlns="" xmlns:a14="http://schemas.microsoft.com/office/drawing/2010/main">
                 <a:solidFill>
                   <a:srgbClr val="FFFFFF"/>
                 </a:solidFill>
               </a14:hiddenFill>
             </a:ext>
             <a:ext uri="{91240B29-F687-4f45-9708-019B960494DF}">
-              <a14:hiddenLine xmlns:a14="http://schemas.microsoft.com/office/drawing/2010/main" w="9525">
+              <a14:hiddenLine xmlns="" xmlns:a14="http://schemas.microsoft.com/office/drawing/2010/main" w="9525">
                 <a:solidFill>
                   <a:srgbClr val="000000"/>
                 </a:solidFill>
@@ -13323,14 +13355,14 @@
           <a:ln/>
           <a:extLst>
             <a:ext uri="{909E8E84-426E-40dd-AFC4-6F175D3DCCD1}">
-              <a14:hiddenFill xmlns:a14="http://schemas.microsoft.com/office/drawing/2010/main">
+              <a14:hiddenFill xmlns="" xmlns:a14="http://schemas.microsoft.com/office/drawing/2010/main">
                 <a:solidFill>
                   <a:srgbClr val="FFFFFF"/>
                 </a:solidFill>
               </a14:hiddenFill>
             </a:ext>
             <a:ext uri="{91240B29-F687-4f45-9708-019B960494DF}">
-              <a14:hiddenLine xmlns:a14="http://schemas.microsoft.com/office/drawing/2010/main" w="9525">
+              <a14:hiddenLine xmlns="" xmlns:a14="http://schemas.microsoft.com/office/drawing/2010/main" w="9525">
                 <a:solidFill>
                   <a:srgbClr val="000000"/>
                 </a:solidFill>
@@ -13504,7 +13536,7 @@
               <a:defRPr/>
             </a:pPr>
             <a:r>
-              <a:rPr lang="en-US" altLang="en-US" dirty="0" smtClean="0">
+              <a:rPr lang="en-US" altLang="en-US" dirty="0">
                 <a:ea typeface="+mn-ea"/>
               </a:rPr>
               <a:t>Defining Information Security</a:t>
@@ -13516,7 +13548,7 @@
               <a:buChar char="•"/>
               <a:defRPr/>
             </a:pPr>
-            <a:endParaRPr lang="en-US" altLang="en-US" dirty="0" smtClean="0">
+            <a:endParaRPr lang="en-US" altLang="en-US" dirty="0">
               <a:ea typeface="+mn-ea"/>
             </a:endParaRPr>
           </a:p>
@@ -13527,13 +13559,13 @@
               <a:defRPr/>
             </a:pPr>
             <a:r>
-              <a:rPr lang="en-US" altLang="en-US" b="1" dirty="0" smtClean="0">
+              <a:rPr lang="en-US" altLang="en-US" b="1" dirty="0">
                 <a:ea typeface="+mn-ea"/>
               </a:rPr>
               <a:t>Information security </a:t>
             </a:r>
             <a:r>
-              <a:rPr lang="en-US" altLang="en-US" dirty="0" smtClean="0">
+              <a:rPr lang="en-US" altLang="en-US" dirty="0">
                 <a:ea typeface="+mn-ea"/>
               </a:rPr>
               <a:t>- the tasks of securing information that is in a digital format:</a:t>
@@ -13546,7 +13578,7 @@
               <a:defRPr/>
             </a:pPr>
             <a:r>
-              <a:rPr lang="en-US" altLang="en-US" dirty="0" smtClean="0">
+              <a:rPr lang="en-US" altLang="en-US" dirty="0">
                 <a:ea typeface="+mn-ea"/>
               </a:rPr>
               <a:t>Manipulated by a microprocessor</a:t>
@@ -13559,7 +13591,7 @@
               <a:defRPr/>
             </a:pPr>
             <a:r>
-              <a:rPr lang="en-US" altLang="en-US" dirty="0" smtClean="0">
+              <a:rPr lang="en-US" altLang="en-US" dirty="0">
                 <a:ea typeface="+mn-ea"/>
               </a:rPr>
               <a:t>Stored on a storage device</a:t>
@@ -13572,7 +13604,7 @@
               <a:defRPr/>
             </a:pPr>
             <a:r>
-              <a:rPr lang="en-US" altLang="en-US" dirty="0" smtClean="0">
+              <a:rPr lang="en-US" altLang="en-US" dirty="0">
                 <a:ea typeface="+mn-ea"/>
               </a:rPr>
               <a:t>Transmitted over a network</a:t>
@@ -13585,7 +13617,7 @@
               <a:defRPr/>
             </a:pPr>
             <a:r>
-              <a:rPr lang="en-US" altLang="en-US" dirty="0" smtClean="0">
+              <a:rPr lang="en-US" altLang="en-US" dirty="0">
                 <a:ea typeface="+mn-ea"/>
               </a:rPr>
               <a:t>Information security goal - to ensure that protective measures are properly implemented to ward off attacks and prevent the total collapse of the system when a successful attack occurs</a:t>
@@ -13595,7 +13627,7 @@
             <a:pPr eaLnBrk="1" hangingPunct="1">
               <a:defRPr/>
             </a:pPr>
-            <a:endParaRPr lang="en-CA" altLang="en-US" dirty="0" smtClean="0">
+            <a:endParaRPr lang="en-CA" altLang="en-US" dirty="0">
               <a:ea typeface="+mn-ea"/>
             </a:endParaRPr>
           </a:p>
@@ -13641,14 +13673,14 @@
           <a:ln/>
           <a:extLst>
             <a:ext uri="{909E8E84-426E-40dd-AFC4-6F175D3DCCD1}">
-              <a14:hiddenFill xmlns:a14="http://schemas.microsoft.com/office/drawing/2010/main">
+              <a14:hiddenFill xmlns="" xmlns:a14="http://schemas.microsoft.com/office/drawing/2010/main">
                 <a:solidFill>
                   <a:srgbClr val="FFFFFF"/>
                 </a:solidFill>
               </a14:hiddenFill>
             </a:ext>
             <a:ext uri="{91240B29-F687-4f45-9708-019B960494DF}">
-              <a14:hiddenLine xmlns:a14="http://schemas.microsoft.com/office/drawing/2010/main" w="9525">
+              <a14:hiddenLine xmlns="" xmlns:a14="http://schemas.microsoft.com/office/drawing/2010/main" w="9525">
                 <a:solidFill>
                   <a:srgbClr val="000000"/>
                 </a:solidFill>
@@ -13822,7 +13854,7 @@
               <a:defRPr/>
             </a:pPr>
             <a:r>
-              <a:rPr lang="en-US" altLang="en-US" dirty="0" smtClean="0">
+              <a:rPr lang="en-US" altLang="en-US" dirty="0">
                 <a:ea typeface="+mn-ea"/>
               </a:rPr>
               <a:t>Defining Information Security</a:t>
@@ -13834,7 +13866,7 @@
               <a:buChar char="•"/>
               <a:defRPr/>
             </a:pPr>
-            <a:endParaRPr lang="en-US" altLang="en-US" dirty="0" smtClean="0">
+            <a:endParaRPr lang="en-US" altLang="en-US" dirty="0">
               <a:ea typeface="+mn-ea"/>
             </a:endParaRPr>
           </a:p>
@@ -13845,7 +13877,7 @@
               <a:defRPr/>
             </a:pPr>
             <a:r>
-              <a:rPr lang="en-US" altLang="en-US" dirty="0" smtClean="0">
+              <a:rPr lang="en-US" altLang="en-US" dirty="0">
                 <a:ea typeface="+mn-ea"/>
               </a:rPr>
               <a:t>Three types of information protection: often called CIA</a:t>
@@ -13858,7 +13890,7 @@
               <a:defRPr/>
             </a:pPr>
             <a:r>
-              <a:rPr lang="en-US" altLang="en-US" dirty="0" smtClean="0">
+              <a:rPr lang="en-US" altLang="en-US" dirty="0">
                 <a:ea typeface="+mn-ea"/>
               </a:rPr>
               <a:t>Confidentiality</a:t>
@@ -13871,7 +13903,7 @@
               <a:defRPr/>
             </a:pPr>
             <a:r>
-              <a:rPr lang="en-US" altLang="en-US" dirty="0" smtClean="0">
+              <a:rPr lang="en-US" altLang="en-US" dirty="0">
                 <a:ea typeface="+mn-ea"/>
               </a:rPr>
               <a:t>Only approved individuals may access information</a:t>
@@ -13884,7 +13916,7 @@
               <a:defRPr/>
             </a:pPr>
             <a:r>
-              <a:rPr lang="en-US" altLang="en-US" dirty="0" smtClean="0">
+              <a:rPr lang="en-US" altLang="en-US" dirty="0">
                 <a:ea typeface="+mn-ea"/>
               </a:rPr>
               <a:t>Integrity</a:t>
@@ -13897,7 +13929,7 @@
               <a:defRPr/>
             </a:pPr>
             <a:r>
-              <a:rPr lang="en-US" altLang="en-US" dirty="0" smtClean="0">
+              <a:rPr lang="en-US" altLang="en-US" dirty="0">
                 <a:ea typeface="+mn-ea"/>
               </a:rPr>
               <a:t>Information is correct and unaltered</a:t>
@@ -13910,7 +13942,7 @@
               <a:defRPr/>
             </a:pPr>
             <a:r>
-              <a:rPr lang="en-US" altLang="en-US" dirty="0" smtClean="0">
+              <a:rPr lang="en-US" altLang="en-US" dirty="0">
                 <a:ea typeface="+mn-ea"/>
               </a:rPr>
               <a:t>Availability</a:t>
@@ -13923,7 +13955,7 @@
               <a:defRPr/>
             </a:pPr>
             <a:r>
-              <a:rPr lang="en-US" altLang="en-US" dirty="0" smtClean="0">
+              <a:rPr lang="en-US" altLang="en-US" dirty="0">
                 <a:ea typeface="+mn-ea"/>
               </a:rPr>
               <a:t>Information is accessible to authorized users</a:t>
@@ -13933,7 +13965,7 @@
             <a:pPr eaLnBrk="1" hangingPunct="1">
               <a:defRPr/>
             </a:pPr>
-            <a:endParaRPr lang="en-US" altLang="en-US" dirty="0" smtClean="0">
+            <a:endParaRPr lang="en-US" altLang="en-US" dirty="0">
               <a:ea typeface="+mn-ea"/>
             </a:endParaRPr>
           </a:p>
@@ -14206,10 +14238,9 @@
           <a:lstStyle/>
           <a:p>
             <a:r>
-              <a:rPr lang="en-US" smtClean="0"/>
+              <a:rPr lang="en-US"/>
               <a:t>Click to edit Master title style</a:t>
             </a:r>
-            <a:endParaRPr lang="en-US"/>
           </a:p>
         </p:txBody>
       </p:sp>
@@ -14230,38 +14261,37 @@
           <a:p>
             <a:pPr lvl="0"/>
             <a:r>
-              <a:rPr lang="en-US" smtClean="0"/>
+              <a:rPr lang="en-US"/>
               <a:t>Click to edit Master text styles</a:t>
             </a:r>
           </a:p>
           <a:p>
             <a:pPr lvl="1"/>
             <a:r>
-              <a:rPr lang="en-US" smtClean="0"/>
+              <a:rPr lang="en-US"/>
               <a:t>Second level</a:t>
             </a:r>
           </a:p>
           <a:p>
             <a:pPr lvl="2"/>
             <a:r>
-              <a:rPr lang="en-US" smtClean="0"/>
+              <a:rPr lang="en-US"/>
               <a:t>Third level</a:t>
             </a:r>
           </a:p>
           <a:p>
             <a:pPr lvl="3"/>
             <a:r>
-              <a:rPr lang="en-US" smtClean="0"/>
+              <a:rPr lang="en-US"/>
               <a:t>Fourth level</a:t>
             </a:r>
           </a:p>
           <a:p>
             <a:pPr lvl="4"/>
             <a:r>
-              <a:rPr lang="en-US" smtClean="0"/>
+              <a:rPr lang="en-US"/>
               <a:t>Fifth level</a:t>
             </a:r>
-            <a:endParaRPr lang="en-US"/>
           </a:p>
         </p:txBody>
       </p:sp>
@@ -14316,10 +14346,9 @@
           <a:lstStyle/>
           <a:p>
             <a:r>
-              <a:rPr lang="en-US" smtClean="0"/>
+              <a:rPr lang="en-US"/>
               <a:t>Click to edit Master title style</a:t>
             </a:r>
-            <a:endParaRPr lang="en-US"/>
           </a:p>
         </p:txBody>
       </p:sp>
@@ -14345,38 +14374,37 @@
           <a:p>
             <a:pPr lvl="0"/>
             <a:r>
-              <a:rPr lang="en-US" smtClean="0"/>
+              <a:rPr lang="en-US"/>
               <a:t>Click to edit Master text styles</a:t>
             </a:r>
           </a:p>
           <a:p>
             <a:pPr lvl="1"/>
             <a:r>
-              <a:rPr lang="en-US" smtClean="0"/>
+              <a:rPr lang="en-US"/>
               <a:t>Second level</a:t>
             </a:r>
           </a:p>
           <a:p>
             <a:pPr lvl="2"/>
             <a:r>
-              <a:rPr lang="en-US" smtClean="0"/>
+              <a:rPr lang="en-US"/>
               <a:t>Third level</a:t>
             </a:r>
           </a:p>
           <a:p>
             <a:pPr lvl="3"/>
             <a:r>
-              <a:rPr lang="en-US" smtClean="0"/>
+              <a:rPr lang="en-US"/>
               <a:t>Fourth level</a:t>
             </a:r>
           </a:p>
           <a:p>
             <a:pPr lvl="4"/>
             <a:r>
-              <a:rPr lang="en-US" smtClean="0"/>
+              <a:rPr lang="en-US"/>
               <a:t>Fifth level</a:t>
             </a:r>
-            <a:endParaRPr lang="en-US"/>
           </a:p>
         </p:txBody>
       </p:sp>
@@ -14431,10 +14459,9 @@
           <a:lstStyle/>
           <a:p>
             <a:r>
-              <a:rPr lang="en-US" smtClean="0"/>
+              <a:rPr lang="en-US"/>
               <a:t>Click to edit Master title style</a:t>
             </a:r>
-            <a:endParaRPr lang="en-US"/>
           </a:p>
         </p:txBody>
       </p:sp>
@@ -14496,10 +14523,9 @@
           </a:lstStyle>
           <a:p>
             <a:r>
-              <a:rPr lang="en-US" smtClean="0"/>
+              <a:rPr lang="en-US"/>
               <a:t>Click to edit Master subtitle style</a:t>
             </a:r>
-            <a:endParaRPr lang="en-US"/>
           </a:p>
         </p:txBody>
       </p:sp>
@@ -14644,10 +14670,9 @@
           <a:lstStyle/>
           <a:p>
             <a:r>
-              <a:rPr lang="en-US" smtClean="0"/>
+              <a:rPr lang="en-US"/>
               <a:t>Click to edit Master title style</a:t>
             </a:r>
-            <a:endParaRPr lang="en-US"/>
           </a:p>
         </p:txBody>
       </p:sp>
@@ -14668,38 +14693,37 @@
           <a:p>
             <a:pPr lvl="0"/>
             <a:r>
-              <a:rPr lang="en-US" smtClean="0"/>
+              <a:rPr lang="en-US"/>
               <a:t>Click to edit Master text styles</a:t>
             </a:r>
           </a:p>
           <a:p>
             <a:pPr lvl="1"/>
             <a:r>
-              <a:rPr lang="en-US" smtClean="0"/>
+              <a:rPr lang="en-US"/>
               <a:t>Second level</a:t>
             </a:r>
           </a:p>
           <a:p>
             <a:pPr lvl="2"/>
             <a:r>
-              <a:rPr lang="en-US" smtClean="0"/>
+              <a:rPr lang="en-US"/>
               <a:t>Third level</a:t>
             </a:r>
           </a:p>
           <a:p>
             <a:pPr lvl="3"/>
             <a:r>
-              <a:rPr lang="en-US" smtClean="0"/>
+              <a:rPr lang="en-US"/>
               <a:t>Fourth level</a:t>
             </a:r>
           </a:p>
           <a:p>
             <a:pPr lvl="4"/>
             <a:r>
-              <a:rPr lang="en-US" smtClean="0"/>
+              <a:rPr lang="en-US"/>
               <a:t>Fifth level</a:t>
             </a:r>
-            <a:endParaRPr lang="en-US"/>
           </a:p>
         </p:txBody>
       </p:sp>
@@ -14853,10 +14877,9 @@
           </a:lstStyle>
           <a:p>
             <a:r>
-              <a:rPr lang="en-US" smtClean="0"/>
+              <a:rPr lang="en-US"/>
               <a:t>Click to edit Master title style</a:t>
             </a:r>
-            <a:endParaRPr lang="en-US"/>
           </a:p>
         </p:txBody>
       </p:sp>
@@ -14919,7 +14942,7 @@
           <a:p>
             <a:pPr lvl="0"/>
             <a:r>
-              <a:rPr lang="en-US" smtClean="0"/>
+              <a:rPr lang="en-US"/>
               <a:t>Click to edit Master text styles</a:t>
             </a:r>
           </a:p>
@@ -15066,10 +15089,9 @@
           <a:lstStyle/>
           <a:p>
             <a:r>
-              <a:rPr lang="en-US" smtClean="0"/>
+              <a:rPr lang="en-US"/>
               <a:t>Click to edit Master title style</a:t>
             </a:r>
-            <a:endParaRPr lang="en-US"/>
           </a:p>
         </p:txBody>
       </p:sp>
@@ -15123,38 +15145,37 @@
           <a:p>
             <a:pPr lvl="0"/>
             <a:r>
-              <a:rPr lang="en-US" smtClean="0"/>
+              <a:rPr lang="en-US"/>
               <a:t>Click to edit Master text styles</a:t>
             </a:r>
           </a:p>
           <a:p>
             <a:pPr lvl="1"/>
             <a:r>
-              <a:rPr lang="en-US" smtClean="0"/>
+              <a:rPr lang="en-US"/>
               <a:t>Second level</a:t>
             </a:r>
           </a:p>
           <a:p>
             <a:pPr lvl="2"/>
             <a:r>
-              <a:rPr lang="en-US" smtClean="0"/>
+              <a:rPr lang="en-US"/>
               <a:t>Third level</a:t>
             </a:r>
           </a:p>
           <a:p>
             <a:pPr lvl="3"/>
             <a:r>
-              <a:rPr lang="en-US" smtClean="0"/>
+              <a:rPr lang="en-US"/>
               <a:t>Fourth level</a:t>
             </a:r>
           </a:p>
           <a:p>
             <a:pPr lvl="4"/>
             <a:r>
-              <a:rPr lang="en-US" smtClean="0"/>
+              <a:rPr lang="en-US"/>
               <a:t>Fifth level</a:t>
             </a:r>
-            <a:endParaRPr lang="en-US"/>
           </a:p>
         </p:txBody>
       </p:sp>
@@ -15208,38 +15229,37 @@
           <a:p>
             <a:pPr lvl="0"/>
             <a:r>
-              <a:rPr lang="en-US" smtClean="0"/>
+              <a:rPr lang="en-US"/>
               <a:t>Click to edit Master text styles</a:t>
             </a:r>
           </a:p>
           <a:p>
             <a:pPr lvl="1"/>
             <a:r>
-              <a:rPr lang="en-US" smtClean="0"/>
+              <a:rPr lang="en-US"/>
               <a:t>Second level</a:t>
             </a:r>
           </a:p>
           <a:p>
             <a:pPr lvl="2"/>
             <a:r>
-              <a:rPr lang="en-US" smtClean="0"/>
+              <a:rPr lang="en-US"/>
               <a:t>Third level</a:t>
             </a:r>
           </a:p>
           <a:p>
             <a:pPr lvl="3"/>
             <a:r>
-              <a:rPr lang="en-US" smtClean="0"/>
+              <a:rPr lang="en-US"/>
               <a:t>Fourth level</a:t>
             </a:r>
           </a:p>
           <a:p>
             <a:pPr lvl="4"/>
             <a:r>
-              <a:rPr lang="en-US" smtClean="0"/>
+              <a:rPr lang="en-US"/>
               <a:t>Fifth level</a:t>
             </a:r>
-            <a:endParaRPr lang="en-US"/>
           </a:p>
         </p:txBody>
       </p:sp>
@@ -15393,10 +15413,9 @@
           </a:lstStyle>
           <a:p>
             <a:r>
-              <a:rPr lang="en-US" smtClean="0"/>
+              <a:rPr lang="en-US"/>
               <a:t>Click to edit Master title style</a:t>
             </a:r>
-            <a:endParaRPr lang="en-US"/>
           </a:p>
         </p:txBody>
       </p:sp>
@@ -15459,7 +15478,7 @@
           <a:p>
             <a:pPr lvl="0"/>
             <a:r>
-              <a:rPr lang="en-US" smtClean="0"/>
+              <a:rPr lang="en-US"/>
               <a:t>Click to edit Master text styles</a:t>
             </a:r>
           </a:p>
@@ -15515,38 +15534,37 @@
           <a:p>
             <a:pPr lvl="0"/>
             <a:r>
-              <a:rPr lang="en-US" smtClean="0"/>
+              <a:rPr lang="en-US"/>
               <a:t>Click to edit Master text styles</a:t>
             </a:r>
           </a:p>
           <a:p>
             <a:pPr lvl="1"/>
             <a:r>
-              <a:rPr lang="en-US" smtClean="0"/>
+              <a:rPr lang="en-US"/>
               <a:t>Second level</a:t>
             </a:r>
           </a:p>
           <a:p>
             <a:pPr lvl="2"/>
             <a:r>
-              <a:rPr lang="en-US" smtClean="0"/>
+              <a:rPr lang="en-US"/>
               <a:t>Third level</a:t>
             </a:r>
           </a:p>
           <a:p>
             <a:pPr lvl="3"/>
             <a:r>
-              <a:rPr lang="en-US" smtClean="0"/>
+              <a:rPr lang="en-US"/>
               <a:t>Fourth level</a:t>
             </a:r>
           </a:p>
           <a:p>
             <a:pPr lvl="4"/>
             <a:r>
-              <a:rPr lang="en-US" smtClean="0"/>
+              <a:rPr lang="en-US"/>
               <a:t>Fifth level</a:t>
             </a:r>
-            <a:endParaRPr lang="en-US"/>
           </a:p>
         </p:txBody>
       </p:sp>
@@ -15609,7 +15627,7 @@
           <a:p>
             <a:pPr lvl="0"/>
             <a:r>
-              <a:rPr lang="en-US" smtClean="0"/>
+              <a:rPr lang="en-US"/>
               <a:t>Click to edit Master text styles</a:t>
             </a:r>
           </a:p>
@@ -15665,38 +15683,37 @@
           <a:p>
             <a:pPr lvl="0"/>
             <a:r>
-              <a:rPr lang="en-US" smtClean="0"/>
+              <a:rPr lang="en-US"/>
               <a:t>Click to edit Master text styles</a:t>
             </a:r>
           </a:p>
           <a:p>
             <a:pPr lvl="1"/>
             <a:r>
-              <a:rPr lang="en-US" smtClean="0"/>
+              <a:rPr lang="en-US"/>
               <a:t>Second level</a:t>
             </a:r>
           </a:p>
           <a:p>
             <a:pPr lvl="2"/>
             <a:r>
-              <a:rPr lang="en-US" smtClean="0"/>
+              <a:rPr lang="en-US"/>
               <a:t>Third level</a:t>
             </a:r>
           </a:p>
           <a:p>
             <a:pPr lvl="3"/>
             <a:r>
-              <a:rPr lang="en-US" smtClean="0"/>
+              <a:rPr lang="en-US"/>
               <a:t>Fourth level</a:t>
             </a:r>
           </a:p>
           <a:p>
             <a:pPr lvl="4"/>
             <a:r>
-              <a:rPr lang="en-US" smtClean="0"/>
+              <a:rPr lang="en-US"/>
               <a:t>Fifth level</a:t>
             </a:r>
-            <a:endParaRPr lang="en-US"/>
           </a:p>
         </p:txBody>
       </p:sp>
@@ -15841,10 +15858,9 @@
           <a:lstStyle/>
           <a:p>
             <a:r>
-              <a:rPr lang="en-US" smtClean="0"/>
+              <a:rPr lang="en-US"/>
               <a:t>Click to edit Master title style</a:t>
             </a:r>
-            <a:endParaRPr lang="en-US"/>
           </a:p>
         </p:txBody>
       </p:sp>
@@ -16123,10 +16139,9 @@
           </a:lstStyle>
           <a:p>
             <a:r>
-              <a:rPr lang="en-US" smtClean="0"/>
+              <a:rPr lang="en-US"/>
               <a:t>Click to edit Master title style</a:t>
             </a:r>
-            <a:endParaRPr lang="en-US"/>
           </a:p>
         </p:txBody>
       </p:sp>
@@ -16180,38 +16195,37 @@
           <a:p>
             <a:pPr lvl="0"/>
             <a:r>
-              <a:rPr lang="en-US" smtClean="0"/>
+              <a:rPr lang="en-US"/>
               <a:t>Click to edit Master text styles</a:t>
             </a:r>
           </a:p>
           <a:p>
             <a:pPr lvl="1"/>
             <a:r>
-              <a:rPr lang="en-US" smtClean="0"/>
+              <a:rPr lang="en-US"/>
               <a:t>Second level</a:t>
             </a:r>
           </a:p>
           <a:p>
             <a:pPr lvl="2"/>
             <a:r>
-              <a:rPr lang="en-US" smtClean="0"/>
+              <a:rPr lang="en-US"/>
               <a:t>Third level</a:t>
             </a:r>
           </a:p>
           <a:p>
             <a:pPr lvl="3"/>
             <a:r>
-              <a:rPr lang="en-US" smtClean="0"/>
+              <a:rPr lang="en-US"/>
               <a:t>Fourth level</a:t>
             </a:r>
           </a:p>
           <a:p>
             <a:pPr lvl="4"/>
             <a:r>
-              <a:rPr lang="en-US" smtClean="0"/>
+              <a:rPr lang="en-US"/>
               <a:t>Fifth level</a:t>
             </a:r>
-            <a:endParaRPr lang="en-US"/>
           </a:p>
         </p:txBody>
       </p:sp>
@@ -16274,7 +16288,7 @@
           <a:p>
             <a:pPr lvl="0"/>
             <a:r>
-              <a:rPr lang="en-US" smtClean="0"/>
+              <a:rPr lang="en-US"/>
               <a:t>Click to edit Master text styles</a:t>
             </a:r>
           </a:p>
@@ -16421,10 +16435,9 @@
           <a:lstStyle/>
           <a:p>
             <a:r>
-              <a:rPr lang="en-US" dirty="0" smtClean="0"/>
+              <a:rPr lang="en-US" dirty="0"/>
               <a:t>Click to edit Master title style</a:t>
             </a:r>
-            <a:endParaRPr lang="en-US" dirty="0"/>
           </a:p>
         </p:txBody>
       </p:sp>
@@ -16445,38 +16458,37 @@
           <a:p>
             <a:pPr lvl="0"/>
             <a:r>
-              <a:rPr lang="en-US" dirty="0" smtClean="0"/>
+              <a:rPr lang="en-US" dirty="0"/>
               <a:t>Click to edit Master text styles</a:t>
             </a:r>
           </a:p>
           <a:p>
             <a:pPr lvl="1"/>
             <a:r>
-              <a:rPr lang="en-US" dirty="0" smtClean="0"/>
+              <a:rPr lang="en-US" dirty="0"/>
               <a:t>Second level</a:t>
             </a:r>
           </a:p>
           <a:p>
             <a:pPr lvl="2"/>
             <a:r>
-              <a:rPr lang="en-US" dirty="0" smtClean="0"/>
+              <a:rPr lang="en-US" dirty="0"/>
               <a:t>Third level</a:t>
             </a:r>
           </a:p>
           <a:p>
             <a:pPr lvl="3"/>
             <a:r>
-              <a:rPr lang="en-US" dirty="0" smtClean="0"/>
+              <a:rPr lang="en-US" dirty="0"/>
               <a:t>Fourth level</a:t>
             </a:r>
           </a:p>
           <a:p>
             <a:pPr lvl="4"/>
             <a:r>
-              <a:rPr lang="en-US" dirty="0" smtClean="0"/>
+              <a:rPr lang="en-US" dirty="0"/>
               <a:t>Fifth level</a:t>
             </a:r>
-            <a:endParaRPr lang="en-US" dirty="0"/>
           </a:p>
         </p:txBody>
       </p:sp>
@@ -16535,10 +16547,9 @@
           </a:lstStyle>
           <a:p>
             <a:r>
-              <a:rPr lang="en-US" smtClean="0"/>
+              <a:rPr lang="en-US"/>
               <a:t>Click to edit Master title style</a:t>
             </a:r>
-            <a:endParaRPr lang="en-US"/>
           </a:p>
         </p:txBody>
       </p:sp>
@@ -16600,7 +16611,7 @@
           </a:lstStyle>
           <a:p>
             <a:pPr lvl="0"/>
-            <a:endParaRPr lang="en-US" noProof="0" dirty="0" smtClean="0"/>
+            <a:endParaRPr lang="en-US" noProof="0" dirty="0"/>
           </a:p>
         </p:txBody>
       </p:sp>
@@ -16663,7 +16674,7 @@
           <a:p>
             <a:pPr lvl="0"/>
             <a:r>
-              <a:rPr lang="en-US" smtClean="0"/>
+              <a:rPr lang="en-US"/>
               <a:t>Click to edit Master text styles</a:t>
             </a:r>
           </a:p>
@@ -16810,10 +16821,9 @@
           <a:lstStyle/>
           <a:p>
             <a:r>
-              <a:rPr lang="en-US" smtClean="0"/>
+              <a:rPr lang="en-US"/>
               <a:t>Click to edit Master title style</a:t>
             </a:r>
-            <a:endParaRPr lang="en-US"/>
           </a:p>
         </p:txBody>
       </p:sp>
@@ -16834,38 +16844,37 @@
           <a:p>
             <a:pPr lvl="0"/>
             <a:r>
-              <a:rPr lang="en-US" smtClean="0"/>
+              <a:rPr lang="en-US"/>
               <a:t>Click to edit Master text styles</a:t>
             </a:r>
           </a:p>
           <a:p>
             <a:pPr lvl="1"/>
             <a:r>
-              <a:rPr lang="en-US" smtClean="0"/>
+              <a:rPr lang="en-US"/>
               <a:t>Second level</a:t>
             </a:r>
           </a:p>
           <a:p>
             <a:pPr lvl="2"/>
             <a:r>
-              <a:rPr lang="en-US" smtClean="0"/>
+              <a:rPr lang="en-US"/>
               <a:t>Third level</a:t>
             </a:r>
           </a:p>
           <a:p>
             <a:pPr lvl="3"/>
             <a:r>
-              <a:rPr lang="en-US" smtClean="0"/>
+              <a:rPr lang="en-US"/>
               <a:t>Fourth level</a:t>
             </a:r>
           </a:p>
           <a:p>
             <a:pPr lvl="4"/>
             <a:r>
-              <a:rPr lang="en-US" smtClean="0"/>
+              <a:rPr lang="en-US"/>
               <a:t>Fifth level</a:t>
             </a:r>
-            <a:endParaRPr lang="en-US"/>
           </a:p>
         </p:txBody>
       </p:sp>
@@ -17015,10 +17024,9 @@
           <a:lstStyle/>
           <a:p>
             <a:r>
-              <a:rPr lang="en-US" smtClean="0"/>
+              <a:rPr lang="en-US"/>
               <a:t>Click to edit Master title style</a:t>
             </a:r>
-            <a:endParaRPr lang="en-US"/>
           </a:p>
         </p:txBody>
       </p:sp>
@@ -17044,38 +17052,37 @@
           <a:p>
             <a:pPr lvl="0"/>
             <a:r>
-              <a:rPr lang="en-US" smtClean="0"/>
+              <a:rPr lang="en-US"/>
               <a:t>Click to edit Master text styles</a:t>
             </a:r>
           </a:p>
           <a:p>
             <a:pPr lvl="1"/>
             <a:r>
-              <a:rPr lang="en-US" smtClean="0"/>
+              <a:rPr lang="en-US"/>
               <a:t>Second level</a:t>
             </a:r>
           </a:p>
           <a:p>
             <a:pPr lvl="2"/>
             <a:r>
-              <a:rPr lang="en-US" smtClean="0"/>
+              <a:rPr lang="en-US"/>
               <a:t>Third level</a:t>
             </a:r>
           </a:p>
           <a:p>
             <a:pPr lvl="3"/>
             <a:r>
-              <a:rPr lang="en-US" smtClean="0"/>
+              <a:rPr lang="en-US"/>
               <a:t>Fourth level</a:t>
             </a:r>
           </a:p>
           <a:p>
             <a:pPr lvl="4"/>
             <a:r>
-              <a:rPr lang="en-US" smtClean="0"/>
+              <a:rPr lang="en-US"/>
               <a:t>Fifth level</a:t>
             </a:r>
-            <a:endParaRPr lang="en-US"/>
           </a:p>
         </p:txBody>
       </p:sp>
@@ -17229,10 +17236,9 @@
           </a:lstStyle>
           <a:p>
             <a:r>
-              <a:rPr lang="en-US" smtClean="0"/>
+              <a:rPr lang="en-US"/>
               <a:t>Click to edit Master title style</a:t>
             </a:r>
-            <a:endParaRPr lang="en-US"/>
           </a:p>
         </p:txBody>
       </p:sp>
@@ -17295,7 +17301,7 @@
           <a:p>
             <a:pPr lvl="0"/>
             <a:r>
-              <a:rPr lang="en-US" smtClean="0"/>
+              <a:rPr lang="en-US"/>
               <a:t>Click to edit Master text styles</a:t>
             </a:r>
           </a:p>
@@ -17347,10 +17353,9 @@
           <a:lstStyle/>
           <a:p>
             <a:r>
-              <a:rPr lang="en-US" smtClean="0"/>
+              <a:rPr lang="en-US"/>
               <a:t>Click to edit Master title style</a:t>
             </a:r>
-            <a:endParaRPr lang="en-US"/>
           </a:p>
         </p:txBody>
       </p:sp>
@@ -17404,38 +17409,37 @@
           <a:p>
             <a:pPr lvl="0"/>
             <a:r>
-              <a:rPr lang="en-US" smtClean="0"/>
+              <a:rPr lang="en-US"/>
               <a:t>Click to edit Master text styles</a:t>
             </a:r>
           </a:p>
           <a:p>
             <a:pPr lvl="1"/>
             <a:r>
-              <a:rPr lang="en-US" smtClean="0"/>
+              <a:rPr lang="en-US"/>
               <a:t>Second level</a:t>
             </a:r>
           </a:p>
           <a:p>
             <a:pPr lvl="2"/>
             <a:r>
-              <a:rPr lang="en-US" smtClean="0"/>
+              <a:rPr lang="en-US"/>
               <a:t>Third level</a:t>
             </a:r>
           </a:p>
           <a:p>
             <a:pPr lvl="3"/>
             <a:r>
-              <a:rPr lang="en-US" smtClean="0"/>
+              <a:rPr lang="en-US"/>
               <a:t>Fourth level</a:t>
             </a:r>
           </a:p>
           <a:p>
             <a:pPr lvl="4"/>
             <a:r>
-              <a:rPr lang="en-US" smtClean="0"/>
+              <a:rPr lang="en-US"/>
               <a:t>Fifth level</a:t>
             </a:r>
-            <a:endParaRPr lang="en-US"/>
           </a:p>
         </p:txBody>
       </p:sp>
@@ -17489,38 +17493,37 @@
           <a:p>
             <a:pPr lvl="0"/>
             <a:r>
-              <a:rPr lang="en-US" smtClean="0"/>
+              <a:rPr lang="en-US"/>
               <a:t>Click to edit Master text styles</a:t>
             </a:r>
           </a:p>
           <a:p>
             <a:pPr lvl="1"/>
             <a:r>
-              <a:rPr lang="en-US" smtClean="0"/>
+              <a:rPr lang="en-US"/>
               <a:t>Second level</a:t>
             </a:r>
           </a:p>
           <a:p>
             <a:pPr lvl="2"/>
             <a:r>
-              <a:rPr lang="en-US" smtClean="0"/>
+              <a:rPr lang="en-US"/>
               <a:t>Third level</a:t>
             </a:r>
           </a:p>
           <a:p>
             <a:pPr lvl="3"/>
             <a:r>
-              <a:rPr lang="en-US" smtClean="0"/>
+              <a:rPr lang="en-US"/>
               <a:t>Fourth level</a:t>
             </a:r>
           </a:p>
           <a:p>
             <a:pPr lvl="4"/>
             <a:r>
-              <a:rPr lang="en-US" smtClean="0"/>
+              <a:rPr lang="en-US"/>
               <a:t>Fifth level</a:t>
             </a:r>
-            <a:endParaRPr lang="en-US"/>
           </a:p>
         </p:txBody>
       </p:sp>
@@ -17579,10 +17582,9 @@
           </a:lstStyle>
           <a:p>
             <a:r>
-              <a:rPr lang="en-US" smtClean="0"/>
+              <a:rPr lang="en-US"/>
               <a:t>Click to edit Master title style</a:t>
             </a:r>
-            <a:endParaRPr lang="en-US"/>
           </a:p>
         </p:txBody>
       </p:sp>
@@ -17645,7 +17647,7 @@
           <a:p>
             <a:pPr lvl="0"/>
             <a:r>
-              <a:rPr lang="en-US" smtClean="0"/>
+              <a:rPr lang="en-US"/>
               <a:t>Click to edit Master text styles</a:t>
             </a:r>
           </a:p>
@@ -17701,38 +17703,37 @@
           <a:p>
             <a:pPr lvl="0"/>
             <a:r>
-              <a:rPr lang="en-US" smtClean="0"/>
+              <a:rPr lang="en-US"/>
               <a:t>Click to edit Master text styles</a:t>
             </a:r>
           </a:p>
           <a:p>
             <a:pPr lvl="1"/>
             <a:r>
-              <a:rPr lang="en-US" smtClean="0"/>
+              <a:rPr lang="en-US"/>
               <a:t>Second level</a:t>
             </a:r>
           </a:p>
           <a:p>
             <a:pPr lvl="2"/>
             <a:r>
-              <a:rPr lang="en-US" smtClean="0"/>
+              <a:rPr lang="en-US"/>
               <a:t>Third level</a:t>
             </a:r>
           </a:p>
           <a:p>
             <a:pPr lvl="3"/>
             <a:r>
-              <a:rPr lang="en-US" smtClean="0"/>
+              <a:rPr lang="en-US"/>
               <a:t>Fourth level</a:t>
             </a:r>
           </a:p>
           <a:p>
             <a:pPr lvl="4"/>
             <a:r>
-              <a:rPr lang="en-US" smtClean="0"/>
+              <a:rPr lang="en-US"/>
               <a:t>Fifth level</a:t>
             </a:r>
-            <a:endParaRPr lang="en-US"/>
           </a:p>
         </p:txBody>
       </p:sp>
@@ -17795,7 +17796,7 @@
           <a:p>
             <a:pPr lvl="0"/>
             <a:r>
-              <a:rPr lang="en-US" smtClean="0"/>
+              <a:rPr lang="en-US"/>
               <a:t>Click to edit Master text styles</a:t>
             </a:r>
           </a:p>
@@ -17851,38 +17852,37 @@
           <a:p>
             <a:pPr lvl="0"/>
             <a:r>
-              <a:rPr lang="en-US" smtClean="0"/>
+              <a:rPr lang="en-US"/>
               <a:t>Click to edit Master text styles</a:t>
             </a:r>
           </a:p>
           <a:p>
             <a:pPr lvl="1"/>
             <a:r>
-              <a:rPr lang="en-US" smtClean="0"/>
+              <a:rPr lang="en-US"/>
               <a:t>Second level</a:t>
             </a:r>
           </a:p>
           <a:p>
             <a:pPr lvl="2"/>
             <a:r>
-              <a:rPr lang="en-US" smtClean="0"/>
+              <a:rPr lang="en-US"/>
               <a:t>Third level</a:t>
             </a:r>
           </a:p>
           <a:p>
             <a:pPr lvl="3"/>
             <a:r>
-              <a:rPr lang="en-US" smtClean="0"/>
+              <a:rPr lang="en-US"/>
               <a:t>Fourth level</a:t>
             </a:r>
           </a:p>
           <a:p>
             <a:pPr lvl="4"/>
             <a:r>
-              <a:rPr lang="en-US" smtClean="0"/>
+              <a:rPr lang="en-US"/>
               <a:t>Fifth level</a:t>
             </a:r>
-            <a:endParaRPr lang="en-US"/>
           </a:p>
         </p:txBody>
       </p:sp>
@@ -17932,10 +17932,9 @@
           <a:lstStyle/>
           <a:p>
             <a:r>
-              <a:rPr lang="en-US" smtClean="0"/>
+              <a:rPr lang="en-US"/>
               <a:t>Click to edit Master title style</a:t>
             </a:r>
-            <a:endParaRPr lang="en-US"/>
           </a:p>
         </p:txBody>
       </p:sp>
@@ -18024,10 +18023,9 @@
           </a:lstStyle>
           <a:p>
             <a:r>
-              <a:rPr lang="en-US" smtClean="0"/>
+              <a:rPr lang="en-US"/>
               <a:t>Click to edit Master title style</a:t>
             </a:r>
-            <a:endParaRPr lang="en-US"/>
           </a:p>
         </p:txBody>
       </p:sp>
@@ -18081,38 +18079,37 @@
           <a:p>
             <a:pPr lvl="0"/>
             <a:r>
-              <a:rPr lang="en-US" smtClean="0"/>
+              <a:rPr lang="en-US"/>
               <a:t>Click to edit Master text styles</a:t>
             </a:r>
           </a:p>
           <a:p>
             <a:pPr lvl="1"/>
             <a:r>
-              <a:rPr lang="en-US" smtClean="0"/>
+              <a:rPr lang="en-US"/>
               <a:t>Second level</a:t>
             </a:r>
           </a:p>
           <a:p>
             <a:pPr lvl="2"/>
             <a:r>
-              <a:rPr lang="en-US" smtClean="0"/>
+              <a:rPr lang="en-US"/>
               <a:t>Third level</a:t>
             </a:r>
           </a:p>
           <a:p>
             <a:pPr lvl="3"/>
             <a:r>
-              <a:rPr lang="en-US" smtClean="0"/>
+              <a:rPr lang="en-US"/>
               <a:t>Fourth level</a:t>
             </a:r>
           </a:p>
           <a:p>
             <a:pPr lvl="4"/>
             <a:r>
-              <a:rPr lang="en-US" smtClean="0"/>
+              <a:rPr lang="en-US"/>
               <a:t>Fifth level</a:t>
             </a:r>
-            <a:endParaRPr lang="en-US"/>
           </a:p>
         </p:txBody>
       </p:sp>
@@ -18175,7 +18172,7 @@
           <a:p>
             <a:pPr lvl="0"/>
             <a:r>
-              <a:rPr lang="en-US" smtClean="0"/>
+              <a:rPr lang="en-US"/>
               <a:t>Click to edit Master text styles</a:t>
             </a:r>
           </a:p>
@@ -18236,10 +18233,9 @@
           </a:lstStyle>
           <a:p>
             <a:r>
-              <a:rPr lang="en-US" smtClean="0"/>
+              <a:rPr lang="en-US"/>
               <a:t>Click to edit Master title style</a:t>
             </a:r>
-            <a:endParaRPr lang="en-US"/>
           </a:p>
         </p:txBody>
       </p:sp>
@@ -18301,7 +18297,7 @@
           </a:lstStyle>
           <a:p>
             <a:pPr lvl="0"/>
-            <a:endParaRPr lang="en-US" noProof="0" dirty="0" smtClean="0"/>
+            <a:endParaRPr lang="en-US" noProof="0" dirty="0"/>
           </a:p>
         </p:txBody>
       </p:sp>
@@ -18364,7 +18360,7 @@
           <a:p>
             <a:pPr lvl="0"/>
             <a:r>
-              <a:rPr lang="en-US" smtClean="0"/>
+              <a:rPr lang="en-US"/>
               <a:t>Click to edit Master text styles</a:t>
             </a:r>
           </a:p>
@@ -18432,14 +18428,14 @@
           </a:ln>
           <a:extLst>
             <a:ext uri="{909E8E84-426E-40dd-AFC4-6F175D3DCCD1}">
-              <a14:hiddenFill xmlns:a14="http://schemas.microsoft.com/office/drawing/2010/main">
+              <a14:hiddenFill xmlns="" xmlns:a14="http://schemas.microsoft.com/office/drawing/2010/main">
                 <a:solidFill>
                   <a:srgbClr val="FFFFFF"/>
                 </a:solidFill>
               </a14:hiddenFill>
             </a:ext>
             <a:ext uri="{91240B29-F687-4f45-9708-019B960494DF}">
-              <a14:hiddenLine xmlns:a14="http://schemas.microsoft.com/office/drawing/2010/main" w="9525">
+              <a14:hiddenLine xmlns="" xmlns:a14="http://schemas.microsoft.com/office/drawing/2010/main" w="9525">
                 <a:solidFill>
                   <a:srgbClr val="000000"/>
                 </a:solidFill>
@@ -18460,7 +18456,7 @@
           <a:p>
             <a:pPr lvl="0"/>
             <a:r>
-              <a:rPr lang="en-US" altLang="en-US" smtClean="0"/>
+              <a:rPr lang="en-US" altLang="en-US"/>
               <a:t>Click to edit Master title style</a:t>
             </a:r>
           </a:p>
@@ -18490,14 +18486,14 @@
           </a:ln>
           <a:extLst>
             <a:ext uri="{909E8E84-426E-40dd-AFC4-6F175D3DCCD1}">
-              <a14:hiddenFill xmlns:a14="http://schemas.microsoft.com/office/drawing/2010/main">
+              <a14:hiddenFill xmlns="" xmlns:a14="http://schemas.microsoft.com/office/drawing/2010/main">
                 <a:solidFill>
                   <a:srgbClr val="FFFFFF"/>
                 </a:solidFill>
               </a14:hiddenFill>
             </a:ext>
             <a:ext uri="{91240B29-F687-4f45-9708-019B960494DF}">
-              <a14:hiddenLine xmlns:a14="http://schemas.microsoft.com/office/drawing/2010/main" w="9525">
+              <a14:hiddenLine xmlns="" xmlns:a14="http://schemas.microsoft.com/office/drawing/2010/main" w="9525">
                 <a:solidFill>
                   <a:srgbClr val="000000"/>
                 </a:solidFill>
@@ -18518,28 +18514,28 @@
           <a:p>
             <a:pPr lvl="0"/>
             <a:r>
-              <a:rPr lang="en-US" altLang="en-US" smtClean="0"/>
+              <a:rPr lang="en-US" altLang="en-US"/>
               <a:t>Click to edit Master text styles</a:t>
             </a:r>
           </a:p>
           <a:p>
             <a:pPr lvl="1"/>
             <a:r>
-              <a:rPr lang="en-US" altLang="en-US" smtClean="0"/>
+              <a:rPr lang="en-US" altLang="en-US"/>
               <a:t>Second level</a:t>
             </a:r>
           </a:p>
           <a:p>
             <a:pPr lvl="2"/>
             <a:r>
-              <a:rPr lang="en-US" altLang="en-US" smtClean="0"/>
+              <a:rPr lang="en-US" altLang="en-US"/>
               <a:t>Third level</a:t>
             </a:r>
           </a:p>
           <a:p>
             <a:pPr lvl="3"/>
             <a:r>
-              <a:rPr lang="en-US" altLang="en-US" smtClean="0"/>
+              <a:rPr lang="en-US" altLang="en-US"/>
               <a:t>Fourth level</a:t>
             </a:r>
           </a:p>
@@ -19100,14 +19096,14 @@
           </a:ln>
           <a:extLst>
             <a:ext uri="{909E8E84-426E-40dd-AFC4-6F175D3DCCD1}">
-              <a14:hiddenFill xmlns:a14="http://schemas.microsoft.com/office/drawing/2010/main">
+              <a14:hiddenFill xmlns="" xmlns:a14="http://schemas.microsoft.com/office/drawing/2010/main">
                 <a:solidFill>
                   <a:srgbClr val="FFFFFF"/>
                 </a:solidFill>
               </a14:hiddenFill>
             </a:ext>
             <a:ext uri="{91240B29-F687-4f45-9708-019B960494DF}">
-              <a14:hiddenLine xmlns:a14="http://schemas.microsoft.com/office/drawing/2010/main" w="9525">
+              <a14:hiddenLine xmlns="" xmlns:a14="http://schemas.microsoft.com/office/drawing/2010/main" w="9525">
                 <a:solidFill>
                   <a:srgbClr val="000000"/>
                 </a:solidFill>
@@ -19128,7 +19124,7 @@
           <a:p>
             <a:pPr lvl="0"/>
             <a:r>
-              <a:rPr lang="en-US" altLang="en-US" smtClean="0"/>
+              <a:rPr lang="en-US" altLang="en-US"/>
               <a:t>Click to edit Master title style</a:t>
             </a:r>
           </a:p>
@@ -19158,14 +19154,14 @@
           </a:ln>
           <a:extLst>
             <a:ext uri="{909E8E84-426E-40dd-AFC4-6F175D3DCCD1}">
-              <a14:hiddenFill xmlns:a14="http://schemas.microsoft.com/office/drawing/2010/main">
+              <a14:hiddenFill xmlns="" xmlns:a14="http://schemas.microsoft.com/office/drawing/2010/main">
                 <a:solidFill>
                   <a:srgbClr val="FFFFFF"/>
                 </a:solidFill>
               </a14:hiddenFill>
             </a:ext>
             <a:ext uri="{91240B29-F687-4f45-9708-019B960494DF}">
-              <a14:hiddenLine xmlns:a14="http://schemas.microsoft.com/office/drawing/2010/main" w="9525">
+              <a14:hiddenLine xmlns="" xmlns:a14="http://schemas.microsoft.com/office/drawing/2010/main" w="9525">
                 <a:solidFill>
                   <a:srgbClr val="000000"/>
                 </a:solidFill>
@@ -19186,28 +19182,28 @@
           <a:p>
             <a:pPr lvl="0"/>
             <a:r>
-              <a:rPr lang="en-US" altLang="en-US" smtClean="0"/>
+              <a:rPr lang="en-US" altLang="en-US"/>
               <a:t>Click to edit Master text styles</a:t>
             </a:r>
           </a:p>
           <a:p>
             <a:pPr lvl="1"/>
             <a:r>
-              <a:rPr lang="en-US" altLang="en-US" smtClean="0"/>
+              <a:rPr lang="en-US" altLang="en-US"/>
               <a:t>Second level</a:t>
             </a:r>
           </a:p>
           <a:p>
             <a:pPr lvl="2"/>
             <a:r>
-              <a:rPr lang="en-US" altLang="en-US" smtClean="0"/>
+              <a:rPr lang="en-US" altLang="en-US"/>
               <a:t>Third level</a:t>
             </a:r>
           </a:p>
           <a:p>
             <a:pPr lvl="3"/>
             <a:r>
-              <a:rPr lang="en-US" altLang="en-US" smtClean="0"/>
+              <a:rPr lang="en-US" altLang="en-US"/>
               <a:t>Fourth level</a:t>
             </a:r>
           </a:p>
@@ -19741,7 +19737,7 @@
           <a:lstStyle/>
           <a:p>
             <a:r>
-              <a:rPr lang="en-US" altLang="en-US" smtClean="0"/>
+              <a:rPr lang="en-US" altLang="en-US"/>
               <a:t>Challenges of Securing Information</a:t>
             </a:r>
           </a:p>
@@ -19763,28 +19759,28 @@
           <a:lstStyle/>
           <a:p>
             <a:r>
-              <a:rPr lang="en-US" altLang="en-US" smtClean="0"/>
+              <a:rPr lang="en-US" altLang="en-US"/>
               <a:t>Securing information</a:t>
             </a:r>
           </a:p>
           <a:p>
             <a:pPr lvl="1"/>
             <a:r>
-              <a:rPr lang="en-US" altLang="en-US" smtClean="0"/>
+              <a:rPr lang="en-US" altLang="en-US"/>
               <a:t>No simple solution</a:t>
             </a:r>
           </a:p>
           <a:p>
             <a:pPr lvl="1"/>
             <a:r>
-              <a:rPr lang="en-US" altLang="en-US" smtClean="0"/>
+              <a:rPr lang="en-US" altLang="en-US"/>
               <a:t>Many different types of attacks</a:t>
             </a:r>
           </a:p>
           <a:p>
             <a:pPr lvl="1"/>
             <a:r>
-              <a:rPr lang="en-US" altLang="en-US" smtClean="0"/>
+              <a:rPr lang="en-US" altLang="en-US"/>
               <a:t>Defending against attacks is often difficult</a:t>
             </a:r>
           </a:p>
@@ -19809,14 +19805,14 @@
           <a:ln/>
           <a:extLst>
             <a:ext uri="{909E8E84-426E-40dd-AFC4-6F175D3DCCD1}">
-              <a14:hiddenFill xmlns:a14="http://schemas.microsoft.com/office/drawing/2010/main">
+              <a14:hiddenFill xmlns="" xmlns:a14="http://schemas.microsoft.com/office/drawing/2010/main">
                 <a:solidFill>
                   <a:srgbClr val="FFFFFF"/>
                 </a:solidFill>
               </a14:hiddenFill>
             </a:ext>
             <a:ext uri="{91240B29-F687-4f45-9708-019B960494DF}">
-              <a14:hiddenLine xmlns:a14="http://schemas.microsoft.com/office/drawing/2010/main" w="9525">
+              <a14:hiddenLine xmlns="" xmlns:a14="http://schemas.microsoft.com/office/drawing/2010/main" w="9525">
                 <a:solidFill>
                   <a:srgbClr val="000000"/>
                 </a:solidFill>
@@ -19988,183 +19984,6 @@
   <p:clrMapOvr>
     <a:masterClrMapping/>
   </p:clrMapOvr>
-  <p:timing>
-    <p:tnLst>
-      <p:par>
-        <p:cTn xmlns:p14="http://schemas.microsoft.com/office/powerpoint/2010/main" id="1" dur="indefinite" restart="never" nodeType="tmRoot">
-          <p:childTnLst>
-            <p:seq concurrent="1" nextAc="seek">
-              <p:cTn id="2" dur="indefinite" nodeType="mainSeq">
-                <p:childTnLst>
-                  <p:par>
-                    <p:cTn id="3" fill="hold" nodeType="clickPar">
-                      <p:stCondLst>
-                        <p:cond delay="indefinite"/>
-                      </p:stCondLst>
-                      <p:childTnLst>
-                        <p:par>
-                          <p:cTn id="4" fill="hold" nodeType="withGroup">
-                            <p:stCondLst>
-                              <p:cond delay="0"/>
-                            </p:stCondLst>
-                            <p:childTnLst>
-                              <p:par>
-                                <p:cTn id="5" presetID="1" presetClass="entr" presetSubtype="0" fill="hold" nodeType="clickEffect">
-                                  <p:stCondLst>
-                                    <p:cond delay="0"/>
-                                  </p:stCondLst>
-                                  <p:childTnLst>
-                                    <p:set>
-                                      <p:cBhvr>
-                                        <p:cTn id="6" dur="1" fill="hold">
-                                          <p:stCondLst>
-                                            <p:cond delay="0"/>
-                                          </p:stCondLst>
-                                        </p:cTn>
-                                        <p:tgtEl>
-                                          <p:spTgt spid="8195">
-                                            <p:txEl>
-                                              <p:pRg st="1" end="1"/>
-                                            </p:txEl>
-                                          </p:spTgt>
-                                        </p:tgtEl>
-                                        <p:attrNameLst>
-                                          <p:attrName>style.visibility</p:attrName>
-                                        </p:attrNameLst>
-                                      </p:cBhvr>
-                                      <p:to>
-                                        <p:strVal val="visible"/>
-                                      </p:to>
-                                    </p:set>
-                                  </p:childTnLst>
-                                </p:cTn>
-                              </p:par>
-                            </p:childTnLst>
-                          </p:cTn>
-                        </p:par>
-                      </p:childTnLst>
-                    </p:cTn>
-                  </p:par>
-                  <p:par>
-                    <p:cTn id="7" fill="hold" nodeType="clickPar">
-                      <p:stCondLst>
-                        <p:cond delay="indefinite"/>
-                      </p:stCondLst>
-                      <p:childTnLst>
-                        <p:par>
-                          <p:cTn id="8" fill="hold" nodeType="withGroup">
-                            <p:stCondLst>
-                              <p:cond delay="0"/>
-                            </p:stCondLst>
-                            <p:childTnLst>
-                              <p:par>
-                                <p:cTn id="9" presetID="1" presetClass="entr" presetSubtype="0" fill="hold" nodeType="clickEffect">
-                                  <p:stCondLst>
-                                    <p:cond delay="0"/>
-                                  </p:stCondLst>
-                                  <p:childTnLst>
-                                    <p:set>
-                                      <p:cBhvr>
-                                        <p:cTn id="10" dur="1" fill="hold">
-                                          <p:stCondLst>
-                                            <p:cond delay="0"/>
-                                          </p:stCondLst>
-                                        </p:cTn>
-                                        <p:tgtEl>
-                                          <p:spTgt spid="8195">
-                                            <p:txEl>
-                                              <p:pRg st="2" end="2"/>
-                                            </p:txEl>
-                                          </p:spTgt>
-                                        </p:tgtEl>
-                                        <p:attrNameLst>
-                                          <p:attrName>style.visibility</p:attrName>
-                                        </p:attrNameLst>
-                                      </p:cBhvr>
-                                      <p:to>
-                                        <p:strVal val="visible"/>
-                                      </p:to>
-                                    </p:set>
-                                  </p:childTnLst>
-                                </p:cTn>
-                              </p:par>
-                            </p:childTnLst>
-                          </p:cTn>
-                        </p:par>
-                      </p:childTnLst>
-                    </p:cTn>
-                  </p:par>
-                  <p:par>
-                    <p:cTn id="11" fill="hold" nodeType="clickPar">
-                      <p:stCondLst>
-                        <p:cond delay="indefinite"/>
-                      </p:stCondLst>
-                      <p:childTnLst>
-                        <p:par>
-                          <p:cTn id="12" fill="hold" nodeType="withGroup">
-                            <p:stCondLst>
-                              <p:cond delay="0"/>
-                            </p:stCondLst>
-                            <p:childTnLst>
-                              <p:par>
-                                <p:cTn id="13" presetID="1" presetClass="entr" presetSubtype="0" fill="hold" nodeType="clickEffect">
-                                  <p:stCondLst>
-                                    <p:cond delay="0"/>
-                                  </p:stCondLst>
-                                  <p:childTnLst>
-                                    <p:set>
-                                      <p:cBhvr>
-                                        <p:cTn id="14" dur="1" fill="hold">
-                                          <p:stCondLst>
-                                            <p:cond delay="0"/>
-                                          </p:stCondLst>
-                                        </p:cTn>
-                                        <p:tgtEl>
-                                          <p:spTgt spid="8195">
-                                            <p:txEl>
-                                              <p:pRg st="3" end="3"/>
-                                            </p:txEl>
-                                          </p:spTgt>
-                                        </p:tgtEl>
-                                        <p:attrNameLst>
-                                          <p:attrName>style.visibility</p:attrName>
-                                        </p:attrNameLst>
-                                      </p:cBhvr>
-                                      <p:to>
-                                        <p:strVal val="visible"/>
-                                      </p:to>
-                                    </p:set>
-                                  </p:childTnLst>
-                                </p:cTn>
-                              </p:par>
-                            </p:childTnLst>
-                          </p:cTn>
-                        </p:par>
-                      </p:childTnLst>
-                    </p:cTn>
-                  </p:par>
-                </p:childTnLst>
-              </p:cTn>
-              <p:prevCondLst>
-                <p:cond evt="onPrev" delay="0">
-                  <p:tgtEl>
-                    <p:sldTgt/>
-                  </p:tgtEl>
-                </p:cond>
-              </p:prevCondLst>
-              <p:nextCondLst>
-                <p:cond evt="onNext" delay="0">
-                  <p:tgtEl>
-                    <p:sldTgt/>
-                  </p:tgtEl>
-                </p:cond>
-              </p:nextCondLst>
-            </p:seq>
-          </p:childTnLst>
-        </p:cTn>
-      </p:par>
-    </p:tnLst>
-  </p:timing>
 </p:sld>
 </file>
 
@@ -20201,7 +20020,7 @@
           <a:lstStyle/>
           <a:p>
             <a:r>
-              <a:rPr lang="en-US" altLang="en-US" smtClean="0"/>
+              <a:rPr lang="en-US" altLang="en-US"/>
               <a:t>Defining Information Security</a:t>
             </a:r>
           </a:p>
@@ -20231,7 +20050,7 @@
               <a:defRPr/>
             </a:pPr>
             <a:r>
-              <a:rPr lang="en-US" altLang="en-US" dirty="0" smtClean="0">
+              <a:rPr lang="en-US" altLang="en-US" dirty="0">
                 <a:ea typeface="+mn-ea"/>
               </a:rPr>
               <a:t>Protections implemented to secure information (AAA)</a:t>
@@ -20243,7 +20062,7 @@
               <a:buNone/>
               <a:defRPr/>
             </a:pPr>
-            <a:endParaRPr lang="en-US" altLang="en-US" dirty="0" smtClean="0">
+            <a:endParaRPr lang="en-US" altLang="en-US" dirty="0">
               <a:ea typeface="+mn-ea"/>
             </a:endParaRPr>
           </a:p>
@@ -20252,7 +20071,7 @@
               <a:defRPr/>
             </a:pPr>
             <a:r>
-              <a:rPr lang="en-US" altLang="en-US" dirty="0" smtClean="0">
+              <a:rPr lang="en-US" altLang="en-US" dirty="0">
                 <a:ea typeface="ＭＳ Ｐゴシック" charset="0"/>
               </a:rPr>
               <a:t>Authentication</a:t>
@@ -20263,7 +20082,7 @@
               <a:defRPr/>
             </a:pPr>
             <a:r>
-              <a:rPr lang="en-US" altLang="en-US" dirty="0" smtClean="0">
+              <a:rPr lang="en-US" altLang="en-US" dirty="0">
                 <a:ea typeface="ＭＳ Ｐゴシック" charset="0"/>
               </a:rPr>
               <a:t>Ensures the individual is who they claim to be</a:t>
@@ -20275,7 +20094,7 @@
               <a:buNone/>
               <a:defRPr/>
             </a:pPr>
-            <a:endParaRPr lang="en-US" altLang="en-US" dirty="0" smtClean="0">
+            <a:endParaRPr lang="en-US" altLang="en-US" dirty="0">
               <a:ea typeface="ＭＳ Ｐゴシック" charset="0"/>
             </a:endParaRPr>
           </a:p>
@@ -20284,7 +20103,7 @@
               <a:defRPr/>
             </a:pPr>
             <a:r>
-              <a:rPr lang="en-US" altLang="en-US" dirty="0" smtClean="0">
+              <a:rPr lang="en-US" altLang="en-US" dirty="0">
                 <a:ea typeface="ＭＳ Ｐゴシック" charset="0"/>
               </a:rPr>
               <a:t>Authorization</a:t>
@@ -20295,7 +20114,7 @@
               <a:defRPr/>
             </a:pPr>
             <a:r>
-              <a:rPr lang="en-US" altLang="en-US" dirty="0" smtClean="0">
+              <a:rPr lang="en-US" altLang="en-US" dirty="0">
                 <a:ea typeface="ＭＳ Ｐゴシック" charset="0"/>
               </a:rPr>
               <a:t>Gives permission to specific technology resources</a:t>
@@ -20307,7 +20126,7 @@
               <a:buNone/>
               <a:defRPr/>
             </a:pPr>
-            <a:endParaRPr lang="en-US" altLang="en-US" dirty="0" smtClean="0">
+            <a:endParaRPr lang="en-US" altLang="en-US" dirty="0">
               <a:ea typeface="ＭＳ Ｐゴシック" charset="0"/>
             </a:endParaRPr>
           </a:p>
@@ -20316,7 +20135,7 @@
               <a:defRPr/>
             </a:pPr>
             <a:r>
-              <a:rPr lang="en-US" altLang="en-US" dirty="0" smtClean="0">
+              <a:rPr lang="en-US" altLang="en-US" dirty="0">
                 <a:ea typeface="ＭＳ Ｐゴシック" charset="0"/>
               </a:rPr>
               <a:t>Accounting</a:t>
@@ -20327,7 +20146,7 @@
               <a:defRPr/>
             </a:pPr>
             <a:r>
-              <a:rPr lang="en-US" altLang="en-US" dirty="0" smtClean="0">
+              <a:rPr lang="en-US" altLang="en-US" dirty="0">
                 <a:ea typeface="ＭＳ Ｐゴシック" charset="0"/>
               </a:rPr>
               <a:t>Provides tracking of events</a:t>
@@ -20354,14 +20173,14 @@
           <a:ln/>
           <a:extLst>
             <a:ext uri="{909E8E84-426E-40dd-AFC4-6F175D3DCCD1}">
-              <a14:hiddenFill xmlns:a14="http://schemas.microsoft.com/office/drawing/2010/main">
+              <a14:hiddenFill xmlns="" xmlns:a14="http://schemas.microsoft.com/office/drawing/2010/main">
                 <a:solidFill>
                   <a:srgbClr val="FFFFFF"/>
                 </a:solidFill>
               </a14:hiddenFill>
             </a:ext>
             <a:ext uri="{91240B29-F687-4f45-9708-019B960494DF}">
-              <a14:hiddenLine xmlns:a14="http://schemas.microsoft.com/office/drawing/2010/main" w="9525">
+              <a14:hiddenLine xmlns="" xmlns:a14="http://schemas.microsoft.com/office/drawing/2010/main" w="9525">
                 <a:solidFill>
                   <a:srgbClr val="000000"/>
                 </a:solidFill>
@@ -20536,7 +20355,7 @@
   <p:timing>
     <p:tnLst>
       <p:par>
-        <p:cTn xmlns:p14="http://schemas.microsoft.com/office/powerpoint/2010/main" id="1" dur="indefinite" restart="never" nodeType="tmRoot">
+        <p:cTn id="1" dur="indefinite" restart="never" nodeType="tmRoot">
           <p:childTnLst>
             <p:seq concurrent="1" nextAc="seek">
               <p:cTn id="2" dur="indefinite" nodeType="mainSeq">
@@ -20942,7 +20761,7 @@
           <a:lstStyle/>
           <a:p>
             <a:r>
-              <a:rPr lang="en-US" altLang="en-US" smtClean="0"/>
+              <a:rPr lang="en-US" altLang="en-US"/>
               <a:t>Defining Information Security</a:t>
             </a:r>
           </a:p>
@@ -20967,7 +20786,7 @@
               <a:defRPr/>
             </a:pPr>
             <a:r>
-              <a:rPr lang="en-US" altLang="en-US" dirty="0" smtClean="0">
+              <a:rPr lang="en-US" altLang="en-US" dirty="0">
                 <a:ea typeface="+mn-ea"/>
               </a:rPr>
               <a:t>Information security is achieved by a combination of three entities:</a:t>
@@ -20978,7 +20797,7 @@
               <a:defRPr/>
             </a:pPr>
             <a:r>
-              <a:rPr lang="en-US" altLang="en-US" dirty="0" smtClean="0">
+              <a:rPr lang="en-US" altLang="en-US" dirty="0">
                 <a:ea typeface="ＭＳ Ｐゴシック" charset="0"/>
               </a:rPr>
               <a:t>Information and the hardware</a:t>
@@ -20989,7 +20808,7 @@
               <a:defRPr/>
             </a:pPr>
             <a:r>
-              <a:rPr lang="en-US" altLang="en-US" dirty="0" smtClean="0">
+              <a:rPr lang="en-US" altLang="en-US" dirty="0">
                 <a:ea typeface="ＭＳ Ｐゴシック" charset="0"/>
               </a:rPr>
               <a:t>Software</a:t>
@@ -21000,7 +20819,7 @@
               <a:defRPr/>
             </a:pPr>
             <a:r>
-              <a:rPr lang="en-US" altLang="en-US" dirty="0" smtClean="0">
+              <a:rPr lang="en-US" altLang="en-US" dirty="0">
                 <a:ea typeface="ＭＳ Ｐゴシック" charset="0"/>
               </a:rPr>
               <a:t>Communications</a:t>
@@ -21012,7 +20831,7 @@
               <a:buNone/>
               <a:defRPr/>
             </a:pPr>
-            <a:endParaRPr lang="en-US" altLang="en-US" dirty="0" smtClean="0">
+            <a:endParaRPr lang="en-US" altLang="en-US" dirty="0">
               <a:ea typeface="ＭＳ Ｐゴシック" charset="0"/>
             </a:endParaRPr>
           </a:p>
@@ -21021,7 +20840,7 @@
               <a:defRPr/>
             </a:pPr>
             <a:r>
-              <a:rPr lang="en-US" altLang="en-US" dirty="0" smtClean="0">
+              <a:rPr lang="en-US" altLang="en-US" dirty="0">
                 <a:ea typeface="+mn-ea"/>
               </a:rPr>
               <a:t>These entities are protected in three layers:</a:t>
@@ -21032,7 +20851,7 @@
               <a:defRPr/>
             </a:pPr>
             <a:r>
-              <a:rPr lang="en-US" altLang="en-US" dirty="0" smtClean="0">
+              <a:rPr lang="en-US" altLang="en-US" dirty="0">
                 <a:ea typeface="ＭＳ Ｐゴシック" charset="0"/>
               </a:rPr>
               <a:t>Products</a:t>
@@ -21043,7 +20862,7 @@
               <a:defRPr/>
             </a:pPr>
             <a:r>
-              <a:rPr lang="en-US" altLang="en-US" dirty="0" smtClean="0">
+              <a:rPr lang="en-US" altLang="en-US" dirty="0">
                 <a:ea typeface="ＭＳ Ｐゴシック" charset="0"/>
               </a:rPr>
               <a:t>People</a:t>
@@ -21054,7 +20873,7 @@
               <a:defRPr/>
             </a:pPr>
             <a:r>
-              <a:rPr lang="en-US" altLang="en-US" dirty="0" smtClean="0">
+              <a:rPr lang="en-US" altLang="en-US" dirty="0">
                 <a:ea typeface="ＭＳ Ｐゴシック" charset="0"/>
               </a:rPr>
               <a:t>Policies and procedures</a:t>
@@ -21081,14 +20900,14 @@
           <a:ln/>
           <a:extLst>
             <a:ext uri="{909E8E84-426E-40dd-AFC4-6F175D3DCCD1}">
-              <a14:hiddenFill xmlns:a14="http://schemas.microsoft.com/office/drawing/2010/main">
+              <a14:hiddenFill xmlns="" xmlns:a14="http://schemas.microsoft.com/office/drawing/2010/main">
                 <a:solidFill>
                   <a:srgbClr val="FFFFFF"/>
                 </a:solidFill>
               </a14:hiddenFill>
             </a:ext>
             <a:ext uri="{91240B29-F687-4f45-9708-019B960494DF}">
-              <a14:hiddenLine xmlns:a14="http://schemas.microsoft.com/office/drawing/2010/main" w="9525">
+              <a14:hiddenLine xmlns="" xmlns:a14="http://schemas.microsoft.com/office/drawing/2010/main" w="9525">
                 <a:solidFill>
                   <a:srgbClr val="000000"/>
                 </a:solidFill>
@@ -21263,7 +21082,7 @@
   <p:timing>
     <p:tnLst>
       <p:par>
-        <p:cTn xmlns:p14="http://schemas.microsoft.com/office/powerpoint/2010/main" id="1" dur="indefinite" restart="never" nodeType="tmRoot">
+        <p:cTn id="1" dur="indefinite" restart="never" nodeType="tmRoot">
           <p:childTnLst>
             <p:seq concurrent="1" nextAc="seek">
               <p:cTn id="2" dur="indefinite" nodeType="mainSeq">
@@ -21723,7 +21542,7 @@
           <a:lstStyle/>
           <a:p>
             <a:r>
-              <a:rPr lang="en-US" altLang="en-US" smtClean="0"/>
+              <a:rPr lang="en-US" altLang="en-US"/>
               <a:t>Defining Information Security</a:t>
             </a:r>
           </a:p>
@@ -21748,14 +21567,14 @@
           <a:ln/>
           <a:extLst>
             <a:ext uri="{909E8E84-426E-40dd-AFC4-6F175D3DCCD1}">
-              <a14:hiddenFill xmlns:a14="http://schemas.microsoft.com/office/drawing/2010/main">
+              <a14:hiddenFill xmlns="" xmlns:a14="http://schemas.microsoft.com/office/drawing/2010/main">
                 <a:solidFill>
                   <a:srgbClr val="FFFFFF"/>
                 </a:solidFill>
               </a14:hiddenFill>
             </a:ext>
             <a:ext uri="{91240B29-F687-4f45-9708-019B960494DF}">
-              <a14:hiddenLine xmlns:a14="http://schemas.microsoft.com/office/drawing/2010/main" w="9525">
+              <a14:hiddenLine xmlns="" xmlns:a14="http://schemas.microsoft.com/office/drawing/2010/main" w="9525">
                 <a:solidFill>
                   <a:srgbClr val="000000"/>
                 </a:solidFill>
@@ -21957,13 +21776,6 @@
   <p:clrMapOvr>
     <a:masterClrMapping/>
   </p:clrMapOvr>
-  <p:timing>
-    <p:tnLst>
-      <p:par>
-        <p:cTn xmlns:p14="http://schemas.microsoft.com/office/powerpoint/2010/main" id="1" dur="indefinite" restart="never" nodeType="tmRoot"/>
-      </p:par>
-    </p:tnLst>
-  </p:timing>
 </p:sld>
 </file>
 
@@ -22005,7 +21817,7 @@
           <a:lstStyle/>
           <a:p>
             <a:r>
-              <a:rPr lang="en-US" altLang="en-US" smtClean="0"/>
+              <a:rPr lang="en-US" altLang="en-US"/>
               <a:t>Defining Information Security</a:t>
             </a:r>
           </a:p>
@@ -22030,14 +21842,14 @@
           <a:ln/>
           <a:extLst>
             <a:ext uri="{909E8E84-426E-40dd-AFC4-6F175D3DCCD1}">
-              <a14:hiddenFill xmlns:a14="http://schemas.microsoft.com/office/drawing/2010/main">
+              <a14:hiddenFill xmlns="" xmlns:a14="http://schemas.microsoft.com/office/drawing/2010/main">
                 <a:solidFill>
                   <a:srgbClr val="FFFFFF"/>
                 </a:solidFill>
               </a14:hiddenFill>
             </a:ext>
             <a:ext uri="{91240B29-F687-4f45-9708-019B960494DF}">
-              <a14:hiddenLine xmlns:a14="http://schemas.microsoft.com/office/drawing/2010/main" w="9525">
+              <a14:hiddenLine xmlns="" xmlns:a14="http://schemas.microsoft.com/office/drawing/2010/main" w="9525">
                 <a:solidFill>
                   <a:srgbClr val="000000"/>
                 </a:solidFill>
@@ -22239,13 +22051,6 @@
   <p:clrMapOvr>
     <a:masterClrMapping/>
   </p:clrMapOvr>
-  <p:timing>
-    <p:tnLst>
-      <p:par>
-        <p:cTn xmlns:p14="http://schemas.microsoft.com/office/powerpoint/2010/main" id="1" dur="indefinite" restart="never" nodeType="tmRoot"/>
-      </p:par>
-    </p:tnLst>
-  </p:timing>
 </p:sld>
 </file>
 
@@ -22282,7 +22087,7 @@
           <a:lstStyle/>
           <a:p>
             <a:r>
-              <a:rPr lang="en-US" altLang="en-US" smtClean="0"/>
+              <a:rPr lang="en-US" altLang="en-US"/>
               <a:t>Information Security Terminology</a:t>
             </a:r>
           </a:p>
@@ -22307,7 +22112,7 @@
               <a:defRPr/>
             </a:pPr>
             <a:r>
-              <a:rPr lang="en-US" altLang="en-US" b="1" dirty="0" smtClean="0">
+              <a:rPr lang="en-US" altLang="en-US" b="1" dirty="0">
                 <a:ea typeface="+mn-ea"/>
               </a:rPr>
               <a:t>Asset</a:t>
@@ -22318,7 +22123,7 @@
               <a:defRPr/>
             </a:pPr>
             <a:r>
-              <a:rPr lang="en-US" altLang="en-US" dirty="0" smtClean="0">
+              <a:rPr lang="en-US" altLang="en-US" dirty="0">
                 <a:ea typeface="ＭＳ Ｐゴシック" charset="0"/>
               </a:rPr>
               <a:t>Item that has  value</a:t>
@@ -22328,7 +22133,7 @@
             <a:pPr lvl="1">
               <a:defRPr/>
             </a:pPr>
-            <a:endParaRPr lang="en-US" altLang="en-US" dirty="0" smtClean="0">
+            <a:endParaRPr lang="en-US" altLang="en-US" dirty="0">
               <a:ea typeface="ＭＳ Ｐゴシック" charset="0"/>
             </a:endParaRPr>
           </a:p>
@@ -22337,7 +22142,7 @@
               <a:defRPr/>
             </a:pPr>
             <a:r>
-              <a:rPr lang="en-US" altLang="en-US" b="1" dirty="0" smtClean="0">
+              <a:rPr lang="en-US" altLang="en-US" b="1" dirty="0">
                 <a:ea typeface="+mn-ea"/>
               </a:rPr>
               <a:t>Threat</a:t>
@@ -22348,7 +22153,7 @@
               <a:defRPr/>
             </a:pPr>
             <a:r>
-              <a:rPr lang="en-US" altLang="en-US" dirty="0" smtClean="0">
+              <a:rPr lang="en-US" altLang="en-US" dirty="0">
                 <a:ea typeface="ＭＳ Ｐゴシック" charset="0"/>
               </a:rPr>
               <a:t>Type of action that has the potential to cause harm</a:t>
@@ -22360,7 +22165,7 @@
               <a:buNone/>
               <a:defRPr/>
             </a:pPr>
-            <a:endParaRPr lang="en-US" altLang="en-US" dirty="0" smtClean="0">
+            <a:endParaRPr lang="en-US" altLang="en-US" dirty="0">
               <a:ea typeface="ＭＳ Ｐゴシック" charset="0"/>
             </a:endParaRPr>
           </a:p>
@@ -22369,7 +22174,7 @@
               <a:defRPr/>
             </a:pPr>
             <a:r>
-              <a:rPr lang="en-US" altLang="en-US" b="1" dirty="0" smtClean="0">
+              <a:rPr lang="en-US" altLang="en-US" b="1" dirty="0">
                 <a:ea typeface="+mn-ea"/>
               </a:rPr>
               <a:t>Threat agent</a:t>
@@ -22380,7 +22185,7 @@
               <a:defRPr/>
             </a:pPr>
             <a:r>
-              <a:rPr lang="en-US" altLang="en-US" dirty="0" smtClean="0">
+              <a:rPr lang="en-US" altLang="en-US" dirty="0">
                 <a:ea typeface="ＭＳ Ｐゴシック" charset="0"/>
               </a:rPr>
               <a:t>A person or element with power to carry out a threat</a:t>
@@ -22407,14 +22212,14 @@
           <a:ln/>
           <a:extLst>
             <a:ext uri="{909E8E84-426E-40dd-AFC4-6F175D3DCCD1}">
-              <a14:hiddenFill xmlns:a14="http://schemas.microsoft.com/office/drawing/2010/main">
+              <a14:hiddenFill xmlns="" xmlns:a14="http://schemas.microsoft.com/office/drawing/2010/main">
                 <a:solidFill>
                   <a:srgbClr val="FFFFFF"/>
                 </a:solidFill>
               </a14:hiddenFill>
             </a:ext>
             <a:ext uri="{91240B29-F687-4f45-9708-019B960494DF}">
-              <a14:hiddenLine xmlns:a14="http://schemas.microsoft.com/office/drawing/2010/main" w="9525">
+              <a14:hiddenLine xmlns="" xmlns:a14="http://schemas.microsoft.com/office/drawing/2010/main" w="9525">
                 <a:solidFill>
                   <a:srgbClr val="000000"/>
                 </a:solidFill>
@@ -22589,7 +22394,7 @@
   <p:timing>
     <p:tnLst>
       <p:par>
-        <p:cTn xmlns:p14="http://schemas.microsoft.com/office/powerpoint/2010/main" id="1" dur="indefinite" restart="never" nodeType="tmRoot">
+        <p:cTn id="1" dur="indefinite" restart="never" nodeType="tmRoot">
           <p:childTnLst>
             <p:seq concurrent="1" nextAc="seek">
               <p:cTn id="2" dur="indefinite" nodeType="mainSeq">
@@ -22946,7 +22751,7 @@
           <a:lstStyle/>
           <a:p>
             <a:r>
-              <a:rPr lang="en-US" altLang="en-US" smtClean="0"/>
+              <a:rPr lang="en-US" altLang="en-US"/>
               <a:t>Information Security Terminology</a:t>
             </a:r>
           </a:p>
@@ -22971,14 +22776,14 @@
           <a:ln/>
           <a:extLst>
             <a:ext uri="{909E8E84-426E-40dd-AFC4-6F175D3DCCD1}">
-              <a14:hiddenFill xmlns:a14="http://schemas.microsoft.com/office/drawing/2010/main">
+              <a14:hiddenFill xmlns="" xmlns:a14="http://schemas.microsoft.com/office/drawing/2010/main">
                 <a:solidFill>
                   <a:srgbClr val="FFFFFF"/>
                 </a:solidFill>
               </a14:hiddenFill>
             </a:ext>
             <a:ext uri="{91240B29-F687-4f45-9708-019B960494DF}">
-              <a14:hiddenLine xmlns:a14="http://schemas.microsoft.com/office/drawing/2010/main" w="9525">
+              <a14:hiddenLine xmlns="" xmlns:a14="http://schemas.microsoft.com/office/drawing/2010/main" w="9525">
                 <a:solidFill>
                   <a:srgbClr val="000000"/>
                 </a:solidFill>
@@ -23180,13 +22985,6 @@
   <p:clrMapOvr>
     <a:masterClrMapping/>
   </p:clrMapOvr>
-  <p:timing>
-    <p:tnLst>
-      <p:par>
-        <p:cTn xmlns:p14="http://schemas.microsoft.com/office/powerpoint/2010/main" id="1" dur="indefinite" restart="never" nodeType="tmRoot"/>
-      </p:par>
-    </p:tnLst>
-  </p:timing>
 </p:sld>
 </file>
 
@@ -23223,7 +23021,7 @@
           <a:lstStyle/>
           <a:p>
             <a:r>
-              <a:rPr lang="en-US" altLang="en-US" smtClean="0"/>
+              <a:rPr lang="en-US" altLang="en-US"/>
               <a:t>Information Security Terminology</a:t>
             </a:r>
           </a:p>
@@ -23248,7 +23046,7 @@
               <a:defRPr/>
             </a:pPr>
             <a:r>
-              <a:rPr lang="en-US" altLang="en-US" b="1" dirty="0" smtClean="0">
+              <a:rPr lang="en-US" altLang="en-US" b="1" dirty="0">
                 <a:ea typeface="+mn-ea"/>
               </a:rPr>
               <a:t>Vulnerability</a:t>
@@ -23259,7 +23057,7 @@
               <a:defRPr/>
             </a:pPr>
             <a:r>
-              <a:rPr lang="en-US" altLang="en-US" dirty="0" smtClean="0">
+              <a:rPr lang="en-US" altLang="en-US" dirty="0">
                 <a:ea typeface="ＭＳ Ｐゴシック" charset="0"/>
               </a:rPr>
               <a:t>Flaw or weakness that allows a threat agent to bypass security</a:t>
@@ -23270,7 +23068,7 @@
               <a:defRPr/>
             </a:pPr>
             <a:r>
-              <a:rPr lang="en-US" altLang="en-US" b="1" dirty="0" smtClean="0">
+              <a:rPr lang="en-US" altLang="en-US" b="1" dirty="0">
                 <a:ea typeface="+mn-ea"/>
               </a:rPr>
               <a:t>Threat vector</a:t>
@@ -23281,7 +23079,7 @@
               <a:defRPr/>
             </a:pPr>
             <a:r>
-              <a:rPr lang="en-US" altLang="en-US" dirty="0" smtClean="0">
+              <a:rPr lang="en-US" altLang="en-US" dirty="0">
                 <a:ea typeface="ＭＳ Ｐゴシック" charset="0"/>
               </a:rPr>
               <a:t>The means by which an attack can occur</a:t>
@@ -23292,7 +23090,7 @@
               <a:defRPr/>
             </a:pPr>
             <a:r>
-              <a:rPr lang="en-US" altLang="en-US" b="1" dirty="0" smtClean="0">
+              <a:rPr lang="en-US" altLang="en-US" b="1" dirty="0">
                 <a:ea typeface="+mn-ea"/>
               </a:rPr>
               <a:t>Threat likelihood</a:t>
@@ -23303,7 +23101,7 @@
               <a:defRPr/>
             </a:pPr>
             <a:r>
-              <a:rPr lang="en-US" altLang="en-US" dirty="0" smtClean="0">
+              <a:rPr lang="en-US" altLang="en-US" dirty="0">
                 <a:ea typeface="ＭＳ Ｐゴシック" charset="0"/>
               </a:rPr>
               <a:t>Likelihood that threat agent will exploit vulnerability</a:t>
@@ -23314,7 +23112,7 @@
               <a:defRPr/>
             </a:pPr>
             <a:r>
-              <a:rPr lang="en-US" altLang="en-US" b="1" dirty="0" smtClean="0">
+              <a:rPr lang="en-US" altLang="en-US" b="1" dirty="0">
                 <a:ea typeface="+mn-ea"/>
               </a:rPr>
               <a:t>Risk</a:t>
@@ -23325,7 +23123,7 @@
               <a:defRPr/>
             </a:pPr>
             <a:r>
-              <a:rPr lang="en-US" altLang="en-US" dirty="0" smtClean="0">
+              <a:rPr lang="en-US" altLang="en-US" dirty="0">
                 <a:ea typeface="ＭＳ Ｐゴシック" charset="0"/>
               </a:rPr>
               <a:t>A situation that involves exposure to some type of danger</a:t>
@@ -23337,7 +23135,7 @@
               <a:buNone/>
               <a:defRPr/>
             </a:pPr>
-            <a:endParaRPr lang="en-US" altLang="en-US" dirty="0" smtClean="0">
+            <a:endParaRPr lang="en-US" altLang="en-US" dirty="0">
               <a:ea typeface="ＭＳ Ｐゴシック" charset="0"/>
             </a:endParaRPr>
           </a:p>
@@ -23362,14 +23160,14 @@
           <a:ln/>
           <a:extLst>
             <a:ext uri="{909E8E84-426E-40dd-AFC4-6F175D3DCCD1}">
-              <a14:hiddenFill xmlns:a14="http://schemas.microsoft.com/office/drawing/2010/main">
+              <a14:hiddenFill xmlns="" xmlns:a14="http://schemas.microsoft.com/office/drawing/2010/main">
                 <a:solidFill>
                   <a:srgbClr val="FFFFFF"/>
                 </a:solidFill>
               </a14:hiddenFill>
             </a:ext>
             <a:ext uri="{91240B29-F687-4f45-9708-019B960494DF}">
-              <a14:hiddenLine xmlns:a14="http://schemas.microsoft.com/office/drawing/2010/main" w="9525">
+              <a14:hiddenLine xmlns="" xmlns:a14="http://schemas.microsoft.com/office/drawing/2010/main" w="9525">
                 <a:solidFill>
                   <a:srgbClr val="000000"/>
                 </a:solidFill>
@@ -23544,7 +23342,7 @@
   <p:timing>
     <p:tnLst>
       <p:par>
-        <p:cTn xmlns:p14="http://schemas.microsoft.com/office/powerpoint/2010/main" id="1" dur="indefinite" restart="never" nodeType="tmRoot">
+        <p:cTn id="1" dur="indefinite" restart="never" nodeType="tmRoot">
           <p:childTnLst>
             <p:seq concurrent="1" nextAc="seek">
               <p:cTn id="2" dur="indefinite" nodeType="mainSeq">
@@ -24004,7 +23802,7 @@
           <a:lstStyle/>
           <a:p>
             <a:r>
-              <a:rPr lang="en-US" altLang="en-US" smtClean="0"/>
+              <a:rPr lang="en-US" altLang="en-US"/>
               <a:t>Information Security Terminology</a:t>
             </a:r>
           </a:p>
@@ -24031,85 +23829,85 @@
           <a:lstStyle/>
           <a:p>
             <a:r>
-              <a:rPr lang="en-US" altLang="en-US" smtClean="0"/>
+              <a:rPr lang="en-US" altLang="en-US"/>
               <a:t>Options to deal with risk:</a:t>
             </a:r>
           </a:p>
           <a:p>
             <a:pPr lvl="1"/>
             <a:r>
-              <a:rPr lang="en-US" altLang="en-US" b="1" smtClean="0"/>
+              <a:rPr lang="en-US" altLang="en-US" b="1"/>
               <a:t>Risk avoidance </a:t>
             </a:r>
-            <a:endParaRPr lang="en-US" altLang="en-US" smtClean="0"/>
+            <a:endParaRPr lang="en-US" altLang="en-US"/>
           </a:p>
           <a:p>
             <a:pPr lvl="2"/>
             <a:r>
-              <a:rPr lang="en-US" altLang="en-US" smtClean="0"/>
+              <a:rPr lang="en-US" altLang="en-US"/>
               <a:t>identify risk, don’t engaging in activity</a:t>
             </a:r>
           </a:p>
           <a:p>
             <a:pPr lvl="1"/>
             <a:r>
-              <a:rPr lang="en-US" altLang="en-US" b="1" smtClean="0"/>
+              <a:rPr lang="en-US" altLang="en-US" b="1"/>
               <a:t>Acceptance</a:t>
             </a:r>
             <a:r>
-              <a:rPr lang="en-US" altLang="en-US" smtClean="0"/>
+              <a:rPr lang="en-US" altLang="en-US"/>
               <a:t> </a:t>
             </a:r>
           </a:p>
           <a:p>
             <a:pPr lvl="2"/>
             <a:r>
-              <a:rPr lang="en-US" altLang="en-US" smtClean="0"/>
+              <a:rPr lang="en-US" altLang="en-US"/>
               <a:t>acknowledged risk but do not address it</a:t>
             </a:r>
           </a:p>
           <a:p>
             <a:pPr lvl="1"/>
             <a:r>
-              <a:rPr lang="en-US" altLang="en-US" b="1" smtClean="0"/>
+              <a:rPr lang="en-US" altLang="en-US" b="1"/>
               <a:t>Risk mitigation</a:t>
             </a:r>
-            <a:endParaRPr lang="en-US" altLang="en-US" smtClean="0"/>
+            <a:endParaRPr lang="en-US" altLang="en-US"/>
           </a:p>
           <a:p>
             <a:pPr lvl="2"/>
             <a:r>
-              <a:rPr lang="en-US" altLang="en-US" smtClean="0"/>
+              <a:rPr lang="en-US" altLang="en-US"/>
               <a:t>attempt to make risk less serious</a:t>
             </a:r>
           </a:p>
           <a:p>
             <a:pPr lvl="1"/>
             <a:r>
-              <a:rPr lang="en-US" altLang="en-US" b="1" smtClean="0"/>
+              <a:rPr lang="en-US" altLang="en-US" b="1"/>
               <a:t>Deterrence</a:t>
             </a:r>
-            <a:endParaRPr lang="en-US" altLang="en-US" smtClean="0"/>
+            <a:endParaRPr lang="en-US" altLang="en-US"/>
           </a:p>
           <a:p>
             <a:pPr lvl="2"/>
             <a:r>
-              <a:rPr lang="en-US" altLang="en-US" smtClean="0"/>
+              <a:rPr lang="en-US" altLang="en-US"/>
               <a:t>Inform attacker of the consequences</a:t>
             </a:r>
           </a:p>
           <a:p>
             <a:pPr lvl="1"/>
             <a:r>
-              <a:rPr lang="en-US" altLang="en-US" b="1" smtClean="0"/>
+              <a:rPr lang="en-US" altLang="en-US" b="1"/>
               <a:t>Transference</a:t>
             </a:r>
-            <a:endParaRPr lang="en-US" altLang="en-US" smtClean="0"/>
+            <a:endParaRPr lang="en-US" altLang="en-US"/>
           </a:p>
           <a:p>
             <a:pPr lvl="2"/>
             <a:r>
-              <a:rPr lang="en-US" altLang="en-US" smtClean="0"/>
+              <a:rPr lang="en-US" altLang="en-US"/>
               <a:t>transfer risk to a third party</a:t>
             </a:r>
           </a:p>
@@ -24118,11 +23916,11 @@
               <a:buFontTx/>
               <a:buNone/>
             </a:pPr>
-            <a:endParaRPr lang="en-US" altLang="en-US" smtClean="0"/>
+            <a:endParaRPr lang="en-US" altLang="en-US"/>
           </a:p>
           <a:p>
             <a:pPr lvl="2"/>
-            <a:endParaRPr lang="en-US" altLang="en-US" smtClean="0"/>
+            <a:endParaRPr lang="en-US" altLang="en-US"/>
           </a:p>
         </p:txBody>
       </p:sp>
@@ -24145,14 +23943,14 @@
           <a:ln/>
           <a:extLst>
             <a:ext uri="{909E8E84-426E-40dd-AFC4-6F175D3DCCD1}">
-              <a14:hiddenFill xmlns:a14="http://schemas.microsoft.com/office/drawing/2010/main">
+              <a14:hiddenFill xmlns="" xmlns:a14="http://schemas.microsoft.com/office/drawing/2010/main">
                 <a:solidFill>
                   <a:srgbClr val="FFFFFF"/>
                 </a:solidFill>
               </a14:hiddenFill>
             </a:ext>
             <a:ext uri="{91240B29-F687-4f45-9708-019B960494DF}">
-              <a14:hiddenLine xmlns:a14="http://schemas.microsoft.com/office/drawing/2010/main" w="9525">
+              <a14:hiddenLine xmlns="" xmlns:a14="http://schemas.microsoft.com/office/drawing/2010/main" w="9525">
                 <a:solidFill>
                   <a:srgbClr val="000000"/>
                 </a:solidFill>
@@ -24327,7 +24125,7 @@
   <p:timing>
     <p:tnLst>
       <p:par>
-        <p:cTn xmlns:p14="http://schemas.microsoft.com/office/powerpoint/2010/main" id="1" dur="indefinite" restart="never" nodeType="tmRoot">
+        <p:cTn id="1" dur="indefinite" restart="never" nodeType="tmRoot">
           <p:childTnLst>
             <p:seq concurrent="1" nextAc="seek">
               <p:cTn id="2" dur="indefinite" nodeType="mainSeq">
@@ -24929,7 +24727,7 @@
           <a:lstStyle/>
           <a:p>
             <a:r>
-              <a:rPr lang="en-US" altLang="en-US" smtClean="0"/>
+              <a:rPr lang="en-US" altLang="en-US"/>
               <a:t>Information Security Terminology</a:t>
             </a:r>
           </a:p>
@@ -24955,7 +24753,7 @@
               <a:buNone/>
               <a:defRPr/>
             </a:pPr>
-            <a:endParaRPr lang="en-US" altLang="en-US" dirty="0" smtClean="0">
+            <a:endParaRPr lang="en-US" altLang="en-US" dirty="0">
               <a:ea typeface="ＭＳ Ｐゴシック" charset="0"/>
             </a:endParaRPr>
           </a:p>
@@ -24963,7 +24761,7 @@
             <a:pPr lvl="2">
               <a:defRPr/>
             </a:pPr>
-            <a:endParaRPr lang="en-US" altLang="en-US" dirty="0" smtClean="0">
+            <a:endParaRPr lang="en-US" altLang="en-US" dirty="0">
               <a:ea typeface="ＭＳ Ｐゴシック" charset="0"/>
             </a:endParaRPr>
           </a:p>
@@ -24988,14 +24786,14 @@
           <a:ln/>
           <a:extLst>
             <a:ext uri="{909E8E84-426E-40dd-AFC4-6F175D3DCCD1}">
-              <a14:hiddenFill xmlns:a14="http://schemas.microsoft.com/office/drawing/2010/main">
+              <a14:hiddenFill xmlns="" xmlns:a14="http://schemas.microsoft.com/office/drawing/2010/main">
                 <a:solidFill>
                   <a:srgbClr val="FFFFFF"/>
                 </a:solidFill>
               </a14:hiddenFill>
             </a:ext>
             <a:ext uri="{91240B29-F687-4f45-9708-019B960494DF}">
-              <a14:hiddenLine xmlns:a14="http://schemas.microsoft.com/office/drawing/2010/main" w="9525">
+              <a14:hiddenLine xmlns="" xmlns:a14="http://schemas.microsoft.com/office/drawing/2010/main" w="9525">
                 <a:solidFill>
                   <a:srgbClr val="000000"/>
                 </a:solidFill>
@@ -25197,13 +24995,6 @@
   <p:clrMapOvr>
     <a:masterClrMapping/>
   </p:clrMapOvr>
-  <p:timing>
-    <p:tnLst>
-      <p:par>
-        <p:cTn xmlns:p14="http://schemas.microsoft.com/office/powerpoint/2010/main" id="1" dur="indefinite" restart="never" nodeType="tmRoot"/>
-      </p:par>
-    </p:tnLst>
-  </p:timing>
 </p:sld>
 </file>
 
@@ -25240,7 +25031,7 @@
           <a:lstStyle/>
           <a:p>
             <a:r>
-              <a:rPr lang="en-US" altLang="en-US" smtClean="0"/>
+              <a:rPr lang="en-US" altLang="en-US"/>
               <a:t>Understanding the Importance of Information Security</a:t>
             </a:r>
           </a:p>
@@ -25262,42 +25053,42 @@
           <a:lstStyle/>
           <a:p>
             <a:r>
-              <a:rPr lang="en-US" altLang="en-US" smtClean="0"/>
+              <a:rPr lang="en-US" altLang="en-US"/>
               <a:t>Information security can be helpful in:</a:t>
             </a:r>
           </a:p>
           <a:p>
             <a:pPr lvl="1"/>
             <a:r>
-              <a:rPr lang="en-US" altLang="en-US" smtClean="0"/>
+              <a:rPr lang="en-US" altLang="en-US"/>
               <a:t>Preventing data theft</a:t>
             </a:r>
           </a:p>
           <a:p>
             <a:pPr lvl="1"/>
             <a:r>
-              <a:rPr lang="en-US" altLang="en-US" smtClean="0"/>
+              <a:rPr lang="en-US" altLang="en-US"/>
               <a:t>Thwarting identity theft</a:t>
             </a:r>
           </a:p>
           <a:p>
             <a:pPr lvl="1"/>
             <a:r>
-              <a:rPr lang="en-US" altLang="en-US" smtClean="0"/>
+              <a:rPr lang="en-US" altLang="en-US"/>
               <a:t>Avoiding the legal consequences of not securing information</a:t>
             </a:r>
           </a:p>
           <a:p>
             <a:pPr lvl="1"/>
             <a:r>
-              <a:rPr lang="en-US" altLang="en-US" smtClean="0"/>
+              <a:rPr lang="en-US" altLang="en-US"/>
               <a:t>Maintaining productivity</a:t>
             </a:r>
           </a:p>
           <a:p>
             <a:pPr lvl="1"/>
             <a:r>
-              <a:rPr lang="en-US" altLang="en-US" smtClean="0"/>
+              <a:rPr lang="en-US" altLang="en-US"/>
               <a:t>Foiling cyberterrorism </a:t>
             </a:r>
           </a:p>
@@ -25322,14 +25113,14 @@
           <a:ln/>
           <a:extLst>
             <a:ext uri="{909E8E84-426E-40dd-AFC4-6F175D3DCCD1}">
-              <a14:hiddenFill xmlns:a14="http://schemas.microsoft.com/office/drawing/2010/main">
+              <a14:hiddenFill xmlns="" xmlns:a14="http://schemas.microsoft.com/office/drawing/2010/main">
                 <a:solidFill>
                   <a:srgbClr val="FFFFFF"/>
                 </a:solidFill>
               </a14:hiddenFill>
             </a:ext>
             <a:ext uri="{91240B29-F687-4f45-9708-019B960494DF}">
-              <a14:hiddenLine xmlns:a14="http://schemas.microsoft.com/office/drawing/2010/main" w="9525">
+              <a14:hiddenLine xmlns="" xmlns:a14="http://schemas.microsoft.com/office/drawing/2010/main" w="9525">
                 <a:solidFill>
                   <a:srgbClr val="000000"/>
                 </a:solidFill>
@@ -25504,7 +25295,7 @@
   <p:timing>
     <p:tnLst>
       <p:par>
-        <p:cTn xmlns:p14="http://schemas.microsoft.com/office/powerpoint/2010/main" id="1" dur="indefinite" restart="never" nodeType="tmRoot">
+        <p:cTn id="1" dur="indefinite" restart="never" nodeType="tmRoot">
           <p:childTnLst>
             <p:seq concurrent="1" nextAc="seek">
               <p:cTn id="2" dur="indefinite" nodeType="mainSeq">
@@ -25861,7 +25652,7 @@
           <a:lstStyle/>
           <a:p>
             <a:r>
-              <a:rPr lang="en-US" altLang="en-US" smtClean="0"/>
+              <a:rPr lang="en-US" altLang="en-US"/>
               <a:t>Today’s Security Attacks</a:t>
             </a:r>
           </a:p>
@@ -25883,56 +25674,56 @@
           <a:lstStyle/>
           <a:p>
             <a:r>
-              <a:rPr lang="en-US" altLang="en-US" smtClean="0"/>
+              <a:rPr lang="en-US" altLang="en-US"/>
               <a:t>Examples of recent attacks </a:t>
             </a:r>
           </a:p>
           <a:p>
             <a:pPr lvl="1"/>
             <a:r>
-              <a:rPr lang="en-US" altLang="en-US" smtClean="0"/>
+              <a:rPr lang="en-US" altLang="en-US"/>
               <a:t>Attack on a credit card processing company that handles prepaid debit cards</a:t>
             </a:r>
           </a:p>
           <a:p>
             <a:pPr lvl="1"/>
             <a:r>
-              <a:rPr lang="en-US" altLang="en-US" smtClean="0"/>
+              <a:rPr lang="en-US" altLang="en-US"/>
               <a:t>Taking control of wireless cameras</a:t>
             </a:r>
           </a:p>
           <a:p>
             <a:pPr lvl="1"/>
             <a:r>
-              <a:rPr lang="en-US" altLang="en-US" smtClean="0"/>
+              <a:rPr lang="en-US" altLang="en-US"/>
               <a:t>ATM machine attacks</a:t>
             </a:r>
           </a:p>
           <a:p>
             <a:pPr lvl="1"/>
             <a:r>
-              <a:rPr lang="en-US" altLang="en-US" smtClean="0"/>
+              <a:rPr lang="en-US" altLang="en-US"/>
               <a:t>Taking over Twitter accounts</a:t>
             </a:r>
           </a:p>
           <a:p>
             <a:pPr lvl="1"/>
             <a:r>
-              <a:rPr lang="en-US" altLang="en-US" smtClean="0"/>
+              <a:rPr lang="en-US" altLang="en-US"/>
               <a:t>Serial server attacks</a:t>
             </a:r>
           </a:p>
           <a:p>
             <a:pPr lvl="1"/>
             <a:r>
-              <a:rPr lang="en-US" altLang="en-US" smtClean="0"/>
+              <a:rPr lang="en-US" altLang="en-US"/>
               <a:t>Attackers using online sites such as Craigslist and eBay to lure victims to download malware</a:t>
             </a:r>
           </a:p>
           <a:p>
             <a:pPr lvl="1"/>
             <a:r>
-              <a:rPr lang="en-US" altLang="en-US" smtClean="0"/>
+              <a:rPr lang="en-US" altLang="en-US"/>
               <a:t>Penetration of Apple’s very own network</a:t>
             </a:r>
           </a:p>
@@ -25957,14 +25748,14 @@
           <a:ln/>
           <a:extLst>
             <a:ext uri="{909E8E84-426E-40dd-AFC4-6F175D3DCCD1}">
-              <a14:hiddenFill xmlns:a14="http://schemas.microsoft.com/office/drawing/2010/main">
+              <a14:hiddenFill xmlns="" xmlns:a14="http://schemas.microsoft.com/office/drawing/2010/main">
                 <a:solidFill>
                   <a:srgbClr val="FFFFFF"/>
                 </a:solidFill>
               </a14:hiddenFill>
             </a:ext>
             <a:ext uri="{91240B29-F687-4f45-9708-019B960494DF}">
-              <a14:hiddenLine xmlns:a14="http://schemas.microsoft.com/office/drawing/2010/main" w="9525">
+              <a14:hiddenLine xmlns="" xmlns:a14="http://schemas.microsoft.com/office/drawing/2010/main" w="9525">
                 <a:solidFill>
                   <a:srgbClr val="000000"/>
                 </a:solidFill>
@@ -26139,7 +25930,7 @@
   <p:timing>
     <p:tnLst>
       <p:par>
-        <p:cTn xmlns:p14="http://schemas.microsoft.com/office/powerpoint/2010/main" id="1" dur="indefinite" restart="never" nodeType="tmRoot">
+        <p:cTn id="1" dur="indefinite" restart="never" nodeType="tmRoot">
           <p:childTnLst>
             <p:seq concurrent="1" nextAc="seek">
               <p:cTn id="2" dur="indefinite" nodeType="mainSeq">
@@ -26545,7 +26336,7 @@
           <a:lstStyle/>
           <a:p>
             <a:r>
-              <a:rPr lang="en-US" altLang="en-US" smtClean="0"/>
+              <a:rPr lang="en-US" altLang="en-US"/>
               <a:t>Thwarting Identity Theft</a:t>
             </a:r>
           </a:p>
@@ -26567,67 +26358,67 @@
           <a:lstStyle/>
           <a:p>
             <a:r>
-              <a:rPr lang="en-US" altLang="en-US" smtClean="0"/>
+              <a:rPr lang="en-US" altLang="en-US"/>
               <a:t>Identity theft</a:t>
             </a:r>
           </a:p>
           <a:p>
             <a:pPr lvl="1"/>
             <a:r>
-              <a:rPr lang="en-US" altLang="en-US" smtClean="0"/>
+              <a:rPr lang="en-US" altLang="en-US"/>
               <a:t>Stealing another person’s personal information</a:t>
             </a:r>
           </a:p>
           <a:p>
             <a:pPr lvl="2"/>
             <a:r>
-              <a:rPr lang="en-US" altLang="en-US" smtClean="0"/>
+              <a:rPr lang="en-US" altLang="en-US"/>
               <a:t>Usually using it for financial gain</a:t>
             </a:r>
           </a:p>
           <a:p>
             <a:pPr lvl="2"/>
-            <a:endParaRPr lang="en-US" altLang="en-US" smtClean="0"/>
+            <a:endParaRPr lang="en-US" altLang="en-US"/>
           </a:p>
           <a:p>
             <a:pPr lvl="1"/>
             <a:r>
-              <a:rPr lang="en-US" altLang="en-US" smtClean="0"/>
+              <a:rPr lang="en-US" altLang="en-US"/>
               <a:t>Example: </a:t>
             </a:r>
           </a:p>
           <a:p>
             <a:pPr lvl="2"/>
             <a:r>
-              <a:rPr lang="en-US" altLang="en-US" smtClean="0"/>
+              <a:rPr lang="en-US" altLang="en-US"/>
               <a:t>Steal SSN</a:t>
             </a:r>
           </a:p>
           <a:p>
             <a:pPr lvl="2"/>
-            <a:endParaRPr lang="en-US" altLang="en-US" smtClean="0"/>
+            <a:endParaRPr lang="en-US" altLang="en-US"/>
           </a:p>
           <a:p>
             <a:pPr lvl="2"/>
             <a:r>
-              <a:rPr lang="en-US" altLang="en-US" smtClean="0"/>
+              <a:rPr lang="en-US" altLang="en-US"/>
               <a:t>Create new credit card account</a:t>
             </a:r>
           </a:p>
           <a:p>
             <a:pPr lvl="2"/>
-            <a:endParaRPr lang="en-US" altLang="en-US" smtClean="0"/>
+            <a:endParaRPr lang="en-US" altLang="en-US"/>
           </a:p>
           <a:p>
             <a:pPr lvl="2"/>
             <a:r>
-              <a:rPr lang="en-US" altLang="en-US" smtClean="0"/>
+              <a:rPr lang="en-US" altLang="en-US"/>
               <a:t>File fraudulent tax returns</a:t>
             </a:r>
           </a:p>
           <a:p>
             <a:pPr lvl="2"/>
-            <a:endParaRPr lang="en-US" altLang="en-US" smtClean="0"/>
+            <a:endParaRPr lang="en-US" altLang="en-US"/>
           </a:p>
         </p:txBody>
       </p:sp>
@@ -26650,14 +26441,14 @@
           <a:ln/>
           <a:extLst>
             <a:ext uri="{909E8E84-426E-40dd-AFC4-6F175D3DCCD1}">
-              <a14:hiddenFill xmlns:a14="http://schemas.microsoft.com/office/drawing/2010/main">
+              <a14:hiddenFill xmlns="" xmlns:a14="http://schemas.microsoft.com/office/drawing/2010/main">
                 <a:solidFill>
                   <a:srgbClr val="FFFFFF"/>
                 </a:solidFill>
               </a14:hiddenFill>
             </a:ext>
             <a:ext uri="{91240B29-F687-4f45-9708-019B960494DF}">
-              <a14:hiddenLine xmlns:a14="http://schemas.microsoft.com/office/drawing/2010/main" w="9525">
+              <a14:hiddenLine xmlns="" xmlns:a14="http://schemas.microsoft.com/office/drawing/2010/main" w="9525">
                 <a:solidFill>
                   <a:srgbClr val="000000"/>
                 </a:solidFill>
@@ -26832,7 +26623,7 @@
   <p:timing>
     <p:tnLst>
       <p:par>
-        <p:cTn xmlns:p14="http://schemas.microsoft.com/office/powerpoint/2010/main" id="1" dur="indefinite" restart="never" nodeType="tmRoot">
+        <p:cTn id="1" dur="indefinite" restart="never" nodeType="tmRoot">
           <p:childTnLst>
             <p:seq concurrent="1" nextAc="seek">
               <p:cTn id="2" dur="indefinite" nodeType="mainSeq">
@@ -27238,7 +27029,7 @@
           <a:lstStyle/>
           <a:p>
             <a:r>
-              <a:rPr lang="en-US" altLang="en-US" smtClean="0"/>
+              <a:rPr lang="en-US" altLang="en-US"/>
               <a:t>Avoiding Legal Consequences</a:t>
             </a:r>
           </a:p>
@@ -27260,42 +27051,42 @@
           <a:lstStyle/>
           <a:p>
             <a:r>
-              <a:rPr lang="en-US" altLang="en-US" smtClean="0"/>
+              <a:rPr lang="en-US" altLang="en-US"/>
               <a:t>Laws protecting electronic data privacy:</a:t>
             </a:r>
           </a:p>
           <a:p>
             <a:pPr lvl="1"/>
             <a:r>
-              <a:rPr lang="en-US" altLang="en-US" i="1" smtClean="0"/>
+              <a:rPr lang="en-US" altLang="en-US" i="1"/>
               <a:t>The Health Insurance Portability and Accountability Act of 1996 (HIPAA)</a:t>
             </a:r>
           </a:p>
           <a:p>
             <a:pPr lvl="1"/>
             <a:r>
-              <a:rPr lang="en-US" altLang="en-US" i="1" smtClean="0"/>
+              <a:rPr lang="en-US" altLang="en-US" i="1"/>
               <a:t>The Sarbanes-Oxley Act of 2002 (Sarbox)</a:t>
             </a:r>
           </a:p>
           <a:p>
             <a:pPr lvl="1"/>
             <a:r>
-              <a:rPr lang="en-US" altLang="en-US" i="1" smtClean="0"/>
+              <a:rPr lang="en-US" altLang="en-US" i="1"/>
               <a:t>The Gramm-Leach-Bliley Act (GLBA)</a:t>
             </a:r>
           </a:p>
           <a:p>
             <a:pPr lvl="1"/>
             <a:r>
-              <a:rPr lang="en-US" altLang="en-US" i="1" smtClean="0"/>
+              <a:rPr lang="en-US" altLang="en-US" i="1"/>
               <a:t>Payment Card Industry Data Security Standard (PCI DSS)</a:t>
             </a:r>
           </a:p>
           <a:p>
             <a:pPr lvl="1"/>
             <a:r>
-              <a:rPr lang="en-US" altLang="en-US" i="1" smtClean="0"/>
+              <a:rPr lang="en-US" altLang="en-US" i="1"/>
               <a:t>California’s Database Security Breach Notification Act (2003)</a:t>
             </a:r>
           </a:p>
@@ -27320,14 +27111,14 @@
           <a:ln/>
           <a:extLst>
             <a:ext uri="{909E8E84-426E-40dd-AFC4-6F175D3DCCD1}">
-              <a14:hiddenFill xmlns:a14="http://schemas.microsoft.com/office/drawing/2010/main">
+              <a14:hiddenFill xmlns="" xmlns:a14="http://schemas.microsoft.com/office/drawing/2010/main">
                 <a:solidFill>
                   <a:srgbClr val="FFFFFF"/>
                 </a:solidFill>
               </a14:hiddenFill>
             </a:ext>
             <a:ext uri="{91240B29-F687-4f45-9708-019B960494DF}">
-              <a14:hiddenLine xmlns:a14="http://schemas.microsoft.com/office/drawing/2010/main" w="9525">
+              <a14:hiddenLine xmlns="" xmlns:a14="http://schemas.microsoft.com/office/drawing/2010/main" w="9525">
                 <a:solidFill>
                   <a:srgbClr val="000000"/>
                 </a:solidFill>
@@ -27499,13 +27290,6 @@
   <p:clrMapOvr>
     <a:masterClrMapping/>
   </p:clrMapOvr>
-  <p:timing>
-    <p:tnLst>
-      <p:par>
-        <p:cTn xmlns:p14="http://schemas.microsoft.com/office/powerpoint/2010/main" id="1" dur="indefinite" restart="never" nodeType="tmRoot"/>
-      </p:par>
-    </p:tnLst>
-  </p:timing>
 </p:sld>
 </file>
 
@@ -27542,7 +27326,7 @@
           <a:lstStyle/>
           <a:p>
             <a:r>
-              <a:rPr lang="en-US" altLang="en-US" smtClean="0"/>
+              <a:rPr lang="en-US" altLang="en-US"/>
               <a:t>Foiling Cyberterrorism</a:t>
             </a:r>
           </a:p>
@@ -27569,65 +27353,65 @@
           <a:lstStyle/>
           <a:p>
             <a:r>
-              <a:rPr lang="en-US" altLang="en-US" smtClean="0"/>
+              <a:rPr lang="en-US" altLang="en-US" dirty="0"/>
               <a:t>Cyberterrorism </a:t>
             </a:r>
           </a:p>
           <a:p>
             <a:pPr lvl="1"/>
             <a:r>
-              <a:rPr lang="en-US" altLang="en-US" smtClean="0"/>
+              <a:rPr lang="en-US" altLang="en-US" dirty="0"/>
               <a:t>premeditated, </a:t>
             </a:r>
           </a:p>
           <a:p>
             <a:pPr lvl="1"/>
             <a:r>
-              <a:rPr lang="en-US" altLang="en-US" smtClean="0"/>
+              <a:rPr lang="en-US" altLang="en-US" dirty="0"/>
               <a:t>politically motivated </a:t>
             </a:r>
           </a:p>
           <a:p>
-            <a:endParaRPr lang="en-US" altLang="en-US" smtClean="0"/>
-          </a:p>
-          <a:p>
-            <a:r>
-              <a:rPr lang="en-US" altLang="en-US" smtClean="0"/>
+            <a:endParaRPr lang="en-US" altLang="en-US" dirty="0"/>
+          </a:p>
+          <a:p>
+            <a:r>
+              <a:rPr lang="en-US" altLang="en-US" dirty="0"/>
               <a:t>Designed to:</a:t>
             </a:r>
           </a:p>
           <a:p>
             <a:pPr lvl="1"/>
             <a:r>
-              <a:rPr lang="en-US" altLang="en-US" smtClean="0"/>
+              <a:rPr lang="en-US" altLang="en-US" dirty="0"/>
               <a:t>Cause panic</a:t>
             </a:r>
           </a:p>
           <a:p>
             <a:pPr lvl="1"/>
             <a:r>
-              <a:rPr lang="en-US" altLang="en-US" smtClean="0"/>
+              <a:rPr lang="en-US" altLang="en-US" dirty="0"/>
               <a:t>Provoke violence</a:t>
             </a:r>
           </a:p>
           <a:p>
             <a:pPr lvl="1"/>
             <a:r>
-              <a:rPr lang="en-US" altLang="en-US" smtClean="0"/>
+              <a:rPr lang="en-US" altLang="en-US" dirty="0"/>
               <a:t>Result in financial catastrophe</a:t>
             </a:r>
           </a:p>
           <a:p>
-            <a:endParaRPr lang="en-US" altLang="en-US" smtClean="0"/>
-          </a:p>
-          <a:p>
-            <a:r>
-              <a:rPr lang="en-US" altLang="en-US" smtClean="0"/>
+            <a:endParaRPr lang="en-US" altLang="en-US" dirty="0"/>
+          </a:p>
+          <a:p>
+            <a:r>
+              <a:rPr lang="en-US" altLang="en-US" dirty="0"/>
               <a:t>Banking industry, power plants, air traffic control centers, and water systems</a:t>
             </a:r>
           </a:p>
           <a:p>
-            <a:endParaRPr lang="en-US" altLang="en-US" smtClean="0"/>
+            <a:endParaRPr lang="en-US" altLang="en-US" dirty="0"/>
           </a:p>
         </p:txBody>
       </p:sp>
@@ -27650,14 +27434,14 @@
           <a:ln/>
           <a:extLst>
             <a:ext uri="{909E8E84-426E-40dd-AFC4-6F175D3DCCD1}">
-              <a14:hiddenFill xmlns:a14="http://schemas.microsoft.com/office/drawing/2010/main">
+              <a14:hiddenFill xmlns="" xmlns:a14="http://schemas.microsoft.com/office/drawing/2010/main">
                 <a:solidFill>
                   <a:srgbClr val="FFFFFF"/>
                 </a:solidFill>
               </a14:hiddenFill>
             </a:ext>
             <a:ext uri="{91240B29-F687-4f45-9708-019B960494DF}">
-              <a14:hiddenLine xmlns:a14="http://schemas.microsoft.com/office/drawing/2010/main" w="9525">
+              <a14:hiddenLine xmlns="" xmlns:a14="http://schemas.microsoft.com/office/drawing/2010/main" w="9525">
                 <a:solidFill>
                   <a:srgbClr val="000000"/>
                 </a:solidFill>
@@ -27832,7 +27616,7 @@
   <p:timing>
     <p:tnLst>
       <p:par>
-        <p:cTn xmlns:p14="http://schemas.microsoft.com/office/powerpoint/2010/main" id="1" dur="indefinite" restart="never" nodeType="tmRoot">
+        <p:cTn id="1" dur="indefinite" restart="never" nodeType="tmRoot">
           <p:childTnLst>
             <p:seq concurrent="1" nextAc="seek">
               <p:cTn id="2" dur="indefinite" nodeType="mainSeq">
@@ -28287,7 +28071,7 @@
           <a:lstStyle/>
           <a:p>
             <a:r>
-              <a:rPr lang="en-US" altLang="en-US" smtClean="0"/>
+              <a:rPr lang="en-US" altLang="en-US"/>
               <a:t>Who Are the Attackers?</a:t>
             </a:r>
           </a:p>
@@ -28314,57 +28098,57 @@
           <a:lstStyle/>
           <a:p>
             <a:r>
-              <a:rPr lang="en-US" altLang="en-US" i="1" smtClean="0"/>
+              <a:rPr lang="en-US" altLang="en-US" i="1"/>
               <a:t>Hacker</a:t>
             </a:r>
             <a:r>
-              <a:rPr lang="en-US" altLang="en-US" smtClean="0"/>
+              <a:rPr lang="en-US" altLang="en-US"/>
               <a:t> – </a:t>
             </a:r>
           </a:p>
           <a:p>
             <a:pPr lvl="1"/>
             <a:r>
-              <a:rPr lang="en-US" altLang="en-US" smtClean="0"/>
+              <a:rPr lang="en-US" altLang="en-US"/>
               <a:t>uses computer skills to attack computers</a:t>
             </a:r>
           </a:p>
           <a:p>
             <a:r>
-              <a:rPr lang="en-US" altLang="en-US" i="1" smtClean="0"/>
+              <a:rPr lang="en-US" altLang="en-US" i="1"/>
               <a:t>Black hat hackers</a:t>
             </a:r>
           </a:p>
           <a:p>
             <a:pPr lvl="1"/>
             <a:r>
-              <a:rPr lang="en-US" altLang="en-US" smtClean="0"/>
+              <a:rPr lang="en-US" altLang="en-US"/>
               <a:t>Violate computer security for personal gain and the goal is to inflict malicious damage</a:t>
             </a:r>
           </a:p>
           <a:p>
             <a:r>
-              <a:rPr lang="en-US" altLang="en-US" i="1" smtClean="0"/>
+              <a:rPr lang="en-US" altLang="en-US" i="1"/>
               <a:t>White hat hackers</a:t>
             </a:r>
           </a:p>
           <a:p>
             <a:pPr lvl="1"/>
             <a:r>
-              <a:rPr lang="en-US" altLang="en-US" smtClean="0"/>
+              <a:rPr lang="en-US" altLang="en-US"/>
               <a:t>Goal to expose security flaws, not to steal or corrupt data</a:t>
             </a:r>
           </a:p>
           <a:p>
             <a:r>
-              <a:rPr lang="en-US" altLang="en-US" i="1" smtClean="0"/>
+              <a:rPr lang="en-US" altLang="en-US" i="1"/>
               <a:t>Gray hat hackers</a:t>
             </a:r>
           </a:p>
           <a:p>
             <a:pPr lvl="1"/>
             <a:r>
-              <a:rPr lang="en-US" altLang="en-US" smtClean="0"/>
+              <a:rPr lang="en-US" altLang="en-US"/>
               <a:t>Goal is to break into a system without owner’s permission, but not for their own advantage</a:t>
             </a:r>
           </a:p>
@@ -28389,14 +28173,14 @@
           <a:ln/>
           <a:extLst>
             <a:ext uri="{909E8E84-426E-40dd-AFC4-6F175D3DCCD1}">
-              <a14:hiddenFill xmlns:a14="http://schemas.microsoft.com/office/drawing/2010/main">
+              <a14:hiddenFill xmlns="" xmlns:a14="http://schemas.microsoft.com/office/drawing/2010/main">
                 <a:solidFill>
                   <a:srgbClr val="FFFFFF"/>
                 </a:solidFill>
               </a14:hiddenFill>
             </a:ext>
             <a:ext uri="{91240B29-F687-4f45-9708-019B960494DF}">
-              <a14:hiddenLine xmlns:a14="http://schemas.microsoft.com/office/drawing/2010/main" w="9525">
+              <a14:hiddenLine xmlns="" xmlns:a14="http://schemas.microsoft.com/office/drawing/2010/main" w="9525">
                 <a:solidFill>
                   <a:srgbClr val="000000"/>
                 </a:solidFill>
@@ -28571,7 +28355,7 @@
   <p:timing>
     <p:tnLst>
       <p:par>
-        <p:cTn xmlns:p14="http://schemas.microsoft.com/office/powerpoint/2010/main" id="1" dur="indefinite" restart="never" nodeType="tmRoot">
+        <p:cTn id="1" dur="indefinite" restart="never" nodeType="tmRoot">
           <p:childTnLst>
             <p:seq concurrent="1" nextAc="seek">
               <p:cTn id="2" dur="indefinite" nodeType="mainSeq">
@@ -29026,7 +28810,7 @@
           <a:lstStyle/>
           <a:p>
             <a:r>
-              <a:rPr lang="en-US" altLang="en-US" smtClean="0"/>
+              <a:rPr lang="en-US" altLang="en-US"/>
               <a:t>Who Are the Attackers?</a:t>
             </a:r>
           </a:p>
@@ -29048,56 +28832,56 @@
           <a:lstStyle/>
           <a:p>
             <a:r>
-              <a:rPr lang="en-US" altLang="en-US" smtClean="0"/>
+              <a:rPr lang="en-US" altLang="en-US"/>
               <a:t>Categories of attackers</a:t>
             </a:r>
           </a:p>
           <a:p>
             <a:pPr lvl="1"/>
             <a:r>
-              <a:rPr lang="en-US" altLang="en-US" smtClean="0"/>
+              <a:rPr lang="en-US" altLang="en-US"/>
               <a:t>Cybercriminals</a:t>
             </a:r>
           </a:p>
           <a:p>
             <a:pPr lvl="1"/>
             <a:r>
-              <a:rPr lang="en-US" altLang="en-US" smtClean="0"/>
+              <a:rPr lang="en-US" altLang="en-US"/>
               <a:t>Script kiddies</a:t>
             </a:r>
           </a:p>
           <a:p>
             <a:pPr lvl="1"/>
             <a:r>
-              <a:rPr lang="en-US" altLang="en-US" smtClean="0"/>
+              <a:rPr lang="en-US" altLang="en-US"/>
               <a:t>Brokers</a:t>
             </a:r>
           </a:p>
           <a:p>
             <a:pPr lvl="1"/>
             <a:r>
-              <a:rPr lang="en-US" altLang="en-US" smtClean="0"/>
+              <a:rPr lang="en-US" altLang="en-US"/>
               <a:t>Insiders</a:t>
             </a:r>
           </a:p>
           <a:p>
             <a:pPr lvl="1"/>
             <a:r>
-              <a:rPr lang="en-US" altLang="en-US" smtClean="0"/>
+              <a:rPr lang="en-US" altLang="en-US"/>
               <a:t>Cyberterrorists</a:t>
             </a:r>
           </a:p>
           <a:p>
             <a:pPr lvl="1"/>
             <a:r>
-              <a:rPr lang="en-US" altLang="en-US" smtClean="0"/>
+              <a:rPr lang="en-US" altLang="en-US"/>
               <a:t>Hactivists </a:t>
             </a:r>
           </a:p>
           <a:p>
             <a:pPr lvl="1"/>
             <a:r>
-              <a:rPr lang="en-US" altLang="en-US" smtClean="0"/>
+              <a:rPr lang="en-US" altLang="en-US"/>
               <a:t>State-sponsored attackers</a:t>
             </a:r>
           </a:p>
@@ -29122,14 +28906,14 @@
           <a:ln/>
           <a:extLst>
             <a:ext uri="{909E8E84-426E-40dd-AFC4-6F175D3DCCD1}">
-              <a14:hiddenFill xmlns:a14="http://schemas.microsoft.com/office/drawing/2010/main">
+              <a14:hiddenFill xmlns="" xmlns:a14="http://schemas.microsoft.com/office/drawing/2010/main">
                 <a:solidFill>
                   <a:srgbClr val="FFFFFF"/>
                 </a:solidFill>
               </a14:hiddenFill>
             </a:ext>
             <a:ext uri="{91240B29-F687-4f45-9708-019B960494DF}">
-              <a14:hiddenLine xmlns:a14="http://schemas.microsoft.com/office/drawing/2010/main" w="9525">
+              <a14:hiddenLine xmlns="" xmlns:a14="http://schemas.microsoft.com/office/drawing/2010/main" w="9525">
                 <a:solidFill>
                   <a:srgbClr val="000000"/>
                 </a:solidFill>
@@ -29304,7 +29088,7 @@
   <p:timing>
     <p:tnLst>
       <p:par>
-        <p:cTn xmlns:p14="http://schemas.microsoft.com/office/powerpoint/2010/main" id="1" dur="indefinite" restart="never" nodeType="tmRoot">
+        <p:cTn id="1" dur="indefinite" restart="never" nodeType="tmRoot">
           <p:childTnLst>
             <p:seq concurrent="1" nextAc="seek">
               <p:cTn id="2" dur="indefinite" nodeType="mainSeq">
@@ -29710,7 +29494,7 @@
           <a:lstStyle/>
           <a:p>
             <a:r>
-              <a:rPr lang="en-US" altLang="en-US" smtClean="0"/>
+              <a:rPr lang="en-US" altLang="en-US"/>
               <a:t>Cybercriminals</a:t>
             </a:r>
           </a:p>
@@ -29732,51 +29516,51 @@
           <a:lstStyle/>
           <a:p>
             <a:r>
-              <a:rPr lang="en-US" altLang="en-US" smtClean="0"/>
+              <a:rPr lang="en-US" altLang="en-US"/>
               <a:t>A network of attackers, identity thieves, spammers, financial fraudsters</a:t>
             </a:r>
           </a:p>
           <a:p>
             <a:pPr lvl="1"/>
             <a:r>
-              <a:rPr lang="en-US" altLang="en-US" smtClean="0"/>
+              <a:rPr lang="en-US" altLang="en-US"/>
               <a:t>More highly motivated</a:t>
             </a:r>
           </a:p>
           <a:p>
             <a:pPr lvl="1"/>
             <a:r>
-              <a:rPr lang="en-US" altLang="en-US" smtClean="0"/>
+              <a:rPr lang="en-US" altLang="en-US"/>
               <a:t>Willing to take more risk</a:t>
             </a:r>
           </a:p>
           <a:p>
             <a:pPr lvl="1"/>
             <a:r>
-              <a:rPr lang="en-US" altLang="en-US" smtClean="0"/>
+              <a:rPr lang="en-US" altLang="en-US"/>
               <a:t>Well-funded</a:t>
             </a:r>
           </a:p>
           <a:p>
             <a:pPr lvl="1"/>
             <a:r>
-              <a:rPr lang="en-US" altLang="en-US" smtClean="0"/>
+              <a:rPr lang="en-US" altLang="en-US"/>
               <a:t>More tenacious</a:t>
             </a:r>
           </a:p>
           <a:p>
             <a:r>
-              <a:rPr lang="en-US" altLang="en-US" smtClean="0"/>
+              <a:rPr lang="en-US" altLang="en-US"/>
               <a:t>The goal is financial gain</a:t>
             </a:r>
           </a:p>
           <a:p>
             <a:r>
-              <a:rPr lang="en-US" altLang="en-US" b="1" smtClean="0"/>
+              <a:rPr lang="en-US" altLang="en-US" b="1"/>
               <a:t>Cybercrime</a:t>
             </a:r>
             <a:r>
-              <a:rPr lang="en-US" altLang="en-US" smtClean="0"/>
+              <a:rPr lang="en-US" altLang="en-US"/>
               <a:t> - targeted attacks against financial networks and the theft of personal information</a:t>
             </a:r>
           </a:p>
@@ -29801,14 +29585,14 @@
           <a:ln/>
           <a:extLst>
             <a:ext uri="{909E8E84-426E-40dd-AFC4-6F175D3DCCD1}">
-              <a14:hiddenFill xmlns:a14="http://schemas.microsoft.com/office/drawing/2010/main">
+              <a14:hiddenFill xmlns="" xmlns:a14="http://schemas.microsoft.com/office/drawing/2010/main">
                 <a:solidFill>
                   <a:srgbClr val="FFFFFF"/>
                 </a:solidFill>
               </a14:hiddenFill>
             </a:ext>
             <a:ext uri="{91240B29-F687-4f45-9708-019B960494DF}">
-              <a14:hiddenLine xmlns:a14="http://schemas.microsoft.com/office/drawing/2010/main" w="9525">
+              <a14:hiddenLine xmlns="" xmlns:a14="http://schemas.microsoft.com/office/drawing/2010/main" w="9525">
                 <a:solidFill>
                   <a:srgbClr val="000000"/>
                 </a:solidFill>
@@ -29983,7 +29767,7 @@
   <p:timing>
     <p:tnLst>
       <p:par>
-        <p:cTn xmlns:p14="http://schemas.microsoft.com/office/powerpoint/2010/main" id="1" dur="indefinite" restart="never" nodeType="tmRoot">
+        <p:cTn id="1" dur="indefinite" restart="never" nodeType="tmRoot">
           <p:childTnLst>
             <p:seq concurrent="1" nextAc="seek">
               <p:cTn id="2" dur="indefinite" nodeType="mainSeq">
@@ -30340,7 +30124,7 @@
           <a:lstStyle/>
           <a:p>
             <a:r>
-              <a:rPr lang="en-US" altLang="en-US" smtClean="0"/>
+              <a:rPr lang="en-US" altLang="en-US"/>
               <a:t>Cybercriminals</a:t>
             </a:r>
           </a:p>
@@ -30367,59 +30151,59 @@
           <a:lstStyle/>
           <a:p>
             <a:r>
-              <a:rPr lang="en-US" altLang="en-US" smtClean="0"/>
+              <a:rPr lang="en-US" altLang="en-US"/>
               <a:t>Financial cybercrime is divided into two categories:</a:t>
             </a:r>
           </a:p>
           <a:p>
             <a:pPr lvl="1"/>
             <a:r>
-              <a:rPr lang="en-US" altLang="en-US" smtClean="0"/>
+              <a:rPr lang="en-US" altLang="en-US"/>
               <a:t>Individuals and businesses</a:t>
             </a:r>
           </a:p>
           <a:p>
             <a:pPr lvl="2"/>
             <a:r>
-              <a:rPr lang="en-US" altLang="en-US" smtClean="0"/>
+              <a:rPr lang="en-US" altLang="en-US"/>
               <a:t>Use stolen data, credit card numbers, online financial account information, or Social Security numbers to profit from victims</a:t>
             </a:r>
           </a:p>
           <a:p>
             <a:pPr lvl="1"/>
             <a:r>
-              <a:rPr lang="en-US" altLang="en-US" smtClean="0"/>
+              <a:rPr lang="en-US" altLang="en-US"/>
               <a:t>Businesses and governments</a:t>
             </a:r>
           </a:p>
           <a:p>
             <a:pPr lvl="2"/>
             <a:r>
-              <a:rPr lang="en-US" altLang="en-US" smtClean="0"/>
+              <a:rPr lang="en-US" altLang="en-US"/>
               <a:t>Attempt to steal research on a new product so they can sell it to an unscrupulous foreign supplier</a:t>
             </a:r>
           </a:p>
           <a:p>
             <a:r>
-              <a:rPr lang="en-US" altLang="en-US" b="1" smtClean="0"/>
+              <a:rPr lang="en-US" altLang="en-US" b="1"/>
               <a:t>Advanced Persistent Threat (APT) </a:t>
             </a:r>
             <a:r>
-              <a:rPr lang="en-US" altLang="en-US" smtClean="0"/>
+              <a:rPr lang="en-US" altLang="en-US"/>
               <a:t>– </a:t>
             </a:r>
           </a:p>
           <a:p>
             <a:pPr lvl="1"/>
             <a:r>
-              <a:rPr lang="en-US" altLang="en-US" smtClean="0"/>
+              <a:rPr lang="en-US" altLang="en-US"/>
               <a:t>multiyear intrusion campaign </a:t>
             </a:r>
           </a:p>
           <a:p>
             <a:pPr lvl="1"/>
             <a:r>
-              <a:rPr lang="en-US" altLang="en-US" smtClean="0"/>
+              <a:rPr lang="en-US" altLang="en-US"/>
               <a:t>targets highly sensitive economic, proprietary, or national security information</a:t>
             </a:r>
           </a:p>
@@ -30444,14 +30228,14 @@
           <a:ln/>
           <a:extLst>
             <a:ext uri="{909E8E84-426E-40dd-AFC4-6F175D3DCCD1}">
-              <a14:hiddenFill xmlns:a14="http://schemas.microsoft.com/office/drawing/2010/main">
+              <a14:hiddenFill xmlns="" xmlns:a14="http://schemas.microsoft.com/office/drawing/2010/main">
                 <a:solidFill>
                   <a:srgbClr val="FFFFFF"/>
                 </a:solidFill>
               </a14:hiddenFill>
             </a:ext>
             <a:ext uri="{91240B29-F687-4f45-9708-019B960494DF}">
-              <a14:hiddenLine xmlns:a14="http://schemas.microsoft.com/office/drawing/2010/main" w="9525">
+              <a14:hiddenLine xmlns="" xmlns:a14="http://schemas.microsoft.com/office/drawing/2010/main" w="9525">
                 <a:solidFill>
                   <a:srgbClr val="000000"/>
                 </a:solidFill>
@@ -30626,7 +30410,7 @@
   <p:timing>
     <p:tnLst>
       <p:par>
-        <p:cTn xmlns:p14="http://schemas.microsoft.com/office/powerpoint/2010/main" id="1" dur="indefinite" restart="never" nodeType="tmRoot">
+        <p:cTn id="1" dur="indefinite" restart="never" nodeType="tmRoot">
           <p:childTnLst>
             <p:seq concurrent="1" nextAc="seek">
               <p:cTn id="2" dur="indefinite" nodeType="mainSeq">
@@ -31032,7 +30816,7 @@
           <a:lstStyle/>
           <a:p>
             <a:r>
-              <a:rPr lang="en-US" altLang="en-US" smtClean="0"/>
+              <a:rPr lang="en-US" altLang="en-US"/>
               <a:t>Script Kiddies</a:t>
             </a:r>
           </a:p>
@@ -31059,55 +30843,55 @@
           <a:lstStyle/>
           <a:p>
             <a:r>
-              <a:rPr lang="en-US" altLang="en-US" b="1" smtClean="0"/>
+              <a:rPr lang="en-US" altLang="en-US" b="1"/>
               <a:t>Script kiddies </a:t>
             </a:r>
           </a:p>
           <a:p>
             <a:pPr lvl="1"/>
             <a:r>
-              <a:rPr lang="en-US" altLang="en-US" smtClean="0"/>
+              <a:rPr lang="en-US" altLang="en-US"/>
               <a:t>want to attack computers yet lack knowledge of computers and network needed to do so</a:t>
             </a:r>
           </a:p>
           <a:p>
             <a:pPr lvl="1"/>
             <a:r>
-              <a:rPr lang="en-US" altLang="en-US" smtClean="0"/>
+              <a:rPr lang="en-US" altLang="en-US"/>
               <a:t>download automated hacking software (scripts) from websites</a:t>
             </a:r>
           </a:p>
           <a:p>
             <a:pPr lvl="1"/>
             <a:r>
-              <a:rPr lang="en-US" altLang="en-US" smtClean="0"/>
+              <a:rPr lang="en-US" altLang="en-US"/>
               <a:t>Over 40 percent of attacks require low or no skills</a:t>
             </a:r>
           </a:p>
           <a:p>
             <a:r>
-              <a:rPr lang="en-US" altLang="en-US" b="1" smtClean="0"/>
+              <a:rPr lang="en-US" altLang="en-US" b="1"/>
               <a:t>Exploit kits </a:t>
             </a:r>
           </a:p>
           <a:p>
             <a:pPr lvl="1"/>
             <a:r>
-              <a:rPr lang="en-US" altLang="en-US" smtClean="0"/>
+              <a:rPr lang="en-US" altLang="en-US"/>
               <a:t>automated attack package </a:t>
             </a:r>
           </a:p>
           <a:p>
             <a:pPr lvl="1"/>
             <a:r>
-              <a:rPr lang="en-US" altLang="en-US" smtClean="0"/>
+              <a:rPr lang="en-US" altLang="en-US"/>
               <a:t>can be used without advanced computer knowledge</a:t>
             </a:r>
           </a:p>
           <a:p>
             <a:pPr lvl="1"/>
             <a:r>
-              <a:rPr lang="en-US" altLang="en-US" smtClean="0"/>
+              <a:rPr lang="en-US" altLang="en-US"/>
               <a:t>Script kiddies either rent or purchase them</a:t>
             </a:r>
           </a:p>
@@ -31132,14 +30916,14 @@
           <a:ln/>
           <a:extLst>
             <a:ext uri="{909E8E84-426E-40dd-AFC4-6F175D3DCCD1}">
-              <a14:hiddenFill xmlns:a14="http://schemas.microsoft.com/office/drawing/2010/main">
+              <a14:hiddenFill xmlns="" xmlns:a14="http://schemas.microsoft.com/office/drawing/2010/main">
                 <a:solidFill>
                   <a:srgbClr val="FFFFFF"/>
                 </a:solidFill>
               </a14:hiddenFill>
             </a:ext>
             <a:ext uri="{91240B29-F687-4f45-9708-019B960494DF}">
-              <a14:hiddenLine xmlns:a14="http://schemas.microsoft.com/office/drawing/2010/main" w="9525">
+              <a14:hiddenLine xmlns="" xmlns:a14="http://schemas.microsoft.com/office/drawing/2010/main" w="9525">
                 <a:solidFill>
                   <a:srgbClr val="000000"/>
                 </a:solidFill>
@@ -31314,7 +31098,7 @@
   <p:timing>
     <p:tnLst>
       <p:par>
-        <p:cTn xmlns:p14="http://schemas.microsoft.com/office/powerpoint/2010/main" id="1" dur="indefinite" restart="never" nodeType="tmRoot">
+        <p:cTn id="1" dur="indefinite" restart="never" nodeType="tmRoot">
           <p:childTnLst>
             <p:seq concurrent="1" nextAc="seek">
               <p:cTn id="2" dur="indefinite" nodeType="mainSeq">
@@ -31720,7 +31504,7 @@
           <a:lstStyle/>
           <a:p>
             <a:r>
-              <a:rPr lang="en-US" altLang="en-US" smtClean="0"/>
+              <a:rPr lang="en-US" altLang="en-US"/>
               <a:t>Brokers</a:t>
             </a:r>
           </a:p>
@@ -31747,34 +31531,34 @@
           <a:lstStyle/>
           <a:p>
             <a:r>
-              <a:rPr lang="en-US" altLang="en-US" smtClean="0"/>
+              <a:rPr lang="en-US" altLang="en-US"/>
               <a:t>sell knowledge of a vulnerability to other attackers or governments</a:t>
             </a:r>
           </a:p>
           <a:p>
-            <a:endParaRPr lang="en-US" altLang="en-US" smtClean="0"/>
-          </a:p>
-          <a:p>
-            <a:r>
-              <a:rPr lang="en-US" altLang="en-US" smtClean="0"/>
+            <a:endParaRPr lang="en-US" altLang="en-US"/>
+          </a:p>
+          <a:p>
+            <a:r>
+              <a:rPr lang="en-US" altLang="en-US"/>
               <a:t>Often hired by vendor to uncover vulnerabilities</a:t>
             </a:r>
           </a:p>
           <a:p>
-            <a:endParaRPr lang="en-US" altLang="en-US" smtClean="0"/>
-          </a:p>
-          <a:p>
-            <a:r>
-              <a:rPr lang="en-US" altLang="en-US" smtClean="0"/>
+            <a:endParaRPr lang="en-US" altLang="en-US"/>
+          </a:p>
+          <a:p>
+            <a:r>
+              <a:rPr lang="en-US" altLang="en-US"/>
               <a:t>however they don’t report it to the vendor </a:t>
             </a:r>
           </a:p>
           <a:p>
-            <a:endParaRPr lang="en-US" altLang="en-US" smtClean="0"/>
-          </a:p>
-          <a:p>
-            <a:r>
-              <a:rPr lang="en-US" altLang="en-US" smtClean="0"/>
+            <a:endParaRPr lang="en-US" altLang="en-US"/>
+          </a:p>
+          <a:p>
+            <a:r>
+              <a:rPr lang="en-US" altLang="en-US"/>
               <a:t>sell information about vulnerabilities to highest bidder</a:t>
             </a:r>
           </a:p>
@@ -31799,14 +31583,14 @@
           <a:ln/>
           <a:extLst>
             <a:ext uri="{909E8E84-426E-40dd-AFC4-6F175D3DCCD1}">
-              <a14:hiddenFill xmlns:a14="http://schemas.microsoft.com/office/drawing/2010/main">
+              <a14:hiddenFill xmlns="" xmlns:a14="http://schemas.microsoft.com/office/drawing/2010/main">
                 <a:solidFill>
                   <a:srgbClr val="FFFFFF"/>
                 </a:solidFill>
               </a14:hiddenFill>
             </a:ext>
             <a:ext uri="{91240B29-F687-4f45-9708-019B960494DF}">
-              <a14:hiddenLine xmlns:a14="http://schemas.microsoft.com/office/drawing/2010/main" w="9525">
+              <a14:hiddenLine xmlns="" xmlns:a14="http://schemas.microsoft.com/office/drawing/2010/main" w="9525">
                 <a:solidFill>
                   <a:srgbClr val="000000"/>
                 </a:solidFill>
@@ -31981,7 +31765,7 @@
   <p:timing>
     <p:tnLst>
       <p:par>
-        <p:cTn xmlns:p14="http://schemas.microsoft.com/office/powerpoint/2010/main" id="1" dur="indefinite" restart="never" nodeType="tmRoot">
+        <p:cTn id="1" dur="indefinite" restart="never" nodeType="tmRoot">
           <p:childTnLst>
             <p:seq concurrent="1" nextAc="seek">
               <p:cTn id="2" dur="indefinite" nodeType="mainSeq">
@@ -32240,7 +32024,7 @@
           <a:lstStyle/>
           <a:p>
             <a:r>
-              <a:rPr lang="en-US" altLang="en-US" smtClean="0"/>
+              <a:rPr lang="en-US" altLang="en-US"/>
               <a:t>Insiders</a:t>
             </a:r>
           </a:p>
@@ -32267,7 +32051,7 @@
           <a:lstStyle/>
           <a:p>
             <a:r>
-              <a:rPr lang="en-US" altLang="en-US" smtClean="0"/>
+              <a:rPr lang="en-US" altLang="en-US"/>
               <a:t>Employees, contractors, and business partners</a:t>
             </a:r>
           </a:p>
@@ -32276,11 +32060,11 @@
               <a:buFontTx/>
               <a:buNone/>
             </a:pPr>
-            <a:endParaRPr lang="en-US" altLang="en-US" smtClean="0"/>
-          </a:p>
-          <a:p>
-            <a:r>
-              <a:rPr lang="en-US" altLang="en-US" smtClean="0"/>
+            <a:endParaRPr lang="en-US" altLang="en-US"/>
+          </a:p>
+          <a:p>
+            <a:r>
+              <a:rPr lang="en-US" altLang="en-US"/>
               <a:t>&gt; 48 percent of breaches attributed to insiders</a:t>
             </a:r>
           </a:p>
@@ -32289,39 +32073,39 @@
               <a:buFontTx/>
               <a:buNone/>
             </a:pPr>
-            <a:endParaRPr lang="en-US" altLang="en-US" smtClean="0"/>
-          </a:p>
-          <a:p>
-            <a:r>
-              <a:rPr lang="en-US" altLang="en-US" smtClean="0"/>
+            <a:endParaRPr lang="en-US" altLang="en-US"/>
+          </a:p>
+          <a:p>
+            <a:r>
+              <a:rPr lang="en-US" altLang="en-US"/>
               <a:t>Examples:</a:t>
             </a:r>
           </a:p>
           <a:p>
             <a:pPr lvl="1"/>
             <a:r>
-              <a:rPr lang="en-US" altLang="en-US" smtClean="0"/>
+              <a:rPr lang="en-US" altLang="en-US"/>
               <a:t>Health care worker publicize celebrities’ health records</a:t>
             </a:r>
           </a:p>
           <a:p>
             <a:pPr lvl="1"/>
             <a:r>
-              <a:rPr lang="en-US" altLang="en-US" smtClean="0"/>
+              <a:rPr lang="en-US" altLang="en-US"/>
               <a:t>Disgruntled over upcoming job termination</a:t>
             </a:r>
           </a:p>
           <a:p>
             <a:pPr lvl="1"/>
             <a:r>
-              <a:rPr lang="en-US" altLang="en-US" smtClean="0"/>
+              <a:rPr lang="en-US" altLang="en-US"/>
               <a:t>Stock trader conceals losses using fake transactions</a:t>
             </a:r>
           </a:p>
           <a:p>
             <a:pPr lvl="1"/>
             <a:r>
-              <a:rPr lang="en-US" altLang="en-US" smtClean="0"/>
+              <a:rPr lang="en-US" altLang="en-US"/>
               <a:t>Employee bribed /coerced to stealing data before moving to a new job</a:t>
             </a:r>
           </a:p>
@@ -32346,14 +32130,14 @@
           <a:ln/>
           <a:extLst>
             <a:ext uri="{909E8E84-426E-40dd-AFC4-6F175D3DCCD1}">
-              <a14:hiddenFill xmlns:a14="http://schemas.microsoft.com/office/drawing/2010/main">
+              <a14:hiddenFill xmlns="" xmlns:a14="http://schemas.microsoft.com/office/drawing/2010/main">
                 <a:solidFill>
                   <a:srgbClr val="FFFFFF"/>
                 </a:solidFill>
               </a14:hiddenFill>
             </a:ext>
             <a:ext uri="{91240B29-F687-4f45-9708-019B960494DF}">
-              <a14:hiddenLine xmlns:a14="http://schemas.microsoft.com/office/drawing/2010/main" w="9525">
+              <a14:hiddenLine xmlns="" xmlns:a14="http://schemas.microsoft.com/office/drawing/2010/main" w="9525">
                 <a:solidFill>
                   <a:srgbClr val="000000"/>
                 </a:solidFill>
@@ -32528,7 +32312,7 @@
   <p:timing>
     <p:tnLst>
       <p:par>
-        <p:cTn xmlns:p14="http://schemas.microsoft.com/office/powerpoint/2010/main" id="1" dur="indefinite" restart="never" nodeType="tmRoot">
+        <p:cTn id="1" dur="indefinite" restart="never" nodeType="tmRoot">
           <p:childTnLst>
             <p:seq concurrent="1" nextAc="seek">
               <p:cTn id="2" dur="indefinite" nodeType="mainSeq">
@@ -32890,7 +32674,7 @@
           <a:lstStyle/>
           <a:p>
             <a:r>
-              <a:rPr lang="en-US" altLang="en-US" smtClean="0"/>
+              <a:rPr lang="en-US" altLang="en-US"/>
               <a:t>Today’s Security Attacks</a:t>
             </a:r>
           </a:p>
@@ -32915,14 +32699,14 @@
           <a:ln/>
           <a:extLst>
             <a:ext uri="{909E8E84-426E-40dd-AFC4-6F175D3DCCD1}">
-              <a14:hiddenFill xmlns:a14="http://schemas.microsoft.com/office/drawing/2010/main">
+              <a14:hiddenFill xmlns="" xmlns:a14="http://schemas.microsoft.com/office/drawing/2010/main">
                 <a:solidFill>
                   <a:srgbClr val="FFFFFF"/>
                 </a:solidFill>
               </a14:hiddenFill>
             </a:ext>
             <a:ext uri="{91240B29-F687-4f45-9708-019B960494DF}">
-              <a14:hiddenLine xmlns:a14="http://schemas.microsoft.com/office/drawing/2010/main" w="9525">
+              <a14:hiddenLine xmlns="" xmlns:a14="http://schemas.microsoft.com/office/drawing/2010/main" w="9525">
                 <a:solidFill>
                   <a:srgbClr val="000000"/>
                 </a:solidFill>
@@ -33124,13 +32908,6 @@
   <p:clrMapOvr>
     <a:masterClrMapping/>
   </p:clrMapOvr>
-  <p:timing>
-    <p:tnLst>
-      <p:par>
-        <p:cTn xmlns:p14="http://schemas.microsoft.com/office/powerpoint/2010/main" id="1" dur="indefinite" restart="never" nodeType="tmRoot"/>
-      </p:par>
-    </p:tnLst>
-  </p:timing>
 </p:sld>
 </file>
 
@@ -33167,7 +32944,7 @@
           <a:lstStyle/>
           <a:p>
             <a:r>
-              <a:rPr lang="en-US" altLang="en-US" smtClean="0"/>
+              <a:rPr lang="en-US" altLang="en-US"/>
               <a:t>Cyberterrorists</a:t>
             </a:r>
           </a:p>
@@ -33192,13 +32969,13 @@
               <a:defRPr/>
             </a:pPr>
             <a:r>
-              <a:rPr lang="en-US" altLang="en-US" b="1" dirty="0" err="1" smtClean="0">
+              <a:rPr lang="en-US" altLang="en-US" b="1" dirty="0" err="1">
                 <a:ea typeface="+mn-ea"/>
               </a:rPr>
               <a:t>Cyberterrorists</a:t>
             </a:r>
             <a:r>
-              <a:rPr lang="en-US" altLang="en-US" b="1" dirty="0" smtClean="0">
+              <a:rPr lang="en-US" altLang="en-US" b="1" dirty="0">
                 <a:ea typeface="+mn-ea"/>
               </a:rPr>
               <a:t> </a:t>
@@ -33212,7 +32989,7 @@
               <a:defRPr/>
             </a:pPr>
             <a:r>
-              <a:rPr lang="en-US" altLang="en-US" dirty="0" smtClean="0">
+              <a:rPr lang="en-US" altLang="en-US" dirty="0">
                 <a:ea typeface="ＭＳ Ｐゴシック" charset="0"/>
               </a:rPr>
               <a:t>ideological or for the sake of principles or beliefs</a:t>
@@ -33223,7 +33000,7 @@
               <a:defRPr/>
             </a:pPr>
             <a:r>
-              <a:rPr lang="en-US" altLang="en-US" dirty="0" smtClean="0">
+              <a:rPr lang="en-US" altLang="en-US" dirty="0">
                 <a:ea typeface="ＭＳ Ｐゴシック" charset="0"/>
               </a:rPr>
               <a:t>Almost impossible to predict when or where</a:t>
@@ -33233,7 +33010,7 @@
             <a:pPr lvl="1">
               <a:defRPr/>
             </a:pPr>
-            <a:endParaRPr lang="en-US" altLang="en-US" dirty="0" smtClean="0">
+            <a:endParaRPr lang="en-US" altLang="en-US" dirty="0">
               <a:ea typeface="ＭＳ Ｐゴシック" charset="0"/>
             </a:endParaRPr>
           </a:p>
@@ -33242,7 +33019,7 @@
               <a:defRPr/>
             </a:pPr>
             <a:r>
-              <a:rPr lang="en-US" altLang="en-US" dirty="0" smtClean="0">
+              <a:rPr lang="en-US" altLang="en-US" dirty="0">
                 <a:ea typeface="+mn-ea"/>
               </a:rPr>
               <a:t>Targets may include:</a:t>
@@ -33253,7 +33030,7 @@
               <a:defRPr/>
             </a:pPr>
             <a:r>
-              <a:rPr lang="en-US" altLang="en-US" dirty="0" smtClean="0">
+              <a:rPr lang="en-US" altLang="en-US" dirty="0">
                 <a:ea typeface="ＭＳ Ｐゴシック" charset="0"/>
               </a:rPr>
               <a:t>A group of computers/ networks that can affect the largest number of users </a:t>
@@ -33265,7 +33042,7 @@
               <a:buNone/>
               <a:defRPr/>
             </a:pPr>
-            <a:endParaRPr lang="en-US" altLang="en-US" dirty="0" smtClean="0">
+            <a:endParaRPr lang="en-US" altLang="en-US" dirty="0">
               <a:ea typeface="ＭＳ Ｐゴシック" charset="0"/>
             </a:endParaRPr>
           </a:p>
@@ -33274,7 +33051,7 @@
               <a:defRPr/>
             </a:pPr>
             <a:r>
-              <a:rPr lang="en-US" altLang="en-US" dirty="0" smtClean="0">
+              <a:rPr lang="en-US" altLang="en-US" dirty="0">
                 <a:ea typeface="+mn-ea"/>
               </a:rPr>
               <a:t>Example: </a:t>
@@ -33285,7 +33062,7 @@
               <a:defRPr/>
             </a:pPr>
             <a:r>
-              <a:rPr lang="en-US" altLang="en-US" dirty="0" smtClean="0">
+              <a:rPr lang="en-US" altLang="en-US" dirty="0">
                 <a:ea typeface="ＭＳ Ｐゴシック" charset="0"/>
               </a:rPr>
               <a:t>The electrical power grid of a state or region</a:t>
@@ -33312,14 +33089,14 @@
           <a:ln/>
           <a:extLst>
             <a:ext uri="{909E8E84-426E-40dd-AFC4-6F175D3DCCD1}">
-              <a14:hiddenFill xmlns:a14="http://schemas.microsoft.com/office/drawing/2010/main">
+              <a14:hiddenFill xmlns="" xmlns:a14="http://schemas.microsoft.com/office/drawing/2010/main">
                 <a:solidFill>
                   <a:srgbClr val="FFFFFF"/>
                 </a:solidFill>
               </a14:hiddenFill>
             </a:ext>
             <a:ext uri="{91240B29-F687-4f45-9708-019B960494DF}">
-              <a14:hiddenLine xmlns:a14="http://schemas.microsoft.com/office/drawing/2010/main" w="9525">
+              <a14:hiddenLine xmlns="" xmlns:a14="http://schemas.microsoft.com/office/drawing/2010/main" w="9525">
                 <a:solidFill>
                   <a:srgbClr val="000000"/>
                 </a:solidFill>
@@ -33494,7 +33271,7 @@
   <p:timing>
     <p:tnLst>
       <p:par>
-        <p:cTn xmlns:p14="http://schemas.microsoft.com/office/powerpoint/2010/main" id="1" dur="indefinite" restart="never" nodeType="tmRoot">
+        <p:cTn id="1" dur="indefinite" restart="never" nodeType="tmRoot">
           <p:childTnLst>
             <p:seq concurrent="1" nextAc="seek">
               <p:cTn id="2" dur="indefinite" nodeType="mainSeq">
@@ -33900,7 +33677,7 @@
           <a:lstStyle/>
           <a:p>
             <a:r>
-              <a:rPr lang="en-US" altLang="en-US" smtClean="0"/>
+              <a:rPr lang="en-US" altLang="en-US"/>
               <a:t>Hactivists</a:t>
             </a:r>
           </a:p>
@@ -33922,52 +33699,52 @@
           <a:lstStyle/>
           <a:p>
             <a:r>
-              <a:rPr lang="en-US" altLang="en-US" smtClean="0"/>
+              <a:rPr lang="en-US" altLang="en-US"/>
               <a:t>Hactivists – </a:t>
             </a:r>
           </a:p>
           <a:p>
             <a:pPr lvl="1"/>
             <a:r>
-              <a:rPr lang="en-US" altLang="en-US" smtClean="0"/>
+              <a:rPr lang="en-US" altLang="en-US"/>
               <a:t>attack for ideological reasons</a:t>
             </a:r>
           </a:p>
           <a:p>
             <a:pPr lvl="1"/>
             <a:r>
-              <a:rPr lang="en-US" altLang="en-US" smtClean="0"/>
+              <a:rPr lang="en-US" altLang="en-US"/>
               <a:t>generally not as well-defined as a cyberterrorist’s motivation</a:t>
             </a:r>
           </a:p>
           <a:p>
             <a:r>
-              <a:rPr lang="en-US" altLang="en-US" smtClean="0"/>
+              <a:rPr lang="en-US" altLang="en-US"/>
               <a:t>Examples of hactivist attacks:</a:t>
             </a:r>
           </a:p>
           <a:p>
             <a:pPr lvl="1"/>
             <a:r>
-              <a:rPr lang="en-US" altLang="en-US" smtClean="0"/>
+              <a:rPr lang="en-US" altLang="en-US"/>
               <a:t>Breaking into a website/ changing the contents</a:t>
             </a:r>
           </a:p>
           <a:p>
             <a:pPr lvl="1"/>
-            <a:endParaRPr lang="en-US" altLang="en-US" smtClean="0"/>
+            <a:endParaRPr lang="en-US" altLang="en-US"/>
           </a:p>
           <a:p>
             <a:pPr lvl="1"/>
             <a:r>
-              <a:rPr lang="en-US" altLang="en-US" smtClean="0"/>
+              <a:rPr lang="en-US" altLang="en-US"/>
               <a:t>Disabling a bank website </a:t>
             </a:r>
           </a:p>
           <a:p>
             <a:pPr lvl="1"/>
             <a:r>
-              <a:rPr lang="en-US" altLang="en-US" smtClean="0"/>
+              <a:rPr lang="en-US" altLang="en-US"/>
               <a:t>because it stopped accepting deposits into accounts belonging to the hactivists</a:t>
             </a:r>
           </a:p>
@@ -33992,14 +33769,14 @@
           <a:ln/>
           <a:extLst>
             <a:ext uri="{909E8E84-426E-40dd-AFC4-6F175D3DCCD1}">
-              <a14:hiddenFill xmlns:a14="http://schemas.microsoft.com/office/drawing/2010/main">
+              <a14:hiddenFill xmlns="" xmlns:a14="http://schemas.microsoft.com/office/drawing/2010/main">
                 <a:solidFill>
                   <a:srgbClr val="FFFFFF"/>
                 </a:solidFill>
               </a14:hiddenFill>
             </a:ext>
             <a:ext uri="{91240B29-F687-4f45-9708-019B960494DF}">
-              <a14:hiddenLine xmlns:a14="http://schemas.microsoft.com/office/drawing/2010/main" w="9525">
+              <a14:hiddenLine xmlns="" xmlns:a14="http://schemas.microsoft.com/office/drawing/2010/main" w="9525">
                 <a:solidFill>
                   <a:srgbClr val="000000"/>
                 </a:solidFill>
@@ -34174,7 +33951,7 @@
   <p:timing>
     <p:tnLst>
       <p:par>
-        <p:cTn xmlns:p14="http://schemas.microsoft.com/office/powerpoint/2010/main" id="1" dur="indefinite" restart="never" nodeType="tmRoot">
+        <p:cTn id="1" dur="indefinite" restart="never" nodeType="tmRoot">
           <p:childTnLst>
             <p:seq concurrent="1" nextAc="seek">
               <p:cTn id="2" dur="indefinite" nodeType="mainSeq">
@@ -34580,7 +34357,7 @@
           <a:lstStyle/>
           <a:p>
             <a:r>
-              <a:rPr lang="en-US" altLang="en-US" smtClean="0"/>
+              <a:rPr lang="en-US" altLang="en-US"/>
               <a:t>State-Sponsored Attackers</a:t>
             </a:r>
           </a:p>
@@ -34602,65 +34379,65 @@
           <a:lstStyle/>
           <a:p>
             <a:r>
-              <a:rPr lang="en-US" altLang="en-US" b="1" smtClean="0"/>
+              <a:rPr lang="en-US" altLang="en-US" b="1"/>
               <a:t>State-sponsored attacker </a:t>
             </a:r>
             <a:r>
-              <a:rPr lang="en-US" altLang="en-US" smtClean="0"/>
+              <a:rPr lang="en-US" altLang="en-US"/>
               <a:t>– </a:t>
             </a:r>
           </a:p>
           <a:p>
             <a:pPr lvl="1"/>
             <a:r>
-              <a:rPr lang="en-US" altLang="en-US" smtClean="0"/>
+              <a:rPr lang="en-US" altLang="en-US"/>
               <a:t>commissioned by the government</a:t>
             </a:r>
           </a:p>
           <a:p>
             <a:pPr lvl="1"/>
             <a:r>
-              <a:rPr lang="en-US" altLang="en-US" smtClean="0"/>
+              <a:rPr lang="en-US" altLang="en-US"/>
               <a:t> attack enemies’ information systems</a:t>
             </a:r>
           </a:p>
           <a:p>
             <a:pPr lvl="1"/>
             <a:r>
-              <a:rPr lang="en-US" altLang="en-US" smtClean="0"/>
+              <a:rPr lang="en-US" altLang="en-US"/>
               <a:t>Target foreign governments or citizens considered hostile or threatening</a:t>
             </a:r>
           </a:p>
           <a:p>
             <a:pPr lvl="1"/>
-            <a:endParaRPr lang="en-US" altLang="en-US" smtClean="0"/>
-          </a:p>
-          <a:p>
-            <a:r>
-              <a:rPr lang="en-US" altLang="en-US" smtClean="0"/>
+            <a:endParaRPr lang="en-US" altLang="en-US"/>
+          </a:p>
+          <a:p>
+            <a:r>
+              <a:rPr lang="en-US" altLang="en-US"/>
               <a:t>Examples of attacks:</a:t>
             </a:r>
           </a:p>
           <a:p>
             <a:pPr lvl="1"/>
             <a:r>
-              <a:rPr lang="en-US" altLang="en-US" smtClean="0"/>
+              <a:rPr lang="en-US" altLang="en-US"/>
               <a:t>Targeting government or military computers</a:t>
             </a:r>
           </a:p>
           <a:p>
             <a:pPr lvl="1"/>
             <a:r>
-              <a:rPr lang="en-US" altLang="en-US" smtClean="0"/>
+              <a:rPr lang="en-US" altLang="en-US"/>
               <a:t>Citizens having email messages read without their knowledge</a:t>
             </a:r>
           </a:p>
           <a:p>
             <a:pPr lvl="1"/>
-            <a:endParaRPr lang="en-US" altLang="en-US" smtClean="0"/>
-          </a:p>
-          <a:p>
-            <a:endParaRPr lang="en-US" altLang="en-US" smtClean="0"/>
+            <a:endParaRPr lang="en-US" altLang="en-US"/>
+          </a:p>
+          <a:p>
+            <a:endParaRPr lang="en-US" altLang="en-US"/>
           </a:p>
         </p:txBody>
       </p:sp>
@@ -34683,14 +34460,14 @@
           <a:ln/>
           <a:extLst>
             <a:ext uri="{909E8E84-426E-40dd-AFC4-6F175D3DCCD1}">
-              <a14:hiddenFill xmlns:a14="http://schemas.microsoft.com/office/drawing/2010/main">
+              <a14:hiddenFill xmlns="" xmlns:a14="http://schemas.microsoft.com/office/drawing/2010/main">
                 <a:solidFill>
                   <a:srgbClr val="FFFFFF"/>
                 </a:solidFill>
               </a14:hiddenFill>
             </a:ext>
             <a:ext uri="{91240B29-F687-4f45-9708-019B960494DF}">
-              <a14:hiddenLine xmlns:a14="http://schemas.microsoft.com/office/drawing/2010/main" w="9525">
+              <a14:hiddenLine xmlns="" xmlns:a14="http://schemas.microsoft.com/office/drawing/2010/main" w="9525">
                 <a:solidFill>
                   <a:srgbClr val="000000"/>
                 </a:solidFill>
@@ -34865,7 +34642,7 @@
   <p:timing>
     <p:tnLst>
       <p:par>
-        <p:cTn xmlns:p14="http://schemas.microsoft.com/office/powerpoint/2010/main" id="1" dur="indefinite" restart="never" nodeType="tmRoot">
+        <p:cTn id="1" dur="indefinite" restart="never" nodeType="tmRoot">
           <p:childTnLst>
             <p:seq concurrent="1" nextAc="seek">
               <p:cTn id="2" dur="indefinite" nodeType="mainSeq">
@@ -35271,7 +35048,7 @@
           <a:lstStyle/>
           <a:p>
             <a:r>
-              <a:rPr lang="en-US" altLang="en-US" smtClean="0"/>
+              <a:rPr lang="en-US" altLang="en-US"/>
               <a:t>Attacks and Defenses</a:t>
             </a:r>
           </a:p>
@@ -35293,27 +35070,27 @@
           <a:lstStyle/>
           <a:p>
             <a:r>
-              <a:rPr lang="en-US" altLang="en-US" smtClean="0"/>
+              <a:rPr lang="en-US" altLang="en-US"/>
               <a:t>A wide variety of attacks can be launched</a:t>
             </a:r>
           </a:p>
           <a:p>
             <a:pPr lvl="1"/>
-            <a:endParaRPr lang="en-US" altLang="en-US" smtClean="0"/>
+            <a:endParaRPr lang="en-US" altLang="en-US"/>
           </a:p>
           <a:p>
             <a:pPr lvl="1"/>
             <a:r>
-              <a:rPr lang="en-US" altLang="en-US" smtClean="0"/>
+              <a:rPr lang="en-US" altLang="en-US"/>
               <a:t>The same basic steps are used in most attacks</a:t>
             </a:r>
           </a:p>
           <a:p>
-            <a:endParaRPr lang="en-US" altLang="en-US" smtClean="0"/>
-          </a:p>
-          <a:p>
-            <a:r>
-              <a:rPr lang="en-US" altLang="en-US" smtClean="0"/>
+            <a:endParaRPr lang="en-US" altLang="en-US"/>
+          </a:p>
+          <a:p>
+            <a:r>
+              <a:rPr lang="en-US" altLang="en-US"/>
               <a:t>To protect computers against attacks, follow five fundamental security principles</a:t>
             </a:r>
           </a:p>
@@ -35338,14 +35115,14 @@
           <a:ln/>
           <a:extLst>
             <a:ext uri="{909E8E84-426E-40dd-AFC4-6F175D3DCCD1}">
-              <a14:hiddenFill xmlns:a14="http://schemas.microsoft.com/office/drawing/2010/main">
+              <a14:hiddenFill xmlns="" xmlns:a14="http://schemas.microsoft.com/office/drawing/2010/main">
                 <a:solidFill>
                   <a:srgbClr val="FFFFFF"/>
                 </a:solidFill>
               </a14:hiddenFill>
             </a:ext>
             <a:ext uri="{91240B29-F687-4f45-9708-019B960494DF}">
-              <a14:hiddenLine xmlns:a14="http://schemas.microsoft.com/office/drawing/2010/main" w="9525">
+              <a14:hiddenLine xmlns="" xmlns:a14="http://schemas.microsoft.com/office/drawing/2010/main" w="9525">
                 <a:solidFill>
                   <a:srgbClr val="000000"/>
                 </a:solidFill>
@@ -35520,7 +35297,7 @@
   <p:timing>
     <p:tnLst>
       <p:par>
-        <p:cTn xmlns:p14="http://schemas.microsoft.com/office/powerpoint/2010/main" id="1" dur="indefinite" restart="never" nodeType="tmRoot">
+        <p:cTn id="1" dur="indefinite" restart="never" nodeType="tmRoot">
           <p:childTnLst>
             <p:seq concurrent="1" nextAc="seek">
               <p:cTn id="2" dur="indefinite" nodeType="mainSeq">
@@ -35738,7 +35515,7 @@
           <a:lstStyle/>
           <a:p>
             <a:r>
-              <a:rPr lang="en-US" altLang="en-US" smtClean="0"/>
+              <a:rPr lang="en-US" altLang="en-US"/>
               <a:t>Steps of an Attack</a:t>
             </a:r>
           </a:p>
@@ -35765,128 +35542,128 @@
           <a:lstStyle/>
           <a:p>
             <a:r>
-              <a:rPr lang="en-US" altLang="en-US" b="1" smtClean="0"/>
+              <a:rPr lang="en-US" altLang="en-US" b="1"/>
               <a:t>Cyber Kill Chain </a:t>
             </a:r>
             <a:r>
-              <a:rPr lang="en-US" altLang="en-US" smtClean="0"/>
+              <a:rPr lang="en-US" altLang="en-US"/>
               <a:t>outlines the steps of an attack:</a:t>
             </a:r>
           </a:p>
           <a:p>
             <a:pPr lvl="1"/>
             <a:r>
-              <a:rPr lang="en-US" altLang="en-US" smtClean="0"/>
+              <a:rPr lang="en-US" altLang="en-US"/>
               <a:t>1. </a:t>
             </a:r>
             <a:r>
-              <a:rPr lang="en-US" altLang="en-US" i="1" smtClean="0"/>
+              <a:rPr lang="en-US" altLang="en-US" i="1"/>
               <a:t>Reconnaissance</a:t>
             </a:r>
             <a:r>
-              <a:rPr lang="en-US" altLang="en-US" smtClean="0"/>
+              <a:rPr lang="en-US" altLang="en-US"/>
               <a:t> – </a:t>
             </a:r>
           </a:p>
           <a:p>
             <a:pPr lvl="2"/>
             <a:r>
-              <a:rPr lang="en-US" altLang="en-US" smtClean="0"/>
+              <a:rPr lang="en-US" altLang="en-US"/>
               <a:t>probe for info about the system: </a:t>
             </a:r>
           </a:p>
           <a:p>
             <a:pPr lvl="2"/>
             <a:r>
-              <a:rPr lang="en-US" altLang="en-US" smtClean="0"/>
+              <a:rPr lang="en-US" altLang="en-US"/>
               <a:t>types of hardware or software used</a:t>
             </a:r>
           </a:p>
           <a:p>
             <a:pPr lvl="1"/>
             <a:r>
-              <a:rPr lang="en-US" altLang="en-US" smtClean="0"/>
+              <a:rPr lang="en-US" altLang="en-US"/>
               <a:t>2. </a:t>
             </a:r>
             <a:r>
-              <a:rPr lang="en-US" altLang="en-US" i="1" smtClean="0"/>
+              <a:rPr lang="en-US" altLang="en-US" i="1"/>
               <a:t>Weaponization</a:t>
             </a:r>
             <a:r>
-              <a:rPr lang="en-US" altLang="en-US" smtClean="0"/>
+              <a:rPr lang="en-US" altLang="en-US"/>
               <a:t> – </a:t>
             </a:r>
           </a:p>
           <a:p>
             <a:pPr lvl="2"/>
             <a:r>
-              <a:rPr lang="en-US" altLang="en-US" smtClean="0"/>
+              <a:rPr lang="en-US" altLang="en-US"/>
               <a:t>create an exploit and package it into a payload</a:t>
             </a:r>
           </a:p>
           <a:p>
             <a:pPr lvl="1"/>
             <a:r>
-              <a:rPr lang="en-US" altLang="en-US" smtClean="0"/>
+              <a:rPr lang="en-US" altLang="en-US"/>
               <a:t>3. </a:t>
             </a:r>
             <a:r>
-              <a:rPr lang="en-US" altLang="en-US" i="1" smtClean="0"/>
+              <a:rPr lang="en-US" altLang="en-US" i="1"/>
               <a:t>Delivery</a:t>
             </a:r>
             <a:r>
-              <a:rPr lang="en-US" altLang="en-US" smtClean="0"/>
+              <a:rPr lang="en-US" altLang="en-US"/>
               <a:t> – </a:t>
             </a:r>
           </a:p>
           <a:p>
             <a:pPr lvl="2"/>
             <a:r>
-              <a:rPr lang="en-US" altLang="en-US" smtClean="0"/>
+              <a:rPr lang="en-US" altLang="en-US"/>
               <a:t>weapon transmitted to the target</a:t>
             </a:r>
           </a:p>
           <a:p>
             <a:pPr lvl="1"/>
             <a:r>
-              <a:rPr lang="en-US" altLang="en-US" smtClean="0"/>
+              <a:rPr lang="en-US" altLang="en-US"/>
               <a:t>4. </a:t>
             </a:r>
             <a:r>
-              <a:rPr lang="en-US" altLang="en-US" i="1" smtClean="0"/>
+              <a:rPr lang="en-US" altLang="en-US" i="1"/>
               <a:t>Exploitation</a:t>
             </a:r>
             <a:r>
-              <a:rPr lang="en-US" altLang="en-US" smtClean="0"/>
+              <a:rPr lang="en-US" altLang="en-US"/>
               <a:t> – </a:t>
             </a:r>
           </a:p>
           <a:p>
             <a:pPr lvl="2"/>
             <a:r>
-              <a:rPr lang="en-US" altLang="en-US" smtClean="0"/>
+              <a:rPr lang="en-US" altLang="en-US"/>
               <a:t>triggers the intruder’s exploit</a:t>
             </a:r>
           </a:p>
           <a:p>
             <a:pPr lvl="1"/>
             <a:r>
-              <a:rPr lang="en-US" altLang="en-US" smtClean="0"/>
+              <a:rPr lang="en-US" altLang="en-US"/>
               <a:t>5. </a:t>
             </a:r>
             <a:r>
-              <a:rPr lang="en-US" altLang="en-US" i="1" smtClean="0"/>
+              <a:rPr lang="en-US" altLang="en-US" i="1"/>
               <a:t>Installation</a:t>
             </a:r>
             <a:r>
-              <a:rPr lang="en-US" altLang="en-US" smtClean="0"/>
+              <a:rPr lang="en-US" altLang="en-US"/>
               <a:t> – </a:t>
             </a:r>
           </a:p>
           <a:p>
             <a:pPr lvl="2"/>
             <a:r>
-              <a:rPr lang="en-US" altLang="en-US" smtClean="0"/>
+              <a:rPr lang="en-US" altLang="en-US"/>
               <a:t>the weapon is installed to either attack the computer or install a remote “backdoor”</a:t>
             </a:r>
           </a:p>
@@ -35911,14 +35688,14 @@
           <a:ln/>
           <a:extLst>
             <a:ext uri="{909E8E84-426E-40dd-AFC4-6F175D3DCCD1}">
-              <a14:hiddenFill xmlns:a14="http://schemas.microsoft.com/office/drawing/2010/main">
+              <a14:hiddenFill xmlns="" xmlns:a14="http://schemas.microsoft.com/office/drawing/2010/main">
                 <a:solidFill>
                   <a:srgbClr val="FFFFFF"/>
                 </a:solidFill>
               </a14:hiddenFill>
             </a:ext>
             <a:ext uri="{91240B29-F687-4f45-9708-019B960494DF}">
-              <a14:hiddenLine xmlns:a14="http://schemas.microsoft.com/office/drawing/2010/main" w="9525">
+              <a14:hiddenLine xmlns="" xmlns:a14="http://schemas.microsoft.com/office/drawing/2010/main" w="9525">
                 <a:solidFill>
                   <a:srgbClr val="000000"/>
                 </a:solidFill>
@@ -36093,7 +35870,7 @@
   <p:timing>
     <p:tnLst>
       <p:par>
-        <p:cTn xmlns:p14="http://schemas.microsoft.com/office/powerpoint/2010/main" id="1" dur="indefinite" restart="never" nodeType="tmRoot">
+        <p:cTn id="1" dur="indefinite" restart="never" nodeType="tmRoot">
           <p:childTnLst>
             <p:seq concurrent="1" nextAc="seek">
               <p:cTn id="2" dur="indefinite" nodeType="mainSeq">
@@ -36744,7 +36521,7 @@
           <a:lstStyle/>
           <a:p>
             <a:r>
-              <a:rPr lang="en-US" altLang="en-US" smtClean="0"/>
+              <a:rPr lang="en-US" altLang="en-US"/>
               <a:t>Steps of an Attack</a:t>
             </a:r>
           </a:p>
@@ -36766,52 +36543,52 @@
           <a:lstStyle/>
           <a:p>
             <a:r>
-              <a:rPr lang="en-US" altLang="en-US" b="1" smtClean="0"/>
+              <a:rPr lang="en-US" altLang="en-US" b="1"/>
               <a:t>Cyber Kill Chain </a:t>
             </a:r>
             <a:r>
-              <a:rPr lang="en-US" altLang="en-US" smtClean="0"/>
+              <a:rPr lang="en-US" altLang="en-US"/>
               <a:t>outlines the steps of an attack (cont’d):</a:t>
             </a:r>
           </a:p>
           <a:p>
             <a:pPr lvl="1"/>
             <a:r>
-              <a:rPr lang="en-US" altLang="en-US" smtClean="0"/>
+              <a:rPr lang="en-US" altLang="en-US"/>
               <a:t>6. </a:t>
             </a:r>
             <a:r>
-              <a:rPr lang="en-US" altLang="en-US" i="1" smtClean="0"/>
+              <a:rPr lang="en-US" altLang="en-US" i="1"/>
               <a:t>Command and Control </a:t>
             </a:r>
             <a:r>
-              <a:rPr lang="en-US" altLang="en-US" smtClean="0"/>
+              <a:rPr lang="en-US" altLang="en-US"/>
               <a:t>– </a:t>
             </a:r>
           </a:p>
           <a:p>
             <a:pPr lvl="2"/>
             <a:r>
-              <a:rPr lang="en-US" altLang="en-US" smtClean="0"/>
+              <a:rPr lang="en-US" altLang="en-US"/>
               <a:t>comprised system connects back to attacker so system can be remotely controlled by the attacker</a:t>
             </a:r>
           </a:p>
           <a:p>
             <a:pPr lvl="1"/>
             <a:r>
-              <a:rPr lang="en-US" altLang="en-US" smtClean="0"/>
+              <a:rPr lang="en-US" altLang="en-US"/>
               <a:t>7. </a:t>
             </a:r>
             <a:r>
-              <a:rPr lang="en-US" altLang="en-US" i="1" smtClean="0"/>
+              <a:rPr lang="en-US" altLang="en-US" i="1"/>
               <a:t>Action on Objectives </a:t>
             </a:r>
-            <a:endParaRPr lang="en-US" altLang="en-US" smtClean="0"/>
+            <a:endParaRPr lang="en-US" altLang="en-US"/>
           </a:p>
           <a:p>
             <a:pPr lvl="2"/>
             <a:r>
-              <a:rPr lang="en-US" altLang="en-US" smtClean="0"/>
+              <a:rPr lang="en-US" altLang="en-US"/>
               <a:t>attackers can start to take actions to achieve their original objectives</a:t>
             </a:r>
           </a:p>
@@ -36836,14 +36613,14 @@
           <a:ln/>
           <a:extLst>
             <a:ext uri="{909E8E84-426E-40dd-AFC4-6F175D3DCCD1}">
-              <a14:hiddenFill xmlns:a14="http://schemas.microsoft.com/office/drawing/2010/main">
+              <a14:hiddenFill xmlns="" xmlns:a14="http://schemas.microsoft.com/office/drawing/2010/main">
                 <a:solidFill>
                   <a:srgbClr val="FFFFFF"/>
                 </a:solidFill>
               </a14:hiddenFill>
             </a:ext>
             <a:ext uri="{91240B29-F687-4f45-9708-019B960494DF}">
-              <a14:hiddenLine xmlns:a14="http://schemas.microsoft.com/office/drawing/2010/main" w="9525">
+              <a14:hiddenLine xmlns="" xmlns:a14="http://schemas.microsoft.com/office/drawing/2010/main" w="9525">
                 <a:solidFill>
                   <a:srgbClr val="000000"/>
                 </a:solidFill>
@@ -37018,7 +36795,7 @@
   <p:timing>
     <p:tnLst>
       <p:par>
-        <p:cTn xmlns:p14="http://schemas.microsoft.com/office/powerpoint/2010/main" id="1" dur="indefinite" restart="never" nodeType="tmRoot">
+        <p:cTn id="1" dur="indefinite" restart="never" nodeType="tmRoot">
           <p:childTnLst>
             <p:seq concurrent="1" nextAc="seek">
               <p:cTn id="2" dur="indefinite" nodeType="mainSeq">
@@ -37277,7 +37054,7 @@
           <a:lstStyle/>
           <a:p>
             <a:r>
-              <a:rPr lang="en-US" altLang="en-US" smtClean="0"/>
+              <a:rPr lang="en-US" altLang="en-US"/>
               <a:t>Defenses Against Attacks</a:t>
             </a:r>
           </a:p>
@@ -37304,42 +37081,42 @@
           <a:lstStyle/>
           <a:p>
             <a:r>
-              <a:rPr lang="en-US" altLang="en-US" smtClean="0"/>
+              <a:rPr lang="en-US" altLang="en-US"/>
               <a:t>Five fundamental security principles for defenses:</a:t>
             </a:r>
           </a:p>
           <a:p>
             <a:pPr lvl="1"/>
             <a:r>
-              <a:rPr lang="en-US" altLang="en-US" smtClean="0"/>
+              <a:rPr lang="en-US" altLang="en-US"/>
               <a:t>Layering</a:t>
             </a:r>
           </a:p>
           <a:p>
             <a:pPr lvl="1"/>
             <a:r>
-              <a:rPr lang="en-US" altLang="en-US" smtClean="0"/>
+              <a:rPr lang="en-US" altLang="en-US"/>
               <a:t>Limiting</a:t>
             </a:r>
           </a:p>
           <a:p>
             <a:pPr lvl="1"/>
             <a:r>
-              <a:rPr lang="en-US" altLang="en-US" smtClean="0"/>
+              <a:rPr lang="en-US" altLang="en-US"/>
               <a:t>Diversity</a:t>
             </a:r>
           </a:p>
           <a:p>
             <a:pPr lvl="1"/>
             <a:r>
-              <a:rPr lang="en-US" altLang="en-US" smtClean="0"/>
+              <a:rPr lang="en-US" altLang="en-US"/>
               <a:t>Obscurity</a:t>
             </a:r>
           </a:p>
           <a:p>
             <a:pPr lvl="1"/>
             <a:r>
-              <a:rPr lang="en-US" altLang="en-US" smtClean="0"/>
+              <a:rPr lang="en-US" altLang="en-US"/>
               <a:t>Simplicity</a:t>
             </a:r>
           </a:p>
@@ -37364,14 +37141,14 @@
           <a:ln/>
           <a:extLst>
             <a:ext uri="{909E8E84-426E-40dd-AFC4-6F175D3DCCD1}">
-              <a14:hiddenFill xmlns:a14="http://schemas.microsoft.com/office/drawing/2010/main">
+              <a14:hiddenFill xmlns="" xmlns:a14="http://schemas.microsoft.com/office/drawing/2010/main">
                 <a:solidFill>
                   <a:srgbClr val="FFFFFF"/>
                 </a:solidFill>
               </a14:hiddenFill>
             </a:ext>
             <a:ext uri="{91240B29-F687-4f45-9708-019B960494DF}">
-              <a14:hiddenLine xmlns:a14="http://schemas.microsoft.com/office/drawing/2010/main" w="9525">
+              <a14:hiddenLine xmlns="" xmlns:a14="http://schemas.microsoft.com/office/drawing/2010/main" w="9525">
                 <a:solidFill>
                   <a:srgbClr val="000000"/>
                 </a:solidFill>
@@ -37543,13 +37320,6 @@
   <p:clrMapOvr>
     <a:masterClrMapping/>
   </p:clrMapOvr>
-  <p:timing>
-    <p:tnLst>
-      <p:par>
-        <p:cTn xmlns:p14="http://schemas.microsoft.com/office/powerpoint/2010/main" id="1" dur="indefinite" restart="never" nodeType="tmRoot"/>
-      </p:par>
-    </p:tnLst>
-  </p:timing>
 </p:sld>
 </file>
 
@@ -37586,7 +37356,7 @@
           <a:lstStyle/>
           <a:p>
             <a:r>
-              <a:rPr lang="en-US" altLang="en-US" smtClean="0"/>
+              <a:rPr lang="en-US" altLang="en-US"/>
               <a:t>Layering</a:t>
             </a:r>
           </a:p>
@@ -37608,45 +37378,45 @@
           <a:lstStyle/>
           <a:p>
             <a:r>
-              <a:rPr lang="en-US" altLang="en-US" smtClean="0"/>
+              <a:rPr lang="en-US" altLang="en-US"/>
               <a:t>Must be created in layers</a:t>
             </a:r>
           </a:p>
           <a:p>
             <a:pPr lvl="1"/>
             <a:r>
-              <a:rPr lang="en-US" altLang="en-US" smtClean="0"/>
+              <a:rPr lang="en-US" altLang="en-US"/>
               <a:t>Single defense mechanism may circumvented</a:t>
             </a:r>
           </a:p>
           <a:p>
             <a:pPr lvl="1"/>
             <a:r>
-              <a:rPr lang="en-US" altLang="en-US" smtClean="0"/>
+              <a:rPr lang="en-US" altLang="en-US"/>
               <a:t>Less likely attacker can break through all layers</a:t>
             </a:r>
           </a:p>
           <a:p>
             <a:pPr lvl="1"/>
-            <a:endParaRPr lang="en-US" altLang="en-US" smtClean="0"/>
-          </a:p>
-          <a:p>
-            <a:r>
-              <a:rPr lang="en-US" altLang="en-US" smtClean="0"/>
+            <a:endParaRPr lang="en-US" altLang="en-US"/>
+          </a:p>
+          <a:p>
+            <a:r>
+              <a:rPr lang="en-US" altLang="en-US"/>
               <a:t>Layered security approach</a:t>
             </a:r>
           </a:p>
           <a:p>
             <a:pPr lvl="1"/>
             <a:r>
-              <a:rPr lang="en-US" altLang="en-US" smtClean="0"/>
+              <a:rPr lang="en-US" altLang="en-US"/>
               <a:t>Useful in resisting a variety of attacks</a:t>
             </a:r>
           </a:p>
           <a:p>
             <a:pPr lvl="1"/>
             <a:r>
-              <a:rPr lang="en-US" altLang="en-US" smtClean="0"/>
+              <a:rPr lang="en-US" altLang="en-US"/>
               <a:t>Provides the most comprehensive protection</a:t>
             </a:r>
           </a:p>
@@ -37671,14 +37441,14 @@
           <a:ln/>
           <a:extLst>
             <a:ext uri="{909E8E84-426E-40dd-AFC4-6F175D3DCCD1}">
-              <a14:hiddenFill xmlns:a14="http://schemas.microsoft.com/office/drawing/2010/main">
+              <a14:hiddenFill xmlns="" xmlns:a14="http://schemas.microsoft.com/office/drawing/2010/main">
                 <a:solidFill>
                   <a:srgbClr val="FFFFFF"/>
                 </a:solidFill>
               </a14:hiddenFill>
             </a:ext>
             <a:ext uri="{91240B29-F687-4f45-9708-019B960494DF}">
-              <a14:hiddenLine xmlns:a14="http://schemas.microsoft.com/office/drawing/2010/main" w="9525">
+              <a14:hiddenLine xmlns="" xmlns:a14="http://schemas.microsoft.com/office/drawing/2010/main" w="9525">
                 <a:solidFill>
                   <a:srgbClr val="000000"/>
                 </a:solidFill>
@@ -37853,7 +37623,7 @@
   <p:timing>
     <p:tnLst>
       <p:par>
-        <p:cTn xmlns:p14="http://schemas.microsoft.com/office/powerpoint/2010/main" id="1" dur="indefinite" restart="never" nodeType="tmRoot">
+        <p:cTn id="1" dur="indefinite" restart="never" nodeType="tmRoot">
           <p:childTnLst>
             <p:seq concurrent="1" nextAc="seek">
               <p:cTn id="2" dur="indefinite" nodeType="mainSeq">
@@ -38210,7 +37980,7 @@
           <a:lstStyle/>
           <a:p>
             <a:r>
-              <a:rPr lang="en-US" altLang="en-US" smtClean="0"/>
+              <a:rPr lang="en-US" altLang="en-US"/>
               <a:t>Limiting</a:t>
             </a:r>
           </a:p>
@@ -38232,52 +38002,52 @@
           <a:lstStyle/>
           <a:p>
             <a:r>
-              <a:rPr lang="en-US" altLang="en-US" smtClean="0"/>
+              <a:rPr lang="en-US" altLang="en-US"/>
               <a:t>Limit access to information:</a:t>
             </a:r>
           </a:p>
           <a:p>
             <a:pPr lvl="1"/>
             <a:r>
-              <a:rPr lang="en-US" altLang="en-US" smtClean="0"/>
+              <a:rPr lang="en-US" altLang="en-US"/>
               <a:t>Only those who must use data are granted access</a:t>
             </a:r>
           </a:p>
           <a:p>
             <a:pPr lvl="1"/>
-            <a:endParaRPr lang="en-US" altLang="en-US" smtClean="0"/>
+            <a:endParaRPr lang="en-US" altLang="en-US"/>
           </a:p>
           <a:p>
             <a:pPr lvl="1"/>
             <a:r>
-              <a:rPr lang="en-US" altLang="en-US" smtClean="0"/>
+              <a:rPr lang="en-US" altLang="en-US"/>
               <a:t>Limited to only what they need to do their job</a:t>
             </a:r>
           </a:p>
           <a:p>
-            <a:endParaRPr lang="en-US" altLang="en-US" smtClean="0"/>
-          </a:p>
-          <a:p>
-            <a:r>
-              <a:rPr lang="en-US" altLang="en-US" smtClean="0"/>
+            <a:endParaRPr lang="en-US" altLang="en-US"/>
+          </a:p>
+          <a:p>
+            <a:r>
+              <a:rPr lang="en-US" altLang="en-US"/>
               <a:t>Methods of limiting access</a:t>
             </a:r>
           </a:p>
           <a:p>
             <a:pPr lvl="1"/>
             <a:r>
-              <a:rPr lang="en-US" altLang="en-US" smtClean="0"/>
+              <a:rPr lang="en-US" altLang="en-US"/>
               <a:t>Technology-based - such as file permissions</a:t>
             </a:r>
           </a:p>
           <a:p>
             <a:pPr lvl="1"/>
-            <a:endParaRPr lang="en-US" altLang="en-US" smtClean="0"/>
+            <a:endParaRPr lang="en-US" altLang="en-US"/>
           </a:p>
           <a:p>
             <a:pPr lvl="1"/>
             <a:r>
-              <a:rPr lang="en-US" altLang="en-US" smtClean="0"/>
+              <a:rPr lang="en-US" altLang="en-US"/>
               <a:t>Procedural - such as prohibiting document removal from premises</a:t>
             </a:r>
           </a:p>
@@ -38302,14 +38072,14 @@
           <a:ln/>
           <a:extLst>
             <a:ext uri="{909E8E84-426E-40dd-AFC4-6F175D3DCCD1}">
-              <a14:hiddenFill xmlns:a14="http://schemas.microsoft.com/office/drawing/2010/main">
+              <a14:hiddenFill xmlns="" xmlns:a14="http://schemas.microsoft.com/office/drawing/2010/main">
                 <a:solidFill>
                   <a:srgbClr val="FFFFFF"/>
                 </a:solidFill>
               </a14:hiddenFill>
             </a:ext>
             <a:ext uri="{91240B29-F687-4f45-9708-019B960494DF}">
-              <a14:hiddenLine xmlns:a14="http://schemas.microsoft.com/office/drawing/2010/main" w="9525">
+              <a14:hiddenLine xmlns="" xmlns:a14="http://schemas.microsoft.com/office/drawing/2010/main" w="9525">
                 <a:solidFill>
                   <a:srgbClr val="000000"/>
                 </a:solidFill>
@@ -38484,7 +38254,7 @@
   <p:timing>
     <p:tnLst>
       <p:par>
-        <p:cTn xmlns:p14="http://schemas.microsoft.com/office/powerpoint/2010/main" id="1" dur="indefinite" restart="never" nodeType="tmRoot">
+        <p:cTn id="1" dur="indefinite" restart="never" nodeType="tmRoot">
           <p:childTnLst>
             <p:seq concurrent="1" nextAc="seek">
               <p:cTn id="2" dur="indefinite" nodeType="mainSeq">
@@ -38846,7 +38616,7 @@
           <a:lstStyle/>
           <a:p>
             <a:r>
-              <a:rPr lang="en-US" altLang="en-US" smtClean="0"/>
+              <a:rPr lang="en-US" altLang="en-US"/>
               <a:t>Diversity</a:t>
             </a:r>
           </a:p>
@@ -38876,7 +38646,7 @@
               <a:defRPr/>
             </a:pPr>
             <a:r>
-              <a:rPr lang="en-US" altLang="en-US" dirty="0" smtClean="0">
+              <a:rPr lang="en-US" altLang="en-US" dirty="0">
                 <a:ea typeface="+mn-ea"/>
               </a:rPr>
               <a:t>Closely related to layering</a:t>
@@ -38887,7 +38657,7 @@
               <a:defRPr/>
             </a:pPr>
             <a:r>
-              <a:rPr lang="en-US" altLang="en-US" dirty="0" smtClean="0">
+              <a:rPr lang="en-US" altLang="en-US" dirty="0">
                 <a:ea typeface="ＭＳ Ｐゴシック" charset="0"/>
               </a:rPr>
               <a:t>Layers must be different (diverse)</a:t>
@@ -38899,7 +38669,7 @@
               <a:buNone/>
               <a:defRPr/>
             </a:pPr>
-            <a:endParaRPr lang="en-US" altLang="en-US" dirty="0" smtClean="0">
+            <a:endParaRPr lang="en-US" altLang="en-US" dirty="0">
               <a:ea typeface="ＭＳ Ｐゴシック" charset="0"/>
             </a:endParaRPr>
           </a:p>
@@ -38908,7 +38678,7 @@
               <a:defRPr/>
             </a:pPr>
             <a:r>
-              <a:rPr lang="en-US" altLang="en-US" dirty="0" smtClean="0">
+              <a:rPr lang="en-US" altLang="en-US" dirty="0">
                 <a:ea typeface="+mn-ea"/>
               </a:rPr>
               <a:t>If attackers penetrate one layer:</a:t>
@@ -38919,7 +38689,7 @@
               <a:defRPr/>
             </a:pPr>
             <a:r>
-              <a:rPr lang="en-US" altLang="en-US" dirty="0" smtClean="0">
+              <a:rPr lang="en-US" altLang="en-US" dirty="0">
                 <a:ea typeface="ＭＳ Ｐゴシック" charset="0"/>
               </a:rPr>
               <a:t>techniques unsuccessful against other layers</a:t>
@@ -38929,7 +38699,7 @@
             <a:pPr lvl="1">
               <a:defRPr/>
             </a:pPr>
-            <a:endParaRPr lang="en-US" altLang="en-US" dirty="0" smtClean="0">
+            <a:endParaRPr lang="en-US" altLang="en-US" dirty="0">
               <a:ea typeface="ＭＳ Ｐゴシック" charset="0"/>
             </a:endParaRPr>
           </a:p>
@@ -38938,7 +38708,7 @@
               <a:defRPr/>
             </a:pPr>
             <a:r>
-              <a:rPr lang="en-US" altLang="en-US" dirty="0" smtClean="0">
+              <a:rPr lang="en-US" altLang="en-US" dirty="0">
                 <a:ea typeface="+mn-ea"/>
               </a:rPr>
               <a:t>Breaching one layer does not compromise whole system</a:t>
@@ -38948,7 +38718,7 @@
             <a:pPr>
               <a:defRPr/>
             </a:pPr>
-            <a:endParaRPr lang="en-US" altLang="en-US" dirty="0" smtClean="0">
+            <a:endParaRPr lang="en-US" altLang="en-US" dirty="0">
               <a:ea typeface="+mn-ea"/>
             </a:endParaRPr>
           </a:p>
@@ -38957,7 +38727,7 @@
               <a:defRPr/>
             </a:pPr>
             <a:r>
-              <a:rPr lang="en-US" altLang="en-US" dirty="0" smtClean="0">
+              <a:rPr lang="en-US" altLang="en-US" dirty="0">
                 <a:ea typeface="+mn-ea"/>
               </a:rPr>
               <a:t>Example of diversity</a:t>
@@ -38968,7 +38738,7 @@
               <a:defRPr/>
             </a:pPr>
             <a:r>
-              <a:rPr lang="en-US" altLang="en-US" dirty="0" smtClean="0">
+              <a:rPr lang="en-US" altLang="en-US" dirty="0">
                 <a:ea typeface="ＭＳ Ｐゴシック" charset="0"/>
               </a:rPr>
               <a:t>Use security products from different manufacturers</a:t>
@@ -38995,14 +38765,14 @@
           <a:ln/>
           <a:extLst>
             <a:ext uri="{909E8E84-426E-40dd-AFC4-6F175D3DCCD1}">
-              <a14:hiddenFill xmlns:a14="http://schemas.microsoft.com/office/drawing/2010/main">
+              <a14:hiddenFill xmlns="" xmlns:a14="http://schemas.microsoft.com/office/drawing/2010/main">
                 <a:solidFill>
                   <a:srgbClr val="FFFFFF"/>
                 </a:solidFill>
               </a14:hiddenFill>
             </a:ext>
             <a:ext uri="{91240B29-F687-4f45-9708-019B960494DF}">
-              <a14:hiddenLine xmlns:a14="http://schemas.microsoft.com/office/drawing/2010/main" w="9525">
+              <a14:hiddenLine xmlns="" xmlns:a14="http://schemas.microsoft.com/office/drawing/2010/main" w="9525">
                 <a:solidFill>
                   <a:srgbClr val="000000"/>
                 </a:solidFill>
@@ -39177,7 +38947,7 @@
   <p:timing>
     <p:tnLst>
       <p:par>
-        <p:cTn xmlns:p14="http://schemas.microsoft.com/office/powerpoint/2010/main" id="1" dur="indefinite" restart="never" nodeType="tmRoot">
+        <p:cTn id="1" dur="indefinite" restart="never" nodeType="tmRoot">
           <p:childTnLst>
             <p:seq concurrent="1" nextAc="seek">
               <p:cTn id="2" dur="indefinite" nodeType="mainSeq">
@@ -39583,7 +39353,7 @@
           <a:lstStyle/>
           <a:p>
             <a:r>
-              <a:rPr lang="en-US" altLang="en-US" smtClean="0"/>
+              <a:rPr lang="en-US" altLang="en-US"/>
               <a:t>Difficulties in Defending Against Attacks</a:t>
             </a:r>
           </a:p>
@@ -39605,31 +39375,31 @@
           <a:lstStyle/>
           <a:p>
             <a:r>
-              <a:rPr lang="en-US" altLang="en-US" i="1" smtClean="0"/>
+              <a:rPr lang="en-US" altLang="en-US" i="1"/>
               <a:t>Universally connected devices</a:t>
             </a:r>
           </a:p>
           <a:p>
             <a:r>
-              <a:rPr lang="en-US" altLang="en-US" i="1" smtClean="0"/>
+              <a:rPr lang="en-US" altLang="en-US" i="1"/>
               <a:t>Increased speed of attacks</a:t>
             </a:r>
           </a:p>
           <a:p>
             <a:r>
-              <a:rPr lang="en-US" altLang="en-US" i="1" smtClean="0"/>
+              <a:rPr lang="en-US" altLang="en-US" i="1"/>
               <a:t>Greater sophistication of attacks</a:t>
             </a:r>
           </a:p>
           <a:p>
             <a:r>
-              <a:rPr lang="en-US" altLang="en-US" i="1" smtClean="0"/>
+              <a:rPr lang="en-US" altLang="en-US" i="1"/>
               <a:t>Availability and simplicity of attack tools</a:t>
             </a:r>
           </a:p>
           <a:p>
             <a:r>
-              <a:rPr lang="en-US" altLang="en-US" i="1" smtClean="0"/>
+              <a:rPr lang="en-US" altLang="en-US" i="1"/>
               <a:t>Faster detection of vulnerabilities</a:t>
             </a:r>
           </a:p>
@@ -39654,14 +39424,14 @@
           <a:ln/>
           <a:extLst>
             <a:ext uri="{909E8E84-426E-40dd-AFC4-6F175D3DCCD1}">
-              <a14:hiddenFill xmlns:a14="http://schemas.microsoft.com/office/drawing/2010/main">
+              <a14:hiddenFill xmlns="" xmlns:a14="http://schemas.microsoft.com/office/drawing/2010/main">
                 <a:solidFill>
                   <a:srgbClr val="FFFFFF"/>
                 </a:solidFill>
               </a14:hiddenFill>
             </a:ext>
             <a:ext uri="{91240B29-F687-4f45-9708-019B960494DF}">
-              <a14:hiddenLine xmlns:a14="http://schemas.microsoft.com/office/drawing/2010/main" w="9525">
+              <a14:hiddenLine xmlns="" xmlns:a14="http://schemas.microsoft.com/office/drawing/2010/main" w="9525">
                 <a:solidFill>
                   <a:srgbClr val="000000"/>
                 </a:solidFill>
@@ -39836,7 +39606,7 @@
   <p:timing>
     <p:tnLst>
       <p:par>
-        <p:cTn xmlns:p14="http://schemas.microsoft.com/office/powerpoint/2010/main" id="1" dur="indefinite" restart="never" nodeType="tmRoot">
+        <p:cTn id="1" dur="indefinite" restart="never" nodeType="tmRoot">
           <p:childTnLst>
             <p:seq concurrent="1" nextAc="seek">
               <p:cTn id="2" dur="indefinite" nodeType="mainSeq">
@@ -40144,7 +39914,7 @@
           <a:lstStyle/>
           <a:p>
             <a:r>
-              <a:rPr lang="en-US" altLang="en-US" smtClean="0"/>
+              <a:rPr lang="en-US" altLang="en-US"/>
               <a:t>Obscurity</a:t>
             </a:r>
           </a:p>
@@ -40166,47 +39936,47 @@
           <a:lstStyle/>
           <a:p>
             <a:r>
-              <a:rPr lang="en-US" altLang="en-US" smtClean="0"/>
+              <a:rPr lang="en-US" altLang="en-US"/>
               <a:t>Obscuring inside details to outsiders</a:t>
             </a:r>
           </a:p>
           <a:p>
-            <a:endParaRPr lang="en-US" altLang="en-US" smtClean="0"/>
-          </a:p>
-          <a:p>
-            <a:r>
-              <a:rPr lang="en-US" altLang="en-US" smtClean="0"/>
+            <a:endParaRPr lang="en-US" altLang="en-US"/>
+          </a:p>
+          <a:p>
+            <a:r>
+              <a:rPr lang="en-US" altLang="en-US"/>
               <a:t>Example: not revealing details</a:t>
             </a:r>
           </a:p>
           <a:p>
             <a:pPr lvl="1"/>
             <a:r>
-              <a:rPr lang="en-US" altLang="en-US" smtClean="0"/>
+              <a:rPr lang="en-US" altLang="en-US"/>
               <a:t>Type of computer</a:t>
             </a:r>
           </a:p>
           <a:p>
             <a:pPr lvl="1"/>
             <a:r>
-              <a:rPr lang="en-US" altLang="en-US" smtClean="0"/>
+              <a:rPr lang="en-US" altLang="en-US"/>
               <a:t>Operating system version</a:t>
             </a:r>
           </a:p>
           <a:p>
             <a:pPr lvl="1"/>
             <a:r>
-              <a:rPr lang="en-US" altLang="en-US" smtClean="0"/>
+              <a:rPr lang="en-US" altLang="en-US"/>
               <a:t>Brand of software used</a:t>
             </a:r>
           </a:p>
           <a:p>
             <a:pPr lvl="1"/>
-            <a:endParaRPr lang="en-US" altLang="en-US" smtClean="0"/>
-          </a:p>
-          <a:p>
-            <a:r>
-              <a:rPr lang="en-US" altLang="en-US" smtClean="0"/>
+            <a:endParaRPr lang="en-US" altLang="en-US"/>
+          </a:p>
+          <a:p>
+            <a:r>
+              <a:rPr lang="en-US" altLang="en-US"/>
               <a:t>Difficult to devise attack if system details are unknown</a:t>
             </a:r>
           </a:p>
@@ -40231,14 +40001,14 @@
           <a:ln/>
           <a:extLst>
             <a:ext uri="{909E8E84-426E-40dd-AFC4-6F175D3DCCD1}">
-              <a14:hiddenFill xmlns:a14="http://schemas.microsoft.com/office/drawing/2010/main">
+              <a14:hiddenFill xmlns="" xmlns:a14="http://schemas.microsoft.com/office/drawing/2010/main">
                 <a:solidFill>
                   <a:srgbClr val="FFFFFF"/>
                 </a:solidFill>
               </a14:hiddenFill>
             </a:ext>
             <a:ext uri="{91240B29-F687-4f45-9708-019B960494DF}">
-              <a14:hiddenLine xmlns:a14="http://schemas.microsoft.com/office/drawing/2010/main" w="9525">
+              <a14:hiddenLine xmlns="" xmlns:a14="http://schemas.microsoft.com/office/drawing/2010/main" w="9525">
                 <a:solidFill>
                   <a:srgbClr val="000000"/>
                 </a:solidFill>
@@ -40413,7 +40183,7 @@
   <p:timing>
     <p:tnLst>
       <p:par>
-        <p:cTn xmlns:p14="http://schemas.microsoft.com/office/powerpoint/2010/main" id="1" dur="indefinite" restart="never" nodeType="tmRoot">
+        <p:cTn id="1" dur="indefinite" restart="never" nodeType="tmRoot">
           <p:childTnLst>
             <p:seq concurrent="1" nextAc="seek">
               <p:cTn id="2" dur="indefinite" nodeType="mainSeq">
@@ -40770,7 +40540,7 @@
           <a:lstStyle/>
           <a:p>
             <a:r>
-              <a:rPr lang="en-US" altLang="en-US" smtClean="0"/>
+              <a:rPr lang="en-US" altLang="en-US"/>
               <a:t>Simplicity</a:t>
             </a:r>
           </a:p>
@@ -40792,47 +40562,47 @@
           <a:lstStyle/>
           <a:p>
             <a:r>
-              <a:rPr lang="en-US" altLang="en-US" smtClean="0"/>
+              <a:rPr lang="en-US" altLang="en-US"/>
               <a:t>Nature of information security is complex</a:t>
             </a:r>
           </a:p>
           <a:p>
-            <a:endParaRPr lang="en-US" altLang="en-US" smtClean="0"/>
-          </a:p>
-          <a:p>
-            <a:r>
-              <a:rPr lang="en-US" altLang="en-US" smtClean="0"/>
+            <a:endParaRPr lang="en-US" altLang="en-US"/>
+          </a:p>
+          <a:p>
+            <a:r>
+              <a:rPr lang="en-US" altLang="en-US"/>
               <a:t>Complex security systems:</a:t>
             </a:r>
           </a:p>
           <a:p>
             <a:pPr lvl="1"/>
             <a:r>
-              <a:rPr lang="en-US" altLang="en-US" smtClean="0"/>
+              <a:rPr lang="en-US" altLang="en-US"/>
               <a:t>Difficult to understand and troubleshoot</a:t>
             </a:r>
           </a:p>
           <a:p>
             <a:pPr lvl="1"/>
             <a:r>
-              <a:rPr lang="en-US" altLang="en-US" smtClean="0"/>
+              <a:rPr lang="en-US" altLang="en-US"/>
               <a:t>Often compromised for ease of use by trusted users</a:t>
             </a:r>
           </a:p>
           <a:p>
             <a:pPr lvl="1"/>
-            <a:endParaRPr lang="en-US" altLang="en-US" smtClean="0"/>
-          </a:p>
-          <a:p>
-            <a:r>
-              <a:rPr lang="en-US" altLang="en-US" smtClean="0"/>
+            <a:endParaRPr lang="en-US" altLang="en-US"/>
+          </a:p>
+          <a:p>
+            <a:r>
+              <a:rPr lang="en-US" altLang="en-US"/>
               <a:t>A secure system should be simple from the inside</a:t>
             </a:r>
           </a:p>
           <a:p>
             <a:pPr lvl="1"/>
             <a:r>
-              <a:rPr lang="en-US" altLang="en-US" smtClean="0"/>
+              <a:rPr lang="en-US" altLang="en-US"/>
               <a:t>But complex from the outside</a:t>
             </a:r>
           </a:p>
@@ -40857,14 +40627,14 @@
           <a:ln/>
           <a:extLst>
             <a:ext uri="{909E8E84-426E-40dd-AFC4-6F175D3DCCD1}">
-              <a14:hiddenFill xmlns:a14="http://schemas.microsoft.com/office/drawing/2010/main">
+              <a14:hiddenFill xmlns="" xmlns:a14="http://schemas.microsoft.com/office/drawing/2010/main">
                 <a:solidFill>
                   <a:srgbClr val="FFFFFF"/>
                 </a:solidFill>
               </a14:hiddenFill>
             </a:ext>
             <a:ext uri="{91240B29-F687-4f45-9708-019B960494DF}">
-              <a14:hiddenLine xmlns:a14="http://schemas.microsoft.com/office/drawing/2010/main" w="9525">
+              <a14:hiddenLine xmlns="" xmlns:a14="http://schemas.microsoft.com/office/drawing/2010/main" w="9525">
                 <a:solidFill>
                   <a:srgbClr val="000000"/>
                 </a:solidFill>
@@ -41039,7 +40809,7 @@
   <p:timing>
     <p:tnLst>
       <p:par>
-        <p:cTn xmlns:p14="http://schemas.microsoft.com/office/powerpoint/2010/main" id="1" dur="indefinite" restart="never" nodeType="tmRoot">
+        <p:cTn id="1" dur="indefinite" restart="never" nodeType="tmRoot">
           <p:childTnLst>
             <p:seq concurrent="1" nextAc="seek">
               <p:cTn id="2" dur="indefinite" nodeType="mainSeq">
@@ -41396,7 +41166,7 @@
           <a:lstStyle/>
           <a:p>
             <a:r>
-              <a:rPr lang="en-US" altLang="en-US" smtClean="0"/>
+              <a:rPr lang="en-US" altLang="en-US"/>
               <a:t>Difficulties in Defending Against Attacks</a:t>
             </a:r>
           </a:p>
@@ -41423,31 +41193,31 @@
           <a:lstStyle/>
           <a:p>
             <a:r>
-              <a:rPr lang="en-US" altLang="en-US" i="1" smtClean="0"/>
+              <a:rPr lang="en-US" altLang="en-US" i="1"/>
               <a:t>Delays in security updating</a:t>
             </a:r>
           </a:p>
           <a:p>
             <a:r>
-              <a:rPr lang="en-US" altLang="en-US" i="1" smtClean="0"/>
+              <a:rPr lang="en-US" altLang="en-US" i="1"/>
               <a:t>Weak security update distribution </a:t>
             </a:r>
           </a:p>
           <a:p>
             <a:r>
-              <a:rPr lang="en-US" altLang="en-US" i="1" smtClean="0"/>
+              <a:rPr lang="en-US" altLang="en-US" i="1"/>
               <a:t>Distributed attacks</a:t>
             </a:r>
           </a:p>
           <a:p>
             <a:r>
-              <a:rPr lang="en-US" altLang="en-US" i="1" smtClean="0"/>
+              <a:rPr lang="en-US" altLang="en-US" i="1"/>
               <a:t>Introduction of BYOD</a:t>
             </a:r>
           </a:p>
           <a:p>
             <a:r>
-              <a:rPr lang="en-US" altLang="en-US" i="1" smtClean="0"/>
+              <a:rPr lang="en-US" altLang="en-US" i="1"/>
               <a:t>User confusion</a:t>
             </a:r>
           </a:p>
@@ -41472,14 +41242,14 @@
           <a:ln/>
           <a:extLst>
             <a:ext uri="{909E8E84-426E-40dd-AFC4-6F175D3DCCD1}">
-              <a14:hiddenFill xmlns:a14="http://schemas.microsoft.com/office/drawing/2010/main">
+              <a14:hiddenFill xmlns="" xmlns:a14="http://schemas.microsoft.com/office/drawing/2010/main">
                 <a:solidFill>
                   <a:srgbClr val="FFFFFF"/>
                 </a:solidFill>
               </a14:hiddenFill>
             </a:ext>
             <a:ext uri="{91240B29-F687-4f45-9708-019B960494DF}">
-              <a14:hiddenLine xmlns:a14="http://schemas.microsoft.com/office/drawing/2010/main" w="9525">
+              <a14:hiddenLine xmlns="" xmlns:a14="http://schemas.microsoft.com/office/drawing/2010/main" w="9525">
                 <a:solidFill>
                   <a:srgbClr val="000000"/>
                 </a:solidFill>
@@ -41654,7 +41424,7 @@
   <p:timing>
     <p:tnLst>
       <p:par>
-        <p:cTn xmlns:p14="http://schemas.microsoft.com/office/powerpoint/2010/main" id="1" dur="indefinite" restart="never" nodeType="tmRoot">
+        <p:cTn id="1" dur="indefinite" restart="never" nodeType="tmRoot">
           <p:childTnLst>
             <p:seq concurrent="1" nextAc="seek">
               <p:cTn id="2" dur="indefinite" nodeType="mainSeq">
@@ -41962,7 +41732,7 @@
           <a:lstStyle/>
           <a:p>
             <a:r>
-              <a:rPr lang="en-US" altLang="en-US" smtClean="0"/>
+              <a:rPr lang="en-US" altLang="en-US"/>
               <a:t>Understanding Security</a:t>
             </a:r>
           </a:p>
@@ -41989,47 +41759,47 @@
           <a:lstStyle/>
           <a:p>
             <a:r>
-              <a:rPr lang="en-US" altLang="en-US" smtClean="0"/>
+              <a:rPr lang="en-US" altLang="en-US"/>
               <a:t>Security is:</a:t>
             </a:r>
           </a:p>
           <a:p>
             <a:pPr lvl="1"/>
             <a:r>
-              <a:rPr lang="en-US" altLang="en-US" smtClean="0"/>
+              <a:rPr lang="en-US" altLang="en-US"/>
               <a:t>The goal: free from danger</a:t>
             </a:r>
           </a:p>
           <a:p>
             <a:pPr lvl="1"/>
             <a:r>
-              <a:rPr lang="en-US" altLang="en-US" smtClean="0"/>
+              <a:rPr lang="en-US" altLang="en-US"/>
               <a:t>The process that achieves that freedom</a:t>
             </a:r>
           </a:p>
           <a:p>
             <a:r>
-              <a:rPr lang="en-US" altLang="en-US" smtClean="0"/>
+              <a:rPr lang="en-US" altLang="en-US"/>
               <a:t>Harm/danger comes from one of two sources:</a:t>
             </a:r>
           </a:p>
           <a:p>
             <a:pPr lvl="1"/>
             <a:r>
-              <a:rPr lang="en-US" altLang="en-US" smtClean="0"/>
+              <a:rPr lang="en-US" altLang="en-US"/>
               <a:t>A direct action that is intended to inflict damage</a:t>
             </a:r>
           </a:p>
           <a:p>
             <a:pPr lvl="1"/>
             <a:r>
-              <a:rPr lang="en-US" altLang="en-US" smtClean="0"/>
+              <a:rPr lang="en-US" altLang="en-US"/>
               <a:t>An indirect and unintentional action</a:t>
             </a:r>
           </a:p>
           <a:p>
             <a:r>
-              <a:rPr lang="en-US" altLang="en-US" smtClean="0"/>
+              <a:rPr lang="en-US" altLang="en-US"/>
               <a:t>Security increases often result in loss of</a:t>
             </a:r>
           </a:p>
@@ -42054,14 +41824,14 @@
           <a:ln/>
           <a:extLst>
             <a:ext uri="{909E8E84-426E-40dd-AFC4-6F175D3DCCD1}">
-              <a14:hiddenFill xmlns:a14="http://schemas.microsoft.com/office/drawing/2010/main">
+              <a14:hiddenFill xmlns="" xmlns:a14="http://schemas.microsoft.com/office/drawing/2010/main">
                 <a:solidFill>
                   <a:srgbClr val="FFFFFF"/>
                 </a:solidFill>
               </a14:hiddenFill>
             </a:ext>
             <a:ext uri="{91240B29-F687-4f45-9708-019B960494DF}">
-              <a14:hiddenLine xmlns:a14="http://schemas.microsoft.com/office/drawing/2010/main" w="9525">
+              <a14:hiddenLine xmlns="" xmlns:a14="http://schemas.microsoft.com/office/drawing/2010/main" w="9525">
                 <a:solidFill>
                   <a:srgbClr val="000000"/>
                 </a:solidFill>
@@ -42236,7 +42006,7 @@
   <p:timing>
     <p:tnLst>
       <p:par>
-        <p:cTn xmlns:p14="http://schemas.microsoft.com/office/powerpoint/2010/main" id="1" dur="indefinite" restart="never" nodeType="tmRoot">
+        <p:cTn id="1" dur="indefinite" restart="never" nodeType="tmRoot">
           <p:childTnLst>
             <p:seq concurrent="1" nextAc="seek">
               <p:cTn id="2" dur="indefinite" nodeType="mainSeq">
@@ -42642,7 +42412,7 @@
           <a:lstStyle/>
           <a:p>
             <a:r>
-              <a:rPr lang="en-US" altLang="en-US" smtClean="0"/>
+              <a:rPr lang="en-US" altLang="en-US"/>
               <a:t>Understanding Security</a:t>
             </a:r>
           </a:p>
@@ -42667,14 +42437,14 @@
           <a:ln/>
           <a:extLst>
             <a:ext uri="{909E8E84-426E-40dd-AFC4-6F175D3DCCD1}">
-              <a14:hiddenFill xmlns:a14="http://schemas.microsoft.com/office/drawing/2010/main">
+              <a14:hiddenFill xmlns="" xmlns:a14="http://schemas.microsoft.com/office/drawing/2010/main">
                 <a:solidFill>
                   <a:srgbClr val="FFFFFF"/>
                 </a:solidFill>
               </a14:hiddenFill>
             </a:ext>
             <a:ext uri="{91240B29-F687-4f45-9708-019B960494DF}">
-              <a14:hiddenLine xmlns:a14="http://schemas.microsoft.com/office/drawing/2010/main" w="9525">
+              <a14:hiddenLine xmlns="" xmlns:a14="http://schemas.microsoft.com/office/drawing/2010/main" w="9525">
                 <a:solidFill>
                   <a:srgbClr val="000000"/>
                 </a:solidFill>
@@ -42870,13 +42640,6 @@
   <p:clrMapOvr>
     <a:masterClrMapping/>
   </p:clrMapOvr>
-  <p:timing>
-    <p:tnLst>
-      <p:par>
-        <p:cTn xmlns:p14="http://schemas.microsoft.com/office/powerpoint/2010/main" id="1" dur="indefinite" restart="never" nodeType="tmRoot"/>
-      </p:par>
-    </p:tnLst>
-  </p:timing>
 </p:sld>
 </file>
 
@@ -42913,7 +42676,7 @@
           <a:lstStyle/>
           <a:p>
             <a:r>
-              <a:rPr lang="en-US" altLang="en-US" smtClean="0"/>
+              <a:rPr lang="en-US" altLang="en-US"/>
               <a:t>Defining Information Security</a:t>
             </a:r>
           </a:p>
@@ -42935,68 +42698,68 @@
           <a:lstStyle/>
           <a:p>
             <a:r>
-              <a:rPr lang="en-US" altLang="en-US" b="1" smtClean="0"/>
+              <a:rPr lang="en-US" altLang="en-US" b="1"/>
               <a:t>Information security </a:t>
             </a:r>
           </a:p>
           <a:p>
             <a:pPr lvl="1"/>
             <a:r>
-              <a:rPr lang="en-US" altLang="en-US" smtClean="0"/>
+              <a:rPr lang="en-US" altLang="en-US"/>
               <a:t>the tasks of securing digital information</a:t>
             </a:r>
           </a:p>
           <a:p>
             <a:r>
-              <a:rPr lang="en-US" altLang="en-US" smtClean="0"/>
+              <a:rPr lang="en-US" altLang="en-US"/>
               <a:t>Manipulated by a microprocessor</a:t>
             </a:r>
           </a:p>
           <a:p>
             <a:pPr lvl="1"/>
             <a:r>
-              <a:rPr lang="en-US" altLang="en-US" smtClean="0"/>
+              <a:rPr lang="en-US" altLang="en-US"/>
               <a:t>Stored on a storage device</a:t>
             </a:r>
           </a:p>
           <a:p>
             <a:pPr lvl="1"/>
             <a:r>
-              <a:rPr lang="en-US" altLang="en-US" smtClean="0"/>
+              <a:rPr lang="en-US" altLang="en-US"/>
               <a:t>Transmitted over a network</a:t>
             </a:r>
           </a:p>
           <a:p>
             <a:r>
-              <a:rPr lang="en-US" altLang="en-US" smtClean="0"/>
+              <a:rPr lang="en-US" altLang="en-US"/>
               <a:t>Information security goal: </a:t>
             </a:r>
           </a:p>
           <a:p>
             <a:pPr lvl="1"/>
             <a:r>
-              <a:rPr lang="en-US" altLang="en-US" smtClean="0"/>
+              <a:rPr lang="en-US" altLang="en-US"/>
               <a:t>ensure that protective measures are</a:t>
             </a:r>
           </a:p>
           <a:p>
             <a:pPr lvl="2"/>
             <a:r>
-              <a:rPr lang="en-US" altLang="en-US" smtClean="0"/>
+              <a:rPr lang="en-US" altLang="en-US"/>
               <a:t> are properly implemented </a:t>
             </a:r>
           </a:p>
           <a:p>
             <a:pPr lvl="2"/>
             <a:r>
-              <a:rPr lang="en-US" altLang="en-US" smtClean="0"/>
+              <a:rPr lang="en-US" altLang="en-US"/>
               <a:t>ward off attacks </a:t>
             </a:r>
           </a:p>
           <a:p>
             <a:pPr lvl="2"/>
             <a:r>
-              <a:rPr lang="en-US" altLang="en-US" smtClean="0"/>
+              <a:rPr lang="en-US" altLang="en-US"/>
               <a:t>prevent the total collapse of the system when an attack occurs</a:t>
             </a:r>
           </a:p>
@@ -43021,14 +42784,14 @@
           <a:ln/>
           <a:extLst>
             <a:ext uri="{909E8E84-426E-40dd-AFC4-6F175D3DCCD1}">
-              <a14:hiddenFill xmlns:a14="http://schemas.microsoft.com/office/drawing/2010/main">
+              <a14:hiddenFill xmlns="" xmlns:a14="http://schemas.microsoft.com/office/drawing/2010/main">
                 <a:solidFill>
                   <a:srgbClr val="FFFFFF"/>
                 </a:solidFill>
               </a14:hiddenFill>
             </a:ext>
             <a:ext uri="{91240B29-F687-4f45-9708-019B960494DF}">
-              <a14:hiddenLine xmlns:a14="http://schemas.microsoft.com/office/drawing/2010/main" w="9525">
+              <a14:hiddenLine xmlns="" xmlns:a14="http://schemas.microsoft.com/office/drawing/2010/main" w="9525">
                 <a:solidFill>
                   <a:srgbClr val="000000"/>
                 </a:solidFill>
@@ -43203,7 +42966,7 @@
   <p:timing>
     <p:tnLst>
       <p:par>
-        <p:cTn xmlns:p14="http://schemas.microsoft.com/office/powerpoint/2010/main" id="1" dur="indefinite" restart="never" nodeType="tmRoot">
+        <p:cTn id="1" dur="indefinite" restart="never" nodeType="tmRoot">
           <p:childTnLst>
             <p:seq concurrent="1" nextAc="seek">
               <p:cTn id="2" dur="indefinite" nodeType="mainSeq">
@@ -43756,7 +43519,7 @@
           <a:lstStyle/>
           <a:p>
             <a:r>
-              <a:rPr lang="en-US" altLang="en-US" smtClean="0"/>
+              <a:rPr lang="en-US" altLang="en-US"/>
               <a:t>Defining Information Security</a:t>
             </a:r>
           </a:p>
@@ -43781,7 +43544,7 @@
               <a:defRPr/>
             </a:pPr>
             <a:r>
-              <a:rPr lang="en-US" altLang="en-US" dirty="0" smtClean="0">
+              <a:rPr lang="en-US" altLang="en-US" dirty="0">
                 <a:ea typeface="+mn-ea"/>
               </a:rPr>
               <a:t>Three types of information protection: (CIA)</a:t>
@@ -43793,7 +43556,7 @@
               <a:buNone/>
               <a:defRPr/>
             </a:pPr>
-            <a:endParaRPr lang="en-US" altLang="en-US" dirty="0" smtClean="0">
+            <a:endParaRPr lang="en-US" altLang="en-US" dirty="0">
               <a:ea typeface="+mn-ea"/>
             </a:endParaRPr>
           </a:p>
@@ -43802,7 +43565,7 @@
               <a:defRPr/>
             </a:pPr>
             <a:r>
-              <a:rPr lang="en-US" altLang="en-US" dirty="0" smtClean="0">
+              <a:rPr lang="en-US" altLang="en-US" dirty="0">
                 <a:ea typeface="ＭＳ Ｐゴシック" charset="0"/>
               </a:rPr>
               <a:t>Confidentiality</a:t>
@@ -43813,7 +43576,7 @@
               <a:defRPr/>
             </a:pPr>
             <a:r>
-              <a:rPr lang="en-US" altLang="en-US" dirty="0" smtClean="0">
+              <a:rPr lang="en-US" altLang="en-US" dirty="0">
                 <a:ea typeface="ＭＳ Ｐゴシック" charset="0"/>
               </a:rPr>
               <a:t>Only approved individuals may access information</a:t>
@@ -43823,7 +43586,7 @@
             <a:pPr lvl="1">
               <a:defRPr/>
             </a:pPr>
-            <a:endParaRPr lang="en-US" altLang="en-US" dirty="0" smtClean="0">
+            <a:endParaRPr lang="en-US" altLang="en-US" dirty="0">
               <a:ea typeface="ＭＳ Ｐゴシック" charset="0"/>
             </a:endParaRPr>
           </a:p>
@@ -43832,7 +43595,7 @@
               <a:defRPr/>
             </a:pPr>
             <a:r>
-              <a:rPr lang="en-US" altLang="en-US" dirty="0" smtClean="0">
+              <a:rPr lang="en-US" altLang="en-US" dirty="0">
                 <a:ea typeface="ＭＳ Ｐゴシック" charset="0"/>
               </a:rPr>
               <a:t>Integrity</a:t>
@@ -43843,7 +43606,7 @@
               <a:defRPr/>
             </a:pPr>
             <a:r>
-              <a:rPr lang="en-US" altLang="en-US" dirty="0" smtClean="0">
+              <a:rPr lang="en-US" altLang="en-US" dirty="0">
                 <a:ea typeface="ＭＳ Ｐゴシック" charset="0"/>
               </a:rPr>
               <a:t>Information is correct and unaltered</a:t>
@@ -43853,7 +43616,7 @@
             <a:pPr lvl="1">
               <a:defRPr/>
             </a:pPr>
-            <a:endParaRPr lang="en-US" altLang="en-US" dirty="0" smtClean="0">
+            <a:endParaRPr lang="en-US" altLang="en-US" dirty="0">
               <a:ea typeface="ＭＳ Ｐゴシック" charset="0"/>
             </a:endParaRPr>
           </a:p>
@@ -43862,7 +43625,7 @@
               <a:defRPr/>
             </a:pPr>
             <a:r>
-              <a:rPr lang="en-US" altLang="en-US" dirty="0" smtClean="0">
+              <a:rPr lang="en-US" altLang="en-US" dirty="0">
                 <a:ea typeface="ＭＳ Ｐゴシック" charset="0"/>
               </a:rPr>
               <a:t>Availability</a:t>
@@ -43873,7 +43636,7 @@
               <a:defRPr/>
             </a:pPr>
             <a:r>
-              <a:rPr lang="en-US" altLang="en-US" dirty="0" smtClean="0">
+              <a:rPr lang="en-US" altLang="en-US" dirty="0">
                 <a:ea typeface="ＭＳ Ｐゴシック" charset="0"/>
               </a:rPr>
               <a:t>Information is accessible to authorized users</a:t>
@@ -43900,14 +43663,14 @@
           <a:ln/>
           <a:extLst>
             <a:ext uri="{909E8E84-426E-40dd-AFC4-6F175D3DCCD1}">
-              <a14:hiddenFill xmlns:a14="http://schemas.microsoft.com/office/drawing/2010/main">
+              <a14:hiddenFill xmlns="" xmlns:a14="http://schemas.microsoft.com/office/drawing/2010/main">
                 <a:solidFill>
                   <a:srgbClr val="FFFFFF"/>
                 </a:solidFill>
               </a14:hiddenFill>
             </a:ext>
             <a:ext uri="{91240B29-F687-4f45-9708-019B960494DF}">
-              <a14:hiddenLine xmlns:a14="http://schemas.microsoft.com/office/drawing/2010/main" w="9525">
+              <a14:hiddenLine xmlns="" xmlns:a14="http://schemas.microsoft.com/office/drawing/2010/main" w="9525">
                 <a:solidFill>
                   <a:srgbClr val="000000"/>
                 </a:solidFill>
@@ -44082,7 +43845,7 @@
   <p:timing>
     <p:tnLst>
       <p:par>
-        <p:cTn xmlns:p14="http://schemas.microsoft.com/office/powerpoint/2010/main" id="1" dur="indefinite" restart="never" nodeType="tmRoot">
+        <p:cTn id="1" dur="indefinite" restart="never" nodeType="tmRoot">
           <p:childTnLst>
             <p:seq concurrent="1" nextAc="seek">
               <p:cTn id="2" dur="indefinite" nodeType="mainSeq">
